--- a/PPT/math.pptx
+++ b/PPT/math.pptx
@@ -4,6 +4,9 @@
   <p:sldMasterIdLst>
     <p:sldMasterId id="2147483648" r:id="rId1"/>
   </p:sldMasterIdLst>
+  <p:sldIdLst>
+    <p:sldId id="256" r:id="rId2"/>
+  </p:sldIdLst>
   <p:sldSz cx="12192000" cy="6858000"/>
   <p:notesSz cx="6858000" cy="9144000"/>
   <p:defaultTextStyle>
@@ -101,6 +104,11 @@
       </a:defRPr>
     </a:lvl9pPr>
   </p:defaultTextStyle>
+  <p:extLst>
+    <p:ext uri="{EFAFB233-063F-42B5-8137-9DF3F51BA10A}">
+      <p15:sldGuideLst xmlns:p15="http://schemas.microsoft.com/office/powerpoint/2012/main"/>
+    </p:ext>
+  </p:extLst>
 </p:presentation>
 </file>
 
@@ -146,10 +154,9 @@
           </a:lstStyle>
           <a:p>
             <a:r>
-              <a:rPr lang="zh-CN" altLang="en-US" smtClean="0"/>
+              <a:rPr lang="zh-CN" altLang="en-US"/>
               <a:t>单击此处编辑母版标题样式</a:t>
             </a:r>
-            <a:endParaRPr lang="zh-CN" altLang="en-US"/>
           </a:p>
         </p:txBody>
       </p:sp>
@@ -211,10 +218,9 @@
           </a:lstStyle>
           <a:p>
             <a:r>
-              <a:rPr lang="zh-CN" altLang="en-US" smtClean="0"/>
+              <a:rPr lang="zh-CN" altLang="en-US"/>
               <a:t>单击此处编辑母版副标题样式</a:t>
             </a:r>
-            <a:endParaRPr lang="zh-CN" altLang="en-US"/>
           </a:p>
         </p:txBody>
       </p:sp>
@@ -235,6 +241,7 @@
           <a:p>
             <a:fld id="{D997B5FA-0921-464F-AAE1-844C04324D75}" type="datetimeFigureOut">
               <a:rPr lang="zh-CN" altLang="en-US" smtClean="0"/>
+              <a:t>2025-04-04</a:t>
             </a:fld>
             <a:endParaRPr lang="zh-CN" altLang="en-US"/>
           </a:p>
@@ -276,6 +283,7 @@
           <a:p>
             <a:fld id="{565CE74E-AB26-4998-AD42-012C4C1AD076}" type="slidenum">
               <a:rPr lang="zh-CN" altLang="en-US" smtClean="0"/>
+              <a:t>‹#›</a:t>
             </a:fld>
             <a:endParaRPr lang="zh-CN" altLang="en-US"/>
           </a:p>
@@ -322,10 +330,9 @@
           <a:lstStyle/>
           <a:p>
             <a:r>
-              <a:rPr lang="zh-CN" altLang="en-US" smtClean="0"/>
+              <a:rPr lang="zh-CN" altLang="en-US"/>
               <a:t>单击此处编辑母版标题样式</a:t>
             </a:r>
-            <a:endParaRPr lang="zh-CN" altLang="en-US"/>
           </a:p>
         </p:txBody>
       </p:sp>
@@ -346,42 +353,37 @@
           <a:p>
             <a:pPr lvl="0"/>
             <a:r>
-              <a:rPr lang="zh-CN" altLang="en-US" smtClean="0"/>
+              <a:rPr lang="zh-CN" altLang="en-US"/>
               <a:t>单击此处编辑母版文本样式</a:t>
             </a:r>
-            <a:endParaRPr lang="zh-CN" altLang="en-US" smtClean="0"/>
           </a:p>
           <a:p>
             <a:pPr lvl="1"/>
             <a:r>
-              <a:rPr lang="zh-CN" altLang="en-US" smtClean="0"/>
+              <a:rPr lang="zh-CN" altLang="en-US"/>
               <a:t>第二级</a:t>
             </a:r>
-            <a:endParaRPr lang="zh-CN" altLang="en-US" smtClean="0"/>
           </a:p>
           <a:p>
             <a:pPr lvl="2"/>
             <a:r>
-              <a:rPr lang="zh-CN" altLang="en-US" smtClean="0"/>
+              <a:rPr lang="zh-CN" altLang="en-US"/>
               <a:t>第三级</a:t>
             </a:r>
-            <a:endParaRPr lang="zh-CN" altLang="en-US" smtClean="0"/>
           </a:p>
           <a:p>
             <a:pPr lvl="3"/>
             <a:r>
-              <a:rPr lang="zh-CN" altLang="en-US" smtClean="0"/>
+              <a:rPr lang="zh-CN" altLang="en-US"/>
               <a:t>第四级</a:t>
             </a:r>
-            <a:endParaRPr lang="zh-CN" altLang="en-US" smtClean="0"/>
           </a:p>
           <a:p>
             <a:pPr lvl="4"/>
             <a:r>
-              <a:rPr lang="zh-CN" altLang="en-US" smtClean="0"/>
+              <a:rPr lang="zh-CN" altLang="en-US"/>
               <a:t>第五级</a:t>
             </a:r>
-            <a:endParaRPr lang="zh-CN" altLang="en-US"/>
           </a:p>
         </p:txBody>
       </p:sp>
@@ -402,6 +404,7 @@
           <a:p>
             <a:fld id="{D997B5FA-0921-464F-AAE1-844C04324D75}" type="datetimeFigureOut">
               <a:rPr lang="zh-CN" altLang="en-US" smtClean="0"/>
+              <a:t>2025-04-04</a:t>
             </a:fld>
             <a:endParaRPr lang="zh-CN" altLang="en-US"/>
           </a:p>
@@ -443,6 +446,7 @@
           <a:p>
             <a:fld id="{565CE74E-AB26-4998-AD42-012C4C1AD076}" type="slidenum">
               <a:rPr lang="zh-CN" altLang="en-US" smtClean="0"/>
+              <a:t>‹#›</a:t>
             </a:fld>
             <a:endParaRPr lang="zh-CN" altLang="en-US"/>
           </a:p>
@@ -494,10 +498,9 @@
           <a:lstStyle/>
           <a:p>
             <a:r>
-              <a:rPr lang="zh-CN" altLang="en-US" smtClean="0"/>
+              <a:rPr lang="zh-CN" altLang="en-US"/>
               <a:t>单击此处编辑母版标题样式</a:t>
             </a:r>
-            <a:endParaRPr lang="zh-CN" altLang="en-US"/>
           </a:p>
         </p:txBody>
       </p:sp>
@@ -523,42 +526,37 @@
           <a:p>
             <a:pPr lvl="0"/>
             <a:r>
-              <a:rPr lang="zh-CN" altLang="en-US" smtClean="0"/>
+              <a:rPr lang="zh-CN" altLang="en-US"/>
               <a:t>单击此处编辑母版文本样式</a:t>
             </a:r>
-            <a:endParaRPr lang="zh-CN" altLang="en-US" smtClean="0"/>
           </a:p>
           <a:p>
             <a:pPr lvl="1"/>
             <a:r>
-              <a:rPr lang="zh-CN" altLang="en-US" smtClean="0"/>
+              <a:rPr lang="zh-CN" altLang="en-US"/>
               <a:t>第二级</a:t>
             </a:r>
-            <a:endParaRPr lang="zh-CN" altLang="en-US" smtClean="0"/>
           </a:p>
           <a:p>
             <a:pPr lvl="2"/>
             <a:r>
-              <a:rPr lang="zh-CN" altLang="en-US" smtClean="0"/>
+              <a:rPr lang="zh-CN" altLang="en-US"/>
               <a:t>第三级</a:t>
             </a:r>
-            <a:endParaRPr lang="zh-CN" altLang="en-US" smtClean="0"/>
           </a:p>
           <a:p>
             <a:pPr lvl="3"/>
             <a:r>
-              <a:rPr lang="zh-CN" altLang="en-US" smtClean="0"/>
+              <a:rPr lang="zh-CN" altLang="en-US"/>
               <a:t>第四级</a:t>
             </a:r>
-            <a:endParaRPr lang="zh-CN" altLang="en-US" smtClean="0"/>
           </a:p>
           <a:p>
             <a:pPr lvl="4"/>
             <a:r>
-              <a:rPr lang="zh-CN" altLang="en-US" smtClean="0"/>
+              <a:rPr lang="zh-CN" altLang="en-US"/>
               <a:t>第五级</a:t>
             </a:r>
-            <a:endParaRPr lang="zh-CN" altLang="en-US"/>
           </a:p>
         </p:txBody>
       </p:sp>
@@ -579,6 +577,7 @@
           <a:p>
             <a:fld id="{D997B5FA-0921-464F-AAE1-844C04324D75}" type="datetimeFigureOut">
               <a:rPr lang="zh-CN" altLang="en-US" smtClean="0"/>
+              <a:t>2025-04-04</a:t>
             </a:fld>
             <a:endParaRPr lang="zh-CN" altLang="en-US"/>
           </a:p>
@@ -620,6 +619,7 @@
           <a:p>
             <a:fld id="{565CE74E-AB26-4998-AD42-012C4C1AD076}" type="slidenum">
               <a:rPr lang="zh-CN" altLang="en-US" smtClean="0"/>
+              <a:t>‹#›</a:t>
             </a:fld>
             <a:endParaRPr lang="zh-CN" altLang="en-US"/>
           </a:p>
@@ -666,10 +666,9 @@
           <a:lstStyle/>
           <a:p>
             <a:r>
-              <a:rPr lang="zh-CN" altLang="en-US" smtClean="0"/>
+              <a:rPr lang="zh-CN" altLang="en-US"/>
               <a:t>单击此处编辑母版标题样式</a:t>
             </a:r>
-            <a:endParaRPr lang="zh-CN" altLang="en-US"/>
           </a:p>
         </p:txBody>
       </p:sp>
@@ -690,42 +689,37 @@
           <a:p>
             <a:pPr lvl="0"/>
             <a:r>
-              <a:rPr lang="zh-CN" altLang="en-US" smtClean="0"/>
+              <a:rPr lang="zh-CN" altLang="en-US"/>
               <a:t>单击此处编辑母版文本样式</a:t>
             </a:r>
-            <a:endParaRPr lang="zh-CN" altLang="en-US" smtClean="0"/>
           </a:p>
           <a:p>
             <a:pPr lvl="1"/>
             <a:r>
-              <a:rPr lang="zh-CN" altLang="en-US" smtClean="0"/>
+              <a:rPr lang="zh-CN" altLang="en-US"/>
               <a:t>第二级</a:t>
             </a:r>
-            <a:endParaRPr lang="zh-CN" altLang="en-US" smtClean="0"/>
           </a:p>
           <a:p>
             <a:pPr lvl="2"/>
             <a:r>
-              <a:rPr lang="zh-CN" altLang="en-US" smtClean="0"/>
+              <a:rPr lang="zh-CN" altLang="en-US"/>
               <a:t>第三级</a:t>
             </a:r>
-            <a:endParaRPr lang="zh-CN" altLang="en-US" smtClean="0"/>
           </a:p>
           <a:p>
             <a:pPr lvl="3"/>
             <a:r>
-              <a:rPr lang="zh-CN" altLang="en-US" smtClean="0"/>
+              <a:rPr lang="zh-CN" altLang="en-US"/>
               <a:t>第四级</a:t>
             </a:r>
-            <a:endParaRPr lang="zh-CN" altLang="en-US" smtClean="0"/>
           </a:p>
           <a:p>
             <a:pPr lvl="4"/>
             <a:r>
-              <a:rPr lang="zh-CN" altLang="en-US" smtClean="0"/>
+              <a:rPr lang="zh-CN" altLang="en-US"/>
               <a:t>第五级</a:t>
             </a:r>
-            <a:endParaRPr lang="zh-CN" altLang="en-US"/>
           </a:p>
         </p:txBody>
       </p:sp>
@@ -746,6 +740,7 @@
           <a:p>
             <a:fld id="{D997B5FA-0921-464F-AAE1-844C04324D75}" type="datetimeFigureOut">
               <a:rPr lang="zh-CN" altLang="en-US" smtClean="0"/>
+              <a:t>2025-04-04</a:t>
             </a:fld>
             <a:endParaRPr lang="zh-CN" altLang="en-US"/>
           </a:p>
@@ -787,6 +782,7 @@
           <a:p>
             <a:fld id="{565CE74E-AB26-4998-AD42-012C4C1AD076}" type="slidenum">
               <a:rPr lang="zh-CN" altLang="en-US" smtClean="0"/>
+              <a:t>‹#›</a:t>
             </a:fld>
             <a:endParaRPr lang="zh-CN" altLang="en-US"/>
           </a:p>
@@ -842,10 +838,9 @@
           </a:lstStyle>
           <a:p>
             <a:r>
-              <a:rPr lang="zh-CN" altLang="en-US" smtClean="0"/>
+              <a:rPr lang="zh-CN" altLang="en-US"/>
               <a:t>单击此处编辑母版标题样式</a:t>
             </a:r>
-            <a:endParaRPr lang="zh-CN" altLang="en-US"/>
           </a:p>
         </p:txBody>
       </p:sp>
@@ -962,10 +957,9 @@
           <a:p>
             <a:pPr lvl="0"/>
             <a:r>
-              <a:rPr lang="zh-CN" altLang="en-US" smtClean="0"/>
+              <a:rPr lang="zh-CN" altLang="en-US"/>
               <a:t>单击此处编辑母版文本样式</a:t>
             </a:r>
-            <a:endParaRPr lang="zh-CN" altLang="en-US" smtClean="0"/>
           </a:p>
         </p:txBody>
       </p:sp>
@@ -986,6 +980,7 @@
           <a:p>
             <a:fld id="{D997B5FA-0921-464F-AAE1-844C04324D75}" type="datetimeFigureOut">
               <a:rPr lang="zh-CN" altLang="en-US" smtClean="0"/>
+              <a:t>2025-04-04</a:t>
             </a:fld>
             <a:endParaRPr lang="zh-CN" altLang="en-US"/>
           </a:p>
@@ -1027,6 +1022,7 @@
           <a:p>
             <a:fld id="{565CE74E-AB26-4998-AD42-012C4C1AD076}" type="slidenum">
               <a:rPr lang="zh-CN" altLang="en-US" smtClean="0"/>
+              <a:t>‹#›</a:t>
             </a:fld>
             <a:endParaRPr lang="zh-CN" altLang="en-US"/>
           </a:p>
@@ -1073,10 +1069,9 @@
           <a:lstStyle/>
           <a:p>
             <a:r>
-              <a:rPr lang="zh-CN" altLang="en-US" smtClean="0"/>
+              <a:rPr lang="zh-CN" altLang="en-US"/>
               <a:t>单击此处编辑母版标题样式</a:t>
             </a:r>
-            <a:endParaRPr lang="zh-CN" altLang="en-US"/>
           </a:p>
         </p:txBody>
       </p:sp>
@@ -1102,42 +1097,37 @@
           <a:p>
             <a:pPr lvl="0"/>
             <a:r>
-              <a:rPr lang="zh-CN" altLang="en-US" smtClean="0"/>
+              <a:rPr lang="zh-CN" altLang="en-US"/>
               <a:t>单击此处编辑母版文本样式</a:t>
             </a:r>
-            <a:endParaRPr lang="zh-CN" altLang="en-US" smtClean="0"/>
           </a:p>
           <a:p>
             <a:pPr lvl="1"/>
             <a:r>
-              <a:rPr lang="zh-CN" altLang="en-US" smtClean="0"/>
+              <a:rPr lang="zh-CN" altLang="en-US"/>
               <a:t>第二级</a:t>
             </a:r>
-            <a:endParaRPr lang="zh-CN" altLang="en-US" smtClean="0"/>
           </a:p>
           <a:p>
             <a:pPr lvl="2"/>
             <a:r>
-              <a:rPr lang="zh-CN" altLang="en-US" smtClean="0"/>
+              <a:rPr lang="zh-CN" altLang="en-US"/>
               <a:t>第三级</a:t>
             </a:r>
-            <a:endParaRPr lang="zh-CN" altLang="en-US" smtClean="0"/>
           </a:p>
           <a:p>
             <a:pPr lvl="3"/>
             <a:r>
-              <a:rPr lang="zh-CN" altLang="en-US" smtClean="0"/>
+              <a:rPr lang="zh-CN" altLang="en-US"/>
               <a:t>第四级</a:t>
             </a:r>
-            <a:endParaRPr lang="zh-CN" altLang="en-US" smtClean="0"/>
           </a:p>
           <a:p>
             <a:pPr lvl="4"/>
             <a:r>
-              <a:rPr lang="zh-CN" altLang="en-US" smtClean="0"/>
+              <a:rPr lang="zh-CN" altLang="en-US"/>
               <a:t>第五级</a:t>
             </a:r>
-            <a:endParaRPr lang="zh-CN" altLang="en-US"/>
           </a:p>
         </p:txBody>
       </p:sp>
@@ -1163,42 +1153,37 @@
           <a:p>
             <a:pPr lvl="0"/>
             <a:r>
-              <a:rPr lang="zh-CN" altLang="en-US" smtClean="0"/>
+              <a:rPr lang="zh-CN" altLang="en-US"/>
               <a:t>单击此处编辑母版文本样式</a:t>
             </a:r>
-            <a:endParaRPr lang="zh-CN" altLang="en-US" smtClean="0"/>
           </a:p>
           <a:p>
             <a:pPr lvl="1"/>
             <a:r>
-              <a:rPr lang="zh-CN" altLang="en-US" smtClean="0"/>
+              <a:rPr lang="zh-CN" altLang="en-US"/>
               <a:t>第二级</a:t>
             </a:r>
-            <a:endParaRPr lang="zh-CN" altLang="en-US" smtClean="0"/>
           </a:p>
           <a:p>
             <a:pPr lvl="2"/>
             <a:r>
-              <a:rPr lang="zh-CN" altLang="en-US" smtClean="0"/>
+              <a:rPr lang="zh-CN" altLang="en-US"/>
               <a:t>第三级</a:t>
             </a:r>
-            <a:endParaRPr lang="zh-CN" altLang="en-US" smtClean="0"/>
           </a:p>
           <a:p>
             <a:pPr lvl="3"/>
             <a:r>
-              <a:rPr lang="zh-CN" altLang="en-US" smtClean="0"/>
+              <a:rPr lang="zh-CN" altLang="en-US"/>
               <a:t>第四级</a:t>
             </a:r>
-            <a:endParaRPr lang="zh-CN" altLang="en-US" smtClean="0"/>
           </a:p>
           <a:p>
             <a:pPr lvl="4"/>
             <a:r>
-              <a:rPr lang="zh-CN" altLang="en-US" smtClean="0"/>
+              <a:rPr lang="zh-CN" altLang="en-US"/>
               <a:t>第五级</a:t>
             </a:r>
-            <a:endParaRPr lang="zh-CN" altLang="en-US"/>
           </a:p>
         </p:txBody>
       </p:sp>
@@ -1219,6 +1204,7 @@
           <a:p>
             <a:fld id="{D997B5FA-0921-464F-AAE1-844C04324D75}" type="datetimeFigureOut">
               <a:rPr lang="zh-CN" altLang="en-US" smtClean="0"/>
+              <a:t>2025-04-04</a:t>
             </a:fld>
             <a:endParaRPr lang="zh-CN" altLang="en-US"/>
           </a:p>
@@ -1260,6 +1246,7 @@
           <a:p>
             <a:fld id="{565CE74E-AB26-4998-AD42-012C4C1AD076}" type="slidenum">
               <a:rPr lang="zh-CN" altLang="en-US" smtClean="0"/>
+              <a:t>‹#›</a:t>
             </a:fld>
             <a:endParaRPr lang="zh-CN" altLang="en-US"/>
           </a:p>
@@ -1311,10 +1298,9 @@
           <a:lstStyle/>
           <a:p>
             <a:r>
-              <a:rPr lang="zh-CN" altLang="en-US" smtClean="0"/>
+              <a:rPr lang="zh-CN" altLang="en-US"/>
               <a:t>单击此处编辑母版标题样式</a:t>
             </a:r>
-            <a:endParaRPr lang="zh-CN" altLang="en-US"/>
           </a:p>
         </p:txBody>
       </p:sp>
@@ -1377,10 +1363,9 @@
           <a:p>
             <a:pPr lvl="0"/>
             <a:r>
-              <a:rPr lang="zh-CN" altLang="en-US" smtClean="0"/>
+              <a:rPr lang="zh-CN" altLang="en-US"/>
               <a:t>单击此处编辑母版文本样式</a:t>
             </a:r>
-            <a:endParaRPr lang="zh-CN" altLang="en-US" smtClean="0"/>
           </a:p>
         </p:txBody>
       </p:sp>
@@ -1406,42 +1391,37 @@
           <a:p>
             <a:pPr lvl="0"/>
             <a:r>
-              <a:rPr lang="zh-CN" altLang="en-US" smtClean="0"/>
+              <a:rPr lang="zh-CN" altLang="en-US"/>
               <a:t>单击此处编辑母版文本样式</a:t>
             </a:r>
-            <a:endParaRPr lang="zh-CN" altLang="en-US" smtClean="0"/>
           </a:p>
           <a:p>
             <a:pPr lvl="1"/>
             <a:r>
-              <a:rPr lang="zh-CN" altLang="en-US" smtClean="0"/>
+              <a:rPr lang="zh-CN" altLang="en-US"/>
               <a:t>第二级</a:t>
             </a:r>
-            <a:endParaRPr lang="zh-CN" altLang="en-US" smtClean="0"/>
           </a:p>
           <a:p>
             <a:pPr lvl="2"/>
             <a:r>
-              <a:rPr lang="zh-CN" altLang="en-US" smtClean="0"/>
+              <a:rPr lang="zh-CN" altLang="en-US"/>
               <a:t>第三级</a:t>
             </a:r>
-            <a:endParaRPr lang="zh-CN" altLang="en-US" smtClean="0"/>
           </a:p>
           <a:p>
             <a:pPr lvl="3"/>
             <a:r>
-              <a:rPr lang="zh-CN" altLang="en-US" smtClean="0"/>
+              <a:rPr lang="zh-CN" altLang="en-US"/>
               <a:t>第四级</a:t>
             </a:r>
-            <a:endParaRPr lang="zh-CN" altLang="en-US" smtClean="0"/>
           </a:p>
           <a:p>
             <a:pPr lvl="4"/>
             <a:r>
-              <a:rPr lang="zh-CN" altLang="en-US" smtClean="0"/>
+              <a:rPr lang="zh-CN" altLang="en-US"/>
               <a:t>第五级</a:t>
             </a:r>
-            <a:endParaRPr lang="zh-CN" altLang="en-US"/>
           </a:p>
         </p:txBody>
       </p:sp>
@@ -1504,10 +1484,9 @@
           <a:p>
             <a:pPr lvl="0"/>
             <a:r>
-              <a:rPr lang="zh-CN" altLang="en-US" smtClean="0"/>
+              <a:rPr lang="zh-CN" altLang="en-US"/>
               <a:t>单击此处编辑母版文本样式</a:t>
             </a:r>
-            <a:endParaRPr lang="zh-CN" altLang="en-US" smtClean="0"/>
           </a:p>
         </p:txBody>
       </p:sp>
@@ -1533,42 +1512,37 @@
           <a:p>
             <a:pPr lvl="0"/>
             <a:r>
-              <a:rPr lang="zh-CN" altLang="en-US" smtClean="0"/>
+              <a:rPr lang="zh-CN" altLang="en-US"/>
               <a:t>单击此处编辑母版文本样式</a:t>
             </a:r>
-            <a:endParaRPr lang="zh-CN" altLang="en-US" smtClean="0"/>
           </a:p>
           <a:p>
             <a:pPr lvl="1"/>
             <a:r>
-              <a:rPr lang="zh-CN" altLang="en-US" smtClean="0"/>
+              <a:rPr lang="zh-CN" altLang="en-US"/>
               <a:t>第二级</a:t>
             </a:r>
-            <a:endParaRPr lang="zh-CN" altLang="en-US" smtClean="0"/>
           </a:p>
           <a:p>
             <a:pPr lvl="2"/>
             <a:r>
-              <a:rPr lang="zh-CN" altLang="en-US" smtClean="0"/>
+              <a:rPr lang="zh-CN" altLang="en-US"/>
               <a:t>第三级</a:t>
             </a:r>
-            <a:endParaRPr lang="zh-CN" altLang="en-US" smtClean="0"/>
           </a:p>
           <a:p>
             <a:pPr lvl="3"/>
             <a:r>
-              <a:rPr lang="zh-CN" altLang="en-US" smtClean="0"/>
+              <a:rPr lang="zh-CN" altLang="en-US"/>
               <a:t>第四级</a:t>
             </a:r>
-            <a:endParaRPr lang="zh-CN" altLang="en-US" smtClean="0"/>
           </a:p>
           <a:p>
             <a:pPr lvl="4"/>
             <a:r>
-              <a:rPr lang="zh-CN" altLang="en-US" smtClean="0"/>
+              <a:rPr lang="zh-CN" altLang="en-US"/>
               <a:t>第五级</a:t>
             </a:r>
-            <a:endParaRPr lang="zh-CN" altLang="en-US"/>
           </a:p>
         </p:txBody>
       </p:sp>
@@ -1589,6 +1563,7 @@
           <a:p>
             <a:fld id="{D997B5FA-0921-464F-AAE1-844C04324D75}" type="datetimeFigureOut">
               <a:rPr lang="zh-CN" altLang="en-US" smtClean="0"/>
+              <a:t>2025-04-04</a:t>
             </a:fld>
             <a:endParaRPr lang="zh-CN" altLang="en-US"/>
           </a:p>
@@ -1630,6 +1605,7 @@
           <a:p>
             <a:fld id="{565CE74E-AB26-4998-AD42-012C4C1AD076}" type="slidenum">
               <a:rPr lang="zh-CN" altLang="en-US" smtClean="0"/>
+              <a:t>‹#›</a:t>
             </a:fld>
             <a:endParaRPr lang="zh-CN" altLang="en-US"/>
           </a:p>
@@ -1676,10 +1652,9 @@
           <a:lstStyle/>
           <a:p>
             <a:r>
-              <a:rPr lang="zh-CN" altLang="en-US" smtClean="0"/>
+              <a:rPr lang="zh-CN" altLang="en-US"/>
               <a:t>单击此处编辑母版标题样式</a:t>
             </a:r>
-            <a:endParaRPr lang="zh-CN" altLang="en-US"/>
           </a:p>
         </p:txBody>
       </p:sp>
@@ -1700,6 +1675,7 @@
           <a:p>
             <a:fld id="{D997B5FA-0921-464F-AAE1-844C04324D75}" type="datetimeFigureOut">
               <a:rPr lang="zh-CN" altLang="en-US" smtClean="0"/>
+              <a:t>2025-04-04</a:t>
             </a:fld>
             <a:endParaRPr lang="zh-CN" altLang="en-US"/>
           </a:p>
@@ -1741,6 +1717,7 @@
           <a:p>
             <a:fld id="{565CE74E-AB26-4998-AD42-012C4C1AD076}" type="slidenum">
               <a:rPr lang="zh-CN" altLang="en-US" smtClean="0"/>
+              <a:t>‹#›</a:t>
             </a:fld>
             <a:endParaRPr lang="zh-CN" altLang="en-US"/>
           </a:p>
@@ -1788,6 +1765,7 @@
           <a:p>
             <a:fld id="{D997B5FA-0921-464F-AAE1-844C04324D75}" type="datetimeFigureOut">
               <a:rPr lang="zh-CN" altLang="en-US" smtClean="0"/>
+              <a:t>2025-04-04</a:t>
             </a:fld>
             <a:endParaRPr lang="zh-CN" altLang="en-US"/>
           </a:p>
@@ -1829,6 +1807,7 @@
           <a:p>
             <a:fld id="{565CE74E-AB26-4998-AD42-012C4C1AD076}" type="slidenum">
               <a:rPr lang="zh-CN" altLang="en-US" smtClean="0"/>
+              <a:t>‹#›</a:t>
             </a:fld>
             <a:endParaRPr lang="zh-CN" altLang="en-US"/>
           </a:p>
@@ -1884,10 +1863,9 @@
           </a:lstStyle>
           <a:p>
             <a:r>
-              <a:rPr lang="zh-CN" altLang="en-US" smtClean="0"/>
+              <a:rPr lang="zh-CN" altLang="en-US"/>
               <a:t>单击此处编辑母版标题样式</a:t>
             </a:r>
-            <a:endParaRPr lang="zh-CN" altLang="en-US"/>
           </a:p>
         </p:txBody>
       </p:sp>
@@ -1941,42 +1919,37 @@
           <a:p>
             <a:pPr lvl="0"/>
             <a:r>
-              <a:rPr lang="zh-CN" altLang="en-US" smtClean="0"/>
+              <a:rPr lang="zh-CN" altLang="en-US"/>
               <a:t>单击此处编辑母版文本样式</a:t>
             </a:r>
-            <a:endParaRPr lang="zh-CN" altLang="en-US" smtClean="0"/>
           </a:p>
           <a:p>
             <a:pPr lvl="1"/>
             <a:r>
-              <a:rPr lang="zh-CN" altLang="en-US" smtClean="0"/>
+              <a:rPr lang="zh-CN" altLang="en-US"/>
               <a:t>第二级</a:t>
             </a:r>
-            <a:endParaRPr lang="zh-CN" altLang="en-US" smtClean="0"/>
           </a:p>
           <a:p>
             <a:pPr lvl="2"/>
             <a:r>
-              <a:rPr lang="zh-CN" altLang="en-US" smtClean="0"/>
+              <a:rPr lang="zh-CN" altLang="en-US"/>
               <a:t>第三级</a:t>
             </a:r>
-            <a:endParaRPr lang="zh-CN" altLang="en-US" smtClean="0"/>
           </a:p>
           <a:p>
             <a:pPr lvl="3"/>
             <a:r>
-              <a:rPr lang="zh-CN" altLang="en-US" smtClean="0"/>
+              <a:rPr lang="zh-CN" altLang="en-US"/>
               <a:t>第四级</a:t>
             </a:r>
-            <a:endParaRPr lang="zh-CN" altLang="en-US" smtClean="0"/>
           </a:p>
           <a:p>
             <a:pPr lvl="4"/>
             <a:r>
-              <a:rPr lang="zh-CN" altLang="en-US" smtClean="0"/>
+              <a:rPr lang="zh-CN" altLang="en-US"/>
               <a:t>第五级</a:t>
             </a:r>
-            <a:endParaRPr lang="zh-CN" altLang="en-US"/>
           </a:p>
         </p:txBody>
       </p:sp>
@@ -2039,10 +2012,9 @@
           <a:p>
             <a:pPr lvl="0"/>
             <a:r>
-              <a:rPr lang="zh-CN" altLang="en-US" smtClean="0"/>
+              <a:rPr lang="zh-CN" altLang="en-US"/>
               <a:t>单击此处编辑母版文本样式</a:t>
             </a:r>
-            <a:endParaRPr lang="zh-CN" altLang="en-US" smtClean="0"/>
           </a:p>
         </p:txBody>
       </p:sp>
@@ -2063,6 +2035,7 @@
           <a:p>
             <a:fld id="{D997B5FA-0921-464F-AAE1-844C04324D75}" type="datetimeFigureOut">
               <a:rPr lang="zh-CN" altLang="en-US" smtClean="0"/>
+              <a:t>2025-04-04</a:t>
             </a:fld>
             <a:endParaRPr lang="zh-CN" altLang="en-US"/>
           </a:p>
@@ -2104,6 +2077,7 @@
           <a:p>
             <a:fld id="{565CE74E-AB26-4998-AD42-012C4C1AD076}" type="slidenum">
               <a:rPr lang="zh-CN" altLang="en-US" smtClean="0"/>
+              <a:t>‹#›</a:t>
             </a:fld>
             <a:endParaRPr lang="zh-CN" altLang="en-US"/>
           </a:p>
@@ -2159,10 +2133,9 @@
           </a:lstStyle>
           <a:p>
             <a:r>
-              <a:rPr lang="zh-CN" altLang="en-US" smtClean="0"/>
+              <a:rPr lang="zh-CN" altLang="en-US"/>
               <a:t>单击此处编辑母版标题样式</a:t>
             </a:r>
-            <a:endParaRPr lang="zh-CN" altLang="en-US"/>
           </a:p>
         </p:txBody>
       </p:sp>
@@ -2286,10 +2259,9 @@
           <a:p>
             <a:pPr lvl="0"/>
             <a:r>
-              <a:rPr lang="zh-CN" altLang="en-US" smtClean="0"/>
+              <a:rPr lang="zh-CN" altLang="en-US"/>
               <a:t>单击此处编辑母版文本样式</a:t>
             </a:r>
-            <a:endParaRPr lang="zh-CN" altLang="en-US" smtClean="0"/>
           </a:p>
         </p:txBody>
       </p:sp>
@@ -2310,6 +2282,7 @@
           <a:p>
             <a:fld id="{D997B5FA-0921-464F-AAE1-844C04324D75}" type="datetimeFigureOut">
               <a:rPr lang="zh-CN" altLang="en-US" smtClean="0"/>
+              <a:t>2025-04-04</a:t>
             </a:fld>
             <a:endParaRPr lang="zh-CN" altLang="en-US"/>
           </a:p>
@@ -2351,6 +2324,7 @@
           <a:p>
             <a:fld id="{565CE74E-AB26-4998-AD42-012C4C1AD076}" type="slidenum">
               <a:rPr lang="zh-CN" altLang="en-US" smtClean="0"/>
+              <a:t>‹#›</a:t>
             </a:fld>
             <a:endParaRPr lang="zh-CN" altLang="en-US"/>
           </a:p>
@@ -2412,10 +2386,9 @@
           <a:lstStyle/>
           <a:p>
             <a:r>
-              <a:rPr lang="zh-CN" altLang="en-US" smtClean="0"/>
+              <a:rPr lang="zh-CN" altLang="en-US"/>
               <a:t>单击此处编辑母版标题样式</a:t>
             </a:r>
-            <a:endParaRPr lang="zh-CN" altLang="en-US"/>
           </a:p>
         </p:txBody>
       </p:sp>
@@ -2446,42 +2419,37 @@
           <a:p>
             <a:pPr lvl="0"/>
             <a:r>
-              <a:rPr lang="zh-CN" altLang="en-US" smtClean="0"/>
+              <a:rPr lang="zh-CN" altLang="en-US"/>
               <a:t>单击此处编辑母版文本样式</a:t>
             </a:r>
-            <a:endParaRPr lang="zh-CN" altLang="en-US" smtClean="0"/>
           </a:p>
           <a:p>
             <a:pPr lvl="1"/>
             <a:r>
-              <a:rPr lang="zh-CN" altLang="en-US" smtClean="0"/>
+              <a:rPr lang="zh-CN" altLang="en-US"/>
               <a:t>第二级</a:t>
             </a:r>
-            <a:endParaRPr lang="zh-CN" altLang="en-US" smtClean="0"/>
           </a:p>
           <a:p>
             <a:pPr lvl="2"/>
             <a:r>
-              <a:rPr lang="zh-CN" altLang="en-US" smtClean="0"/>
+              <a:rPr lang="zh-CN" altLang="en-US"/>
               <a:t>第三级</a:t>
             </a:r>
-            <a:endParaRPr lang="zh-CN" altLang="en-US" smtClean="0"/>
           </a:p>
           <a:p>
             <a:pPr lvl="3"/>
             <a:r>
-              <a:rPr lang="zh-CN" altLang="en-US" smtClean="0"/>
+              <a:rPr lang="zh-CN" altLang="en-US"/>
               <a:t>第四级</a:t>
             </a:r>
-            <a:endParaRPr lang="zh-CN" altLang="en-US" smtClean="0"/>
           </a:p>
           <a:p>
             <a:pPr lvl="4"/>
             <a:r>
-              <a:rPr lang="zh-CN" altLang="en-US" smtClean="0"/>
+              <a:rPr lang="zh-CN" altLang="en-US"/>
               <a:t>第五级</a:t>
             </a:r>
-            <a:endParaRPr lang="zh-CN" altLang="en-US"/>
           </a:p>
         </p:txBody>
       </p:sp>
@@ -2520,6 +2488,7 @@
           <a:p>
             <a:fld id="{D997B5FA-0921-464F-AAE1-844C04324D75}" type="datetimeFigureOut">
               <a:rPr lang="zh-CN" altLang="en-US" smtClean="0"/>
+              <a:t>2025-04-04</a:t>
             </a:fld>
             <a:endParaRPr lang="zh-CN" altLang="en-US"/>
           </a:p>
@@ -2597,6 +2566,7 @@
           <a:p>
             <a:fld id="{565CE74E-AB26-4998-AD42-012C4C1AD076}" type="slidenum">
               <a:rPr lang="zh-CN" altLang="en-US" smtClean="0"/>
+              <a:t>‹#›</a:t>
             </a:fld>
             <a:endParaRPr lang="zh-CN" altLang="en-US"/>
           </a:p>
@@ -2901,6 +2871,2686 @@
 </p:sldMaster>
 </file>
 
+<file path=ppt/slides/slide1.xml><?xml version="1.0" encoding="utf-8"?>
+<p:sld xmlns:a="http://schemas.openxmlformats.org/drawingml/2006/main" xmlns:r="http://schemas.openxmlformats.org/officeDocument/2006/relationships" xmlns:p="http://schemas.openxmlformats.org/presentationml/2006/main">
+  <p:cSld>
+    <p:spTree>
+      <p:nvGrpSpPr>
+        <p:cNvPr id="1" name=""/>
+        <p:cNvGrpSpPr/>
+        <p:nvPr/>
+      </p:nvGrpSpPr>
+      <p:grpSpPr>
+        <a:xfrm>
+          <a:off x="0" y="0"/>
+          <a:ext cx="0" cy="0"/>
+          <a:chOff x="0" y="0"/>
+          <a:chExt cx="0" cy="0"/>
+        </a:xfrm>
+      </p:grpSpPr>
+      <p:grpSp>
+        <p:nvGrpSpPr>
+          <p:cNvPr id="10" name="组合 9">
+            <a:extLst>
+              <a:ext uri="{FF2B5EF4-FFF2-40B4-BE49-F238E27FC236}">
+                <a16:creationId xmlns:a16="http://schemas.microsoft.com/office/drawing/2014/main" id="{F82D0AAB-5EC1-72C0-E932-B91A34083768}"/>
+              </a:ext>
+            </a:extLst>
+          </p:cNvPr>
+          <p:cNvGrpSpPr/>
+          <p:nvPr/>
+        </p:nvGrpSpPr>
+        <p:grpSpPr>
+          <a:xfrm>
+            <a:off x="2284617" y="2824976"/>
+            <a:ext cx="1707505" cy="1424056"/>
+            <a:chOff x="2284617" y="2824976"/>
+            <a:chExt cx="1707505" cy="1424056"/>
+          </a:xfrm>
+        </p:grpSpPr>
+        <p:sp>
+          <p:nvSpPr>
+            <p:cNvPr id="4" name="直角三角形 3">
+              <a:extLst>
+                <a:ext uri="{FF2B5EF4-FFF2-40B4-BE49-F238E27FC236}">
+                  <a16:creationId xmlns:a16="http://schemas.microsoft.com/office/drawing/2014/main" id="{85D552F8-F4C8-FA89-D47A-CBFBE587E6A8}"/>
+                </a:ext>
+              </a:extLst>
+            </p:cNvPr>
+            <p:cNvSpPr/>
+            <p:nvPr/>
+          </p:nvSpPr>
+          <p:spPr>
+            <a:xfrm flipH="1">
+              <a:off x="2520176" y="2824976"/>
+              <a:ext cx="1300975" cy="1003609"/>
+            </a:xfrm>
+            <a:prstGeom prst="rtTriangle">
+              <a:avLst/>
+            </a:prstGeom>
+            <a:noFill/>
+            <a:ln w="25400">
+              <a:solidFill>
+                <a:schemeClr val="tx1"/>
+              </a:solidFill>
+            </a:ln>
+          </p:spPr>
+          <p:style>
+            <a:lnRef idx="2">
+              <a:schemeClr val="accent1">
+                <a:shade val="15000"/>
+              </a:schemeClr>
+            </a:lnRef>
+            <a:fillRef idx="1">
+              <a:schemeClr val="accent1"/>
+            </a:fillRef>
+            <a:effectRef idx="0">
+              <a:schemeClr val="accent1"/>
+            </a:effectRef>
+            <a:fontRef idx="minor">
+              <a:schemeClr val="lt1"/>
+            </a:fontRef>
+          </p:style>
+          <p:txBody>
+            <a:bodyPr rtlCol="0" anchor="ctr"/>
+            <a:lstStyle/>
+            <a:p>
+              <a:pPr algn="ctr"/>
+              <a:endParaRPr lang="zh-CN" altLang="en-US" b="1"/>
+            </a:p>
+          </p:txBody>
+        </p:sp>
+        <p:sp>
+          <p:nvSpPr>
+            <p:cNvPr id="5" name="弧形 4">
+              <a:extLst>
+                <a:ext uri="{FF2B5EF4-FFF2-40B4-BE49-F238E27FC236}">
+                  <a16:creationId xmlns:a16="http://schemas.microsoft.com/office/drawing/2014/main" id="{D7332A8F-11B9-55FF-9A2C-C960B982CFDF}"/>
+                </a:ext>
+              </a:extLst>
+            </p:cNvPr>
+            <p:cNvSpPr/>
+            <p:nvPr/>
+          </p:nvSpPr>
+          <p:spPr>
+            <a:xfrm>
+              <a:off x="2284617" y="3429000"/>
+              <a:ext cx="673395" cy="673395"/>
+            </a:xfrm>
+            <a:prstGeom prst="arc">
+              <a:avLst>
+                <a:gd name="adj1" fmla="val 19240042"/>
+                <a:gd name="adj2" fmla="val 664459"/>
+              </a:avLst>
+            </a:prstGeom>
+            <a:ln w="25400">
+              <a:solidFill>
+                <a:schemeClr val="tx1"/>
+              </a:solidFill>
+            </a:ln>
+          </p:spPr>
+          <p:style>
+            <a:lnRef idx="1">
+              <a:schemeClr val="accent1"/>
+            </a:lnRef>
+            <a:fillRef idx="0">
+              <a:schemeClr val="accent1"/>
+            </a:fillRef>
+            <a:effectRef idx="0">
+              <a:schemeClr val="accent1"/>
+            </a:effectRef>
+            <a:fontRef idx="minor">
+              <a:schemeClr val="tx1"/>
+            </a:fontRef>
+          </p:style>
+          <p:txBody>
+            <a:bodyPr rtlCol="0" anchor="ctr"/>
+            <a:lstStyle/>
+            <a:p>
+              <a:pPr algn="ctr"/>
+              <a:endParaRPr lang="zh-CN" altLang="en-US" b="1"/>
+            </a:p>
+          </p:txBody>
+        </p:sp>
+        <mc:AlternateContent xmlns:mc="http://schemas.openxmlformats.org/markup-compatibility/2006">
+          <mc:Choice xmlns:a14="http://schemas.microsoft.com/office/drawing/2010/main" Requires="a14">
+            <p:sp>
+              <p:nvSpPr>
+                <p:cNvPr id="6" name="文本框 5">
+                  <a:extLst>
+                    <a:ext uri="{FF2B5EF4-FFF2-40B4-BE49-F238E27FC236}">
+                      <a16:creationId xmlns:a16="http://schemas.microsoft.com/office/drawing/2014/main" id="{DBC62684-2063-208B-7A98-D582163349BD}"/>
+                    </a:ext>
+                  </a:extLst>
+                </p:cNvPr>
+                <p:cNvSpPr txBox="1"/>
+                <p:nvPr/>
+              </p:nvSpPr>
+              <p:spPr>
+                <a:xfrm>
+                  <a:off x="2933460" y="3459253"/>
+                  <a:ext cx="170971" cy="369332"/>
+                </a:xfrm>
+                <a:prstGeom prst="rect">
+                  <a:avLst/>
+                </a:prstGeom>
+                <a:noFill/>
+              </p:spPr>
+              <p:txBody>
+                <a:bodyPr wrap="square" rtlCol="0">
+                  <a:spAutoFit/>
+                </a:bodyPr>
+                <a:lstStyle/>
+                <a:p>
+                  <a14:m>
+                    <m:oMathPara xmlns:m="http://schemas.openxmlformats.org/officeDocument/2006/math">
+                      <m:oMathParaPr>
+                        <m:jc m:val="centerGroup"/>
+                      </m:oMathParaPr>
+                      <m:oMath xmlns:m="http://schemas.openxmlformats.org/officeDocument/2006/math">
+                        <m:r>
+                          <a:rPr lang="en-US" altLang="zh-CN" b="1" i="1" smtClean="0">
+                            <a:latin typeface="Cambria Math" panose="02040503050406030204" pitchFamily="18" charset="0"/>
+                          </a:rPr>
+                          <m:t>𝒕</m:t>
+                        </m:r>
+                      </m:oMath>
+                    </m:oMathPara>
+                  </a14:m>
+                  <a:endParaRPr lang="en-US" altLang="zh-CN" b="1" dirty="0"/>
+                </a:p>
+              </p:txBody>
+            </p:sp>
+          </mc:Choice>
+          <mc:Fallback>
+            <p:sp>
+              <p:nvSpPr>
+                <p:cNvPr id="6" name="文本框 5">
+                  <a:extLst>
+                    <a:ext uri="{FF2B5EF4-FFF2-40B4-BE49-F238E27FC236}">
+                      <a16:creationId xmlns:a16="http://schemas.microsoft.com/office/drawing/2014/main" id="{DBC62684-2063-208B-7A98-D582163349BD}"/>
+                    </a:ext>
+                  </a:extLst>
+                </p:cNvPr>
+                <p:cNvSpPr txBox="1">
+                  <a:spLocks noRot="1" noChangeAspect="1" noMove="1" noResize="1" noEditPoints="1" noAdjustHandles="1" noChangeArrowheads="1" noChangeShapeType="1" noTextEdit="1"/>
+                </p:cNvSpPr>
+                <p:nvPr/>
+              </p:nvSpPr>
+              <p:spPr>
+                <a:xfrm>
+                  <a:off x="2933460" y="3459253"/>
+                  <a:ext cx="170971" cy="369332"/>
+                </a:xfrm>
+                <a:prstGeom prst="rect">
+                  <a:avLst/>
+                </a:prstGeom>
+                <a:blipFill>
+                  <a:blip r:embed="rId2"/>
+                  <a:stretch>
+                    <a:fillRect r="-53571"/>
+                  </a:stretch>
+                </a:blipFill>
+              </p:spPr>
+              <p:txBody>
+                <a:bodyPr/>
+                <a:lstStyle/>
+                <a:p>
+                  <a:r>
+                    <a:rPr lang="zh-CN" altLang="en-US">
+                      <a:noFill/>
+                    </a:rPr>
+                    <a:t> </a:t>
+                  </a:r>
+                </a:p>
+              </p:txBody>
+            </p:sp>
+          </mc:Fallback>
+        </mc:AlternateContent>
+        <mc:AlternateContent xmlns:mc="http://schemas.openxmlformats.org/markup-compatibility/2006">
+          <mc:Choice xmlns:a14="http://schemas.microsoft.com/office/drawing/2010/main" Requires="a14">
+            <p:sp>
+              <p:nvSpPr>
+                <p:cNvPr id="7" name="文本框 6">
+                  <a:extLst>
+                    <a:ext uri="{FF2B5EF4-FFF2-40B4-BE49-F238E27FC236}">
+                      <a16:creationId xmlns:a16="http://schemas.microsoft.com/office/drawing/2014/main" id="{14CF7FCD-E754-1F01-0884-0082C3A80F24}"/>
+                    </a:ext>
+                  </a:extLst>
+                </p:cNvPr>
+                <p:cNvSpPr txBox="1"/>
+                <p:nvPr/>
+              </p:nvSpPr>
+              <p:spPr>
+                <a:xfrm>
+                  <a:off x="2958012" y="2942322"/>
+                  <a:ext cx="170971" cy="370294"/>
+                </a:xfrm>
+                <a:prstGeom prst="rect">
+                  <a:avLst/>
+                </a:prstGeom>
+                <a:noFill/>
+              </p:spPr>
+              <p:txBody>
+                <a:bodyPr wrap="square" rtlCol="0">
+                  <a:spAutoFit/>
+                </a:bodyPr>
+                <a:lstStyle/>
+                <a:p>
+                  <a14:m>
+                    <m:oMathPara xmlns:m="http://schemas.openxmlformats.org/officeDocument/2006/math">
+                      <m:oMathParaPr>
+                        <m:jc m:val="centerGroup"/>
+                      </m:oMathParaPr>
+                      <m:oMath xmlns:m="http://schemas.openxmlformats.org/officeDocument/2006/math">
+                        <m:r>
+                          <a:rPr lang="en-US" altLang="zh-CN" b="1" i="1" smtClean="0">
+                            <a:latin typeface="Cambria Math" panose="02040503050406030204" pitchFamily="18" charset="0"/>
+                          </a:rPr>
+                          <m:t>𝒂</m:t>
+                        </m:r>
+                      </m:oMath>
+                    </m:oMathPara>
+                  </a14:m>
+                  <a:endParaRPr lang="en-US" altLang="zh-CN" b="1" dirty="0"/>
+                </a:p>
+              </p:txBody>
+            </p:sp>
+          </mc:Choice>
+          <mc:Fallback>
+            <p:sp>
+              <p:nvSpPr>
+                <p:cNvPr id="7" name="文本框 6">
+                  <a:extLst>
+                    <a:ext uri="{FF2B5EF4-FFF2-40B4-BE49-F238E27FC236}">
+                      <a16:creationId xmlns:a16="http://schemas.microsoft.com/office/drawing/2014/main" id="{14CF7FCD-E754-1F01-0884-0082C3A80F24}"/>
+                    </a:ext>
+                  </a:extLst>
+                </p:cNvPr>
+                <p:cNvSpPr txBox="1">
+                  <a:spLocks noRot="1" noChangeAspect="1" noMove="1" noResize="1" noEditPoints="1" noAdjustHandles="1" noChangeArrowheads="1" noChangeShapeType="1" noTextEdit="1"/>
+                </p:cNvSpPr>
+                <p:nvPr/>
+              </p:nvSpPr>
+              <p:spPr>
+                <a:xfrm>
+                  <a:off x="2958012" y="2942322"/>
+                  <a:ext cx="170971" cy="370294"/>
+                </a:xfrm>
+                <a:prstGeom prst="rect">
+                  <a:avLst/>
+                </a:prstGeom>
+                <a:blipFill>
+                  <a:blip r:embed="rId3"/>
+                  <a:stretch>
+                    <a:fillRect r="-71429"/>
+                  </a:stretch>
+                </a:blipFill>
+              </p:spPr>
+              <p:txBody>
+                <a:bodyPr/>
+                <a:lstStyle/>
+                <a:p>
+                  <a:r>
+                    <a:rPr lang="zh-CN" altLang="en-US">
+                      <a:noFill/>
+                    </a:rPr>
+                    <a:t> </a:t>
+                  </a:r>
+                </a:p>
+              </p:txBody>
+            </p:sp>
+          </mc:Fallback>
+        </mc:AlternateContent>
+        <mc:AlternateContent xmlns:mc="http://schemas.openxmlformats.org/markup-compatibility/2006">
+          <mc:Choice xmlns:a14="http://schemas.microsoft.com/office/drawing/2010/main" Requires="a14">
+            <p:sp>
+              <p:nvSpPr>
+                <p:cNvPr id="8" name="文本框 7">
+                  <a:extLst>
+                    <a:ext uri="{FF2B5EF4-FFF2-40B4-BE49-F238E27FC236}">
+                      <a16:creationId xmlns:a16="http://schemas.microsoft.com/office/drawing/2014/main" id="{D0E99939-2836-C09D-1CC0-10803C148940}"/>
+                    </a:ext>
+                  </a:extLst>
+                </p:cNvPr>
+                <p:cNvSpPr txBox="1"/>
+                <p:nvPr/>
+              </p:nvSpPr>
+              <p:spPr>
+                <a:xfrm>
+                  <a:off x="3821151" y="3141633"/>
+                  <a:ext cx="170971" cy="370294"/>
+                </a:xfrm>
+                <a:prstGeom prst="rect">
+                  <a:avLst/>
+                </a:prstGeom>
+                <a:noFill/>
+              </p:spPr>
+              <p:txBody>
+                <a:bodyPr wrap="square" rtlCol="0">
+                  <a:spAutoFit/>
+                </a:bodyPr>
+                <a:lstStyle/>
+                <a:p>
+                  <a14:m>
+                    <m:oMathPara xmlns:m="http://schemas.openxmlformats.org/officeDocument/2006/math">
+                      <m:oMathParaPr>
+                        <m:jc m:val="centerGroup"/>
+                      </m:oMathParaPr>
+                      <m:oMath xmlns:m="http://schemas.openxmlformats.org/officeDocument/2006/math">
+                        <m:r>
+                          <a:rPr lang="en-US" altLang="zh-CN" b="1" i="1" smtClean="0">
+                            <a:latin typeface="Cambria Math" panose="02040503050406030204" pitchFamily="18" charset="0"/>
+                          </a:rPr>
+                          <m:t>𝒙</m:t>
+                        </m:r>
+                      </m:oMath>
+                    </m:oMathPara>
+                  </a14:m>
+                  <a:endParaRPr lang="en-US" altLang="zh-CN" b="1" dirty="0"/>
+                </a:p>
+              </p:txBody>
+            </p:sp>
+          </mc:Choice>
+          <mc:Fallback>
+            <p:sp>
+              <p:nvSpPr>
+                <p:cNvPr id="8" name="文本框 7">
+                  <a:extLst>
+                    <a:ext uri="{FF2B5EF4-FFF2-40B4-BE49-F238E27FC236}">
+                      <a16:creationId xmlns:a16="http://schemas.microsoft.com/office/drawing/2014/main" id="{D0E99939-2836-C09D-1CC0-10803C148940}"/>
+                    </a:ext>
+                  </a:extLst>
+                </p:cNvPr>
+                <p:cNvSpPr txBox="1">
+                  <a:spLocks noRot="1" noChangeAspect="1" noMove="1" noResize="1" noEditPoints="1" noAdjustHandles="1" noChangeArrowheads="1" noChangeShapeType="1" noTextEdit="1"/>
+                </p:cNvSpPr>
+                <p:nvPr/>
+              </p:nvSpPr>
+              <p:spPr>
+                <a:xfrm>
+                  <a:off x="3821151" y="3141633"/>
+                  <a:ext cx="170971" cy="370294"/>
+                </a:xfrm>
+                <a:prstGeom prst="rect">
+                  <a:avLst/>
+                </a:prstGeom>
+                <a:blipFill>
+                  <a:blip r:embed="rId4"/>
+                  <a:stretch>
+                    <a:fillRect r="-64286"/>
+                  </a:stretch>
+                </a:blipFill>
+              </p:spPr>
+              <p:txBody>
+                <a:bodyPr/>
+                <a:lstStyle/>
+                <a:p>
+                  <a:r>
+                    <a:rPr lang="zh-CN" altLang="en-US">
+                      <a:noFill/>
+                    </a:rPr>
+                    <a:t> </a:t>
+                  </a:r>
+                </a:p>
+              </p:txBody>
+            </p:sp>
+          </mc:Fallback>
+        </mc:AlternateContent>
+        <mc:AlternateContent xmlns:mc="http://schemas.openxmlformats.org/markup-compatibility/2006">
+          <mc:Choice xmlns:a14="http://schemas.microsoft.com/office/drawing/2010/main" Requires="a14">
+            <p:sp>
+              <p:nvSpPr>
+                <p:cNvPr id="9" name="文本框 8">
+                  <a:extLst>
+                    <a:ext uri="{FF2B5EF4-FFF2-40B4-BE49-F238E27FC236}">
+                      <a16:creationId xmlns:a16="http://schemas.microsoft.com/office/drawing/2014/main" id="{12EF7F91-F877-2F4F-CAE7-EE4C3B069AE3}"/>
+                    </a:ext>
+                  </a:extLst>
+                </p:cNvPr>
+                <p:cNvSpPr txBox="1"/>
+                <p:nvPr/>
+              </p:nvSpPr>
+              <p:spPr>
+                <a:xfrm>
+                  <a:off x="2715699" y="3811283"/>
+                  <a:ext cx="1105452" cy="437749"/>
+                </a:xfrm>
+                <a:prstGeom prst="rect">
+                  <a:avLst/>
+                </a:prstGeom>
+                <a:noFill/>
+              </p:spPr>
+              <p:txBody>
+                <a:bodyPr wrap="square" rtlCol="0">
+                  <a:spAutoFit/>
+                </a:bodyPr>
+                <a:lstStyle/>
+                <a:p>
+                  <a14:m>
+                    <m:oMathPara xmlns:m="http://schemas.openxmlformats.org/officeDocument/2006/math">
+                      <m:oMathParaPr>
+                        <m:jc m:val="centerGroup"/>
+                      </m:oMathParaPr>
+                      <m:oMath xmlns:m="http://schemas.openxmlformats.org/officeDocument/2006/math">
+                        <m:rad>
+                          <m:radPr>
+                            <m:degHide m:val="on"/>
+                            <m:ctrlPr>
+                              <a:rPr lang="en-US" altLang="zh-CN" b="1" i="1" smtClean="0">
+                                <a:latin typeface="Cambria Math" panose="02040503050406030204" pitchFamily="18" charset="0"/>
+                              </a:rPr>
+                            </m:ctrlPr>
+                          </m:radPr>
+                          <m:deg/>
+                          <m:e>
+                            <m:sSup>
+                              <m:sSupPr>
+                                <m:ctrlPr>
+                                  <a:rPr lang="en-US" altLang="zh-CN" b="1" i="1" smtClean="0">
+                                    <a:latin typeface="Cambria Math" panose="02040503050406030204" pitchFamily="18" charset="0"/>
+                                  </a:rPr>
+                                </m:ctrlPr>
+                              </m:sSupPr>
+                              <m:e>
+                                <m:r>
+                                  <a:rPr lang="en-US" altLang="zh-CN" b="1" i="1" smtClean="0">
+                                    <a:latin typeface="Cambria Math" panose="02040503050406030204" pitchFamily="18" charset="0"/>
+                                  </a:rPr>
+                                  <m:t>𝒂</m:t>
+                                </m:r>
+                              </m:e>
+                              <m:sup>
+                                <m:r>
+                                  <a:rPr lang="en-US" altLang="zh-CN" b="1" i="1" smtClean="0">
+                                    <a:latin typeface="Cambria Math" panose="02040503050406030204" pitchFamily="18" charset="0"/>
+                                  </a:rPr>
+                                  <m:t>𝟐</m:t>
+                                </m:r>
+                              </m:sup>
+                            </m:sSup>
+                            <m:r>
+                              <a:rPr lang="en-US" altLang="zh-CN" b="1" i="1" smtClean="0">
+                                <a:latin typeface="Cambria Math" panose="02040503050406030204" pitchFamily="18" charset="0"/>
+                              </a:rPr>
+                              <m:t>−</m:t>
+                            </m:r>
+                            <m:sSup>
+                              <m:sSupPr>
+                                <m:ctrlPr>
+                                  <a:rPr lang="en-US" altLang="zh-CN" b="1" i="1" smtClean="0">
+                                    <a:latin typeface="Cambria Math" panose="02040503050406030204" pitchFamily="18" charset="0"/>
+                                  </a:rPr>
+                                </m:ctrlPr>
+                              </m:sSupPr>
+                              <m:e>
+                                <m:r>
+                                  <a:rPr lang="en-US" altLang="zh-CN" b="1" i="1" smtClean="0">
+                                    <a:latin typeface="Cambria Math" panose="02040503050406030204" pitchFamily="18" charset="0"/>
+                                  </a:rPr>
+                                  <m:t>𝒙</m:t>
+                                </m:r>
+                              </m:e>
+                              <m:sup>
+                                <m:r>
+                                  <a:rPr lang="en-US" altLang="zh-CN" b="1" i="1" smtClean="0">
+                                    <a:latin typeface="Cambria Math" panose="02040503050406030204" pitchFamily="18" charset="0"/>
+                                  </a:rPr>
+                                  <m:t>𝟐</m:t>
+                                </m:r>
+                              </m:sup>
+                            </m:sSup>
+                          </m:e>
+                        </m:rad>
+                      </m:oMath>
+                    </m:oMathPara>
+                  </a14:m>
+                  <a:endParaRPr lang="en-US" altLang="zh-CN" b="1" dirty="0"/>
+                </a:p>
+              </p:txBody>
+            </p:sp>
+          </mc:Choice>
+          <mc:Fallback>
+            <p:sp>
+              <p:nvSpPr>
+                <p:cNvPr id="9" name="文本框 8">
+                  <a:extLst>
+                    <a:ext uri="{FF2B5EF4-FFF2-40B4-BE49-F238E27FC236}">
+                      <a16:creationId xmlns:a16="http://schemas.microsoft.com/office/drawing/2014/main" id="{12EF7F91-F877-2F4F-CAE7-EE4C3B069AE3}"/>
+                    </a:ext>
+                  </a:extLst>
+                </p:cNvPr>
+                <p:cNvSpPr txBox="1">
+                  <a:spLocks noRot="1" noChangeAspect="1" noMove="1" noResize="1" noEditPoints="1" noAdjustHandles="1" noChangeArrowheads="1" noChangeShapeType="1" noTextEdit="1"/>
+                </p:cNvSpPr>
+                <p:nvPr/>
+              </p:nvSpPr>
+              <p:spPr>
+                <a:xfrm>
+                  <a:off x="2715699" y="3811283"/>
+                  <a:ext cx="1105452" cy="437749"/>
+                </a:xfrm>
+                <a:prstGeom prst="rect">
+                  <a:avLst/>
+                </a:prstGeom>
+                <a:blipFill>
+                  <a:blip r:embed="rId5"/>
+                  <a:stretch>
+                    <a:fillRect/>
+                  </a:stretch>
+                </a:blipFill>
+              </p:spPr>
+              <p:txBody>
+                <a:bodyPr/>
+                <a:lstStyle/>
+                <a:p>
+                  <a:r>
+                    <a:rPr lang="zh-CN" altLang="en-US">
+                      <a:noFill/>
+                    </a:rPr>
+                    <a:t> </a:t>
+                  </a:r>
+                </a:p>
+              </p:txBody>
+            </p:sp>
+          </mc:Fallback>
+        </mc:AlternateContent>
+      </p:grpSp>
+      <p:grpSp>
+        <p:nvGrpSpPr>
+          <p:cNvPr id="11" name="组合 10">
+            <a:extLst>
+              <a:ext uri="{FF2B5EF4-FFF2-40B4-BE49-F238E27FC236}">
+                <a16:creationId xmlns:a16="http://schemas.microsoft.com/office/drawing/2014/main" id="{91A8361C-3EEF-065D-2944-8AAC26C124D6}"/>
+              </a:ext>
+            </a:extLst>
+          </p:cNvPr>
+          <p:cNvGrpSpPr/>
+          <p:nvPr/>
+        </p:nvGrpSpPr>
+        <p:grpSpPr>
+          <a:xfrm>
+            <a:off x="5085968" y="2716972"/>
+            <a:ext cx="1743663" cy="1373903"/>
+            <a:chOff x="2248459" y="2824976"/>
+            <a:chExt cx="1743663" cy="1373903"/>
+          </a:xfrm>
+        </p:grpSpPr>
+        <p:sp>
+          <p:nvSpPr>
+            <p:cNvPr id="12" name="直角三角形 11">
+              <a:extLst>
+                <a:ext uri="{FF2B5EF4-FFF2-40B4-BE49-F238E27FC236}">
+                  <a16:creationId xmlns:a16="http://schemas.microsoft.com/office/drawing/2014/main" id="{72ECADD0-B44D-E7DB-FDDD-42A392CE4CC0}"/>
+                </a:ext>
+              </a:extLst>
+            </p:cNvPr>
+            <p:cNvSpPr/>
+            <p:nvPr/>
+          </p:nvSpPr>
+          <p:spPr>
+            <a:xfrm flipH="1">
+              <a:off x="2520176" y="2824976"/>
+              <a:ext cx="1300975" cy="1003609"/>
+            </a:xfrm>
+            <a:prstGeom prst="rtTriangle">
+              <a:avLst/>
+            </a:prstGeom>
+            <a:noFill/>
+            <a:ln w="25400">
+              <a:solidFill>
+                <a:schemeClr val="tx1"/>
+              </a:solidFill>
+            </a:ln>
+          </p:spPr>
+          <p:style>
+            <a:lnRef idx="2">
+              <a:schemeClr val="accent1">
+                <a:shade val="15000"/>
+              </a:schemeClr>
+            </a:lnRef>
+            <a:fillRef idx="1">
+              <a:schemeClr val="accent1"/>
+            </a:fillRef>
+            <a:effectRef idx="0">
+              <a:schemeClr val="accent1"/>
+            </a:effectRef>
+            <a:fontRef idx="minor">
+              <a:schemeClr val="lt1"/>
+            </a:fontRef>
+          </p:style>
+          <p:txBody>
+            <a:bodyPr rtlCol="0" anchor="ctr"/>
+            <a:lstStyle/>
+            <a:p>
+              <a:pPr algn="ctr"/>
+              <a:endParaRPr lang="zh-CN" altLang="en-US" b="1"/>
+            </a:p>
+          </p:txBody>
+        </p:sp>
+        <p:sp>
+          <p:nvSpPr>
+            <p:cNvPr id="13" name="弧形 12">
+              <a:extLst>
+                <a:ext uri="{FF2B5EF4-FFF2-40B4-BE49-F238E27FC236}">
+                  <a16:creationId xmlns:a16="http://schemas.microsoft.com/office/drawing/2014/main" id="{8D14C9FB-765B-751C-A0B0-5B25C6C81F53}"/>
+                </a:ext>
+              </a:extLst>
+            </p:cNvPr>
+            <p:cNvSpPr/>
+            <p:nvPr/>
+          </p:nvSpPr>
+          <p:spPr>
+            <a:xfrm>
+              <a:off x="2284617" y="3429000"/>
+              <a:ext cx="673395" cy="673395"/>
+            </a:xfrm>
+            <a:prstGeom prst="arc">
+              <a:avLst>
+                <a:gd name="adj1" fmla="val 19240042"/>
+                <a:gd name="adj2" fmla="val 664459"/>
+              </a:avLst>
+            </a:prstGeom>
+            <a:ln w="25400">
+              <a:solidFill>
+                <a:schemeClr val="tx1"/>
+              </a:solidFill>
+            </a:ln>
+          </p:spPr>
+          <p:style>
+            <a:lnRef idx="1">
+              <a:schemeClr val="accent1"/>
+            </a:lnRef>
+            <a:fillRef idx="0">
+              <a:schemeClr val="accent1"/>
+            </a:fillRef>
+            <a:effectRef idx="0">
+              <a:schemeClr val="accent1"/>
+            </a:effectRef>
+            <a:fontRef idx="minor">
+              <a:schemeClr val="tx1"/>
+            </a:fontRef>
+          </p:style>
+          <p:txBody>
+            <a:bodyPr rtlCol="0" anchor="ctr"/>
+            <a:lstStyle/>
+            <a:p>
+              <a:pPr algn="ctr"/>
+              <a:endParaRPr lang="zh-CN" altLang="en-US" b="1"/>
+            </a:p>
+          </p:txBody>
+        </p:sp>
+        <mc:AlternateContent xmlns:mc="http://schemas.openxmlformats.org/markup-compatibility/2006">
+          <mc:Choice xmlns:a14="http://schemas.microsoft.com/office/drawing/2010/main" Requires="a14">
+            <p:sp>
+              <p:nvSpPr>
+                <p:cNvPr id="14" name="文本框 13">
+                  <a:extLst>
+                    <a:ext uri="{FF2B5EF4-FFF2-40B4-BE49-F238E27FC236}">
+                      <a16:creationId xmlns:a16="http://schemas.microsoft.com/office/drawing/2014/main" id="{F807C4C5-ACF9-F6DA-3538-0E52B74D93B1}"/>
+                    </a:ext>
+                  </a:extLst>
+                </p:cNvPr>
+                <p:cNvSpPr txBox="1"/>
+                <p:nvPr/>
+              </p:nvSpPr>
+              <p:spPr>
+                <a:xfrm>
+                  <a:off x="2933460" y="3459253"/>
+                  <a:ext cx="170971" cy="369332"/>
+                </a:xfrm>
+                <a:prstGeom prst="rect">
+                  <a:avLst/>
+                </a:prstGeom>
+                <a:noFill/>
+              </p:spPr>
+              <p:txBody>
+                <a:bodyPr wrap="square" rtlCol="0">
+                  <a:spAutoFit/>
+                </a:bodyPr>
+                <a:lstStyle/>
+                <a:p>
+                  <a14:m>
+                    <m:oMathPara xmlns:m="http://schemas.openxmlformats.org/officeDocument/2006/math">
+                      <m:oMathParaPr>
+                        <m:jc m:val="centerGroup"/>
+                      </m:oMathParaPr>
+                      <m:oMath xmlns:m="http://schemas.openxmlformats.org/officeDocument/2006/math">
+                        <m:r>
+                          <a:rPr lang="en-US" altLang="zh-CN" b="1" i="1" smtClean="0">
+                            <a:latin typeface="Cambria Math" panose="02040503050406030204" pitchFamily="18" charset="0"/>
+                          </a:rPr>
+                          <m:t>𝒕</m:t>
+                        </m:r>
+                      </m:oMath>
+                    </m:oMathPara>
+                  </a14:m>
+                  <a:endParaRPr lang="en-US" altLang="zh-CN" b="1" dirty="0"/>
+                </a:p>
+              </p:txBody>
+            </p:sp>
+          </mc:Choice>
+          <mc:Fallback>
+            <p:sp>
+              <p:nvSpPr>
+                <p:cNvPr id="14" name="文本框 13">
+                  <a:extLst>
+                    <a:ext uri="{FF2B5EF4-FFF2-40B4-BE49-F238E27FC236}">
+                      <a16:creationId xmlns:a16="http://schemas.microsoft.com/office/drawing/2014/main" id="{F807C4C5-ACF9-F6DA-3538-0E52B74D93B1}"/>
+                    </a:ext>
+                  </a:extLst>
+                </p:cNvPr>
+                <p:cNvSpPr txBox="1">
+                  <a:spLocks noRot="1" noChangeAspect="1" noMove="1" noResize="1" noEditPoints="1" noAdjustHandles="1" noChangeArrowheads="1" noChangeShapeType="1" noTextEdit="1"/>
+                </p:cNvSpPr>
+                <p:nvPr/>
+              </p:nvSpPr>
+              <p:spPr>
+                <a:xfrm>
+                  <a:off x="2933460" y="3459253"/>
+                  <a:ext cx="170971" cy="369332"/>
+                </a:xfrm>
+                <a:prstGeom prst="rect">
+                  <a:avLst/>
+                </a:prstGeom>
+                <a:blipFill>
+                  <a:blip r:embed="rId6"/>
+                  <a:stretch>
+                    <a:fillRect r="-50000"/>
+                  </a:stretch>
+                </a:blipFill>
+              </p:spPr>
+              <p:txBody>
+                <a:bodyPr/>
+                <a:lstStyle/>
+                <a:p>
+                  <a:r>
+                    <a:rPr lang="zh-CN" altLang="en-US">
+                      <a:noFill/>
+                    </a:rPr>
+                    <a:t> </a:t>
+                  </a:r>
+                </a:p>
+              </p:txBody>
+            </p:sp>
+          </mc:Fallback>
+        </mc:AlternateContent>
+        <mc:AlternateContent xmlns:mc="http://schemas.openxmlformats.org/markup-compatibility/2006">
+          <mc:Choice xmlns:a14="http://schemas.microsoft.com/office/drawing/2010/main" Requires="a14">
+            <p:sp>
+              <p:nvSpPr>
+                <p:cNvPr id="15" name="文本框 14">
+                  <a:extLst>
+                    <a:ext uri="{FF2B5EF4-FFF2-40B4-BE49-F238E27FC236}">
+                      <a16:creationId xmlns:a16="http://schemas.microsoft.com/office/drawing/2014/main" id="{7E6FD05A-9E31-5868-A919-DBB6D8F9E706}"/>
+                    </a:ext>
+                  </a:extLst>
+                </p:cNvPr>
+                <p:cNvSpPr txBox="1"/>
+                <p:nvPr/>
+              </p:nvSpPr>
+              <p:spPr>
+                <a:xfrm>
+                  <a:off x="3111452" y="3828585"/>
+                  <a:ext cx="170971" cy="370294"/>
+                </a:xfrm>
+                <a:prstGeom prst="rect">
+                  <a:avLst/>
+                </a:prstGeom>
+                <a:noFill/>
+              </p:spPr>
+              <p:txBody>
+                <a:bodyPr wrap="square" rtlCol="0">
+                  <a:spAutoFit/>
+                </a:bodyPr>
+                <a:lstStyle/>
+                <a:p>
+                  <a14:m>
+                    <m:oMathPara xmlns:m="http://schemas.openxmlformats.org/officeDocument/2006/math">
+                      <m:oMathParaPr>
+                        <m:jc m:val="centerGroup"/>
+                      </m:oMathParaPr>
+                      <m:oMath xmlns:m="http://schemas.openxmlformats.org/officeDocument/2006/math">
+                        <m:r>
+                          <a:rPr lang="en-US" altLang="zh-CN" b="1" i="1" smtClean="0">
+                            <a:latin typeface="Cambria Math" panose="02040503050406030204" pitchFamily="18" charset="0"/>
+                          </a:rPr>
+                          <m:t>𝒂</m:t>
+                        </m:r>
+                      </m:oMath>
+                    </m:oMathPara>
+                  </a14:m>
+                  <a:endParaRPr lang="en-US" altLang="zh-CN" b="1" dirty="0"/>
+                </a:p>
+              </p:txBody>
+            </p:sp>
+          </mc:Choice>
+          <mc:Fallback>
+            <p:sp>
+              <p:nvSpPr>
+                <p:cNvPr id="15" name="文本框 14">
+                  <a:extLst>
+                    <a:ext uri="{FF2B5EF4-FFF2-40B4-BE49-F238E27FC236}">
+                      <a16:creationId xmlns:a16="http://schemas.microsoft.com/office/drawing/2014/main" id="{7E6FD05A-9E31-5868-A919-DBB6D8F9E706}"/>
+                    </a:ext>
+                  </a:extLst>
+                </p:cNvPr>
+                <p:cNvSpPr txBox="1">
+                  <a:spLocks noRot="1" noChangeAspect="1" noMove="1" noResize="1" noEditPoints="1" noAdjustHandles="1" noChangeArrowheads="1" noChangeShapeType="1" noTextEdit="1"/>
+                </p:cNvSpPr>
+                <p:nvPr/>
+              </p:nvSpPr>
+              <p:spPr>
+                <a:xfrm>
+                  <a:off x="3111452" y="3828585"/>
+                  <a:ext cx="170971" cy="370294"/>
+                </a:xfrm>
+                <a:prstGeom prst="rect">
+                  <a:avLst/>
+                </a:prstGeom>
+                <a:blipFill>
+                  <a:blip r:embed="rId7"/>
+                  <a:stretch>
+                    <a:fillRect r="-71429"/>
+                  </a:stretch>
+                </a:blipFill>
+              </p:spPr>
+              <p:txBody>
+                <a:bodyPr/>
+                <a:lstStyle/>
+                <a:p>
+                  <a:r>
+                    <a:rPr lang="zh-CN" altLang="en-US">
+                      <a:noFill/>
+                    </a:rPr>
+                    <a:t> </a:t>
+                  </a:r>
+                </a:p>
+              </p:txBody>
+            </p:sp>
+          </mc:Fallback>
+        </mc:AlternateContent>
+        <mc:AlternateContent xmlns:mc="http://schemas.openxmlformats.org/markup-compatibility/2006">
+          <mc:Choice xmlns:a14="http://schemas.microsoft.com/office/drawing/2010/main" Requires="a14">
+            <p:sp>
+              <p:nvSpPr>
+                <p:cNvPr id="16" name="文本框 15">
+                  <a:extLst>
+                    <a:ext uri="{FF2B5EF4-FFF2-40B4-BE49-F238E27FC236}">
+                      <a16:creationId xmlns:a16="http://schemas.microsoft.com/office/drawing/2014/main" id="{C9716BE4-F162-B652-C8B3-698A78639EF2}"/>
+                    </a:ext>
+                  </a:extLst>
+                </p:cNvPr>
+                <p:cNvSpPr txBox="1"/>
+                <p:nvPr/>
+              </p:nvSpPr>
+              <p:spPr>
+                <a:xfrm>
+                  <a:off x="3821151" y="3141633"/>
+                  <a:ext cx="170971" cy="370294"/>
+                </a:xfrm>
+                <a:prstGeom prst="rect">
+                  <a:avLst/>
+                </a:prstGeom>
+                <a:noFill/>
+              </p:spPr>
+              <p:txBody>
+                <a:bodyPr wrap="square" rtlCol="0">
+                  <a:spAutoFit/>
+                </a:bodyPr>
+                <a:lstStyle/>
+                <a:p>
+                  <a14:m>
+                    <m:oMathPara xmlns:m="http://schemas.openxmlformats.org/officeDocument/2006/math">
+                      <m:oMathParaPr>
+                        <m:jc m:val="centerGroup"/>
+                      </m:oMathParaPr>
+                      <m:oMath xmlns:m="http://schemas.openxmlformats.org/officeDocument/2006/math">
+                        <m:r>
+                          <a:rPr lang="en-US" altLang="zh-CN" b="1" i="1" smtClean="0">
+                            <a:latin typeface="Cambria Math" panose="02040503050406030204" pitchFamily="18" charset="0"/>
+                          </a:rPr>
+                          <m:t>𝒙</m:t>
+                        </m:r>
+                      </m:oMath>
+                    </m:oMathPara>
+                  </a14:m>
+                  <a:endParaRPr lang="en-US" altLang="zh-CN" b="1" dirty="0"/>
+                </a:p>
+              </p:txBody>
+            </p:sp>
+          </mc:Choice>
+          <mc:Fallback>
+            <p:sp>
+              <p:nvSpPr>
+                <p:cNvPr id="16" name="文本框 15">
+                  <a:extLst>
+                    <a:ext uri="{FF2B5EF4-FFF2-40B4-BE49-F238E27FC236}">
+                      <a16:creationId xmlns:a16="http://schemas.microsoft.com/office/drawing/2014/main" id="{C9716BE4-F162-B652-C8B3-698A78639EF2}"/>
+                    </a:ext>
+                  </a:extLst>
+                </p:cNvPr>
+                <p:cNvSpPr txBox="1">
+                  <a:spLocks noRot="1" noChangeAspect="1" noMove="1" noResize="1" noEditPoints="1" noAdjustHandles="1" noChangeArrowheads="1" noChangeShapeType="1" noTextEdit="1"/>
+                </p:cNvSpPr>
+                <p:nvPr/>
+              </p:nvSpPr>
+              <p:spPr>
+                <a:xfrm>
+                  <a:off x="3821151" y="3141633"/>
+                  <a:ext cx="170971" cy="370294"/>
+                </a:xfrm>
+                <a:prstGeom prst="rect">
+                  <a:avLst/>
+                </a:prstGeom>
+                <a:blipFill>
+                  <a:blip r:embed="rId8"/>
+                  <a:stretch>
+                    <a:fillRect r="-64286"/>
+                  </a:stretch>
+                </a:blipFill>
+              </p:spPr>
+              <p:txBody>
+                <a:bodyPr/>
+                <a:lstStyle/>
+                <a:p>
+                  <a:r>
+                    <a:rPr lang="zh-CN" altLang="en-US">
+                      <a:noFill/>
+                    </a:rPr>
+                    <a:t> </a:t>
+                  </a:r>
+                </a:p>
+              </p:txBody>
+            </p:sp>
+          </mc:Fallback>
+        </mc:AlternateContent>
+        <mc:AlternateContent xmlns:mc="http://schemas.openxmlformats.org/markup-compatibility/2006">
+          <mc:Choice xmlns:a14="http://schemas.microsoft.com/office/drawing/2010/main" Requires="a14">
+            <p:sp>
+              <p:nvSpPr>
+                <p:cNvPr id="17" name="文本框 16">
+                  <a:extLst>
+                    <a:ext uri="{FF2B5EF4-FFF2-40B4-BE49-F238E27FC236}">
+                      <a16:creationId xmlns:a16="http://schemas.microsoft.com/office/drawing/2014/main" id="{B9BF9120-1DB4-A2E4-4AD7-F6DCBDB69C69}"/>
+                    </a:ext>
+                  </a:extLst>
+                </p:cNvPr>
+                <p:cNvSpPr txBox="1"/>
+                <p:nvPr/>
+              </p:nvSpPr>
+              <p:spPr>
+                <a:xfrm>
+                  <a:off x="2248459" y="2870084"/>
+                  <a:ext cx="1105452" cy="437749"/>
+                </a:xfrm>
+                <a:prstGeom prst="rect">
+                  <a:avLst/>
+                </a:prstGeom>
+                <a:noFill/>
+              </p:spPr>
+              <p:txBody>
+                <a:bodyPr wrap="square" rtlCol="0">
+                  <a:spAutoFit/>
+                </a:bodyPr>
+                <a:lstStyle/>
+                <a:p>
+                  <a14:m>
+                    <m:oMathPara xmlns:m="http://schemas.openxmlformats.org/officeDocument/2006/math">
+                      <m:oMathParaPr>
+                        <m:jc m:val="centerGroup"/>
+                      </m:oMathParaPr>
+                      <m:oMath xmlns:m="http://schemas.openxmlformats.org/officeDocument/2006/math">
+                        <m:rad>
+                          <m:radPr>
+                            <m:degHide m:val="on"/>
+                            <m:ctrlPr>
+                              <a:rPr lang="en-US" altLang="zh-CN" b="1" i="1" smtClean="0">
+                                <a:latin typeface="Cambria Math" panose="02040503050406030204" pitchFamily="18" charset="0"/>
+                              </a:rPr>
+                            </m:ctrlPr>
+                          </m:radPr>
+                          <m:deg/>
+                          <m:e>
+                            <m:sSup>
+                              <m:sSupPr>
+                                <m:ctrlPr>
+                                  <a:rPr lang="en-US" altLang="zh-CN" b="1" i="1" smtClean="0">
+                                    <a:latin typeface="Cambria Math" panose="02040503050406030204" pitchFamily="18" charset="0"/>
+                                  </a:rPr>
+                                </m:ctrlPr>
+                              </m:sSupPr>
+                              <m:e>
+                                <m:r>
+                                  <a:rPr lang="en-US" altLang="zh-CN" b="1" i="1" smtClean="0">
+                                    <a:latin typeface="Cambria Math" panose="02040503050406030204" pitchFamily="18" charset="0"/>
+                                  </a:rPr>
+                                  <m:t>𝒙</m:t>
+                                </m:r>
+                              </m:e>
+                              <m:sup>
+                                <m:r>
+                                  <a:rPr lang="en-US" altLang="zh-CN" b="1" i="1" smtClean="0">
+                                    <a:latin typeface="Cambria Math" panose="02040503050406030204" pitchFamily="18" charset="0"/>
+                                  </a:rPr>
+                                  <m:t>𝟐</m:t>
+                                </m:r>
+                              </m:sup>
+                            </m:sSup>
+                            <m:r>
+                              <a:rPr lang="en-US" altLang="zh-CN" b="1" i="1" smtClean="0">
+                                <a:latin typeface="Cambria Math" panose="02040503050406030204" pitchFamily="18" charset="0"/>
+                              </a:rPr>
+                              <m:t>+</m:t>
+                            </m:r>
+                            <m:sSup>
+                              <m:sSupPr>
+                                <m:ctrlPr>
+                                  <a:rPr lang="en-US" altLang="zh-CN" b="1" i="1" smtClean="0">
+                                    <a:latin typeface="Cambria Math" panose="02040503050406030204" pitchFamily="18" charset="0"/>
+                                  </a:rPr>
+                                </m:ctrlPr>
+                              </m:sSupPr>
+                              <m:e>
+                                <m:r>
+                                  <a:rPr lang="en-US" altLang="zh-CN" b="1" i="1" smtClean="0">
+                                    <a:latin typeface="Cambria Math" panose="02040503050406030204" pitchFamily="18" charset="0"/>
+                                  </a:rPr>
+                                  <m:t>𝒂</m:t>
+                                </m:r>
+                              </m:e>
+                              <m:sup>
+                                <m:r>
+                                  <a:rPr lang="en-US" altLang="zh-CN" b="1" i="1" smtClean="0">
+                                    <a:latin typeface="Cambria Math" panose="02040503050406030204" pitchFamily="18" charset="0"/>
+                                  </a:rPr>
+                                  <m:t>𝟐</m:t>
+                                </m:r>
+                              </m:sup>
+                            </m:sSup>
+                          </m:e>
+                        </m:rad>
+                      </m:oMath>
+                    </m:oMathPara>
+                  </a14:m>
+                  <a:endParaRPr lang="en-US" altLang="zh-CN" b="1" dirty="0"/>
+                </a:p>
+              </p:txBody>
+            </p:sp>
+          </mc:Choice>
+          <mc:Fallback>
+            <p:sp>
+              <p:nvSpPr>
+                <p:cNvPr id="17" name="文本框 16">
+                  <a:extLst>
+                    <a:ext uri="{FF2B5EF4-FFF2-40B4-BE49-F238E27FC236}">
+                      <a16:creationId xmlns:a16="http://schemas.microsoft.com/office/drawing/2014/main" id="{B9BF9120-1DB4-A2E4-4AD7-F6DCBDB69C69}"/>
+                    </a:ext>
+                  </a:extLst>
+                </p:cNvPr>
+                <p:cNvSpPr txBox="1">
+                  <a:spLocks noRot="1" noChangeAspect="1" noMove="1" noResize="1" noEditPoints="1" noAdjustHandles="1" noChangeArrowheads="1" noChangeShapeType="1" noTextEdit="1"/>
+                </p:cNvSpPr>
+                <p:nvPr/>
+              </p:nvSpPr>
+              <p:spPr>
+                <a:xfrm>
+                  <a:off x="2248459" y="2870084"/>
+                  <a:ext cx="1105452" cy="437749"/>
+                </a:xfrm>
+                <a:prstGeom prst="rect">
+                  <a:avLst/>
+                </a:prstGeom>
+                <a:blipFill>
+                  <a:blip r:embed="rId9"/>
+                  <a:stretch>
+                    <a:fillRect/>
+                  </a:stretch>
+                </a:blipFill>
+              </p:spPr>
+              <p:txBody>
+                <a:bodyPr/>
+                <a:lstStyle/>
+                <a:p>
+                  <a:r>
+                    <a:rPr lang="zh-CN" altLang="en-US">
+                      <a:noFill/>
+                    </a:rPr>
+                    <a:t> </a:t>
+                  </a:r>
+                </a:p>
+              </p:txBody>
+            </p:sp>
+          </mc:Fallback>
+        </mc:AlternateContent>
+      </p:grpSp>
+      <p:grpSp>
+        <p:nvGrpSpPr>
+          <p:cNvPr id="44" name="组合 43">
+            <a:extLst>
+              <a:ext uri="{FF2B5EF4-FFF2-40B4-BE49-F238E27FC236}">
+                <a16:creationId xmlns:a16="http://schemas.microsoft.com/office/drawing/2014/main" id="{0AC0D015-86E6-4BB0-9173-AF43C886A576}"/>
+              </a:ext>
+            </a:extLst>
+          </p:cNvPr>
+          <p:cNvGrpSpPr/>
+          <p:nvPr/>
+        </p:nvGrpSpPr>
+        <p:grpSpPr>
+          <a:xfrm>
+            <a:off x="7315505" y="2496633"/>
+            <a:ext cx="2715030" cy="3165307"/>
+            <a:chOff x="7315505" y="2496633"/>
+            <a:chExt cx="2715030" cy="3165307"/>
+          </a:xfrm>
+        </p:grpSpPr>
+        <p:grpSp>
+          <p:nvGrpSpPr>
+            <p:cNvPr id="43" name="组合 42">
+              <a:extLst>
+                <a:ext uri="{FF2B5EF4-FFF2-40B4-BE49-F238E27FC236}">
+                  <a16:creationId xmlns:a16="http://schemas.microsoft.com/office/drawing/2014/main" id="{89248939-4008-B3E4-E993-BBA5B6311451}"/>
+                </a:ext>
+              </a:extLst>
+            </p:cNvPr>
+            <p:cNvGrpSpPr/>
+            <p:nvPr/>
+          </p:nvGrpSpPr>
+          <p:grpSpPr>
+            <a:xfrm>
+              <a:off x="7315505" y="2496633"/>
+              <a:ext cx="2715030" cy="3165307"/>
+              <a:chOff x="7315505" y="2496633"/>
+              <a:chExt cx="2715030" cy="3165307"/>
+            </a:xfrm>
+          </p:grpSpPr>
+          <p:grpSp>
+            <p:nvGrpSpPr>
+              <p:cNvPr id="26" name="组合 25">
+                <a:extLst>
+                  <a:ext uri="{FF2B5EF4-FFF2-40B4-BE49-F238E27FC236}">
+                    <a16:creationId xmlns:a16="http://schemas.microsoft.com/office/drawing/2014/main" id="{69F7D8F1-C6D7-18B4-6F26-87B8B8F15895}"/>
+                  </a:ext>
+                </a:extLst>
+              </p:cNvPr>
+              <p:cNvGrpSpPr/>
+              <p:nvPr/>
+            </p:nvGrpSpPr>
+            <p:grpSpPr>
+              <a:xfrm>
+                <a:off x="7315505" y="2496633"/>
+                <a:ext cx="2641986" cy="1599321"/>
+                <a:chOff x="7315505" y="2491553"/>
+                <a:chExt cx="2641986" cy="1599321"/>
+              </a:xfrm>
+            </p:grpSpPr>
+            <p:grpSp>
+              <p:nvGrpSpPr>
+                <p:cNvPr id="18" name="组合 17">
+                  <a:extLst>
+                    <a:ext uri="{FF2B5EF4-FFF2-40B4-BE49-F238E27FC236}">
+                      <a16:creationId xmlns:a16="http://schemas.microsoft.com/office/drawing/2014/main" id="{296F8E48-40A8-8470-D60A-15A3CF62639F}"/>
+                    </a:ext>
+                  </a:extLst>
+                </p:cNvPr>
+                <p:cNvGrpSpPr/>
+                <p:nvPr/>
+              </p:nvGrpSpPr>
+              <p:grpSpPr>
+                <a:xfrm>
+                  <a:off x="7315505" y="2716971"/>
+                  <a:ext cx="2591878" cy="1373903"/>
+                  <a:chOff x="2284617" y="2824976"/>
+                  <a:chExt cx="2591878" cy="1373903"/>
+                </a:xfrm>
+              </p:grpSpPr>
+              <p:sp>
+                <p:nvSpPr>
+                  <p:cNvPr id="19" name="直角三角形 18">
+                    <a:extLst>
+                      <a:ext uri="{FF2B5EF4-FFF2-40B4-BE49-F238E27FC236}">
+                        <a16:creationId xmlns:a16="http://schemas.microsoft.com/office/drawing/2014/main" id="{667F97F1-C818-3F8E-DA30-B31CBDC805A0}"/>
+                      </a:ext>
+                    </a:extLst>
+                  </p:cNvPr>
+                  <p:cNvSpPr/>
+                  <p:nvPr/>
+                </p:nvSpPr>
+                <p:spPr>
+                  <a:xfrm flipH="1">
+                    <a:off x="2520176" y="2824976"/>
+                    <a:ext cx="1300975" cy="1003609"/>
+                  </a:xfrm>
+                  <a:prstGeom prst="rtTriangle">
+                    <a:avLst/>
+                  </a:prstGeom>
+                  <a:noFill/>
+                  <a:ln w="25400">
+                    <a:solidFill>
+                      <a:schemeClr val="tx1"/>
+                    </a:solidFill>
+                  </a:ln>
+                </p:spPr>
+                <p:style>
+                  <a:lnRef idx="2">
+                    <a:schemeClr val="accent1">
+                      <a:shade val="15000"/>
+                    </a:schemeClr>
+                  </a:lnRef>
+                  <a:fillRef idx="1">
+                    <a:schemeClr val="accent1"/>
+                  </a:fillRef>
+                  <a:effectRef idx="0">
+                    <a:schemeClr val="accent1"/>
+                  </a:effectRef>
+                  <a:fontRef idx="minor">
+                    <a:schemeClr val="lt1"/>
+                  </a:fontRef>
+                </p:style>
+                <p:txBody>
+                  <a:bodyPr rtlCol="0" anchor="ctr"/>
+                  <a:lstStyle/>
+                  <a:p>
+                    <a:pPr algn="ctr"/>
+                    <a:endParaRPr lang="zh-CN" altLang="en-US" b="1"/>
+                  </a:p>
+                </p:txBody>
+              </p:sp>
+              <p:sp>
+                <p:nvSpPr>
+                  <p:cNvPr id="20" name="弧形 19">
+                    <a:extLst>
+                      <a:ext uri="{FF2B5EF4-FFF2-40B4-BE49-F238E27FC236}">
+                        <a16:creationId xmlns:a16="http://schemas.microsoft.com/office/drawing/2014/main" id="{8F553C7F-42D7-64D5-3FDA-B01169029263}"/>
+                      </a:ext>
+                    </a:extLst>
+                  </p:cNvPr>
+                  <p:cNvSpPr/>
+                  <p:nvPr/>
+                </p:nvSpPr>
+                <p:spPr>
+                  <a:xfrm>
+                    <a:off x="2284617" y="3429000"/>
+                    <a:ext cx="673395" cy="673395"/>
+                  </a:xfrm>
+                  <a:prstGeom prst="arc">
+                    <a:avLst>
+                      <a:gd name="adj1" fmla="val 19240042"/>
+                      <a:gd name="adj2" fmla="val 664459"/>
+                    </a:avLst>
+                  </a:prstGeom>
+                  <a:ln w="25400">
+                    <a:solidFill>
+                      <a:schemeClr val="tx1"/>
+                    </a:solidFill>
+                  </a:ln>
+                </p:spPr>
+                <p:style>
+                  <a:lnRef idx="1">
+                    <a:schemeClr val="accent1"/>
+                  </a:lnRef>
+                  <a:fillRef idx="0">
+                    <a:schemeClr val="accent1"/>
+                  </a:fillRef>
+                  <a:effectRef idx="0">
+                    <a:schemeClr val="accent1"/>
+                  </a:effectRef>
+                  <a:fontRef idx="minor">
+                    <a:schemeClr val="tx1"/>
+                  </a:fontRef>
+                </p:style>
+                <p:txBody>
+                  <a:bodyPr rtlCol="0" anchor="ctr"/>
+                  <a:lstStyle/>
+                  <a:p>
+                    <a:pPr algn="ctr"/>
+                    <a:endParaRPr lang="zh-CN" altLang="en-US" b="1"/>
+                  </a:p>
+                </p:txBody>
+              </p:sp>
+              <mc:AlternateContent xmlns:mc="http://schemas.openxmlformats.org/markup-compatibility/2006">
+                <mc:Choice xmlns:a14="http://schemas.microsoft.com/office/drawing/2010/main" Requires="a14">
+                  <p:sp>
+                    <p:nvSpPr>
+                      <p:cNvPr id="21" name="文本框 20">
+                        <a:extLst>
+                          <a:ext uri="{FF2B5EF4-FFF2-40B4-BE49-F238E27FC236}">
+                            <a16:creationId xmlns:a16="http://schemas.microsoft.com/office/drawing/2014/main" id="{5F9F9AEB-0B68-C0E3-C28D-1D032CEB0193}"/>
+                          </a:ext>
+                        </a:extLst>
+                      </p:cNvPr>
+                      <p:cNvSpPr txBox="1"/>
+                      <p:nvPr/>
+                    </p:nvSpPr>
+                    <p:spPr>
+                      <a:xfrm>
+                        <a:off x="2933460" y="3459253"/>
+                        <a:ext cx="170971" cy="369332"/>
+                      </a:xfrm>
+                      <a:prstGeom prst="rect">
+                        <a:avLst/>
+                      </a:prstGeom>
+                      <a:noFill/>
+                    </p:spPr>
+                    <p:txBody>
+                      <a:bodyPr wrap="square" rtlCol="0">
+                        <a:spAutoFit/>
+                      </a:bodyPr>
+                      <a:lstStyle/>
+                      <a:p>
+                        <a14:m>
+                          <m:oMathPara xmlns:m="http://schemas.openxmlformats.org/officeDocument/2006/math">
+                            <m:oMathParaPr>
+                              <m:jc m:val="centerGroup"/>
+                            </m:oMathParaPr>
+                            <m:oMath xmlns:m="http://schemas.openxmlformats.org/officeDocument/2006/math">
+                              <m:r>
+                                <a:rPr lang="en-US" altLang="zh-CN" b="1" i="1" smtClean="0">
+                                  <a:latin typeface="Cambria Math" panose="02040503050406030204" pitchFamily="18" charset="0"/>
+                                </a:rPr>
+                                <m:t>𝒕</m:t>
+                              </m:r>
+                            </m:oMath>
+                          </m:oMathPara>
+                        </a14:m>
+                        <a:endParaRPr lang="en-US" altLang="zh-CN" b="1" dirty="0"/>
+                      </a:p>
+                    </p:txBody>
+                  </p:sp>
+                </mc:Choice>
+                <mc:Fallback>
+                  <p:sp>
+                    <p:nvSpPr>
+                      <p:cNvPr id="21" name="文本框 20">
+                        <a:extLst>
+                          <a:ext uri="{FF2B5EF4-FFF2-40B4-BE49-F238E27FC236}">
+                            <a16:creationId xmlns:a16="http://schemas.microsoft.com/office/drawing/2014/main" id="{5F9F9AEB-0B68-C0E3-C28D-1D032CEB0193}"/>
+                          </a:ext>
+                        </a:extLst>
+                      </p:cNvPr>
+                      <p:cNvSpPr txBox="1">
+                        <a:spLocks noRot="1" noChangeAspect="1" noMove="1" noResize="1" noEditPoints="1" noAdjustHandles="1" noChangeArrowheads="1" noChangeShapeType="1" noTextEdit="1"/>
+                      </p:cNvSpPr>
+                      <p:nvPr/>
+                    </p:nvSpPr>
+                    <p:spPr>
+                      <a:xfrm>
+                        <a:off x="2933460" y="3459253"/>
+                        <a:ext cx="170971" cy="369332"/>
+                      </a:xfrm>
+                      <a:prstGeom prst="rect">
+                        <a:avLst/>
+                      </a:prstGeom>
+                      <a:blipFill>
+                        <a:blip r:embed="rId10"/>
+                        <a:stretch>
+                          <a:fillRect r="-48276"/>
+                        </a:stretch>
+                      </a:blipFill>
+                    </p:spPr>
+                    <p:txBody>
+                      <a:bodyPr/>
+                      <a:lstStyle/>
+                      <a:p>
+                        <a:r>
+                          <a:rPr lang="zh-CN" altLang="en-US">
+                            <a:noFill/>
+                          </a:rPr>
+                          <a:t> </a:t>
+                        </a:r>
+                      </a:p>
+                    </p:txBody>
+                  </p:sp>
+                </mc:Fallback>
+              </mc:AlternateContent>
+              <mc:AlternateContent xmlns:mc="http://schemas.openxmlformats.org/markup-compatibility/2006">
+                <mc:Choice xmlns:a14="http://schemas.microsoft.com/office/drawing/2010/main" Requires="a14">
+                  <p:sp>
+                    <p:nvSpPr>
+                      <p:cNvPr id="22" name="文本框 21">
+                        <a:extLst>
+                          <a:ext uri="{FF2B5EF4-FFF2-40B4-BE49-F238E27FC236}">
+                            <a16:creationId xmlns:a16="http://schemas.microsoft.com/office/drawing/2014/main" id="{E0837AC2-04A3-AE28-167A-A0F938E580FA}"/>
+                          </a:ext>
+                        </a:extLst>
+                      </p:cNvPr>
+                      <p:cNvSpPr txBox="1"/>
+                      <p:nvPr/>
+                    </p:nvSpPr>
+                    <p:spPr>
+                      <a:xfrm>
+                        <a:off x="3111452" y="3828585"/>
+                        <a:ext cx="170971" cy="370294"/>
+                      </a:xfrm>
+                      <a:prstGeom prst="rect">
+                        <a:avLst/>
+                      </a:prstGeom>
+                      <a:noFill/>
+                    </p:spPr>
+                    <p:txBody>
+                      <a:bodyPr wrap="square" rtlCol="0">
+                        <a:spAutoFit/>
+                      </a:bodyPr>
+                      <a:lstStyle/>
+                      <a:p>
+                        <a14:m>
+                          <m:oMathPara xmlns:m="http://schemas.openxmlformats.org/officeDocument/2006/math">
+                            <m:oMathParaPr>
+                              <m:jc m:val="centerGroup"/>
+                            </m:oMathParaPr>
+                            <m:oMath xmlns:m="http://schemas.openxmlformats.org/officeDocument/2006/math">
+                              <m:r>
+                                <a:rPr lang="en-US" altLang="zh-CN" b="1" i="1" smtClean="0">
+                                  <a:latin typeface="Cambria Math" panose="02040503050406030204" pitchFamily="18" charset="0"/>
+                                </a:rPr>
+                                <m:t>𝒂</m:t>
+                              </m:r>
+                            </m:oMath>
+                          </m:oMathPara>
+                        </a14:m>
+                        <a:endParaRPr lang="en-US" altLang="zh-CN" b="1" dirty="0"/>
+                      </a:p>
+                    </p:txBody>
+                  </p:sp>
+                </mc:Choice>
+                <mc:Fallback>
+                  <p:sp>
+                    <p:nvSpPr>
+                      <p:cNvPr id="22" name="文本框 21">
+                        <a:extLst>
+                          <a:ext uri="{FF2B5EF4-FFF2-40B4-BE49-F238E27FC236}">
+                            <a16:creationId xmlns:a16="http://schemas.microsoft.com/office/drawing/2014/main" id="{E0837AC2-04A3-AE28-167A-A0F938E580FA}"/>
+                          </a:ext>
+                        </a:extLst>
+                      </p:cNvPr>
+                      <p:cNvSpPr txBox="1">
+                        <a:spLocks noRot="1" noChangeAspect="1" noMove="1" noResize="1" noEditPoints="1" noAdjustHandles="1" noChangeArrowheads="1" noChangeShapeType="1" noTextEdit="1"/>
+                      </p:cNvSpPr>
+                      <p:nvPr/>
+                    </p:nvSpPr>
+                    <p:spPr>
+                      <a:xfrm>
+                        <a:off x="3111452" y="3828585"/>
+                        <a:ext cx="170971" cy="370294"/>
+                      </a:xfrm>
+                      <a:prstGeom prst="rect">
+                        <a:avLst/>
+                      </a:prstGeom>
+                      <a:blipFill>
+                        <a:blip r:embed="rId11"/>
+                        <a:stretch>
+                          <a:fillRect r="-71429"/>
+                        </a:stretch>
+                      </a:blipFill>
+                    </p:spPr>
+                    <p:txBody>
+                      <a:bodyPr/>
+                      <a:lstStyle/>
+                      <a:p>
+                        <a:r>
+                          <a:rPr lang="zh-CN" altLang="en-US">
+                            <a:noFill/>
+                          </a:rPr>
+                          <a:t> </a:t>
+                        </a:r>
+                      </a:p>
+                    </p:txBody>
+                  </p:sp>
+                </mc:Fallback>
+              </mc:AlternateContent>
+              <mc:AlternateContent xmlns:mc="http://schemas.openxmlformats.org/markup-compatibility/2006">
+                <mc:Choice xmlns:a14="http://schemas.microsoft.com/office/drawing/2010/main" Requires="a14">
+                  <p:sp>
+                    <p:nvSpPr>
+                      <p:cNvPr id="23" name="文本框 22">
+                        <a:extLst>
+                          <a:ext uri="{FF2B5EF4-FFF2-40B4-BE49-F238E27FC236}">
+                            <a16:creationId xmlns:a16="http://schemas.microsoft.com/office/drawing/2014/main" id="{5A6080B4-6C21-6030-5C2C-9150FBBF7792}"/>
+                          </a:ext>
+                        </a:extLst>
+                      </p:cNvPr>
+                      <p:cNvSpPr txBox="1"/>
+                      <p:nvPr/>
+                    </p:nvSpPr>
+                    <p:spPr>
+                      <a:xfrm>
+                        <a:off x="2940481" y="2926715"/>
+                        <a:ext cx="170971" cy="370294"/>
+                      </a:xfrm>
+                      <a:prstGeom prst="rect">
+                        <a:avLst/>
+                      </a:prstGeom>
+                      <a:noFill/>
+                    </p:spPr>
+                    <p:txBody>
+                      <a:bodyPr wrap="square" rtlCol="0">
+                        <a:spAutoFit/>
+                      </a:bodyPr>
+                      <a:lstStyle/>
+                      <a:p>
+                        <a14:m>
+                          <m:oMathPara xmlns:m="http://schemas.openxmlformats.org/officeDocument/2006/math">
+                            <m:oMathParaPr>
+                              <m:jc m:val="centerGroup"/>
+                            </m:oMathParaPr>
+                            <m:oMath xmlns:m="http://schemas.openxmlformats.org/officeDocument/2006/math">
+                              <m:r>
+                                <a:rPr lang="en-US" altLang="zh-CN" b="1" i="1" smtClean="0">
+                                  <a:latin typeface="Cambria Math" panose="02040503050406030204" pitchFamily="18" charset="0"/>
+                                </a:rPr>
+                                <m:t>𝒙</m:t>
+                              </m:r>
+                            </m:oMath>
+                          </m:oMathPara>
+                        </a14:m>
+                        <a:endParaRPr lang="en-US" altLang="zh-CN" b="1" dirty="0"/>
+                      </a:p>
+                    </p:txBody>
+                  </p:sp>
+                </mc:Choice>
+                <mc:Fallback>
+                  <p:sp>
+                    <p:nvSpPr>
+                      <p:cNvPr id="23" name="文本框 22">
+                        <a:extLst>
+                          <a:ext uri="{FF2B5EF4-FFF2-40B4-BE49-F238E27FC236}">
+                            <a16:creationId xmlns:a16="http://schemas.microsoft.com/office/drawing/2014/main" id="{5A6080B4-6C21-6030-5C2C-9150FBBF7792}"/>
+                          </a:ext>
+                        </a:extLst>
+                      </p:cNvPr>
+                      <p:cNvSpPr txBox="1">
+                        <a:spLocks noRot="1" noChangeAspect="1" noMove="1" noResize="1" noEditPoints="1" noAdjustHandles="1" noChangeArrowheads="1" noChangeShapeType="1" noTextEdit="1"/>
+                      </p:cNvSpPr>
+                      <p:nvPr/>
+                    </p:nvSpPr>
+                    <p:spPr>
+                      <a:xfrm>
+                        <a:off x="2940481" y="2926715"/>
+                        <a:ext cx="170971" cy="370294"/>
+                      </a:xfrm>
+                      <a:prstGeom prst="rect">
+                        <a:avLst/>
+                      </a:prstGeom>
+                      <a:blipFill>
+                        <a:blip r:embed="rId12"/>
+                        <a:stretch>
+                          <a:fillRect r="-64286"/>
+                        </a:stretch>
+                      </a:blipFill>
+                    </p:spPr>
+                    <p:txBody>
+                      <a:bodyPr/>
+                      <a:lstStyle/>
+                      <a:p>
+                        <a:r>
+                          <a:rPr lang="zh-CN" altLang="en-US">
+                            <a:noFill/>
+                          </a:rPr>
+                          <a:t> </a:t>
+                        </a:r>
+                      </a:p>
+                    </p:txBody>
+                  </p:sp>
+                </mc:Fallback>
+              </mc:AlternateContent>
+              <mc:AlternateContent xmlns:mc="http://schemas.openxmlformats.org/markup-compatibility/2006">
+                <mc:Choice xmlns:a14="http://schemas.microsoft.com/office/drawing/2010/main" Requires="a14">
+                  <p:sp>
+                    <p:nvSpPr>
+                      <p:cNvPr id="24" name="文本框 23">
+                        <a:extLst>
+                          <a:ext uri="{FF2B5EF4-FFF2-40B4-BE49-F238E27FC236}">
+                            <a16:creationId xmlns:a16="http://schemas.microsoft.com/office/drawing/2014/main" id="{72246B7B-D03F-93D5-D7B8-E67FDA435BA3}"/>
+                          </a:ext>
+                        </a:extLst>
+                      </p:cNvPr>
+                      <p:cNvSpPr txBox="1"/>
+                      <p:nvPr/>
+                    </p:nvSpPr>
+                    <p:spPr>
+                      <a:xfrm>
+                        <a:off x="3771043" y="3249638"/>
+                        <a:ext cx="1105452" cy="437749"/>
+                      </a:xfrm>
+                      <a:prstGeom prst="rect">
+                        <a:avLst/>
+                      </a:prstGeom>
+                      <a:noFill/>
+                    </p:spPr>
+                    <p:txBody>
+                      <a:bodyPr wrap="square" rtlCol="0">
+                        <a:spAutoFit/>
+                      </a:bodyPr>
+                      <a:lstStyle/>
+                      <a:p>
+                        <a14:m>
+                          <m:oMathPara xmlns:m="http://schemas.openxmlformats.org/officeDocument/2006/math">
+                            <m:oMathParaPr>
+                              <m:jc m:val="centerGroup"/>
+                            </m:oMathParaPr>
+                            <m:oMath xmlns:m="http://schemas.openxmlformats.org/officeDocument/2006/math">
+                              <m:rad>
+                                <m:radPr>
+                                  <m:degHide m:val="on"/>
+                                  <m:ctrlPr>
+                                    <a:rPr lang="en-US" altLang="zh-CN" b="1" i="1" smtClean="0">
+                                      <a:latin typeface="Cambria Math" panose="02040503050406030204" pitchFamily="18" charset="0"/>
+                                    </a:rPr>
+                                  </m:ctrlPr>
+                                </m:radPr>
+                                <m:deg/>
+                                <m:e>
+                                  <m:sSup>
+                                    <m:sSupPr>
+                                      <m:ctrlPr>
+                                        <a:rPr lang="en-US" altLang="zh-CN" b="1" i="1" smtClean="0">
+                                          <a:latin typeface="Cambria Math" panose="02040503050406030204" pitchFamily="18" charset="0"/>
+                                        </a:rPr>
+                                      </m:ctrlPr>
+                                    </m:sSupPr>
+                                    <m:e>
+                                      <m:r>
+                                        <a:rPr lang="en-US" altLang="zh-CN" b="1" i="1" smtClean="0">
+                                          <a:latin typeface="Cambria Math" panose="02040503050406030204" pitchFamily="18" charset="0"/>
+                                        </a:rPr>
+                                        <m:t>𝒙</m:t>
+                                      </m:r>
+                                    </m:e>
+                                    <m:sup>
+                                      <m:r>
+                                        <a:rPr lang="en-US" altLang="zh-CN" b="1" i="1" smtClean="0">
+                                          <a:latin typeface="Cambria Math" panose="02040503050406030204" pitchFamily="18" charset="0"/>
+                                        </a:rPr>
+                                        <m:t>𝟐</m:t>
+                                      </m:r>
+                                    </m:sup>
+                                  </m:sSup>
+                                  <m:r>
+                                    <a:rPr lang="en-US" altLang="zh-CN" b="1" i="1" smtClean="0">
+                                      <a:latin typeface="Cambria Math" panose="02040503050406030204" pitchFamily="18" charset="0"/>
+                                    </a:rPr>
+                                    <m:t>−</m:t>
+                                  </m:r>
+                                  <m:sSup>
+                                    <m:sSupPr>
+                                      <m:ctrlPr>
+                                        <a:rPr lang="en-US" altLang="zh-CN" b="1" i="1" smtClean="0">
+                                          <a:latin typeface="Cambria Math" panose="02040503050406030204" pitchFamily="18" charset="0"/>
+                                        </a:rPr>
+                                      </m:ctrlPr>
+                                    </m:sSupPr>
+                                    <m:e>
+                                      <m:r>
+                                        <a:rPr lang="en-US" altLang="zh-CN" b="1" i="1" smtClean="0">
+                                          <a:latin typeface="Cambria Math" panose="02040503050406030204" pitchFamily="18" charset="0"/>
+                                        </a:rPr>
+                                        <m:t>𝒂</m:t>
+                                      </m:r>
+                                    </m:e>
+                                    <m:sup>
+                                      <m:r>
+                                        <a:rPr lang="en-US" altLang="zh-CN" b="1" i="1" smtClean="0">
+                                          <a:latin typeface="Cambria Math" panose="02040503050406030204" pitchFamily="18" charset="0"/>
+                                        </a:rPr>
+                                        <m:t>𝟐</m:t>
+                                      </m:r>
+                                    </m:sup>
+                                  </m:sSup>
+                                </m:e>
+                              </m:rad>
+                            </m:oMath>
+                          </m:oMathPara>
+                        </a14:m>
+                        <a:endParaRPr lang="en-US" altLang="zh-CN" b="1" dirty="0"/>
+                      </a:p>
+                    </p:txBody>
+                  </p:sp>
+                </mc:Choice>
+                <mc:Fallback>
+                  <p:sp>
+                    <p:nvSpPr>
+                      <p:cNvPr id="24" name="文本框 23">
+                        <a:extLst>
+                          <a:ext uri="{FF2B5EF4-FFF2-40B4-BE49-F238E27FC236}">
+                            <a16:creationId xmlns:a16="http://schemas.microsoft.com/office/drawing/2014/main" id="{72246B7B-D03F-93D5-D7B8-E67FDA435BA3}"/>
+                          </a:ext>
+                        </a:extLst>
+                      </p:cNvPr>
+                      <p:cNvSpPr txBox="1">
+                        <a:spLocks noRot="1" noChangeAspect="1" noMove="1" noResize="1" noEditPoints="1" noAdjustHandles="1" noChangeArrowheads="1" noChangeShapeType="1" noTextEdit="1"/>
+                      </p:cNvSpPr>
+                      <p:nvPr/>
+                    </p:nvSpPr>
+                    <p:spPr>
+                      <a:xfrm>
+                        <a:off x="3771043" y="3249638"/>
+                        <a:ext cx="1105452" cy="437749"/>
+                      </a:xfrm>
+                      <a:prstGeom prst="rect">
+                        <a:avLst/>
+                      </a:prstGeom>
+                      <a:blipFill>
+                        <a:blip r:embed="rId13"/>
+                        <a:stretch>
+                          <a:fillRect/>
+                        </a:stretch>
+                      </a:blipFill>
+                    </p:spPr>
+                    <p:txBody>
+                      <a:bodyPr/>
+                      <a:lstStyle/>
+                      <a:p>
+                        <a:r>
+                          <a:rPr lang="zh-CN" altLang="en-US">
+                            <a:noFill/>
+                          </a:rPr>
+                          <a:t> </a:t>
+                        </a:r>
+                      </a:p>
+                    </p:txBody>
+                  </p:sp>
+                </mc:Fallback>
+              </mc:AlternateContent>
+            </p:grpSp>
+            <mc:AlternateContent xmlns:mc="http://schemas.openxmlformats.org/markup-compatibility/2006">
+              <mc:Choice xmlns:a14="http://schemas.microsoft.com/office/drawing/2010/main" Requires="a14">
+                <p:sp>
+                  <p:nvSpPr>
+                    <p:cNvPr id="25" name="文本框 24">
+                      <a:extLst>
+                        <a:ext uri="{FF2B5EF4-FFF2-40B4-BE49-F238E27FC236}">
+                          <a16:creationId xmlns:a16="http://schemas.microsoft.com/office/drawing/2014/main" id="{5517EA8B-9830-DD66-C4D1-1B57311F1F04}"/>
+                        </a:ext>
+                      </a:extLst>
+                    </p:cNvPr>
+                    <p:cNvSpPr txBox="1"/>
+                    <p:nvPr/>
+                  </p:nvSpPr>
+                  <p:spPr>
+                    <a:xfrm>
+                      <a:off x="8852039" y="2491553"/>
+                      <a:ext cx="1105452" cy="370935"/>
+                    </a:xfrm>
+                    <a:prstGeom prst="rect">
+                      <a:avLst/>
+                    </a:prstGeom>
+                    <a:noFill/>
+                  </p:spPr>
+                  <p:txBody>
+                    <a:bodyPr wrap="square" rtlCol="0">
+                      <a:spAutoFit/>
+                    </a:bodyPr>
+                    <a:lstStyle/>
+                    <a:p>
+                      <a14:m>
+                        <m:oMathPara xmlns:m="http://schemas.openxmlformats.org/officeDocument/2006/math">
+                          <m:oMathParaPr>
+                            <m:jc m:val="centerGroup"/>
+                          </m:oMathParaPr>
+                          <m:oMath xmlns:m="http://schemas.openxmlformats.org/officeDocument/2006/math">
+                            <m:r>
+                              <a:rPr lang="en-US" altLang="zh-CN" b="1" i="1" smtClean="0">
+                                <a:latin typeface="Cambria Math" panose="02040503050406030204" pitchFamily="18" charset="0"/>
+                              </a:rPr>
+                              <m:t>(</m:t>
+                            </m:r>
+                            <m:r>
+                              <a:rPr lang="en-US" altLang="zh-CN" b="1" i="1" smtClean="0">
+                                <a:latin typeface="Cambria Math" panose="02040503050406030204" pitchFamily="18" charset="0"/>
+                              </a:rPr>
+                              <m:t>𝒙</m:t>
+                            </m:r>
+                            <m:r>
+                              <a:rPr lang="en-US" altLang="zh-CN" b="1" i="1" smtClean="0">
+                                <a:latin typeface="Cambria Math" panose="02040503050406030204" pitchFamily="18" charset="0"/>
+                              </a:rPr>
+                              <m:t>≥</m:t>
+                            </m:r>
+                            <m:r>
+                              <a:rPr lang="en-US" altLang="zh-CN" b="1" i="1" smtClean="0">
+                                <a:latin typeface="Cambria Math" panose="02040503050406030204" pitchFamily="18" charset="0"/>
+                              </a:rPr>
+                              <m:t>𝒂</m:t>
+                            </m:r>
+                            <m:r>
+                              <a:rPr lang="en-US" altLang="zh-CN" b="1" i="1" smtClean="0">
+                                <a:latin typeface="Cambria Math" panose="02040503050406030204" pitchFamily="18" charset="0"/>
+                              </a:rPr>
+                              <m:t>)</m:t>
+                            </m:r>
+                          </m:oMath>
+                        </m:oMathPara>
+                      </a14:m>
+                      <a:endParaRPr lang="en-US" altLang="zh-CN" b="1" dirty="0"/>
+                    </a:p>
+                  </p:txBody>
+                </p:sp>
+              </mc:Choice>
+              <mc:Fallback>
+                <p:sp>
+                  <p:nvSpPr>
+                    <p:cNvPr id="25" name="文本框 24">
+                      <a:extLst>
+                        <a:ext uri="{FF2B5EF4-FFF2-40B4-BE49-F238E27FC236}">
+                          <a16:creationId xmlns:a16="http://schemas.microsoft.com/office/drawing/2014/main" id="{5517EA8B-9830-DD66-C4D1-1B57311F1F04}"/>
+                        </a:ext>
+                      </a:extLst>
+                    </p:cNvPr>
+                    <p:cNvSpPr txBox="1">
+                      <a:spLocks noRot="1" noChangeAspect="1" noMove="1" noResize="1" noEditPoints="1" noAdjustHandles="1" noChangeArrowheads="1" noChangeShapeType="1" noTextEdit="1"/>
+                    </p:cNvSpPr>
+                    <p:nvPr/>
+                  </p:nvSpPr>
+                  <p:spPr>
+                    <a:xfrm>
+                      <a:off x="8852039" y="2491553"/>
+                      <a:ext cx="1105452" cy="370935"/>
+                    </a:xfrm>
+                    <a:prstGeom prst="rect">
+                      <a:avLst/>
+                    </a:prstGeom>
+                    <a:blipFill>
+                      <a:blip r:embed="rId14"/>
+                      <a:stretch>
+                        <a:fillRect b="-13333"/>
+                      </a:stretch>
+                    </a:blipFill>
+                  </p:spPr>
+                  <p:txBody>
+                    <a:bodyPr/>
+                    <a:lstStyle/>
+                    <a:p>
+                      <a:r>
+                        <a:rPr lang="zh-CN" altLang="en-US">
+                          <a:noFill/>
+                        </a:rPr>
+                        <a:t> </a:t>
+                      </a:r>
+                    </a:p>
+                  </p:txBody>
+                </p:sp>
+              </mc:Fallback>
+            </mc:AlternateContent>
+          </p:grpSp>
+          <p:grpSp>
+            <p:nvGrpSpPr>
+              <p:cNvPr id="27" name="组合 26">
+                <a:extLst>
+                  <a:ext uri="{FF2B5EF4-FFF2-40B4-BE49-F238E27FC236}">
+                    <a16:creationId xmlns:a16="http://schemas.microsoft.com/office/drawing/2014/main" id="{BBD4405C-90A1-1DB3-FE57-1C38A322C889}"/>
+                  </a:ext>
+                </a:extLst>
+              </p:cNvPr>
+              <p:cNvGrpSpPr/>
+              <p:nvPr/>
+            </p:nvGrpSpPr>
+            <p:grpSpPr>
+              <a:xfrm>
+                <a:off x="7315505" y="4062619"/>
+                <a:ext cx="2715030" cy="1599321"/>
+                <a:chOff x="7315505" y="2491553"/>
+                <a:chExt cx="2715030" cy="1599321"/>
+              </a:xfrm>
+            </p:grpSpPr>
+            <p:grpSp>
+              <p:nvGrpSpPr>
+                <p:cNvPr id="28" name="组合 27">
+                  <a:extLst>
+                    <a:ext uri="{FF2B5EF4-FFF2-40B4-BE49-F238E27FC236}">
+                      <a16:creationId xmlns:a16="http://schemas.microsoft.com/office/drawing/2014/main" id="{D33934DE-F25C-CD59-EC14-EC1B0FBD28BA}"/>
+                    </a:ext>
+                  </a:extLst>
+                </p:cNvPr>
+                <p:cNvGrpSpPr/>
+                <p:nvPr/>
+              </p:nvGrpSpPr>
+              <p:grpSpPr>
+                <a:xfrm>
+                  <a:off x="7315505" y="2716971"/>
+                  <a:ext cx="2591878" cy="1373903"/>
+                  <a:chOff x="2284617" y="2824976"/>
+                  <a:chExt cx="2591878" cy="1373903"/>
+                </a:xfrm>
+              </p:grpSpPr>
+              <p:sp>
+                <p:nvSpPr>
+                  <p:cNvPr id="30" name="直角三角形 29">
+                    <a:extLst>
+                      <a:ext uri="{FF2B5EF4-FFF2-40B4-BE49-F238E27FC236}">
+                        <a16:creationId xmlns:a16="http://schemas.microsoft.com/office/drawing/2014/main" id="{5B6652BD-4621-6699-6ABE-6A44397C7F1A}"/>
+                      </a:ext>
+                    </a:extLst>
+                  </p:cNvPr>
+                  <p:cNvSpPr/>
+                  <p:nvPr/>
+                </p:nvSpPr>
+                <p:spPr>
+                  <a:xfrm flipH="1">
+                    <a:off x="2520176" y="2824976"/>
+                    <a:ext cx="1300975" cy="1003609"/>
+                  </a:xfrm>
+                  <a:prstGeom prst="rtTriangle">
+                    <a:avLst/>
+                  </a:prstGeom>
+                  <a:noFill/>
+                  <a:ln w="25400">
+                    <a:solidFill>
+                      <a:schemeClr val="tx1"/>
+                    </a:solidFill>
+                  </a:ln>
+                </p:spPr>
+                <p:style>
+                  <a:lnRef idx="2">
+                    <a:schemeClr val="accent1">
+                      <a:shade val="15000"/>
+                    </a:schemeClr>
+                  </a:lnRef>
+                  <a:fillRef idx="1">
+                    <a:schemeClr val="accent1"/>
+                  </a:fillRef>
+                  <a:effectRef idx="0">
+                    <a:schemeClr val="accent1"/>
+                  </a:effectRef>
+                  <a:fontRef idx="minor">
+                    <a:schemeClr val="lt1"/>
+                  </a:fontRef>
+                </p:style>
+                <p:txBody>
+                  <a:bodyPr rtlCol="0" anchor="ctr"/>
+                  <a:lstStyle/>
+                  <a:p>
+                    <a:pPr algn="ctr"/>
+                    <a:endParaRPr lang="zh-CN" altLang="en-US" b="1"/>
+                  </a:p>
+                </p:txBody>
+              </p:sp>
+              <p:sp>
+                <p:nvSpPr>
+                  <p:cNvPr id="31" name="弧形 30">
+                    <a:extLst>
+                      <a:ext uri="{FF2B5EF4-FFF2-40B4-BE49-F238E27FC236}">
+                        <a16:creationId xmlns:a16="http://schemas.microsoft.com/office/drawing/2014/main" id="{3B5CBB1A-3E4B-01F7-5A29-08A72F838182}"/>
+                      </a:ext>
+                    </a:extLst>
+                  </p:cNvPr>
+                  <p:cNvSpPr/>
+                  <p:nvPr/>
+                </p:nvSpPr>
+                <p:spPr>
+                  <a:xfrm>
+                    <a:off x="2284617" y="3429000"/>
+                    <a:ext cx="673395" cy="673395"/>
+                  </a:xfrm>
+                  <a:prstGeom prst="arc">
+                    <a:avLst>
+                      <a:gd name="adj1" fmla="val 19240042"/>
+                      <a:gd name="adj2" fmla="val 664459"/>
+                    </a:avLst>
+                  </a:prstGeom>
+                  <a:ln w="25400">
+                    <a:solidFill>
+                      <a:schemeClr val="tx1"/>
+                    </a:solidFill>
+                  </a:ln>
+                </p:spPr>
+                <p:style>
+                  <a:lnRef idx="1">
+                    <a:schemeClr val="accent1"/>
+                  </a:lnRef>
+                  <a:fillRef idx="0">
+                    <a:schemeClr val="accent1"/>
+                  </a:fillRef>
+                  <a:effectRef idx="0">
+                    <a:schemeClr val="accent1"/>
+                  </a:effectRef>
+                  <a:fontRef idx="minor">
+                    <a:schemeClr val="tx1"/>
+                  </a:fontRef>
+                </p:style>
+                <p:txBody>
+                  <a:bodyPr rtlCol="0" anchor="ctr"/>
+                  <a:lstStyle/>
+                  <a:p>
+                    <a:pPr algn="ctr"/>
+                    <a:endParaRPr lang="zh-CN" altLang="en-US" b="1"/>
+                  </a:p>
+                </p:txBody>
+              </p:sp>
+              <mc:AlternateContent xmlns:mc="http://schemas.openxmlformats.org/markup-compatibility/2006">
+                <mc:Choice xmlns:a14="http://schemas.microsoft.com/office/drawing/2010/main" Requires="a14">
+                  <p:sp>
+                    <p:nvSpPr>
+                      <p:cNvPr id="32" name="文本框 31">
+                        <a:extLst>
+                          <a:ext uri="{FF2B5EF4-FFF2-40B4-BE49-F238E27FC236}">
+                            <a16:creationId xmlns:a16="http://schemas.microsoft.com/office/drawing/2014/main" id="{CC410C13-A9C6-162A-C02C-740939890E43}"/>
+                          </a:ext>
+                        </a:extLst>
+                      </p:cNvPr>
+                      <p:cNvSpPr txBox="1"/>
+                      <p:nvPr/>
+                    </p:nvSpPr>
+                    <p:spPr>
+                      <a:xfrm>
+                        <a:off x="2933460" y="3459253"/>
+                        <a:ext cx="170971" cy="369332"/>
+                      </a:xfrm>
+                      <a:prstGeom prst="rect">
+                        <a:avLst/>
+                      </a:prstGeom>
+                      <a:noFill/>
+                    </p:spPr>
+                    <p:txBody>
+                      <a:bodyPr wrap="square" rtlCol="0">
+                        <a:spAutoFit/>
+                      </a:bodyPr>
+                      <a:lstStyle/>
+                      <a:p>
+                        <a14:m>
+                          <m:oMathPara xmlns:m="http://schemas.openxmlformats.org/officeDocument/2006/math">
+                            <m:oMathParaPr>
+                              <m:jc m:val="centerGroup"/>
+                            </m:oMathParaPr>
+                            <m:oMath xmlns:m="http://schemas.openxmlformats.org/officeDocument/2006/math">
+                              <m:r>
+                                <a:rPr lang="en-US" altLang="zh-CN" b="1" i="1" smtClean="0">
+                                  <a:latin typeface="Cambria Math" panose="02040503050406030204" pitchFamily="18" charset="0"/>
+                                </a:rPr>
+                                <m:t>𝒕</m:t>
+                              </m:r>
+                            </m:oMath>
+                          </m:oMathPara>
+                        </a14:m>
+                        <a:endParaRPr lang="en-US" altLang="zh-CN" b="1" dirty="0"/>
+                      </a:p>
+                    </p:txBody>
+                  </p:sp>
+                </mc:Choice>
+                <mc:Fallback>
+                  <p:sp>
+                    <p:nvSpPr>
+                      <p:cNvPr id="32" name="文本框 31">
+                        <a:extLst>
+                          <a:ext uri="{FF2B5EF4-FFF2-40B4-BE49-F238E27FC236}">
+                            <a16:creationId xmlns:a16="http://schemas.microsoft.com/office/drawing/2014/main" id="{CC410C13-A9C6-162A-C02C-740939890E43}"/>
+                          </a:ext>
+                        </a:extLst>
+                      </p:cNvPr>
+                      <p:cNvSpPr txBox="1">
+                        <a:spLocks noRot="1" noChangeAspect="1" noMove="1" noResize="1" noEditPoints="1" noAdjustHandles="1" noChangeArrowheads="1" noChangeShapeType="1" noTextEdit="1"/>
+                      </p:cNvSpPr>
+                      <p:nvPr/>
+                    </p:nvSpPr>
+                    <p:spPr>
+                      <a:xfrm>
+                        <a:off x="2933460" y="3459253"/>
+                        <a:ext cx="170971" cy="369332"/>
+                      </a:xfrm>
+                      <a:prstGeom prst="rect">
+                        <a:avLst/>
+                      </a:prstGeom>
+                      <a:blipFill>
+                        <a:blip r:embed="rId15"/>
+                        <a:stretch>
+                          <a:fillRect r="-48276"/>
+                        </a:stretch>
+                      </a:blipFill>
+                    </p:spPr>
+                    <p:txBody>
+                      <a:bodyPr/>
+                      <a:lstStyle/>
+                      <a:p>
+                        <a:r>
+                          <a:rPr lang="zh-CN" altLang="en-US">
+                            <a:noFill/>
+                          </a:rPr>
+                          <a:t> </a:t>
+                        </a:r>
+                      </a:p>
+                    </p:txBody>
+                  </p:sp>
+                </mc:Fallback>
+              </mc:AlternateContent>
+              <mc:AlternateContent xmlns:mc="http://schemas.openxmlformats.org/markup-compatibility/2006">
+                <mc:Choice xmlns:a14="http://schemas.microsoft.com/office/drawing/2010/main" Requires="a14">
+                  <p:sp>
+                    <p:nvSpPr>
+                      <p:cNvPr id="33" name="文本框 32">
+                        <a:extLst>
+                          <a:ext uri="{FF2B5EF4-FFF2-40B4-BE49-F238E27FC236}">
+                            <a16:creationId xmlns:a16="http://schemas.microsoft.com/office/drawing/2014/main" id="{3DEF7AE9-C539-A0E0-5A54-04BDD946A236}"/>
+                          </a:ext>
+                        </a:extLst>
+                      </p:cNvPr>
+                      <p:cNvSpPr txBox="1"/>
+                      <p:nvPr/>
+                    </p:nvSpPr>
+                    <p:spPr>
+                      <a:xfrm>
+                        <a:off x="3111452" y="3828585"/>
+                        <a:ext cx="170971" cy="370294"/>
+                      </a:xfrm>
+                      <a:prstGeom prst="rect">
+                        <a:avLst/>
+                      </a:prstGeom>
+                      <a:noFill/>
+                    </p:spPr>
+                    <p:txBody>
+                      <a:bodyPr wrap="square" rtlCol="0">
+                        <a:spAutoFit/>
+                      </a:bodyPr>
+                      <a:lstStyle/>
+                      <a:p>
+                        <a14:m>
+                          <m:oMathPara xmlns:m="http://schemas.openxmlformats.org/officeDocument/2006/math">
+                            <m:oMathParaPr>
+                              <m:jc m:val="centerGroup"/>
+                            </m:oMathParaPr>
+                            <m:oMath xmlns:m="http://schemas.openxmlformats.org/officeDocument/2006/math">
+                              <m:r>
+                                <a:rPr lang="en-US" altLang="zh-CN" b="1" i="1" smtClean="0">
+                                  <a:latin typeface="Cambria Math" panose="02040503050406030204" pitchFamily="18" charset="0"/>
+                                </a:rPr>
+                                <m:t>−</m:t>
+                              </m:r>
+                              <m:r>
+                                <a:rPr lang="en-US" altLang="zh-CN" b="1" i="1" smtClean="0">
+                                  <a:latin typeface="Cambria Math" panose="02040503050406030204" pitchFamily="18" charset="0"/>
+                                </a:rPr>
+                                <m:t>𝒂</m:t>
+                              </m:r>
+                            </m:oMath>
+                          </m:oMathPara>
+                        </a14:m>
+                        <a:endParaRPr lang="en-US" altLang="zh-CN" b="1" dirty="0"/>
+                      </a:p>
+                    </p:txBody>
+                  </p:sp>
+                </mc:Choice>
+                <mc:Fallback>
+                  <p:sp>
+                    <p:nvSpPr>
+                      <p:cNvPr id="33" name="文本框 32">
+                        <a:extLst>
+                          <a:ext uri="{FF2B5EF4-FFF2-40B4-BE49-F238E27FC236}">
+                            <a16:creationId xmlns:a16="http://schemas.microsoft.com/office/drawing/2014/main" id="{3DEF7AE9-C539-A0E0-5A54-04BDD946A236}"/>
+                          </a:ext>
+                        </a:extLst>
+                      </p:cNvPr>
+                      <p:cNvSpPr txBox="1">
+                        <a:spLocks noRot="1" noChangeAspect="1" noMove="1" noResize="1" noEditPoints="1" noAdjustHandles="1" noChangeArrowheads="1" noChangeShapeType="1" noTextEdit="1"/>
+                      </p:cNvSpPr>
+                      <p:nvPr/>
+                    </p:nvSpPr>
+                    <p:spPr>
+                      <a:xfrm>
+                        <a:off x="3111452" y="3828585"/>
+                        <a:ext cx="170971" cy="370294"/>
+                      </a:xfrm>
+                      <a:prstGeom prst="rect">
+                        <a:avLst/>
+                      </a:prstGeom>
+                      <a:blipFill>
+                        <a:blip r:embed="rId16"/>
+                        <a:stretch>
+                          <a:fillRect r="-171429"/>
+                        </a:stretch>
+                      </a:blipFill>
+                    </p:spPr>
+                    <p:txBody>
+                      <a:bodyPr/>
+                      <a:lstStyle/>
+                      <a:p>
+                        <a:r>
+                          <a:rPr lang="zh-CN" altLang="en-US">
+                            <a:noFill/>
+                          </a:rPr>
+                          <a:t> </a:t>
+                        </a:r>
+                      </a:p>
+                    </p:txBody>
+                  </p:sp>
+                </mc:Fallback>
+              </mc:AlternateContent>
+              <mc:AlternateContent xmlns:mc="http://schemas.openxmlformats.org/markup-compatibility/2006">
+                <mc:Choice xmlns:a14="http://schemas.microsoft.com/office/drawing/2010/main" Requires="a14">
+                  <p:sp>
+                    <p:nvSpPr>
+                      <p:cNvPr id="34" name="文本框 33">
+                        <a:extLst>
+                          <a:ext uri="{FF2B5EF4-FFF2-40B4-BE49-F238E27FC236}">
+                            <a16:creationId xmlns:a16="http://schemas.microsoft.com/office/drawing/2014/main" id="{A34A0F37-A92B-BB71-0C58-85E8BF1951C5}"/>
+                          </a:ext>
+                        </a:extLst>
+                      </p:cNvPr>
+                      <p:cNvSpPr txBox="1"/>
+                      <p:nvPr/>
+                    </p:nvSpPr>
+                    <p:spPr>
+                      <a:xfrm>
+                        <a:off x="2806269" y="2947665"/>
+                        <a:ext cx="170971" cy="370294"/>
+                      </a:xfrm>
+                      <a:prstGeom prst="rect">
+                        <a:avLst/>
+                      </a:prstGeom>
+                      <a:noFill/>
+                    </p:spPr>
+                    <p:txBody>
+                      <a:bodyPr wrap="square" rtlCol="0">
+                        <a:spAutoFit/>
+                      </a:bodyPr>
+                      <a:lstStyle/>
+                      <a:p>
+                        <a14:m>
+                          <m:oMathPara xmlns:m="http://schemas.openxmlformats.org/officeDocument/2006/math">
+                            <m:oMathParaPr>
+                              <m:jc m:val="centerGroup"/>
+                            </m:oMathParaPr>
+                            <m:oMath xmlns:m="http://schemas.openxmlformats.org/officeDocument/2006/math">
+                              <m:r>
+                                <a:rPr lang="en-US" altLang="zh-CN" b="1" i="1" smtClean="0">
+                                  <a:latin typeface="Cambria Math" panose="02040503050406030204" pitchFamily="18" charset="0"/>
+                                </a:rPr>
+                                <m:t>−</m:t>
+                              </m:r>
+                              <m:r>
+                                <a:rPr lang="en-US" altLang="zh-CN" b="1" i="1" smtClean="0">
+                                  <a:latin typeface="Cambria Math" panose="02040503050406030204" pitchFamily="18" charset="0"/>
+                                </a:rPr>
+                                <m:t>𝒙</m:t>
+                              </m:r>
+                            </m:oMath>
+                          </m:oMathPara>
+                        </a14:m>
+                        <a:endParaRPr lang="en-US" altLang="zh-CN" b="1" dirty="0"/>
+                      </a:p>
+                    </p:txBody>
+                  </p:sp>
+                </mc:Choice>
+                <mc:Fallback>
+                  <p:sp>
+                    <p:nvSpPr>
+                      <p:cNvPr id="34" name="文本框 33">
+                        <a:extLst>
+                          <a:ext uri="{FF2B5EF4-FFF2-40B4-BE49-F238E27FC236}">
+                            <a16:creationId xmlns:a16="http://schemas.microsoft.com/office/drawing/2014/main" id="{A34A0F37-A92B-BB71-0C58-85E8BF1951C5}"/>
+                          </a:ext>
+                        </a:extLst>
+                      </p:cNvPr>
+                      <p:cNvSpPr txBox="1">
+                        <a:spLocks noRot="1" noChangeAspect="1" noMove="1" noResize="1" noEditPoints="1" noAdjustHandles="1" noChangeArrowheads="1" noChangeShapeType="1" noTextEdit="1"/>
+                      </p:cNvSpPr>
+                      <p:nvPr/>
+                    </p:nvSpPr>
+                    <p:spPr>
+                      <a:xfrm>
+                        <a:off x="2806269" y="2947665"/>
+                        <a:ext cx="170971" cy="370294"/>
+                      </a:xfrm>
+                      <a:prstGeom prst="rect">
+                        <a:avLst/>
+                      </a:prstGeom>
+                      <a:blipFill>
+                        <a:blip r:embed="rId17"/>
+                        <a:stretch>
+                          <a:fillRect r="-164286"/>
+                        </a:stretch>
+                      </a:blipFill>
+                    </p:spPr>
+                    <p:txBody>
+                      <a:bodyPr/>
+                      <a:lstStyle/>
+                      <a:p>
+                        <a:r>
+                          <a:rPr lang="zh-CN" altLang="en-US">
+                            <a:noFill/>
+                          </a:rPr>
+                          <a:t> </a:t>
+                        </a:r>
+                      </a:p>
+                    </p:txBody>
+                  </p:sp>
+                </mc:Fallback>
+              </mc:AlternateContent>
+              <mc:AlternateContent xmlns:mc="http://schemas.openxmlformats.org/markup-compatibility/2006">
+                <mc:Choice xmlns:a14="http://schemas.microsoft.com/office/drawing/2010/main" Requires="a14">
+                  <p:sp>
+                    <p:nvSpPr>
+                      <p:cNvPr id="35" name="文本框 34">
+                        <a:extLst>
+                          <a:ext uri="{FF2B5EF4-FFF2-40B4-BE49-F238E27FC236}">
+                            <a16:creationId xmlns:a16="http://schemas.microsoft.com/office/drawing/2014/main" id="{48D368F6-4C2D-28C0-8FDC-C2F46A7CA1BD}"/>
+                          </a:ext>
+                        </a:extLst>
+                      </p:cNvPr>
+                      <p:cNvSpPr txBox="1"/>
+                      <p:nvPr/>
+                    </p:nvSpPr>
+                    <p:spPr>
+                      <a:xfrm>
+                        <a:off x="3771043" y="3249638"/>
+                        <a:ext cx="1105452" cy="437749"/>
+                      </a:xfrm>
+                      <a:prstGeom prst="rect">
+                        <a:avLst/>
+                      </a:prstGeom>
+                      <a:noFill/>
+                    </p:spPr>
+                    <p:txBody>
+                      <a:bodyPr wrap="square" rtlCol="0">
+                        <a:spAutoFit/>
+                      </a:bodyPr>
+                      <a:lstStyle/>
+                      <a:p>
+                        <a14:m>
+                          <m:oMathPara xmlns:m="http://schemas.openxmlformats.org/officeDocument/2006/math">
+                            <m:oMathParaPr>
+                              <m:jc m:val="centerGroup"/>
+                            </m:oMathParaPr>
+                            <m:oMath xmlns:m="http://schemas.openxmlformats.org/officeDocument/2006/math">
+                              <m:rad>
+                                <m:radPr>
+                                  <m:degHide m:val="on"/>
+                                  <m:ctrlPr>
+                                    <a:rPr lang="en-US" altLang="zh-CN" b="1" i="1" smtClean="0">
+                                      <a:latin typeface="Cambria Math" panose="02040503050406030204" pitchFamily="18" charset="0"/>
+                                    </a:rPr>
+                                  </m:ctrlPr>
+                                </m:radPr>
+                                <m:deg/>
+                                <m:e>
+                                  <m:sSup>
+                                    <m:sSupPr>
+                                      <m:ctrlPr>
+                                        <a:rPr lang="en-US" altLang="zh-CN" b="1" i="1" smtClean="0">
+                                          <a:latin typeface="Cambria Math" panose="02040503050406030204" pitchFamily="18" charset="0"/>
+                                        </a:rPr>
+                                      </m:ctrlPr>
+                                    </m:sSupPr>
+                                    <m:e>
+                                      <m:r>
+                                        <a:rPr lang="en-US" altLang="zh-CN" b="1" i="1" smtClean="0">
+                                          <a:latin typeface="Cambria Math" panose="02040503050406030204" pitchFamily="18" charset="0"/>
+                                        </a:rPr>
+                                        <m:t>𝒙</m:t>
+                                      </m:r>
+                                    </m:e>
+                                    <m:sup>
+                                      <m:r>
+                                        <a:rPr lang="en-US" altLang="zh-CN" b="1" i="1" smtClean="0">
+                                          <a:latin typeface="Cambria Math" panose="02040503050406030204" pitchFamily="18" charset="0"/>
+                                        </a:rPr>
+                                        <m:t>𝟐</m:t>
+                                      </m:r>
+                                    </m:sup>
+                                  </m:sSup>
+                                  <m:r>
+                                    <a:rPr lang="en-US" altLang="zh-CN" b="1" i="1" smtClean="0">
+                                      <a:latin typeface="Cambria Math" panose="02040503050406030204" pitchFamily="18" charset="0"/>
+                                    </a:rPr>
+                                    <m:t>−</m:t>
+                                  </m:r>
+                                  <m:sSup>
+                                    <m:sSupPr>
+                                      <m:ctrlPr>
+                                        <a:rPr lang="en-US" altLang="zh-CN" b="1" i="1" smtClean="0">
+                                          <a:latin typeface="Cambria Math" panose="02040503050406030204" pitchFamily="18" charset="0"/>
+                                        </a:rPr>
+                                      </m:ctrlPr>
+                                    </m:sSupPr>
+                                    <m:e>
+                                      <m:r>
+                                        <a:rPr lang="en-US" altLang="zh-CN" b="1" i="1" smtClean="0">
+                                          <a:latin typeface="Cambria Math" panose="02040503050406030204" pitchFamily="18" charset="0"/>
+                                        </a:rPr>
+                                        <m:t>𝒂</m:t>
+                                      </m:r>
+                                    </m:e>
+                                    <m:sup>
+                                      <m:r>
+                                        <a:rPr lang="en-US" altLang="zh-CN" b="1" i="1" smtClean="0">
+                                          <a:latin typeface="Cambria Math" panose="02040503050406030204" pitchFamily="18" charset="0"/>
+                                        </a:rPr>
+                                        <m:t>𝟐</m:t>
+                                      </m:r>
+                                    </m:sup>
+                                  </m:sSup>
+                                </m:e>
+                              </m:rad>
+                            </m:oMath>
+                          </m:oMathPara>
+                        </a14:m>
+                        <a:endParaRPr lang="en-US" altLang="zh-CN" b="1" dirty="0"/>
+                      </a:p>
+                    </p:txBody>
+                  </p:sp>
+                </mc:Choice>
+                <mc:Fallback>
+                  <p:sp>
+                    <p:nvSpPr>
+                      <p:cNvPr id="35" name="文本框 34">
+                        <a:extLst>
+                          <a:ext uri="{FF2B5EF4-FFF2-40B4-BE49-F238E27FC236}">
+                            <a16:creationId xmlns:a16="http://schemas.microsoft.com/office/drawing/2014/main" id="{48D368F6-4C2D-28C0-8FDC-C2F46A7CA1BD}"/>
+                          </a:ext>
+                        </a:extLst>
+                      </p:cNvPr>
+                      <p:cNvSpPr txBox="1">
+                        <a:spLocks noRot="1" noChangeAspect="1" noMove="1" noResize="1" noEditPoints="1" noAdjustHandles="1" noChangeArrowheads="1" noChangeShapeType="1" noTextEdit="1"/>
+                      </p:cNvSpPr>
+                      <p:nvPr/>
+                    </p:nvSpPr>
+                    <p:spPr>
+                      <a:xfrm>
+                        <a:off x="3771043" y="3249638"/>
+                        <a:ext cx="1105452" cy="437749"/>
+                      </a:xfrm>
+                      <a:prstGeom prst="rect">
+                        <a:avLst/>
+                      </a:prstGeom>
+                      <a:blipFill>
+                        <a:blip r:embed="rId18"/>
+                        <a:stretch>
+                          <a:fillRect/>
+                        </a:stretch>
+                      </a:blipFill>
+                    </p:spPr>
+                    <p:txBody>
+                      <a:bodyPr/>
+                      <a:lstStyle/>
+                      <a:p>
+                        <a:r>
+                          <a:rPr lang="zh-CN" altLang="en-US">
+                            <a:noFill/>
+                          </a:rPr>
+                          <a:t> </a:t>
+                        </a:r>
+                      </a:p>
+                    </p:txBody>
+                  </p:sp>
+                </mc:Fallback>
+              </mc:AlternateContent>
+            </p:grpSp>
+            <mc:AlternateContent xmlns:mc="http://schemas.openxmlformats.org/markup-compatibility/2006">
+              <mc:Choice xmlns:a14="http://schemas.microsoft.com/office/drawing/2010/main" Requires="a14">
+                <p:sp>
+                  <p:nvSpPr>
+                    <p:cNvPr id="29" name="文本框 28">
+                      <a:extLst>
+                        <a:ext uri="{FF2B5EF4-FFF2-40B4-BE49-F238E27FC236}">
+                          <a16:creationId xmlns:a16="http://schemas.microsoft.com/office/drawing/2014/main" id="{B3AD4A1A-CFB1-867D-2CDC-1C3D037B11A6}"/>
+                        </a:ext>
+                      </a:extLst>
+                    </p:cNvPr>
+                    <p:cNvSpPr txBox="1"/>
+                    <p:nvPr/>
+                  </p:nvSpPr>
+                  <p:spPr>
+                    <a:xfrm>
+                      <a:off x="8852038" y="2491553"/>
+                      <a:ext cx="1178497" cy="369332"/>
+                    </a:xfrm>
+                    <a:prstGeom prst="rect">
+                      <a:avLst/>
+                    </a:prstGeom>
+                    <a:noFill/>
+                  </p:spPr>
+                  <p:txBody>
+                    <a:bodyPr wrap="square" rtlCol="0">
+                      <a:spAutoFit/>
+                    </a:bodyPr>
+                    <a:lstStyle/>
+                    <a:p>
+                      <a14:m>
+                        <m:oMathPara xmlns:m="http://schemas.openxmlformats.org/officeDocument/2006/math">
+                          <m:oMathParaPr>
+                            <m:jc m:val="centerGroup"/>
+                          </m:oMathParaPr>
+                          <m:oMath xmlns:m="http://schemas.openxmlformats.org/officeDocument/2006/math">
+                            <m:r>
+                              <a:rPr lang="en-US" altLang="zh-CN" b="1" i="1" smtClean="0">
+                                <a:latin typeface="Cambria Math" panose="02040503050406030204" pitchFamily="18" charset="0"/>
+                              </a:rPr>
+                              <m:t>(</m:t>
+                            </m:r>
+                            <m:r>
+                              <a:rPr lang="en-US" altLang="zh-CN" b="1" i="1" smtClean="0">
+                                <a:latin typeface="Cambria Math" panose="02040503050406030204" pitchFamily="18" charset="0"/>
+                              </a:rPr>
+                              <m:t>𝒙</m:t>
+                            </m:r>
+                            <m:r>
+                              <a:rPr lang="en-US" altLang="zh-CN" b="1" i="1" smtClean="0">
+                                <a:latin typeface="Cambria Math" panose="02040503050406030204" pitchFamily="18" charset="0"/>
+                              </a:rPr>
+                              <m:t>≤−</m:t>
+                            </m:r>
+                            <m:r>
+                              <a:rPr lang="en-US" altLang="zh-CN" b="1" i="1" smtClean="0">
+                                <a:latin typeface="Cambria Math" panose="02040503050406030204" pitchFamily="18" charset="0"/>
+                              </a:rPr>
+                              <m:t>𝒂</m:t>
+                            </m:r>
+                            <m:r>
+                              <a:rPr lang="en-US" altLang="zh-CN" b="1" i="1" smtClean="0">
+                                <a:latin typeface="Cambria Math" panose="02040503050406030204" pitchFamily="18" charset="0"/>
+                              </a:rPr>
+                              <m:t>)</m:t>
+                            </m:r>
+                          </m:oMath>
+                        </m:oMathPara>
+                      </a14:m>
+                      <a:endParaRPr lang="en-US" altLang="zh-CN" b="1" dirty="0"/>
+                    </a:p>
+                  </p:txBody>
+                </p:sp>
+              </mc:Choice>
+              <mc:Fallback>
+                <p:sp>
+                  <p:nvSpPr>
+                    <p:cNvPr id="29" name="文本框 28">
+                      <a:extLst>
+                        <a:ext uri="{FF2B5EF4-FFF2-40B4-BE49-F238E27FC236}">
+                          <a16:creationId xmlns:a16="http://schemas.microsoft.com/office/drawing/2014/main" id="{B3AD4A1A-CFB1-867D-2CDC-1C3D037B11A6}"/>
+                        </a:ext>
+                      </a:extLst>
+                    </p:cNvPr>
+                    <p:cNvSpPr txBox="1">
+                      <a:spLocks noRot="1" noChangeAspect="1" noMove="1" noResize="1" noEditPoints="1" noAdjustHandles="1" noChangeArrowheads="1" noChangeShapeType="1" noTextEdit="1"/>
+                    </p:cNvSpPr>
+                    <p:nvPr/>
+                  </p:nvSpPr>
+                  <p:spPr>
+                    <a:xfrm>
+                      <a:off x="8852038" y="2491553"/>
+                      <a:ext cx="1178497" cy="369332"/>
+                    </a:xfrm>
+                    <a:prstGeom prst="rect">
+                      <a:avLst/>
+                    </a:prstGeom>
+                    <a:blipFill>
+                      <a:blip r:embed="rId19"/>
+                      <a:stretch>
+                        <a:fillRect b="-13115"/>
+                      </a:stretch>
+                    </a:blipFill>
+                  </p:spPr>
+                  <p:txBody>
+                    <a:bodyPr/>
+                    <a:lstStyle/>
+                    <a:p>
+                      <a:r>
+                        <a:rPr lang="zh-CN" altLang="en-US">
+                          <a:noFill/>
+                        </a:rPr>
+                        <a:t> </a:t>
+                      </a:r>
+                    </a:p>
+                  </p:txBody>
+                </p:sp>
+              </mc:Fallback>
+            </mc:AlternateContent>
+          </p:grpSp>
+        </p:grpSp>
+        <p:cxnSp>
+          <p:nvCxnSpPr>
+            <p:cNvPr id="38" name="直接连接符 37">
+              <a:extLst>
+                <a:ext uri="{FF2B5EF4-FFF2-40B4-BE49-F238E27FC236}">
+                  <a16:creationId xmlns:a16="http://schemas.microsoft.com/office/drawing/2014/main" id="{26E50A9E-47A9-47C7-2ACC-5A3429C40228}"/>
+                </a:ext>
+              </a:extLst>
+            </p:cNvPr>
+            <p:cNvCxnSpPr>
+              <a:cxnSpLocks/>
+            </p:cNvCxnSpPr>
+            <p:nvPr/>
+          </p:nvCxnSpPr>
+          <p:spPr>
+            <a:xfrm>
+              <a:off x="7508240" y="4033856"/>
+              <a:ext cx="2449251" cy="0"/>
+            </a:xfrm>
+            <a:prstGeom prst="line">
+              <a:avLst/>
+            </a:prstGeom>
+            <a:ln w="25400">
+              <a:solidFill>
+                <a:schemeClr val="tx1"/>
+              </a:solidFill>
+              <a:prstDash val="dash"/>
+            </a:ln>
+          </p:spPr>
+          <p:style>
+            <a:lnRef idx="1">
+              <a:schemeClr val="accent1"/>
+            </a:lnRef>
+            <a:fillRef idx="0">
+              <a:schemeClr val="accent1"/>
+            </a:fillRef>
+            <a:effectRef idx="0">
+              <a:schemeClr val="accent1"/>
+            </a:effectRef>
+            <a:fontRef idx="minor">
+              <a:schemeClr val="tx1"/>
+            </a:fontRef>
+          </p:style>
+        </p:cxnSp>
+      </p:grpSp>
+    </p:spTree>
+    <p:extLst>
+      <p:ext uri="{BB962C8B-B14F-4D97-AF65-F5344CB8AC3E}">
+        <p14:creationId xmlns:p14="http://schemas.microsoft.com/office/powerpoint/2010/main" val="3993106136"/>
+      </p:ext>
+    </p:extLst>
+  </p:cSld>
+  <p:clrMapOvr>
+    <a:masterClrMapping/>
+  </p:clrMapOvr>
+</p:sld>
+</file>
+
 <file path=ppt/theme/theme1.xml><?xml version="1.0" encoding="utf-8"?>
 <a:theme xmlns:a="http://schemas.openxmlformats.org/drawingml/2006/main" name="WPS">
   <a:themeElements>
@@ -3144,6 +5794,8 @@
       </a:bgFillStyleLst>
     </a:fmtScheme>
   </a:themeElements>
+  <a:objectDefaults/>
+  <a:extraClrSchemeLst/>
   <a:extLst>
     <a:ext uri="{05A4C25C-085E-4340-85A3-A5531E510DB2}">
       <thm15:themeFamily xmlns:thm15="http://schemas.microsoft.com/office/thememl/2012/main" name="Office Theme" id="{62F939B6-93AF-4DB8-9C6B-D6C7DFDC589F}" vid="{4A3C46E8-61CC-4603-A589-7422A47A8E4A}"/>

--- a/PPT/math.pptx
+++ b/PPT/math.pptx
@@ -5,7 +5,8 @@
     <p:sldMasterId id="2147483648" r:id="rId1"/>
   </p:sldMasterIdLst>
   <p:sldIdLst>
-    <p:sldId id="256" r:id="rId2"/>
+    <p:sldId id="257" r:id="rId2"/>
+    <p:sldId id="256" r:id="rId3"/>
   </p:sldIdLst>
   <p:sldSz cx="12192000" cy="6858000"/>
   <p:notesSz cx="6858000" cy="9144000"/>
@@ -241,7 +242,7 @@
           <a:p>
             <a:fld id="{D997B5FA-0921-464F-AAE1-844C04324D75}" type="datetimeFigureOut">
               <a:rPr lang="zh-CN" altLang="en-US" smtClean="0"/>
-              <a:t>2025-04-04</a:t>
+              <a:t>2025-04-15</a:t>
             </a:fld>
             <a:endParaRPr lang="zh-CN" altLang="en-US"/>
           </a:p>
@@ -404,7 +405,7 @@
           <a:p>
             <a:fld id="{D997B5FA-0921-464F-AAE1-844C04324D75}" type="datetimeFigureOut">
               <a:rPr lang="zh-CN" altLang="en-US" smtClean="0"/>
-              <a:t>2025-04-04</a:t>
+              <a:t>2025-04-15</a:t>
             </a:fld>
             <a:endParaRPr lang="zh-CN" altLang="en-US"/>
           </a:p>
@@ -577,7 +578,7 @@
           <a:p>
             <a:fld id="{D997B5FA-0921-464F-AAE1-844C04324D75}" type="datetimeFigureOut">
               <a:rPr lang="zh-CN" altLang="en-US" smtClean="0"/>
-              <a:t>2025-04-04</a:t>
+              <a:t>2025-04-15</a:t>
             </a:fld>
             <a:endParaRPr lang="zh-CN" altLang="en-US"/>
           </a:p>
@@ -740,7 +741,7 @@
           <a:p>
             <a:fld id="{D997B5FA-0921-464F-AAE1-844C04324D75}" type="datetimeFigureOut">
               <a:rPr lang="zh-CN" altLang="en-US" smtClean="0"/>
-              <a:t>2025-04-04</a:t>
+              <a:t>2025-04-15</a:t>
             </a:fld>
             <a:endParaRPr lang="zh-CN" altLang="en-US"/>
           </a:p>
@@ -980,7 +981,7 @@
           <a:p>
             <a:fld id="{D997B5FA-0921-464F-AAE1-844C04324D75}" type="datetimeFigureOut">
               <a:rPr lang="zh-CN" altLang="en-US" smtClean="0"/>
-              <a:t>2025-04-04</a:t>
+              <a:t>2025-04-15</a:t>
             </a:fld>
             <a:endParaRPr lang="zh-CN" altLang="en-US"/>
           </a:p>
@@ -1204,7 +1205,7 @@
           <a:p>
             <a:fld id="{D997B5FA-0921-464F-AAE1-844C04324D75}" type="datetimeFigureOut">
               <a:rPr lang="zh-CN" altLang="en-US" smtClean="0"/>
-              <a:t>2025-04-04</a:t>
+              <a:t>2025-04-15</a:t>
             </a:fld>
             <a:endParaRPr lang="zh-CN" altLang="en-US"/>
           </a:p>
@@ -1563,7 +1564,7 @@
           <a:p>
             <a:fld id="{D997B5FA-0921-464F-AAE1-844C04324D75}" type="datetimeFigureOut">
               <a:rPr lang="zh-CN" altLang="en-US" smtClean="0"/>
-              <a:t>2025-04-04</a:t>
+              <a:t>2025-04-15</a:t>
             </a:fld>
             <a:endParaRPr lang="zh-CN" altLang="en-US"/>
           </a:p>
@@ -1675,7 +1676,7 @@
           <a:p>
             <a:fld id="{D997B5FA-0921-464F-AAE1-844C04324D75}" type="datetimeFigureOut">
               <a:rPr lang="zh-CN" altLang="en-US" smtClean="0"/>
-              <a:t>2025-04-04</a:t>
+              <a:t>2025-04-15</a:t>
             </a:fld>
             <a:endParaRPr lang="zh-CN" altLang="en-US"/>
           </a:p>
@@ -1765,7 +1766,7 @@
           <a:p>
             <a:fld id="{D997B5FA-0921-464F-AAE1-844C04324D75}" type="datetimeFigureOut">
               <a:rPr lang="zh-CN" altLang="en-US" smtClean="0"/>
-              <a:t>2025-04-04</a:t>
+              <a:t>2025-04-15</a:t>
             </a:fld>
             <a:endParaRPr lang="zh-CN" altLang="en-US"/>
           </a:p>
@@ -2035,7 +2036,7 @@
           <a:p>
             <a:fld id="{D997B5FA-0921-464F-AAE1-844C04324D75}" type="datetimeFigureOut">
               <a:rPr lang="zh-CN" altLang="en-US" smtClean="0"/>
-              <a:t>2025-04-04</a:t>
+              <a:t>2025-04-15</a:t>
             </a:fld>
             <a:endParaRPr lang="zh-CN" altLang="en-US"/>
           </a:p>
@@ -2282,7 +2283,7 @@
           <a:p>
             <a:fld id="{D997B5FA-0921-464F-AAE1-844C04324D75}" type="datetimeFigureOut">
               <a:rPr lang="zh-CN" altLang="en-US" smtClean="0"/>
-              <a:t>2025-04-04</a:t>
+              <a:t>2025-04-15</a:t>
             </a:fld>
             <a:endParaRPr lang="zh-CN" altLang="en-US"/>
           </a:p>
@@ -2488,7 +2489,7 @@
           <a:p>
             <a:fld id="{D997B5FA-0921-464F-AAE1-844C04324D75}" type="datetimeFigureOut">
               <a:rPr lang="zh-CN" altLang="en-US" smtClean="0"/>
-              <a:t>2025-04-04</a:t>
+              <a:t>2025-04-15</a:t>
             </a:fld>
             <a:endParaRPr lang="zh-CN" altLang="en-US"/>
           </a:p>
@@ -2890,6 +2891,1789 @@
       </p:grpSpPr>
       <p:grpSp>
         <p:nvGrpSpPr>
+          <p:cNvPr id="8" name="组合 7">
+            <a:extLst>
+              <a:ext uri="{FF2B5EF4-FFF2-40B4-BE49-F238E27FC236}">
+                <a16:creationId xmlns:a16="http://schemas.microsoft.com/office/drawing/2014/main" id="{75BE6DB2-2B77-795B-4515-66D17F1D5942}"/>
+              </a:ext>
+            </a:extLst>
+          </p:cNvPr>
+          <p:cNvGrpSpPr/>
+          <p:nvPr/>
+        </p:nvGrpSpPr>
+        <p:grpSpPr>
+          <a:xfrm>
+            <a:off x="1589744" y="555665"/>
+            <a:ext cx="4813073" cy="1465627"/>
+            <a:chOff x="1589744" y="555665"/>
+            <a:chExt cx="4813073" cy="1465627"/>
+          </a:xfrm>
+        </p:grpSpPr>
+        <p:grpSp>
+          <p:nvGrpSpPr>
+            <p:cNvPr id="50" name="组合 49">
+              <a:extLst>
+                <a:ext uri="{FF2B5EF4-FFF2-40B4-BE49-F238E27FC236}">
+                  <a16:creationId xmlns:a16="http://schemas.microsoft.com/office/drawing/2014/main" id="{692E9762-875A-293C-8CBF-64B0FAD6CA0B}"/>
+                </a:ext>
+              </a:extLst>
+            </p:cNvPr>
+            <p:cNvGrpSpPr/>
+            <p:nvPr/>
+          </p:nvGrpSpPr>
+          <p:grpSpPr>
+            <a:xfrm>
+              <a:off x="1589744" y="555665"/>
+              <a:ext cx="4813073" cy="1465627"/>
+              <a:chOff x="2885144" y="1658025"/>
+              <a:chExt cx="4813073" cy="1465627"/>
+            </a:xfrm>
+          </p:grpSpPr>
+          <p:grpSp>
+            <p:nvGrpSpPr>
+              <p:cNvPr id="15" name="组合 14">
+                <a:extLst>
+                  <a:ext uri="{FF2B5EF4-FFF2-40B4-BE49-F238E27FC236}">
+                    <a16:creationId xmlns:a16="http://schemas.microsoft.com/office/drawing/2014/main" id="{4681ACFF-9E13-A173-5709-187F43745D00}"/>
+                  </a:ext>
+                </a:extLst>
+              </p:cNvPr>
+              <p:cNvGrpSpPr/>
+              <p:nvPr/>
+            </p:nvGrpSpPr>
+            <p:grpSpPr>
+              <a:xfrm>
+                <a:off x="3337932" y="2697479"/>
+                <a:ext cx="946059" cy="91441"/>
+                <a:chOff x="3337932" y="2697479"/>
+                <a:chExt cx="3345366" cy="112628"/>
+              </a:xfrm>
+            </p:grpSpPr>
+            <p:cxnSp>
+              <p:nvCxnSpPr>
+                <p:cNvPr id="5" name="直接连接符 4">
+                  <a:extLst>
+                    <a:ext uri="{FF2B5EF4-FFF2-40B4-BE49-F238E27FC236}">
+                      <a16:creationId xmlns:a16="http://schemas.microsoft.com/office/drawing/2014/main" id="{E189C48A-D1AA-E098-EC40-355FDA8A828C}"/>
+                    </a:ext>
+                  </a:extLst>
+                </p:cNvPr>
+                <p:cNvCxnSpPr/>
+                <p:nvPr/>
+              </p:nvCxnSpPr>
+              <p:spPr>
+                <a:xfrm>
+                  <a:off x="3337932" y="2810107"/>
+                  <a:ext cx="3345366" cy="0"/>
+                </a:xfrm>
+                <a:prstGeom prst="line">
+                  <a:avLst/>
+                </a:prstGeom>
+              </p:spPr>
+              <p:style>
+                <a:lnRef idx="1">
+                  <a:schemeClr val="dk1"/>
+                </a:lnRef>
+                <a:fillRef idx="0">
+                  <a:schemeClr val="dk1"/>
+                </a:fillRef>
+                <a:effectRef idx="0">
+                  <a:schemeClr val="dk1"/>
+                </a:effectRef>
+                <a:fontRef idx="minor">
+                  <a:schemeClr val="tx1"/>
+                </a:fontRef>
+              </p:style>
+            </p:cxnSp>
+            <p:cxnSp>
+              <p:nvCxnSpPr>
+                <p:cNvPr id="11" name="直接连接符 10">
+                  <a:extLst>
+                    <a:ext uri="{FF2B5EF4-FFF2-40B4-BE49-F238E27FC236}">
+                      <a16:creationId xmlns:a16="http://schemas.microsoft.com/office/drawing/2014/main" id="{1AF3B8D4-84C5-7A2C-8DC5-D793EE1DB911}"/>
+                    </a:ext>
+                  </a:extLst>
+                </p:cNvPr>
+                <p:cNvCxnSpPr>
+                  <a:cxnSpLocks/>
+                </p:cNvCxnSpPr>
+                <p:nvPr/>
+              </p:nvCxnSpPr>
+              <p:spPr>
+                <a:xfrm flipV="1">
+                  <a:off x="3337932" y="2697480"/>
+                  <a:ext cx="0" cy="112627"/>
+                </a:xfrm>
+                <a:prstGeom prst="line">
+                  <a:avLst/>
+                </a:prstGeom>
+              </p:spPr>
+              <p:style>
+                <a:lnRef idx="1">
+                  <a:schemeClr val="dk1"/>
+                </a:lnRef>
+                <a:fillRef idx="0">
+                  <a:schemeClr val="dk1"/>
+                </a:fillRef>
+                <a:effectRef idx="0">
+                  <a:schemeClr val="dk1"/>
+                </a:effectRef>
+                <a:fontRef idx="minor">
+                  <a:schemeClr val="tx1"/>
+                </a:fontRef>
+              </p:style>
+            </p:cxnSp>
+            <p:cxnSp>
+              <p:nvCxnSpPr>
+                <p:cNvPr id="14" name="直接连接符 13">
+                  <a:extLst>
+                    <a:ext uri="{FF2B5EF4-FFF2-40B4-BE49-F238E27FC236}">
+                      <a16:creationId xmlns:a16="http://schemas.microsoft.com/office/drawing/2014/main" id="{3719E9FE-2BE8-7FF0-2871-9BDB019E6627}"/>
+                    </a:ext>
+                  </a:extLst>
+                </p:cNvPr>
+                <p:cNvCxnSpPr>
+                  <a:cxnSpLocks/>
+                </p:cNvCxnSpPr>
+                <p:nvPr/>
+              </p:nvCxnSpPr>
+              <p:spPr>
+                <a:xfrm flipV="1">
+                  <a:off x="6683298" y="2697479"/>
+                  <a:ext cx="0" cy="112627"/>
+                </a:xfrm>
+                <a:prstGeom prst="line">
+                  <a:avLst/>
+                </a:prstGeom>
+              </p:spPr>
+              <p:style>
+                <a:lnRef idx="1">
+                  <a:schemeClr val="dk1"/>
+                </a:lnRef>
+                <a:fillRef idx="0">
+                  <a:schemeClr val="dk1"/>
+                </a:fillRef>
+                <a:effectRef idx="0">
+                  <a:schemeClr val="dk1"/>
+                </a:effectRef>
+                <a:fontRef idx="minor">
+                  <a:schemeClr val="tx1"/>
+                </a:fontRef>
+              </p:style>
+            </p:cxnSp>
+          </p:grpSp>
+          <p:grpSp>
+            <p:nvGrpSpPr>
+              <p:cNvPr id="16" name="组合 15">
+                <a:extLst>
+                  <a:ext uri="{FF2B5EF4-FFF2-40B4-BE49-F238E27FC236}">
+                    <a16:creationId xmlns:a16="http://schemas.microsoft.com/office/drawing/2014/main" id="{775229A3-68A2-9061-EDE2-665640711444}"/>
+                  </a:ext>
+                </a:extLst>
+              </p:cNvPr>
+              <p:cNvGrpSpPr/>
+              <p:nvPr/>
+            </p:nvGrpSpPr>
+            <p:grpSpPr>
+              <a:xfrm>
+                <a:off x="4283989" y="2697479"/>
+                <a:ext cx="946059" cy="91441"/>
+                <a:chOff x="3337932" y="2697479"/>
+                <a:chExt cx="3345366" cy="112628"/>
+              </a:xfrm>
+            </p:grpSpPr>
+            <p:cxnSp>
+              <p:nvCxnSpPr>
+                <p:cNvPr id="17" name="直接连接符 16">
+                  <a:extLst>
+                    <a:ext uri="{FF2B5EF4-FFF2-40B4-BE49-F238E27FC236}">
+                      <a16:creationId xmlns:a16="http://schemas.microsoft.com/office/drawing/2014/main" id="{ABC1975C-D21C-D497-0F86-3E134CD7303F}"/>
+                    </a:ext>
+                  </a:extLst>
+                </p:cNvPr>
+                <p:cNvCxnSpPr/>
+                <p:nvPr/>
+              </p:nvCxnSpPr>
+              <p:spPr>
+                <a:xfrm>
+                  <a:off x="3337932" y="2810107"/>
+                  <a:ext cx="3345366" cy="0"/>
+                </a:xfrm>
+                <a:prstGeom prst="line">
+                  <a:avLst/>
+                </a:prstGeom>
+              </p:spPr>
+              <p:style>
+                <a:lnRef idx="1">
+                  <a:schemeClr val="dk1"/>
+                </a:lnRef>
+                <a:fillRef idx="0">
+                  <a:schemeClr val="dk1"/>
+                </a:fillRef>
+                <a:effectRef idx="0">
+                  <a:schemeClr val="dk1"/>
+                </a:effectRef>
+                <a:fontRef idx="minor">
+                  <a:schemeClr val="tx1"/>
+                </a:fontRef>
+              </p:style>
+            </p:cxnSp>
+            <p:cxnSp>
+              <p:nvCxnSpPr>
+                <p:cNvPr id="18" name="直接连接符 17">
+                  <a:extLst>
+                    <a:ext uri="{FF2B5EF4-FFF2-40B4-BE49-F238E27FC236}">
+                      <a16:creationId xmlns:a16="http://schemas.microsoft.com/office/drawing/2014/main" id="{DBD39734-4D9F-A73C-0649-32686ABDCA2B}"/>
+                    </a:ext>
+                  </a:extLst>
+                </p:cNvPr>
+                <p:cNvCxnSpPr>
+                  <a:cxnSpLocks/>
+                </p:cNvCxnSpPr>
+                <p:nvPr/>
+              </p:nvCxnSpPr>
+              <p:spPr>
+                <a:xfrm flipV="1">
+                  <a:off x="3337932" y="2697480"/>
+                  <a:ext cx="0" cy="112627"/>
+                </a:xfrm>
+                <a:prstGeom prst="line">
+                  <a:avLst/>
+                </a:prstGeom>
+              </p:spPr>
+              <p:style>
+                <a:lnRef idx="1">
+                  <a:schemeClr val="dk1"/>
+                </a:lnRef>
+                <a:fillRef idx="0">
+                  <a:schemeClr val="dk1"/>
+                </a:fillRef>
+                <a:effectRef idx="0">
+                  <a:schemeClr val="dk1"/>
+                </a:effectRef>
+                <a:fontRef idx="minor">
+                  <a:schemeClr val="tx1"/>
+                </a:fontRef>
+              </p:style>
+            </p:cxnSp>
+            <p:cxnSp>
+              <p:nvCxnSpPr>
+                <p:cNvPr id="19" name="直接连接符 18">
+                  <a:extLst>
+                    <a:ext uri="{FF2B5EF4-FFF2-40B4-BE49-F238E27FC236}">
+                      <a16:creationId xmlns:a16="http://schemas.microsoft.com/office/drawing/2014/main" id="{044F8ACC-7745-BB00-C504-16DBF4867454}"/>
+                    </a:ext>
+                  </a:extLst>
+                </p:cNvPr>
+                <p:cNvCxnSpPr>
+                  <a:cxnSpLocks/>
+                </p:cNvCxnSpPr>
+                <p:nvPr/>
+              </p:nvCxnSpPr>
+              <p:spPr>
+                <a:xfrm flipV="1">
+                  <a:off x="6683298" y="2697479"/>
+                  <a:ext cx="0" cy="112627"/>
+                </a:xfrm>
+                <a:prstGeom prst="line">
+                  <a:avLst/>
+                </a:prstGeom>
+              </p:spPr>
+              <p:style>
+                <a:lnRef idx="1">
+                  <a:schemeClr val="dk1"/>
+                </a:lnRef>
+                <a:fillRef idx="0">
+                  <a:schemeClr val="dk1"/>
+                </a:fillRef>
+                <a:effectRef idx="0">
+                  <a:schemeClr val="dk1"/>
+                </a:effectRef>
+                <a:fontRef idx="minor">
+                  <a:schemeClr val="tx1"/>
+                </a:fontRef>
+              </p:style>
+            </p:cxnSp>
+          </p:grpSp>
+          <p:grpSp>
+            <p:nvGrpSpPr>
+              <p:cNvPr id="20" name="组合 19">
+                <a:extLst>
+                  <a:ext uri="{FF2B5EF4-FFF2-40B4-BE49-F238E27FC236}">
+                    <a16:creationId xmlns:a16="http://schemas.microsoft.com/office/drawing/2014/main" id="{00E6A881-8E48-FEB1-F6AB-FD4EC9641522}"/>
+                  </a:ext>
+                </a:extLst>
+              </p:cNvPr>
+              <p:cNvGrpSpPr/>
+              <p:nvPr/>
+            </p:nvGrpSpPr>
+            <p:grpSpPr>
+              <a:xfrm>
+                <a:off x="5230044" y="2697478"/>
+                <a:ext cx="946059" cy="91441"/>
+                <a:chOff x="3337932" y="2697479"/>
+                <a:chExt cx="3345366" cy="112628"/>
+              </a:xfrm>
+            </p:grpSpPr>
+            <p:cxnSp>
+              <p:nvCxnSpPr>
+                <p:cNvPr id="21" name="直接连接符 20">
+                  <a:extLst>
+                    <a:ext uri="{FF2B5EF4-FFF2-40B4-BE49-F238E27FC236}">
+                      <a16:creationId xmlns:a16="http://schemas.microsoft.com/office/drawing/2014/main" id="{96C133B4-A86D-9986-2620-196DD8C48BFA}"/>
+                    </a:ext>
+                  </a:extLst>
+                </p:cNvPr>
+                <p:cNvCxnSpPr/>
+                <p:nvPr/>
+              </p:nvCxnSpPr>
+              <p:spPr>
+                <a:xfrm>
+                  <a:off x="3337932" y="2810107"/>
+                  <a:ext cx="3345366" cy="0"/>
+                </a:xfrm>
+                <a:prstGeom prst="line">
+                  <a:avLst/>
+                </a:prstGeom>
+              </p:spPr>
+              <p:style>
+                <a:lnRef idx="1">
+                  <a:schemeClr val="dk1"/>
+                </a:lnRef>
+                <a:fillRef idx="0">
+                  <a:schemeClr val="dk1"/>
+                </a:fillRef>
+                <a:effectRef idx="0">
+                  <a:schemeClr val="dk1"/>
+                </a:effectRef>
+                <a:fontRef idx="minor">
+                  <a:schemeClr val="tx1"/>
+                </a:fontRef>
+              </p:style>
+            </p:cxnSp>
+            <p:cxnSp>
+              <p:nvCxnSpPr>
+                <p:cNvPr id="22" name="直接连接符 21">
+                  <a:extLst>
+                    <a:ext uri="{FF2B5EF4-FFF2-40B4-BE49-F238E27FC236}">
+                      <a16:creationId xmlns:a16="http://schemas.microsoft.com/office/drawing/2014/main" id="{993F438D-30EA-9557-9D79-89F0FA4F04F3}"/>
+                    </a:ext>
+                  </a:extLst>
+                </p:cNvPr>
+                <p:cNvCxnSpPr>
+                  <a:cxnSpLocks/>
+                </p:cNvCxnSpPr>
+                <p:nvPr/>
+              </p:nvCxnSpPr>
+              <p:spPr>
+                <a:xfrm flipV="1">
+                  <a:off x="3337932" y="2697480"/>
+                  <a:ext cx="0" cy="112627"/>
+                </a:xfrm>
+                <a:prstGeom prst="line">
+                  <a:avLst/>
+                </a:prstGeom>
+              </p:spPr>
+              <p:style>
+                <a:lnRef idx="1">
+                  <a:schemeClr val="dk1"/>
+                </a:lnRef>
+                <a:fillRef idx="0">
+                  <a:schemeClr val="dk1"/>
+                </a:fillRef>
+                <a:effectRef idx="0">
+                  <a:schemeClr val="dk1"/>
+                </a:effectRef>
+                <a:fontRef idx="minor">
+                  <a:schemeClr val="tx1"/>
+                </a:fontRef>
+              </p:style>
+            </p:cxnSp>
+            <p:cxnSp>
+              <p:nvCxnSpPr>
+                <p:cNvPr id="23" name="直接连接符 22">
+                  <a:extLst>
+                    <a:ext uri="{FF2B5EF4-FFF2-40B4-BE49-F238E27FC236}">
+                      <a16:creationId xmlns:a16="http://schemas.microsoft.com/office/drawing/2014/main" id="{C734D5C7-B1D3-FBD3-E7A2-072EEE7EA3D9}"/>
+                    </a:ext>
+                  </a:extLst>
+                </p:cNvPr>
+                <p:cNvCxnSpPr>
+                  <a:cxnSpLocks/>
+                </p:cNvCxnSpPr>
+                <p:nvPr/>
+              </p:nvCxnSpPr>
+              <p:spPr>
+                <a:xfrm flipV="1">
+                  <a:off x="6683298" y="2697479"/>
+                  <a:ext cx="0" cy="112627"/>
+                </a:xfrm>
+                <a:prstGeom prst="line">
+                  <a:avLst/>
+                </a:prstGeom>
+              </p:spPr>
+              <p:style>
+                <a:lnRef idx="1">
+                  <a:schemeClr val="dk1"/>
+                </a:lnRef>
+                <a:fillRef idx="0">
+                  <a:schemeClr val="dk1"/>
+                </a:fillRef>
+                <a:effectRef idx="0">
+                  <a:schemeClr val="dk1"/>
+                </a:effectRef>
+                <a:fontRef idx="minor">
+                  <a:schemeClr val="tx1"/>
+                </a:fontRef>
+              </p:style>
+            </p:cxnSp>
+          </p:grpSp>
+          <p:grpSp>
+            <p:nvGrpSpPr>
+              <p:cNvPr id="24" name="组合 23">
+                <a:extLst>
+                  <a:ext uri="{FF2B5EF4-FFF2-40B4-BE49-F238E27FC236}">
+                    <a16:creationId xmlns:a16="http://schemas.microsoft.com/office/drawing/2014/main" id="{B7370D56-09F1-4CA7-8140-149912A1ECD7}"/>
+                  </a:ext>
+                </a:extLst>
+              </p:cNvPr>
+              <p:cNvGrpSpPr/>
+              <p:nvPr/>
+            </p:nvGrpSpPr>
+            <p:grpSpPr>
+              <a:xfrm>
+                <a:off x="6176101" y="2697478"/>
+                <a:ext cx="946059" cy="91441"/>
+                <a:chOff x="3337932" y="2697479"/>
+                <a:chExt cx="3345366" cy="112628"/>
+              </a:xfrm>
+            </p:grpSpPr>
+            <p:cxnSp>
+              <p:nvCxnSpPr>
+                <p:cNvPr id="25" name="直接连接符 24">
+                  <a:extLst>
+                    <a:ext uri="{FF2B5EF4-FFF2-40B4-BE49-F238E27FC236}">
+                      <a16:creationId xmlns:a16="http://schemas.microsoft.com/office/drawing/2014/main" id="{E5F3E3D7-C596-6CE5-6588-296432EF1401}"/>
+                    </a:ext>
+                  </a:extLst>
+                </p:cNvPr>
+                <p:cNvCxnSpPr/>
+                <p:nvPr/>
+              </p:nvCxnSpPr>
+              <p:spPr>
+                <a:xfrm>
+                  <a:off x="3337932" y="2810107"/>
+                  <a:ext cx="3345366" cy="0"/>
+                </a:xfrm>
+                <a:prstGeom prst="line">
+                  <a:avLst/>
+                </a:prstGeom>
+              </p:spPr>
+              <p:style>
+                <a:lnRef idx="1">
+                  <a:schemeClr val="dk1"/>
+                </a:lnRef>
+                <a:fillRef idx="0">
+                  <a:schemeClr val="dk1"/>
+                </a:fillRef>
+                <a:effectRef idx="0">
+                  <a:schemeClr val="dk1"/>
+                </a:effectRef>
+                <a:fontRef idx="minor">
+                  <a:schemeClr val="tx1"/>
+                </a:fontRef>
+              </p:style>
+            </p:cxnSp>
+            <p:cxnSp>
+              <p:nvCxnSpPr>
+                <p:cNvPr id="26" name="直接连接符 25">
+                  <a:extLst>
+                    <a:ext uri="{FF2B5EF4-FFF2-40B4-BE49-F238E27FC236}">
+                      <a16:creationId xmlns:a16="http://schemas.microsoft.com/office/drawing/2014/main" id="{7800BC1E-8778-FD99-3062-20170D20BF6B}"/>
+                    </a:ext>
+                  </a:extLst>
+                </p:cNvPr>
+                <p:cNvCxnSpPr>
+                  <a:cxnSpLocks/>
+                </p:cNvCxnSpPr>
+                <p:nvPr/>
+              </p:nvCxnSpPr>
+              <p:spPr>
+                <a:xfrm flipV="1">
+                  <a:off x="3337932" y="2697480"/>
+                  <a:ext cx="0" cy="112627"/>
+                </a:xfrm>
+                <a:prstGeom prst="line">
+                  <a:avLst/>
+                </a:prstGeom>
+              </p:spPr>
+              <p:style>
+                <a:lnRef idx="1">
+                  <a:schemeClr val="dk1"/>
+                </a:lnRef>
+                <a:fillRef idx="0">
+                  <a:schemeClr val="dk1"/>
+                </a:fillRef>
+                <a:effectRef idx="0">
+                  <a:schemeClr val="dk1"/>
+                </a:effectRef>
+                <a:fontRef idx="minor">
+                  <a:schemeClr val="tx1"/>
+                </a:fontRef>
+              </p:style>
+            </p:cxnSp>
+            <p:cxnSp>
+              <p:nvCxnSpPr>
+                <p:cNvPr id="27" name="直接连接符 26">
+                  <a:extLst>
+                    <a:ext uri="{FF2B5EF4-FFF2-40B4-BE49-F238E27FC236}">
+                      <a16:creationId xmlns:a16="http://schemas.microsoft.com/office/drawing/2014/main" id="{2CAB6A66-56D3-E433-4C91-2DACCA7F83AB}"/>
+                    </a:ext>
+                  </a:extLst>
+                </p:cNvPr>
+                <p:cNvCxnSpPr>
+                  <a:cxnSpLocks/>
+                </p:cNvCxnSpPr>
+                <p:nvPr/>
+              </p:nvCxnSpPr>
+              <p:spPr>
+                <a:xfrm flipV="1">
+                  <a:off x="6683298" y="2697479"/>
+                  <a:ext cx="0" cy="112627"/>
+                </a:xfrm>
+                <a:prstGeom prst="line">
+                  <a:avLst/>
+                </a:prstGeom>
+              </p:spPr>
+              <p:style>
+                <a:lnRef idx="1">
+                  <a:schemeClr val="dk1"/>
+                </a:lnRef>
+                <a:fillRef idx="0">
+                  <a:schemeClr val="dk1"/>
+                </a:fillRef>
+                <a:effectRef idx="0">
+                  <a:schemeClr val="dk1"/>
+                </a:effectRef>
+                <a:fontRef idx="minor">
+                  <a:schemeClr val="tx1"/>
+                </a:fontRef>
+              </p:style>
+            </p:cxnSp>
+          </p:grpSp>
+          <mc:AlternateContent xmlns:mc="http://schemas.openxmlformats.org/markup-compatibility/2006" xmlns:a14="http://schemas.microsoft.com/office/drawing/2010/main">
+            <mc:Choice Requires="a14">
+              <p:sp>
+                <p:nvSpPr>
+                  <p:cNvPr id="40" name="文本框 39">
+                    <a:extLst>
+                      <a:ext uri="{FF2B5EF4-FFF2-40B4-BE49-F238E27FC236}">
+                        <a16:creationId xmlns:a16="http://schemas.microsoft.com/office/drawing/2014/main" id="{86AE51CD-A645-3717-ADB8-7F2DEA4E898C}"/>
+                      </a:ext>
+                    </a:extLst>
+                  </p:cNvPr>
+                  <p:cNvSpPr txBox="1"/>
+                  <p:nvPr/>
+                </p:nvSpPr>
+                <p:spPr>
+                  <a:xfrm>
+                    <a:off x="5090161" y="2753358"/>
+                    <a:ext cx="170971" cy="370294"/>
+                  </a:xfrm>
+                  <a:prstGeom prst="rect">
+                    <a:avLst/>
+                  </a:prstGeom>
+                  <a:noFill/>
+                </p:spPr>
+                <p:txBody>
+                  <a:bodyPr wrap="square" rtlCol="0">
+                    <a:spAutoFit/>
+                  </a:bodyPr>
+                  <a:lstStyle/>
+                  <a:p>
+                    <a:pPr/>
+                    <a14:m>
+                      <m:oMathPara xmlns:m="http://schemas.openxmlformats.org/officeDocument/2006/math">
+                        <m:oMathParaPr>
+                          <m:jc m:val="centerGroup"/>
+                        </m:oMathParaPr>
+                        <m:oMath xmlns:m="http://schemas.openxmlformats.org/officeDocument/2006/math">
+                          <m:r>
+                            <a:rPr lang="en-US" altLang="zh-CN" b="1" i="1" smtClean="0">
+                              <a:latin typeface="Cambria Math" panose="02040503050406030204" pitchFamily="18" charset="0"/>
+                            </a:rPr>
+                            <m:t>𝒙</m:t>
+                          </m:r>
+                        </m:oMath>
+                      </m:oMathPara>
+                    </a14:m>
+                    <a:endParaRPr lang="en-US" altLang="zh-CN" b="1" dirty="0"/>
+                  </a:p>
+                </p:txBody>
+              </p:sp>
+            </mc:Choice>
+            <mc:Fallback xmlns="">
+              <p:sp>
+                <p:nvSpPr>
+                  <p:cNvPr id="40" name="文本框 39">
+                    <a:extLst>
+                      <a:ext uri="{FF2B5EF4-FFF2-40B4-BE49-F238E27FC236}">
+                        <a16:creationId xmlns:a16="http://schemas.microsoft.com/office/drawing/2014/main" id="{86AE51CD-A645-3717-ADB8-7F2DEA4E898C}"/>
+                      </a:ext>
+                    </a:extLst>
+                  </p:cNvPr>
+                  <p:cNvSpPr txBox="1">
+                    <a:spLocks noRot="1" noChangeAspect="1" noMove="1" noResize="1" noEditPoints="1" noAdjustHandles="1" noChangeArrowheads="1" noChangeShapeType="1" noTextEdit="1"/>
+                  </p:cNvSpPr>
+                  <p:nvPr/>
+                </p:nvSpPr>
+                <p:spPr>
+                  <a:xfrm>
+                    <a:off x="5090161" y="2753358"/>
+                    <a:ext cx="170971" cy="370294"/>
+                  </a:xfrm>
+                  <a:prstGeom prst="rect">
+                    <a:avLst/>
+                  </a:prstGeom>
+                  <a:blipFill>
+                    <a:blip r:embed="rId2"/>
+                    <a:stretch>
+                      <a:fillRect r="-64286"/>
+                    </a:stretch>
+                  </a:blipFill>
+                </p:spPr>
+                <p:txBody>
+                  <a:bodyPr/>
+                  <a:lstStyle/>
+                  <a:p>
+                    <a:r>
+                      <a:rPr lang="zh-CN" altLang="en-US">
+                        <a:noFill/>
+                      </a:rPr>
+                      <a:t> </a:t>
+                    </a:r>
+                  </a:p>
+                </p:txBody>
+              </p:sp>
+            </mc:Fallback>
+          </mc:AlternateContent>
+          <mc:AlternateContent xmlns:mc="http://schemas.openxmlformats.org/markup-compatibility/2006" xmlns:a14="http://schemas.microsoft.com/office/drawing/2010/main">
+            <mc:Choice Requires="a14">
+              <p:sp>
+                <p:nvSpPr>
+                  <p:cNvPr id="41" name="文本框 40">
+                    <a:extLst>
+                      <a:ext uri="{FF2B5EF4-FFF2-40B4-BE49-F238E27FC236}">
+                        <a16:creationId xmlns:a16="http://schemas.microsoft.com/office/drawing/2014/main" id="{134AB8D4-3E1A-F3CF-EF67-1FE4800AD7D2}"/>
+                      </a:ext>
+                    </a:extLst>
+                  </p:cNvPr>
+                  <p:cNvSpPr txBox="1"/>
+                  <p:nvPr/>
+                </p:nvSpPr>
+                <p:spPr>
+                  <a:xfrm>
+                    <a:off x="4012331" y="2753358"/>
+                    <a:ext cx="170971" cy="370294"/>
+                  </a:xfrm>
+                  <a:prstGeom prst="rect">
+                    <a:avLst/>
+                  </a:prstGeom>
+                  <a:noFill/>
+                </p:spPr>
+                <p:txBody>
+                  <a:bodyPr wrap="square" rtlCol="0">
+                    <a:spAutoFit/>
+                  </a:bodyPr>
+                  <a:lstStyle/>
+                  <a:p>
+                    <a:pPr/>
+                    <a14:m>
+                      <m:oMathPara xmlns:m="http://schemas.openxmlformats.org/officeDocument/2006/math">
+                        <m:oMathParaPr>
+                          <m:jc m:val="centerGroup"/>
+                        </m:oMathParaPr>
+                        <m:oMath xmlns:m="http://schemas.openxmlformats.org/officeDocument/2006/math">
+                          <m:r>
+                            <m:rPr>
+                              <m:sty m:val="p"/>
+                            </m:rPr>
+                            <a:rPr lang="en-US" altLang="zh-CN" b="1" i="1" smtClean="0">
+                              <a:latin typeface="Cambria Math" panose="02040503050406030204" pitchFamily="18" charset="0"/>
+                            </a:rPr>
+                            <m:t>sin</m:t>
+                          </m:r>
+                          <m:r>
+                            <a:rPr lang="en-US" altLang="zh-CN" b="1" i="1" smtClean="0">
+                              <a:latin typeface="Cambria Math" panose="02040503050406030204" pitchFamily="18" charset="0"/>
+                            </a:rPr>
+                            <m:t>𝒙</m:t>
+                          </m:r>
+                        </m:oMath>
+                      </m:oMathPara>
+                    </a14:m>
+                    <a:endParaRPr lang="en-US" altLang="zh-CN" b="1" dirty="0"/>
+                  </a:p>
+                </p:txBody>
+              </p:sp>
+            </mc:Choice>
+            <mc:Fallback xmlns="">
+              <p:sp>
+                <p:nvSpPr>
+                  <p:cNvPr id="41" name="文本框 40">
+                    <a:extLst>
+                      <a:ext uri="{FF2B5EF4-FFF2-40B4-BE49-F238E27FC236}">
+                        <a16:creationId xmlns:a16="http://schemas.microsoft.com/office/drawing/2014/main" id="{134AB8D4-3E1A-F3CF-EF67-1FE4800AD7D2}"/>
+                      </a:ext>
+                    </a:extLst>
+                  </p:cNvPr>
+                  <p:cNvSpPr txBox="1">
+                    <a:spLocks noRot="1" noChangeAspect="1" noMove="1" noResize="1" noEditPoints="1" noAdjustHandles="1" noChangeArrowheads="1" noChangeShapeType="1" noTextEdit="1"/>
+                  </p:cNvSpPr>
+                  <p:nvPr/>
+                </p:nvSpPr>
+                <p:spPr>
+                  <a:xfrm>
+                    <a:off x="4012331" y="2753358"/>
+                    <a:ext cx="170971" cy="370294"/>
+                  </a:xfrm>
+                  <a:prstGeom prst="rect">
+                    <a:avLst/>
+                  </a:prstGeom>
+                  <a:blipFill>
+                    <a:blip r:embed="rId3"/>
+                    <a:stretch>
+                      <a:fillRect r="-235714"/>
+                    </a:stretch>
+                  </a:blipFill>
+                </p:spPr>
+                <p:txBody>
+                  <a:bodyPr/>
+                  <a:lstStyle/>
+                  <a:p>
+                    <a:r>
+                      <a:rPr lang="zh-CN" altLang="en-US">
+                        <a:noFill/>
+                      </a:rPr>
+                      <a:t> </a:t>
+                    </a:r>
+                  </a:p>
+                </p:txBody>
+              </p:sp>
+            </mc:Fallback>
+          </mc:AlternateContent>
+          <mc:AlternateContent xmlns:mc="http://schemas.openxmlformats.org/markup-compatibility/2006" xmlns:a14="http://schemas.microsoft.com/office/drawing/2010/main">
+            <mc:Choice Requires="a14">
+              <p:sp>
+                <p:nvSpPr>
+                  <p:cNvPr id="42" name="文本框 41">
+                    <a:extLst>
+                      <a:ext uri="{FF2B5EF4-FFF2-40B4-BE49-F238E27FC236}">
+                        <a16:creationId xmlns:a16="http://schemas.microsoft.com/office/drawing/2014/main" id="{97B6E20E-9165-DEA2-F5C1-D0B49F81A6BB}"/>
+                      </a:ext>
+                    </a:extLst>
+                  </p:cNvPr>
+                  <p:cNvSpPr txBox="1"/>
+                  <p:nvPr/>
+                </p:nvSpPr>
+                <p:spPr>
+                  <a:xfrm>
+                    <a:off x="5758263" y="2753358"/>
+                    <a:ext cx="170971" cy="370294"/>
+                  </a:xfrm>
+                  <a:prstGeom prst="rect">
+                    <a:avLst/>
+                  </a:prstGeom>
+                  <a:noFill/>
+                </p:spPr>
+                <p:txBody>
+                  <a:bodyPr wrap="square" rtlCol="0">
+                    <a:spAutoFit/>
+                  </a:bodyPr>
+                  <a:lstStyle/>
+                  <a:p>
+                    <a:pPr/>
+                    <a14:m>
+                      <m:oMathPara xmlns:m="http://schemas.openxmlformats.org/officeDocument/2006/math">
+                        <m:oMathParaPr>
+                          <m:jc m:val="centerGroup"/>
+                        </m:oMathParaPr>
+                        <m:oMath xmlns:m="http://schemas.openxmlformats.org/officeDocument/2006/math">
+                          <m:r>
+                            <m:rPr>
+                              <m:sty m:val="p"/>
+                            </m:rPr>
+                            <a:rPr lang="en-US" altLang="zh-CN" b="1" i="1" smtClean="0">
+                              <a:latin typeface="Cambria Math" panose="02040503050406030204" pitchFamily="18" charset="0"/>
+                            </a:rPr>
+                            <m:t>arcsin</m:t>
+                          </m:r>
+                          <m:r>
+                            <a:rPr lang="en-US" altLang="zh-CN" b="1" i="1" smtClean="0">
+                              <a:latin typeface="Cambria Math" panose="02040503050406030204" pitchFamily="18" charset="0"/>
+                            </a:rPr>
+                            <m:t>𝒙</m:t>
+                          </m:r>
+                        </m:oMath>
+                      </m:oMathPara>
+                    </a14:m>
+                    <a:endParaRPr lang="en-US" altLang="zh-CN" b="1" dirty="0"/>
+                  </a:p>
+                </p:txBody>
+              </p:sp>
+            </mc:Choice>
+            <mc:Fallback xmlns="">
+              <p:sp>
+                <p:nvSpPr>
+                  <p:cNvPr id="42" name="文本框 41">
+                    <a:extLst>
+                      <a:ext uri="{FF2B5EF4-FFF2-40B4-BE49-F238E27FC236}">
+                        <a16:creationId xmlns:a16="http://schemas.microsoft.com/office/drawing/2014/main" id="{97B6E20E-9165-DEA2-F5C1-D0B49F81A6BB}"/>
+                      </a:ext>
+                    </a:extLst>
+                  </p:cNvPr>
+                  <p:cNvSpPr txBox="1">
+                    <a:spLocks noRot="1" noChangeAspect="1" noMove="1" noResize="1" noEditPoints="1" noAdjustHandles="1" noChangeArrowheads="1" noChangeShapeType="1" noTextEdit="1"/>
+                  </p:cNvSpPr>
+                  <p:nvPr/>
+                </p:nvSpPr>
+                <p:spPr>
+                  <a:xfrm>
+                    <a:off x="5758263" y="2753358"/>
+                    <a:ext cx="170971" cy="370294"/>
+                  </a:xfrm>
+                  <a:prstGeom prst="rect">
+                    <a:avLst/>
+                  </a:prstGeom>
+                  <a:blipFill>
+                    <a:blip r:embed="rId4"/>
+                    <a:stretch>
+                      <a:fillRect r="-414286"/>
+                    </a:stretch>
+                  </a:blipFill>
+                </p:spPr>
+                <p:txBody>
+                  <a:bodyPr/>
+                  <a:lstStyle/>
+                  <a:p>
+                    <a:r>
+                      <a:rPr lang="zh-CN" altLang="en-US">
+                        <a:noFill/>
+                      </a:rPr>
+                      <a:t> </a:t>
+                    </a:r>
+                  </a:p>
+                </p:txBody>
+              </p:sp>
+            </mc:Fallback>
+          </mc:AlternateContent>
+          <mc:AlternateContent xmlns:mc="http://schemas.openxmlformats.org/markup-compatibility/2006" xmlns:a14="http://schemas.microsoft.com/office/drawing/2010/main">
+            <mc:Choice Requires="a14">
+              <p:sp>
+                <p:nvSpPr>
+                  <p:cNvPr id="43" name="文本框 42">
+                    <a:extLst>
+                      <a:ext uri="{FF2B5EF4-FFF2-40B4-BE49-F238E27FC236}">
+                        <a16:creationId xmlns:a16="http://schemas.microsoft.com/office/drawing/2014/main" id="{E4FA83A8-9BC3-5C90-0F48-C0B223CA5361}"/>
+                      </a:ext>
+                    </a:extLst>
+                  </p:cNvPr>
+                  <p:cNvSpPr txBox="1"/>
+                  <p:nvPr/>
+                </p:nvSpPr>
+                <p:spPr>
+                  <a:xfrm>
+                    <a:off x="6845077" y="2753358"/>
+                    <a:ext cx="170971" cy="370294"/>
+                  </a:xfrm>
+                  <a:prstGeom prst="rect">
+                    <a:avLst/>
+                  </a:prstGeom>
+                  <a:noFill/>
+                </p:spPr>
+                <p:txBody>
+                  <a:bodyPr wrap="square" rtlCol="0">
+                    <a:spAutoFit/>
+                  </a:bodyPr>
+                  <a:lstStyle/>
+                  <a:p>
+                    <a:pPr/>
+                    <a14:m>
+                      <m:oMathPara xmlns:m="http://schemas.openxmlformats.org/officeDocument/2006/math">
+                        <m:oMathParaPr>
+                          <m:jc m:val="centerGroup"/>
+                        </m:oMathParaPr>
+                        <m:oMath xmlns:m="http://schemas.openxmlformats.org/officeDocument/2006/math">
+                          <m:r>
+                            <m:rPr>
+                              <m:sty m:val="p"/>
+                            </m:rPr>
+                            <a:rPr lang="en-US" altLang="zh-CN" b="1" i="1" smtClean="0">
+                              <a:latin typeface="Cambria Math" panose="02040503050406030204" pitchFamily="18" charset="0"/>
+                            </a:rPr>
+                            <m:t>tan</m:t>
+                          </m:r>
+                          <m:r>
+                            <a:rPr lang="en-US" altLang="zh-CN" b="1" i="1" smtClean="0">
+                              <a:latin typeface="Cambria Math" panose="02040503050406030204" pitchFamily="18" charset="0"/>
+                            </a:rPr>
+                            <m:t>𝒙</m:t>
+                          </m:r>
+                        </m:oMath>
+                      </m:oMathPara>
+                    </a14:m>
+                    <a:endParaRPr lang="en-US" altLang="zh-CN" b="1" dirty="0"/>
+                  </a:p>
+                </p:txBody>
+              </p:sp>
+            </mc:Choice>
+            <mc:Fallback xmlns="">
+              <p:sp>
+                <p:nvSpPr>
+                  <p:cNvPr id="43" name="文本框 42">
+                    <a:extLst>
+                      <a:ext uri="{FF2B5EF4-FFF2-40B4-BE49-F238E27FC236}">
+                        <a16:creationId xmlns:a16="http://schemas.microsoft.com/office/drawing/2014/main" id="{E4FA83A8-9BC3-5C90-0F48-C0B223CA5361}"/>
+                      </a:ext>
+                    </a:extLst>
+                  </p:cNvPr>
+                  <p:cNvSpPr txBox="1">
+                    <a:spLocks noRot="1" noChangeAspect="1" noMove="1" noResize="1" noEditPoints="1" noAdjustHandles="1" noChangeArrowheads="1" noChangeShapeType="1" noTextEdit="1"/>
+                  </p:cNvSpPr>
+                  <p:nvPr/>
+                </p:nvSpPr>
+                <p:spPr>
+                  <a:xfrm>
+                    <a:off x="6845077" y="2753358"/>
+                    <a:ext cx="170971" cy="370294"/>
+                  </a:xfrm>
+                  <a:prstGeom prst="rect">
+                    <a:avLst/>
+                  </a:prstGeom>
+                  <a:blipFill>
+                    <a:blip r:embed="rId5"/>
+                    <a:stretch>
+                      <a:fillRect r="-250000"/>
+                    </a:stretch>
+                  </a:blipFill>
+                </p:spPr>
+                <p:txBody>
+                  <a:bodyPr/>
+                  <a:lstStyle/>
+                  <a:p>
+                    <a:r>
+                      <a:rPr lang="zh-CN" altLang="en-US">
+                        <a:noFill/>
+                      </a:rPr>
+                      <a:t> </a:t>
+                    </a:r>
+                  </a:p>
+                </p:txBody>
+              </p:sp>
+            </mc:Fallback>
+          </mc:AlternateContent>
+          <mc:AlternateContent xmlns:mc="http://schemas.openxmlformats.org/markup-compatibility/2006" xmlns:a14="http://schemas.microsoft.com/office/drawing/2010/main">
+            <mc:Choice Requires="a14">
+              <p:sp>
+                <p:nvSpPr>
+                  <p:cNvPr id="44" name="文本框 43">
+                    <a:extLst>
+                      <a:ext uri="{FF2B5EF4-FFF2-40B4-BE49-F238E27FC236}">
+                        <a16:creationId xmlns:a16="http://schemas.microsoft.com/office/drawing/2014/main" id="{065B59E0-AA88-24AA-A532-051D68870381}"/>
+                      </a:ext>
+                    </a:extLst>
+                  </p:cNvPr>
+                  <p:cNvSpPr txBox="1"/>
+                  <p:nvPr/>
+                </p:nvSpPr>
+                <p:spPr>
+                  <a:xfrm>
+                    <a:off x="2885144" y="2753358"/>
+                    <a:ext cx="170971" cy="370294"/>
+                  </a:xfrm>
+                  <a:prstGeom prst="rect">
+                    <a:avLst/>
+                  </a:prstGeom>
+                  <a:noFill/>
+                </p:spPr>
+                <p:txBody>
+                  <a:bodyPr wrap="square" rtlCol="0">
+                    <a:spAutoFit/>
+                  </a:bodyPr>
+                  <a:lstStyle/>
+                  <a:p>
+                    <a:pPr/>
+                    <a14:m>
+                      <m:oMathPara xmlns:m="http://schemas.openxmlformats.org/officeDocument/2006/math">
+                        <m:oMathParaPr>
+                          <m:jc m:val="centerGroup"/>
+                        </m:oMathParaPr>
+                        <m:oMath xmlns:m="http://schemas.openxmlformats.org/officeDocument/2006/math">
+                          <m:r>
+                            <m:rPr>
+                              <m:sty m:val="p"/>
+                            </m:rPr>
+                            <a:rPr lang="en-US" altLang="zh-CN" b="1" i="1" smtClean="0">
+                              <a:latin typeface="Cambria Math" panose="02040503050406030204" pitchFamily="18" charset="0"/>
+                            </a:rPr>
+                            <m:t>arctan</m:t>
+                          </m:r>
+                          <m:r>
+                            <a:rPr lang="en-US" altLang="zh-CN" b="1" i="1" smtClean="0">
+                              <a:latin typeface="Cambria Math" panose="02040503050406030204" pitchFamily="18" charset="0"/>
+                            </a:rPr>
+                            <m:t>𝒙</m:t>
+                          </m:r>
+                        </m:oMath>
+                      </m:oMathPara>
+                    </a14:m>
+                    <a:endParaRPr lang="en-US" altLang="zh-CN" b="1" dirty="0"/>
+                  </a:p>
+                </p:txBody>
+              </p:sp>
+            </mc:Choice>
+            <mc:Fallback xmlns="">
+              <p:sp>
+                <p:nvSpPr>
+                  <p:cNvPr id="44" name="文本框 43">
+                    <a:extLst>
+                      <a:ext uri="{FF2B5EF4-FFF2-40B4-BE49-F238E27FC236}">
+                        <a16:creationId xmlns:a16="http://schemas.microsoft.com/office/drawing/2014/main" id="{065B59E0-AA88-24AA-A532-051D68870381}"/>
+                      </a:ext>
+                    </a:extLst>
+                  </p:cNvPr>
+                  <p:cNvSpPr txBox="1">
+                    <a:spLocks noRot="1" noChangeAspect="1" noMove="1" noResize="1" noEditPoints="1" noAdjustHandles="1" noChangeArrowheads="1" noChangeShapeType="1" noTextEdit="1"/>
+                  </p:cNvSpPr>
+                  <p:nvPr/>
+                </p:nvSpPr>
+                <p:spPr>
+                  <a:xfrm>
+                    <a:off x="2885144" y="2753358"/>
+                    <a:ext cx="170971" cy="370294"/>
+                  </a:xfrm>
+                  <a:prstGeom prst="rect">
+                    <a:avLst/>
+                  </a:prstGeom>
+                  <a:blipFill>
+                    <a:blip r:embed="rId6"/>
+                    <a:stretch>
+                      <a:fillRect r="-432143"/>
+                    </a:stretch>
+                  </a:blipFill>
+                </p:spPr>
+                <p:txBody>
+                  <a:bodyPr/>
+                  <a:lstStyle/>
+                  <a:p>
+                    <a:r>
+                      <a:rPr lang="zh-CN" altLang="en-US">
+                        <a:noFill/>
+                      </a:rPr>
+                      <a:t> </a:t>
+                    </a:r>
+                  </a:p>
+                </p:txBody>
+              </p:sp>
+            </mc:Fallback>
+          </mc:AlternateContent>
+          <p:grpSp>
+            <p:nvGrpSpPr>
+              <p:cNvPr id="45" name="组合 44">
+                <a:extLst>
+                  <a:ext uri="{FF2B5EF4-FFF2-40B4-BE49-F238E27FC236}">
+                    <a16:creationId xmlns:a16="http://schemas.microsoft.com/office/drawing/2014/main" id="{155569B9-58F5-DA88-7CC0-10F87D3374DF}"/>
+                  </a:ext>
+                </a:extLst>
+              </p:cNvPr>
+              <p:cNvGrpSpPr/>
+              <p:nvPr/>
+            </p:nvGrpSpPr>
+            <p:grpSpPr>
+              <a:xfrm>
+                <a:off x="7225203" y="2225038"/>
+                <a:ext cx="473014" cy="45719"/>
+                <a:chOff x="3337932" y="2697479"/>
+                <a:chExt cx="3345366" cy="112628"/>
+              </a:xfrm>
+            </p:grpSpPr>
+            <p:cxnSp>
+              <p:nvCxnSpPr>
+                <p:cNvPr id="46" name="直接连接符 45">
+                  <a:extLst>
+                    <a:ext uri="{FF2B5EF4-FFF2-40B4-BE49-F238E27FC236}">
+                      <a16:creationId xmlns:a16="http://schemas.microsoft.com/office/drawing/2014/main" id="{12E354B6-B23E-7926-75DE-90FA2ABD16F0}"/>
+                    </a:ext>
+                  </a:extLst>
+                </p:cNvPr>
+                <p:cNvCxnSpPr/>
+                <p:nvPr/>
+              </p:nvCxnSpPr>
+              <p:spPr>
+                <a:xfrm>
+                  <a:off x="3337932" y="2810107"/>
+                  <a:ext cx="3345366" cy="0"/>
+                </a:xfrm>
+                <a:prstGeom prst="line">
+                  <a:avLst/>
+                </a:prstGeom>
+              </p:spPr>
+              <p:style>
+                <a:lnRef idx="1">
+                  <a:schemeClr val="dk1"/>
+                </a:lnRef>
+                <a:fillRef idx="0">
+                  <a:schemeClr val="dk1"/>
+                </a:fillRef>
+                <a:effectRef idx="0">
+                  <a:schemeClr val="dk1"/>
+                </a:effectRef>
+                <a:fontRef idx="minor">
+                  <a:schemeClr val="tx1"/>
+                </a:fontRef>
+              </p:style>
+            </p:cxnSp>
+            <p:cxnSp>
+              <p:nvCxnSpPr>
+                <p:cNvPr id="47" name="直接连接符 46">
+                  <a:extLst>
+                    <a:ext uri="{FF2B5EF4-FFF2-40B4-BE49-F238E27FC236}">
+                      <a16:creationId xmlns:a16="http://schemas.microsoft.com/office/drawing/2014/main" id="{CE9FA6C9-FE45-6DF9-28D8-75BE0DD9E6BD}"/>
+                    </a:ext>
+                  </a:extLst>
+                </p:cNvPr>
+                <p:cNvCxnSpPr>
+                  <a:cxnSpLocks/>
+                </p:cNvCxnSpPr>
+                <p:nvPr/>
+              </p:nvCxnSpPr>
+              <p:spPr>
+                <a:xfrm flipV="1">
+                  <a:off x="3337932" y="2697480"/>
+                  <a:ext cx="0" cy="112627"/>
+                </a:xfrm>
+                <a:prstGeom prst="line">
+                  <a:avLst/>
+                </a:prstGeom>
+              </p:spPr>
+              <p:style>
+                <a:lnRef idx="1">
+                  <a:schemeClr val="dk1"/>
+                </a:lnRef>
+                <a:fillRef idx="0">
+                  <a:schemeClr val="dk1"/>
+                </a:fillRef>
+                <a:effectRef idx="0">
+                  <a:schemeClr val="dk1"/>
+                </a:effectRef>
+                <a:fontRef idx="minor">
+                  <a:schemeClr val="tx1"/>
+                </a:fontRef>
+              </p:style>
+            </p:cxnSp>
+            <p:cxnSp>
+              <p:nvCxnSpPr>
+                <p:cNvPr id="48" name="直接连接符 47">
+                  <a:extLst>
+                    <a:ext uri="{FF2B5EF4-FFF2-40B4-BE49-F238E27FC236}">
+                      <a16:creationId xmlns:a16="http://schemas.microsoft.com/office/drawing/2014/main" id="{873D1DD3-49D8-81A3-9178-D580D80B79D8}"/>
+                    </a:ext>
+                  </a:extLst>
+                </p:cNvPr>
+                <p:cNvCxnSpPr>
+                  <a:cxnSpLocks/>
+                </p:cNvCxnSpPr>
+                <p:nvPr/>
+              </p:nvCxnSpPr>
+              <p:spPr>
+                <a:xfrm flipV="1">
+                  <a:off x="6683298" y="2697479"/>
+                  <a:ext cx="0" cy="112627"/>
+                </a:xfrm>
+                <a:prstGeom prst="line">
+                  <a:avLst/>
+                </a:prstGeom>
+              </p:spPr>
+              <p:style>
+                <a:lnRef idx="1">
+                  <a:schemeClr val="dk1"/>
+                </a:lnRef>
+                <a:fillRef idx="0">
+                  <a:schemeClr val="dk1"/>
+                </a:fillRef>
+                <a:effectRef idx="0">
+                  <a:schemeClr val="dk1"/>
+                </a:effectRef>
+                <a:fontRef idx="minor">
+                  <a:schemeClr val="tx1"/>
+                </a:fontRef>
+              </p:style>
+            </p:cxnSp>
+          </p:grpSp>
+          <mc:AlternateContent xmlns:mc="http://schemas.openxmlformats.org/markup-compatibility/2006" xmlns:a14="http://schemas.microsoft.com/office/drawing/2010/main">
+            <mc:Choice Requires="a14">
+              <p:sp>
+                <p:nvSpPr>
+                  <p:cNvPr id="49" name="文本框 48">
+                    <a:extLst>
+                      <a:ext uri="{FF2B5EF4-FFF2-40B4-BE49-F238E27FC236}">
+                        <a16:creationId xmlns:a16="http://schemas.microsoft.com/office/drawing/2014/main" id="{AD8E781D-F03F-77F7-1FFE-3E3BC8337B7A}"/>
+                      </a:ext>
+                    </a:extLst>
+                  </p:cNvPr>
+                  <p:cNvSpPr txBox="1"/>
+                  <p:nvPr/>
+                </p:nvSpPr>
+                <p:spPr>
+                  <a:xfrm>
+                    <a:off x="7139716" y="1658025"/>
+                    <a:ext cx="170971" cy="612732"/>
+                  </a:xfrm>
+                  <a:prstGeom prst="rect">
+                    <a:avLst/>
+                  </a:prstGeom>
+                  <a:noFill/>
+                </p:spPr>
+                <p:txBody>
+                  <a:bodyPr wrap="square" rtlCol="0">
+                    <a:spAutoFit/>
+                  </a:bodyPr>
+                  <a:lstStyle/>
+                  <a:p>
+                    <a:pPr/>
+                    <a14:m>
+                      <m:oMathPara xmlns:m="http://schemas.openxmlformats.org/officeDocument/2006/math">
+                        <m:oMathParaPr>
+                          <m:jc m:val="centerGroup"/>
+                        </m:oMathParaPr>
+                        <m:oMath xmlns:m="http://schemas.openxmlformats.org/officeDocument/2006/math">
+                          <m:r>
+                            <a:rPr lang="en-US" altLang="zh-CN" b="1" i="1" smtClean="0">
+                              <a:latin typeface="Cambria Math" panose="02040503050406030204" pitchFamily="18" charset="0"/>
+                            </a:rPr>
+                            <m:t> </m:t>
+                          </m:r>
+                          <m:f>
+                            <m:fPr>
+                              <m:ctrlPr>
+                                <a:rPr lang="en-US" altLang="zh-CN" i="1" smtClean="0">
+                                  <a:latin typeface="Cambria Math" panose="02040503050406030204" pitchFamily="18" charset="0"/>
+                                </a:rPr>
+                              </m:ctrlPr>
+                            </m:fPr>
+                            <m:num>
+                              <m:r>
+                                <a:rPr lang="en-US" altLang="zh-CN" b="0" i="1" smtClean="0">
+                                  <a:latin typeface="Cambria Math" panose="02040503050406030204" pitchFamily="18" charset="0"/>
+                                </a:rPr>
+                                <m:t>1</m:t>
+                              </m:r>
+                            </m:num>
+                            <m:den>
+                              <m:r>
+                                <a:rPr lang="en-US" altLang="zh-CN" b="0" i="1" smtClean="0">
+                                  <a:latin typeface="Cambria Math" panose="02040503050406030204" pitchFamily="18" charset="0"/>
+                                </a:rPr>
+                                <m:t>6</m:t>
+                              </m:r>
+                            </m:den>
+                          </m:f>
+                          <m:sSup>
+                            <m:sSupPr>
+                              <m:ctrlPr>
+                                <a:rPr lang="en-US" altLang="zh-CN" i="1" smtClean="0">
+                                  <a:latin typeface="Cambria Math" panose="02040503050406030204" pitchFamily="18" charset="0"/>
+                                </a:rPr>
+                              </m:ctrlPr>
+                            </m:sSupPr>
+                            <m:e>
+                              <m:r>
+                                <a:rPr lang="en-US" altLang="zh-CN" b="0" i="1" smtClean="0">
+                                  <a:latin typeface="Cambria Math" panose="02040503050406030204" pitchFamily="18" charset="0"/>
+                                </a:rPr>
+                                <m:t>𝑥</m:t>
+                              </m:r>
+                            </m:e>
+                            <m:sup>
+                              <m:r>
+                                <a:rPr lang="en-US" altLang="zh-CN" b="0" i="1" smtClean="0">
+                                  <a:latin typeface="Cambria Math" panose="02040503050406030204" pitchFamily="18" charset="0"/>
+                                </a:rPr>
+                                <m:t>3</m:t>
+                              </m:r>
+                            </m:sup>
+                          </m:sSup>
+                        </m:oMath>
+                      </m:oMathPara>
+                    </a14:m>
+                    <a:endParaRPr lang="en-US" altLang="zh-CN" dirty="0"/>
+                  </a:p>
+                </p:txBody>
+              </p:sp>
+            </mc:Choice>
+            <mc:Fallback xmlns="">
+              <p:sp>
+                <p:nvSpPr>
+                  <p:cNvPr id="49" name="文本框 48">
+                    <a:extLst>
+                      <a:ext uri="{FF2B5EF4-FFF2-40B4-BE49-F238E27FC236}">
+                        <a16:creationId xmlns:a16="http://schemas.microsoft.com/office/drawing/2014/main" id="{AD8E781D-F03F-77F7-1FFE-3E3BC8337B7A}"/>
+                      </a:ext>
+                    </a:extLst>
+                  </p:cNvPr>
+                  <p:cNvSpPr txBox="1">
+                    <a:spLocks noRot="1" noChangeAspect="1" noMove="1" noResize="1" noEditPoints="1" noAdjustHandles="1" noChangeArrowheads="1" noChangeShapeType="1" noTextEdit="1"/>
+                  </p:cNvSpPr>
+                  <p:nvPr/>
+                </p:nvSpPr>
+                <p:spPr>
+                  <a:xfrm>
+                    <a:off x="7139716" y="1658025"/>
+                    <a:ext cx="170971" cy="612732"/>
+                  </a:xfrm>
+                  <a:prstGeom prst="rect">
+                    <a:avLst/>
+                  </a:prstGeom>
+                  <a:blipFill>
+                    <a:blip r:embed="rId7"/>
+                    <a:stretch>
+                      <a:fillRect r="-203571"/>
+                    </a:stretch>
+                  </a:blipFill>
+                </p:spPr>
+                <p:txBody>
+                  <a:bodyPr/>
+                  <a:lstStyle/>
+                  <a:p>
+                    <a:r>
+                      <a:rPr lang="zh-CN" altLang="en-US">
+                        <a:noFill/>
+                      </a:rPr>
+                      <a:t> </a:t>
+                    </a:r>
+                  </a:p>
+                </p:txBody>
+              </p:sp>
+            </mc:Fallback>
+          </mc:AlternateContent>
+        </p:grpSp>
+        <mc:AlternateContent xmlns:mc="http://schemas.openxmlformats.org/markup-compatibility/2006">
+          <mc:Choice xmlns:a14="http://schemas.microsoft.com/office/drawing/2010/main" Requires="a14">
+            <p:sp>
+              <p:nvSpPr>
+                <p:cNvPr id="3" name="文本框 2">
+                  <a:extLst>
+                    <a:ext uri="{FF2B5EF4-FFF2-40B4-BE49-F238E27FC236}">
+                      <a16:creationId xmlns:a16="http://schemas.microsoft.com/office/drawing/2014/main" id="{39E18D8E-F8D3-8F46-B935-1F45EEC39D85}"/>
+                    </a:ext>
+                  </a:extLst>
+                </p:cNvPr>
+                <p:cNvSpPr txBox="1"/>
+                <p:nvPr/>
+              </p:nvSpPr>
+              <p:spPr>
+                <a:xfrm>
+                  <a:off x="2454178" y="1650998"/>
+                  <a:ext cx="170971" cy="370294"/>
+                </a:xfrm>
+                <a:prstGeom prst="rect">
+                  <a:avLst/>
+                </a:prstGeom>
+                <a:noFill/>
+              </p:spPr>
+              <p:txBody>
+                <a:bodyPr wrap="square" rtlCol="0">
+                  <a:spAutoFit/>
+                </a:bodyPr>
+                <a:lstStyle/>
+                <a:p>
+                  <a:pPr/>
+                  <a14:m>
+                    <m:oMathPara xmlns:m="http://schemas.openxmlformats.org/officeDocument/2006/math">
+                      <m:oMathParaPr>
+                        <m:jc m:val="centerGroup"/>
+                      </m:oMathParaPr>
+                      <m:oMath xmlns:m="http://schemas.openxmlformats.org/officeDocument/2006/math">
+                        <m:r>
+                          <a:rPr lang="en-US" altLang="zh-CN" b="1" i="1" smtClean="0">
+                            <a:latin typeface="Cambria Math" panose="02040503050406030204" pitchFamily="18" charset="0"/>
+                          </a:rPr>
+                          <m:t>∼</m:t>
+                        </m:r>
+                      </m:oMath>
+                    </m:oMathPara>
+                  </a14:m>
+                  <a:endParaRPr lang="en-US" altLang="zh-CN" b="1" dirty="0"/>
+                </a:p>
+              </p:txBody>
+            </p:sp>
+          </mc:Choice>
+          <mc:Fallback>
+            <p:sp>
+              <p:nvSpPr>
+                <p:cNvPr id="3" name="文本框 2">
+                  <a:extLst>
+                    <a:ext uri="{FF2B5EF4-FFF2-40B4-BE49-F238E27FC236}">
+                      <a16:creationId xmlns:a16="http://schemas.microsoft.com/office/drawing/2014/main" id="{39E18D8E-F8D3-8F46-B935-1F45EEC39D85}"/>
+                    </a:ext>
+                  </a:extLst>
+                </p:cNvPr>
+                <p:cNvSpPr txBox="1">
+                  <a:spLocks noRot="1" noChangeAspect="1" noMove="1" noResize="1" noEditPoints="1" noAdjustHandles="1" noChangeArrowheads="1" noChangeShapeType="1" noTextEdit="1"/>
+                </p:cNvSpPr>
+                <p:nvPr/>
+              </p:nvSpPr>
+              <p:spPr>
+                <a:xfrm>
+                  <a:off x="2454178" y="1650998"/>
+                  <a:ext cx="170971" cy="370294"/>
+                </a:xfrm>
+                <a:prstGeom prst="rect">
+                  <a:avLst/>
+                </a:prstGeom>
+                <a:blipFill>
+                  <a:blip r:embed="rId8"/>
+                  <a:stretch>
+                    <a:fillRect r="-71429"/>
+                  </a:stretch>
+                </a:blipFill>
+              </p:spPr>
+              <p:txBody>
+                <a:bodyPr/>
+                <a:lstStyle/>
+                <a:p>
+                  <a:r>
+                    <a:rPr lang="zh-CN" altLang="en-US">
+                      <a:noFill/>
+                    </a:rPr>
+                    <a:t> </a:t>
+                  </a:r>
+                </a:p>
+              </p:txBody>
+            </p:sp>
+          </mc:Fallback>
+        </mc:AlternateContent>
+        <mc:AlternateContent xmlns:mc="http://schemas.openxmlformats.org/markup-compatibility/2006">
+          <mc:Choice xmlns:a14="http://schemas.microsoft.com/office/drawing/2010/main" Requires="a14">
+            <p:sp>
+              <p:nvSpPr>
+                <p:cNvPr id="4" name="文本框 3">
+                  <a:extLst>
+                    <a:ext uri="{FF2B5EF4-FFF2-40B4-BE49-F238E27FC236}">
+                      <a16:creationId xmlns:a16="http://schemas.microsoft.com/office/drawing/2014/main" id="{6992F0BE-85D2-FB44-DDB0-8CCE97AE34DA}"/>
+                    </a:ext>
+                  </a:extLst>
+                </p:cNvPr>
+                <p:cNvSpPr txBox="1"/>
+                <p:nvPr/>
+              </p:nvSpPr>
+              <p:spPr>
+                <a:xfrm>
+                  <a:off x="3362088" y="1650998"/>
+                  <a:ext cx="170971" cy="370294"/>
+                </a:xfrm>
+                <a:prstGeom prst="rect">
+                  <a:avLst/>
+                </a:prstGeom>
+                <a:noFill/>
+              </p:spPr>
+              <p:txBody>
+                <a:bodyPr wrap="square" rtlCol="0">
+                  <a:spAutoFit/>
+                </a:bodyPr>
+                <a:lstStyle/>
+                <a:p>
+                  <a:pPr/>
+                  <a14:m>
+                    <m:oMathPara xmlns:m="http://schemas.openxmlformats.org/officeDocument/2006/math">
+                      <m:oMathParaPr>
+                        <m:jc m:val="centerGroup"/>
+                      </m:oMathParaPr>
+                      <m:oMath xmlns:m="http://schemas.openxmlformats.org/officeDocument/2006/math">
+                        <m:r>
+                          <a:rPr lang="en-US" altLang="zh-CN" b="1" i="1" smtClean="0">
+                            <a:latin typeface="Cambria Math" panose="02040503050406030204" pitchFamily="18" charset="0"/>
+                          </a:rPr>
+                          <m:t>∼</m:t>
+                        </m:r>
+                      </m:oMath>
+                    </m:oMathPara>
+                  </a14:m>
+                  <a:endParaRPr lang="en-US" altLang="zh-CN" b="1" dirty="0"/>
+                </a:p>
+              </p:txBody>
+            </p:sp>
+          </mc:Choice>
+          <mc:Fallback>
+            <p:sp>
+              <p:nvSpPr>
+                <p:cNvPr id="4" name="文本框 3">
+                  <a:extLst>
+                    <a:ext uri="{FF2B5EF4-FFF2-40B4-BE49-F238E27FC236}">
+                      <a16:creationId xmlns:a16="http://schemas.microsoft.com/office/drawing/2014/main" id="{6992F0BE-85D2-FB44-DDB0-8CCE97AE34DA}"/>
+                    </a:ext>
+                  </a:extLst>
+                </p:cNvPr>
+                <p:cNvSpPr txBox="1">
+                  <a:spLocks noRot="1" noChangeAspect="1" noMove="1" noResize="1" noEditPoints="1" noAdjustHandles="1" noChangeArrowheads="1" noChangeShapeType="1" noTextEdit="1"/>
+                </p:cNvSpPr>
+                <p:nvPr/>
+              </p:nvSpPr>
+              <p:spPr>
+                <a:xfrm>
+                  <a:off x="3362088" y="1650998"/>
+                  <a:ext cx="170971" cy="370294"/>
+                </a:xfrm>
+                <a:prstGeom prst="rect">
+                  <a:avLst/>
+                </a:prstGeom>
+                <a:blipFill>
+                  <a:blip r:embed="rId9"/>
+                  <a:stretch>
+                    <a:fillRect r="-71429"/>
+                  </a:stretch>
+                </a:blipFill>
+              </p:spPr>
+              <p:txBody>
+                <a:bodyPr/>
+                <a:lstStyle/>
+                <a:p>
+                  <a:r>
+                    <a:rPr lang="zh-CN" altLang="en-US">
+                      <a:noFill/>
+                    </a:rPr>
+                    <a:t> </a:t>
+                  </a:r>
+                </a:p>
+              </p:txBody>
+            </p:sp>
+          </mc:Fallback>
+        </mc:AlternateContent>
+        <mc:AlternateContent xmlns:mc="http://schemas.openxmlformats.org/markup-compatibility/2006">
+          <mc:Choice xmlns:a14="http://schemas.microsoft.com/office/drawing/2010/main" Requires="a14">
+            <p:sp>
+              <p:nvSpPr>
+                <p:cNvPr id="6" name="文本框 5">
+                  <a:extLst>
+                    <a:ext uri="{FF2B5EF4-FFF2-40B4-BE49-F238E27FC236}">
+                      <a16:creationId xmlns:a16="http://schemas.microsoft.com/office/drawing/2014/main" id="{F806CD5A-0FC7-FDEA-6C32-1F9A233DEB4A}"/>
+                    </a:ext>
+                  </a:extLst>
+                </p:cNvPr>
+                <p:cNvSpPr txBox="1"/>
+                <p:nvPr/>
+              </p:nvSpPr>
+              <p:spPr>
+                <a:xfrm>
+                  <a:off x="4154235" y="1650998"/>
+                  <a:ext cx="170971" cy="370294"/>
+                </a:xfrm>
+                <a:prstGeom prst="rect">
+                  <a:avLst/>
+                </a:prstGeom>
+                <a:noFill/>
+              </p:spPr>
+              <p:txBody>
+                <a:bodyPr wrap="square" rtlCol="0">
+                  <a:spAutoFit/>
+                </a:bodyPr>
+                <a:lstStyle/>
+                <a:p>
+                  <a:pPr/>
+                  <a14:m>
+                    <m:oMathPara xmlns:m="http://schemas.openxmlformats.org/officeDocument/2006/math">
+                      <m:oMathParaPr>
+                        <m:jc m:val="centerGroup"/>
+                      </m:oMathParaPr>
+                      <m:oMath xmlns:m="http://schemas.openxmlformats.org/officeDocument/2006/math">
+                        <m:r>
+                          <a:rPr lang="en-US" altLang="zh-CN" b="1" i="1" smtClean="0">
+                            <a:latin typeface="Cambria Math" panose="02040503050406030204" pitchFamily="18" charset="0"/>
+                          </a:rPr>
+                          <m:t>∼</m:t>
+                        </m:r>
+                      </m:oMath>
+                    </m:oMathPara>
+                  </a14:m>
+                  <a:endParaRPr lang="en-US" altLang="zh-CN" b="1" dirty="0"/>
+                </a:p>
+              </p:txBody>
+            </p:sp>
+          </mc:Choice>
+          <mc:Fallback>
+            <p:sp>
+              <p:nvSpPr>
+                <p:cNvPr id="6" name="文本框 5">
+                  <a:extLst>
+                    <a:ext uri="{FF2B5EF4-FFF2-40B4-BE49-F238E27FC236}">
+                      <a16:creationId xmlns:a16="http://schemas.microsoft.com/office/drawing/2014/main" id="{F806CD5A-0FC7-FDEA-6C32-1F9A233DEB4A}"/>
+                    </a:ext>
+                  </a:extLst>
+                </p:cNvPr>
+                <p:cNvSpPr txBox="1">
+                  <a:spLocks noRot="1" noChangeAspect="1" noMove="1" noResize="1" noEditPoints="1" noAdjustHandles="1" noChangeArrowheads="1" noChangeShapeType="1" noTextEdit="1"/>
+                </p:cNvSpPr>
+                <p:nvPr/>
+              </p:nvSpPr>
+              <p:spPr>
+                <a:xfrm>
+                  <a:off x="4154235" y="1650998"/>
+                  <a:ext cx="170971" cy="370294"/>
+                </a:xfrm>
+                <a:prstGeom prst="rect">
+                  <a:avLst/>
+                </a:prstGeom>
+                <a:blipFill>
+                  <a:blip r:embed="rId10"/>
+                  <a:stretch>
+                    <a:fillRect r="-68966"/>
+                  </a:stretch>
+                </a:blipFill>
+              </p:spPr>
+              <p:txBody>
+                <a:bodyPr/>
+                <a:lstStyle/>
+                <a:p>
+                  <a:r>
+                    <a:rPr lang="zh-CN" altLang="en-US">
+                      <a:noFill/>
+                    </a:rPr>
+                    <a:t> </a:t>
+                  </a:r>
+                </a:p>
+              </p:txBody>
+            </p:sp>
+          </mc:Fallback>
+        </mc:AlternateContent>
+        <mc:AlternateContent xmlns:mc="http://schemas.openxmlformats.org/markup-compatibility/2006">
+          <mc:Choice xmlns:a14="http://schemas.microsoft.com/office/drawing/2010/main" Requires="a14">
+            <p:sp>
+              <p:nvSpPr>
+                <p:cNvPr id="7" name="文本框 6">
+                  <a:extLst>
+                    <a:ext uri="{FF2B5EF4-FFF2-40B4-BE49-F238E27FC236}">
+                      <a16:creationId xmlns:a16="http://schemas.microsoft.com/office/drawing/2014/main" id="{C76A69C8-41CC-6269-BC02-F40E4548C419}"/>
+                    </a:ext>
+                  </a:extLst>
+                </p:cNvPr>
+                <p:cNvSpPr txBox="1"/>
+                <p:nvPr/>
+              </p:nvSpPr>
+              <p:spPr>
+                <a:xfrm>
+                  <a:off x="5272594" y="1640838"/>
+                  <a:ext cx="170971" cy="370294"/>
+                </a:xfrm>
+                <a:prstGeom prst="rect">
+                  <a:avLst/>
+                </a:prstGeom>
+                <a:noFill/>
+              </p:spPr>
+              <p:txBody>
+                <a:bodyPr wrap="square" rtlCol="0">
+                  <a:spAutoFit/>
+                </a:bodyPr>
+                <a:lstStyle/>
+                <a:p>
+                  <a:pPr/>
+                  <a14:m>
+                    <m:oMathPara xmlns:m="http://schemas.openxmlformats.org/officeDocument/2006/math">
+                      <m:oMathParaPr>
+                        <m:jc m:val="centerGroup"/>
+                      </m:oMathParaPr>
+                      <m:oMath xmlns:m="http://schemas.openxmlformats.org/officeDocument/2006/math">
+                        <m:r>
+                          <a:rPr lang="en-US" altLang="zh-CN" b="1" i="1" smtClean="0">
+                            <a:latin typeface="Cambria Math" panose="02040503050406030204" pitchFamily="18" charset="0"/>
+                          </a:rPr>
+                          <m:t>∼</m:t>
+                        </m:r>
+                      </m:oMath>
+                    </m:oMathPara>
+                  </a14:m>
+                  <a:endParaRPr lang="en-US" altLang="zh-CN" b="1" dirty="0"/>
+                </a:p>
+              </p:txBody>
+            </p:sp>
+          </mc:Choice>
+          <mc:Fallback>
+            <p:sp>
+              <p:nvSpPr>
+                <p:cNvPr id="7" name="文本框 6">
+                  <a:extLst>
+                    <a:ext uri="{FF2B5EF4-FFF2-40B4-BE49-F238E27FC236}">
+                      <a16:creationId xmlns:a16="http://schemas.microsoft.com/office/drawing/2014/main" id="{C76A69C8-41CC-6269-BC02-F40E4548C419}"/>
+                    </a:ext>
+                  </a:extLst>
+                </p:cNvPr>
+                <p:cNvSpPr txBox="1">
+                  <a:spLocks noRot="1" noChangeAspect="1" noMove="1" noResize="1" noEditPoints="1" noAdjustHandles="1" noChangeArrowheads="1" noChangeShapeType="1" noTextEdit="1"/>
+                </p:cNvSpPr>
+                <p:nvPr/>
+              </p:nvSpPr>
+              <p:spPr>
+                <a:xfrm>
+                  <a:off x="5272594" y="1640838"/>
+                  <a:ext cx="170971" cy="370294"/>
+                </a:xfrm>
+                <a:prstGeom prst="rect">
+                  <a:avLst/>
+                </a:prstGeom>
+                <a:blipFill>
+                  <a:blip r:embed="rId11"/>
+                  <a:stretch>
+                    <a:fillRect r="-71429"/>
+                  </a:stretch>
+                </a:blipFill>
+              </p:spPr>
+              <p:txBody>
+                <a:bodyPr/>
+                <a:lstStyle/>
+                <a:p>
+                  <a:r>
+                    <a:rPr lang="zh-CN" altLang="en-US">
+                      <a:noFill/>
+                    </a:rPr>
+                    <a:t> </a:t>
+                  </a:r>
+                </a:p>
+              </p:txBody>
+            </p:sp>
+          </mc:Fallback>
+        </mc:AlternateContent>
+      </p:grpSp>
+    </p:spTree>
+    <p:extLst>
+      <p:ext uri="{BB962C8B-B14F-4D97-AF65-F5344CB8AC3E}">
+        <p14:creationId xmlns:p14="http://schemas.microsoft.com/office/powerpoint/2010/main" val="2462735020"/>
+      </p:ext>
+    </p:extLst>
+  </p:cSld>
+  <p:clrMapOvr>
+    <a:masterClrMapping/>
+  </p:clrMapOvr>
+</p:sld>
+</file>
+
+<file path=ppt/slides/slide2.xml><?xml version="1.0" encoding="utf-8"?>
+<p:sld xmlns:a="http://schemas.openxmlformats.org/drawingml/2006/main" xmlns:r="http://schemas.openxmlformats.org/officeDocument/2006/relationships" xmlns:p="http://schemas.openxmlformats.org/presentationml/2006/main">
+  <p:cSld>
+    <p:spTree>
+      <p:nvGrpSpPr>
+        <p:cNvPr id="1" name=""/>
+        <p:cNvGrpSpPr/>
+        <p:nvPr/>
+      </p:nvGrpSpPr>
+      <p:grpSpPr>
+        <a:xfrm>
+          <a:off x="0" y="0"/>
+          <a:ext cx="0" cy="0"/>
+          <a:chOff x="0" y="0"/>
+          <a:chExt cx="0" cy="0"/>
+        </a:xfrm>
+      </p:grpSpPr>
+      <p:grpSp>
+        <p:nvGrpSpPr>
           <p:cNvPr id="10" name="组合 9">
             <a:extLst>
               <a:ext uri="{FF2B5EF4-FFF2-40B4-BE49-F238E27FC236}">
@@ -3012,8 +4796,8 @@
             </a:p>
           </p:txBody>
         </p:sp>
-        <mc:AlternateContent xmlns:mc="http://schemas.openxmlformats.org/markup-compatibility/2006">
-          <mc:Choice xmlns:a14="http://schemas.microsoft.com/office/drawing/2010/main" Requires="a14">
+        <mc:AlternateContent xmlns:mc="http://schemas.openxmlformats.org/markup-compatibility/2006" xmlns:a14="http://schemas.microsoft.com/office/drawing/2010/main">
+          <mc:Choice Requires="a14">
             <p:sp>
               <p:nvSpPr>
                 <p:cNvPr id="6" name="文本框 5">
@@ -3042,6 +4826,7 @@
                 </a:bodyPr>
                 <a:lstStyle/>
                 <a:p>
+                  <a:pPr/>
                   <a14:m>
                     <m:oMathPara xmlns:m="http://schemas.openxmlformats.org/officeDocument/2006/math">
                       <m:oMathParaPr>
@@ -3062,7 +4847,7 @@
               </p:txBody>
             </p:sp>
           </mc:Choice>
-          <mc:Fallback>
+          <mc:Fallback xmlns="">
             <p:sp>
               <p:nvSpPr>
                 <p:cNvPr id="6" name="文本框 5">
@@ -3107,8 +4892,8 @@
             </p:sp>
           </mc:Fallback>
         </mc:AlternateContent>
-        <mc:AlternateContent xmlns:mc="http://schemas.openxmlformats.org/markup-compatibility/2006">
-          <mc:Choice xmlns:a14="http://schemas.microsoft.com/office/drawing/2010/main" Requires="a14">
+        <mc:AlternateContent xmlns:mc="http://schemas.openxmlformats.org/markup-compatibility/2006" xmlns:a14="http://schemas.microsoft.com/office/drawing/2010/main">
+          <mc:Choice Requires="a14">
             <p:sp>
               <p:nvSpPr>
                 <p:cNvPr id="7" name="文本框 6">
@@ -3137,6 +4922,7 @@
                 </a:bodyPr>
                 <a:lstStyle/>
                 <a:p>
+                  <a:pPr/>
                   <a14:m>
                     <m:oMathPara xmlns:m="http://schemas.openxmlformats.org/officeDocument/2006/math">
                       <m:oMathParaPr>
@@ -3157,7 +4943,7 @@
               </p:txBody>
             </p:sp>
           </mc:Choice>
-          <mc:Fallback>
+          <mc:Fallback xmlns="">
             <p:sp>
               <p:nvSpPr>
                 <p:cNvPr id="7" name="文本框 6">
@@ -3202,8 +4988,8 @@
             </p:sp>
           </mc:Fallback>
         </mc:AlternateContent>
-        <mc:AlternateContent xmlns:mc="http://schemas.openxmlformats.org/markup-compatibility/2006">
-          <mc:Choice xmlns:a14="http://schemas.microsoft.com/office/drawing/2010/main" Requires="a14">
+        <mc:AlternateContent xmlns:mc="http://schemas.openxmlformats.org/markup-compatibility/2006" xmlns:a14="http://schemas.microsoft.com/office/drawing/2010/main">
+          <mc:Choice Requires="a14">
             <p:sp>
               <p:nvSpPr>
                 <p:cNvPr id="8" name="文本框 7">
@@ -3232,6 +5018,7 @@
                 </a:bodyPr>
                 <a:lstStyle/>
                 <a:p>
+                  <a:pPr/>
                   <a14:m>
                     <m:oMathPara xmlns:m="http://schemas.openxmlformats.org/officeDocument/2006/math">
                       <m:oMathParaPr>
@@ -3252,7 +5039,7 @@
               </p:txBody>
             </p:sp>
           </mc:Choice>
-          <mc:Fallback>
+          <mc:Fallback xmlns="">
             <p:sp>
               <p:nvSpPr>
                 <p:cNvPr id="8" name="文本框 7">
@@ -3297,8 +5084,8 @@
             </p:sp>
           </mc:Fallback>
         </mc:AlternateContent>
-        <mc:AlternateContent xmlns:mc="http://schemas.openxmlformats.org/markup-compatibility/2006">
-          <mc:Choice xmlns:a14="http://schemas.microsoft.com/office/drawing/2010/main" Requires="a14">
+        <mc:AlternateContent xmlns:mc="http://schemas.openxmlformats.org/markup-compatibility/2006" xmlns:a14="http://schemas.microsoft.com/office/drawing/2010/main">
+          <mc:Choice Requires="a14">
             <p:sp>
               <p:nvSpPr>
                 <p:cNvPr id="9" name="文本框 8">
@@ -3327,6 +5114,7 @@
                 </a:bodyPr>
                 <a:lstStyle/>
                 <a:p>
+                  <a:pPr/>
                   <a14:m>
                     <m:oMathPara xmlns:m="http://schemas.openxmlformats.org/officeDocument/2006/math">
                       <m:oMathParaPr>
@@ -3410,7 +5198,7 @@
               </p:txBody>
             </p:sp>
           </mc:Choice>
-          <mc:Fallback>
+          <mc:Fallback xmlns="">
             <p:sp>
               <p:nvSpPr>
                 <p:cNvPr id="9" name="文本框 8">
@@ -3580,8 +5368,8 @@
             </a:p>
           </p:txBody>
         </p:sp>
-        <mc:AlternateContent xmlns:mc="http://schemas.openxmlformats.org/markup-compatibility/2006">
-          <mc:Choice xmlns:a14="http://schemas.microsoft.com/office/drawing/2010/main" Requires="a14">
+        <mc:AlternateContent xmlns:mc="http://schemas.openxmlformats.org/markup-compatibility/2006" xmlns:a14="http://schemas.microsoft.com/office/drawing/2010/main">
+          <mc:Choice Requires="a14">
             <p:sp>
               <p:nvSpPr>
                 <p:cNvPr id="14" name="文本框 13">
@@ -3610,6 +5398,7 @@
                 </a:bodyPr>
                 <a:lstStyle/>
                 <a:p>
+                  <a:pPr/>
                   <a14:m>
                     <m:oMathPara xmlns:m="http://schemas.openxmlformats.org/officeDocument/2006/math">
                       <m:oMathParaPr>
@@ -3630,7 +5419,7 @@
               </p:txBody>
             </p:sp>
           </mc:Choice>
-          <mc:Fallback>
+          <mc:Fallback xmlns="">
             <p:sp>
               <p:nvSpPr>
                 <p:cNvPr id="14" name="文本框 13">
@@ -3675,8 +5464,8 @@
             </p:sp>
           </mc:Fallback>
         </mc:AlternateContent>
-        <mc:AlternateContent xmlns:mc="http://schemas.openxmlformats.org/markup-compatibility/2006">
-          <mc:Choice xmlns:a14="http://schemas.microsoft.com/office/drawing/2010/main" Requires="a14">
+        <mc:AlternateContent xmlns:mc="http://schemas.openxmlformats.org/markup-compatibility/2006" xmlns:a14="http://schemas.microsoft.com/office/drawing/2010/main">
+          <mc:Choice Requires="a14">
             <p:sp>
               <p:nvSpPr>
                 <p:cNvPr id="15" name="文本框 14">
@@ -3705,6 +5494,7 @@
                 </a:bodyPr>
                 <a:lstStyle/>
                 <a:p>
+                  <a:pPr/>
                   <a14:m>
                     <m:oMathPara xmlns:m="http://schemas.openxmlformats.org/officeDocument/2006/math">
                       <m:oMathParaPr>
@@ -3725,7 +5515,7 @@
               </p:txBody>
             </p:sp>
           </mc:Choice>
-          <mc:Fallback>
+          <mc:Fallback xmlns="">
             <p:sp>
               <p:nvSpPr>
                 <p:cNvPr id="15" name="文本框 14">
@@ -3770,8 +5560,8 @@
             </p:sp>
           </mc:Fallback>
         </mc:AlternateContent>
-        <mc:AlternateContent xmlns:mc="http://schemas.openxmlformats.org/markup-compatibility/2006">
-          <mc:Choice xmlns:a14="http://schemas.microsoft.com/office/drawing/2010/main" Requires="a14">
+        <mc:AlternateContent xmlns:mc="http://schemas.openxmlformats.org/markup-compatibility/2006" xmlns:a14="http://schemas.microsoft.com/office/drawing/2010/main">
+          <mc:Choice Requires="a14">
             <p:sp>
               <p:nvSpPr>
                 <p:cNvPr id="16" name="文本框 15">
@@ -3800,6 +5590,7 @@
                 </a:bodyPr>
                 <a:lstStyle/>
                 <a:p>
+                  <a:pPr/>
                   <a14:m>
                     <m:oMathPara xmlns:m="http://schemas.openxmlformats.org/officeDocument/2006/math">
                       <m:oMathParaPr>
@@ -3820,7 +5611,7 @@
               </p:txBody>
             </p:sp>
           </mc:Choice>
-          <mc:Fallback>
+          <mc:Fallback xmlns="">
             <p:sp>
               <p:nvSpPr>
                 <p:cNvPr id="16" name="文本框 15">
@@ -3865,8 +5656,8 @@
             </p:sp>
           </mc:Fallback>
         </mc:AlternateContent>
-        <mc:AlternateContent xmlns:mc="http://schemas.openxmlformats.org/markup-compatibility/2006">
-          <mc:Choice xmlns:a14="http://schemas.microsoft.com/office/drawing/2010/main" Requires="a14">
+        <mc:AlternateContent xmlns:mc="http://schemas.openxmlformats.org/markup-compatibility/2006" xmlns:a14="http://schemas.microsoft.com/office/drawing/2010/main">
+          <mc:Choice Requires="a14">
             <p:sp>
               <p:nvSpPr>
                 <p:cNvPr id="17" name="文本框 16">
@@ -3895,6 +5686,7 @@
                 </a:bodyPr>
                 <a:lstStyle/>
                 <a:p>
+                  <a:pPr/>
                   <a14:m>
                     <m:oMathPara xmlns:m="http://schemas.openxmlformats.org/officeDocument/2006/math">
                       <m:oMathParaPr>
@@ -3978,7 +5770,7 @@
               </p:txBody>
             </p:sp>
           </mc:Choice>
-          <mc:Fallback>
+          <mc:Fallback xmlns="">
             <p:sp>
               <p:nvSpPr>
                 <p:cNvPr id="17" name="文本框 16">
@@ -4208,8 +6000,8 @@
                   </a:p>
                 </p:txBody>
               </p:sp>
-              <mc:AlternateContent xmlns:mc="http://schemas.openxmlformats.org/markup-compatibility/2006">
-                <mc:Choice xmlns:a14="http://schemas.microsoft.com/office/drawing/2010/main" Requires="a14">
+              <mc:AlternateContent xmlns:mc="http://schemas.openxmlformats.org/markup-compatibility/2006" xmlns:a14="http://schemas.microsoft.com/office/drawing/2010/main">
+                <mc:Choice Requires="a14">
                   <p:sp>
                     <p:nvSpPr>
                       <p:cNvPr id="21" name="文本框 20">
@@ -4238,6 +6030,7 @@
                       </a:bodyPr>
                       <a:lstStyle/>
                       <a:p>
+                        <a:pPr/>
                         <a14:m>
                           <m:oMathPara xmlns:m="http://schemas.openxmlformats.org/officeDocument/2006/math">
                             <m:oMathParaPr>
@@ -4258,7 +6051,7 @@
                     </p:txBody>
                   </p:sp>
                 </mc:Choice>
-                <mc:Fallback>
+                <mc:Fallback xmlns="">
                   <p:sp>
                     <p:nvSpPr>
                       <p:cNvPr id="21" name="文本框 20">
@@ -4303,8 +6096,8 @@
                   </p:sp>
                 </mc:Fallback>
               </mc:AlternateContent>
-              <mc:AlternateContent xmlns:mc="http://schemas.openxmlformats.org/markup-compatibility/2006">
-                <mc:Choice xmlns:a14="http://schemas.microsoft.com/office/drawing/2010/main" Requires="a14">
+              <mc:AlternateContent xmlns:mc="http://schemas.openxmlformats.org/markup-compatibility/2006" xmlns:a14="http://schemas.microsoft.com/office/drawing/2010/main">
+                <mc:Choice Requires="a14">
                   <p:sp>
                     <p:nvSpPr>
                       <p:cNvPr id="22" name="文本框 21">
@@ -4333,6 +6126,7 @@
                       </a:bodyPr>
                       <a:lstStyle/>
                       <a:p>
+                        <a:pPr/>
                         <a14:m>
                           <m:oMathPara xmlns:m="http://schemas.openxmlformats.org/officeDocument/2006/math">
                             <m:oMathParaPr>
@@ -4353,7 +6147,7 @@
                     </p:txBody>
                   </p:sp>
                 </mc:Choice>
-                <mc:Fallback>
+                <mc:Fallback xmlns="">
                   <p:sp>
                     <p:nvSpPr>
                       <p:cNvPr id="22" name="文本框 21">
@@ -4398,8 +6192,8 @@
                   </p:sp>
                 </mc:Fallback>
               </mc:AlternateContent>
-              <mc:AlternateContent xmlns:mc="http://schemas.openxmlformats.org/markup-compatibility/2006">
-                <mc:Choice xmlns:a14="http://schemas.microsoft.com/office/drawing/2010/main" Requires="a14">
+              <mc:AlternateContent xmlns:mc="http://schemas.openxmlformats.org/markup-compatibility/2006" xmlns:a14="http://schemas.microsoft.com/office/drawing/2010/main">
+                <mc:Choice Requires="a14">
                   <p:sp>
                     <p:nvSpPr>
                       <p:cNvPr id="23" name="文本框 22">
@@ -4428,6 +6222,7 @@
                       </a:bodyPr>
                       <a:lstStyle/>
                       <a:p>
+                        <a:pPr/>
                         <a14:m>
                           <m:oMathPara xmlns:m="http://schemas.openxmlformats.org/officeDocument/2006/math">
                             <m:oMathParaPr>
@@ -4448,7 +6243,7 @@
                     </p:txBody>
                   </p:sp>
                 </mc:Choice>
-                <mc:Fallback>
+                <mc:Fallback xmlns="">
                   <p:sp>
                     <p:nvSpPr>
                       <p:cNvPr id="23" name="文本框 22">
@@ -4493,8 +6288,8 @@
                   </p:sp>
                 </mc:Fallback>
               </mc:AlternateContent>
-              <mc:AlternateContent xmlns:mc="http://schemas.openxmlformats.org/markup-compatibility/2006">
-                <mc:Choice xmlns:a14="http://schemas.microsoft.com/office/drawing/2010/main" Requires="a14">
+              <mc:AlternateContent xmlns:mc="http://schemas.openxmlformats.org/markup-compatibility/2006" xmlns:a14="http://schemas.microsoft.com/office/drawing/2010/main">
+                <mc:Choice Requires="a14">
                   <p:sp>
                     <p:nvSpPr>
                       <p:cNvPr id="24" name="文本框 23">
@@ -4523,6 +6318,7 @@
                       </a:bodyPr>
                       <a:lstStyle/>
                       <a:p>
+                        <a:pPr/>
                         <a14:m>
                           <m:oMathPara xmlns:m="http://schemas.openxmlformats.org/officeDocument/2006/math">
                             <m:oMathParaPr>
@@ -4606,7 +6402,7 @@
                     </p:txBody>
                   </p:sp>
                 </mc:Choice>
-                <mc:Fallback>
+                <mc:Fallback xmlns="">
                   <p:sp>
                     <p:nvSpPr>
                       <p:cNvPr id="24" name="文本框 23">
@@ -4652,8 +6448,8 @@
                 </mc:Fallback>
               </mc:AlternateContent>
             </p:grpSp>
-            <mc:AlternateContent xmlns:mc="http://schemas.openxmlformats.org/markup-compatibility/2006">
-              <mc:Choice xmlns:a14="http://schemas.microsoft.com/office/drawing/2010/main" Requires="a14">
+            <mc:AlternateContent xmlns:mc="http://schemas.openxmlformats.org/markup-compatibility/2006" xmlns:a14="http://schemas.microsoft.com/office/drawing/2010/main">
+              <mc:Choice Requires="a14">
                 <p:sp>
                   <p:nvSpPr>
                     <p:cNvPr id="25" name="文本框 24">
@@ -4682,6 +6478,7 @@
                     </a:bodyPr>
                     <a:lstStyle/>
                     <a:p>
+                      <a:pPr/>
                       <a14:m>
                         <m:oMathPara xmlns:m="http://schemas.openxmlformats.org/officeDocument/2006/math">
                           <m:oMathParaPr>
@@ -4726,7 +6523,7 @@
                   </p:txBody>
                 </p:sp>
               </mc:Choice>
-              <mc:Fallback>
+              <mc:Fallback xmlns="">
                 <p:sp>
                   <p:nvSpPr>
                     <p:cNvPr id="25" name="文本框 24">
@@ -4916,8 +6713,8 @@
                   </a:p>
                 </p:txBody>
               </p:sp>
-              <mc:AlternateContent xmlns:mc="http://schemas.openxmlformats.org/markup-compatibility/2006">
-                <mc:Choice xmlns:a14="http://schemas.microsoft.com/office/drawing/2010/main" Requires="a14">
+              <mc:AlternateContent xmlns:mc="http://schemas.openxmlformats.org/markup-compatibility/2006" xmlns:a14="http://schemas.microsoft.com/office/drawing/2010/main">
+                <mc:Choice Requires="a14">
                   <p:sp>
                     <p:nvSpPr>
                       <p:cNvPr id="32" name="文本框 31">
@@ -4946,6 +6743,7 @@
                       </a:bodyPr>
                       <a:lstStyle/>
                       <a:p>
+                        <a:pPr/>
                         <a14:m>
                           <m:oMathPara xmlns:m="http://schemas.openxmlformats.org/officeDocument/2006/math">
                             <m:oMathParaPr>
@@ -4966,7 +6764,7 @@
                     </p:txBody>
                   </p:sp>
                 </mc:Choice>
-                <mc:Fallback>
+                <mc:Fallback xmlns="">
                   <p:sp>
                     <p:nvSpPr>
                       <p:cNvPr id="32" name="文本框 31">
@@ -5011,8 +6809,8 @@
                   </p:sp>
                 </mc:Fallback>
               </mc:AlternateContent>
-              <mc:AlternateContent xmlns:mc="http://schemas.openxmlformats.org/markup-compatibility/2006">
-                <mc:Choice xmlns:a14="http://schemas.microsoft.com/office/drawing/2010/main" Requires="a14">
+              <mc:AlternateContent xmlns:mc="http://schemas.openxmlformats.org/markup-compatibility/2006" xmlns:a14="http://schemas.microsoft.com/office/drawing/2010/main">
+                <mc:Choice Requires="a14">
                   <p:sp>
                     <p:nvSpPr>
                       <p:cNvPr id="33" name="文本框 32">
@@ -5041,6 +6839,7 @@
                       </a:bodyPr>
                       <a:lstStyle/>
                       <a:p>
+                        <a:pPr/>
                         <a14:m>
                           <m:oMathPara xmlns:m="http://schemas.openxmlformats.org/officeDocument/2006/math">
                             <m:oMathParaPr>
@@ -5067,7 +6866,7 @@
                     </p:txBody>
                   </p:sp>
                 </mc:Choice>
-                <mc:Fallback>
+                <mc:Fallback xmlns="">
                   <p:sp>
                     <p:nvSpPr>
                       <p:cNvPr id="33" name="文本框 32">
@@ -5112,8 +6911,8 @@
                   </p:sp>
                 </mc:Fallback>
               </mc:AlternateContent>
-              <mc:AlternateContent xmlns:mc="http://schemas.openxmlformats.org/markup-compatibility/2006">
-                <mc:Choice xmlns:a14="http://schemas.microsoft.com/office/drawing/2010/main" Requires="a14">
+              <mc:AlternateContent xmlns:mc="http://schemas.openxmlformats.org/markup-compatibility/2006" xmlns:a14="http://schemas.microsoft.com/office/drawing/2010/main">
+                <mc:Choice Requires="a14">
                   <p:sp>
                     <p:nvSpPr>
                       <p:cNvPr id="34" name="文本框 33">
@@ -5142,6 +6941,7 @@
                       </a:bodyPr>
                       <a:lstStyle/>
                       <a:p>
+                        <a:pPr/>
                         <a14:m>
                           <m:oMathPara xmlns:m="http://schemas.openxmlformats.org/officeDocument/2006/math">
                             <m:oMathParaPr>
@@ -5168,7 +6968,7 @@
                     </p:txBody>
                   </p:sp>
                 </mc:Choice>
-                <mc:Fallback>
+                <mc:Fallback xmlns="">
                   <p:sp>
                     <p:nvSpPr>
                       <p:cNvPr id="34" name="文本框 33">
@@ -5213,8 +7013,8 @@
                   </p:sp>
                 </mc:Fallback>
               </mc:AlternateContent>
-              <mc:AlternateContent xmlns:mc="http://schemas.openxmlformats.org/markup-compatibility/2006">
-                <mc:Choice xmlns:a14="http://schemas.microsoft.com/office/drawing/2010/main" Requires="a14">
+              <mc:AlternateContent xmlns:mc="http://schemas.openxmlformats.org/markup-compatibility/2006" xmlns:a14="http://schemas.microsoft.com/office/drawing/2010/main">
+                <mc:Choice Requires="a14">
                   <p:sp>
                     <p:nvSpPr>
                       <p:cNvPr id="35" name="文本框 34">
@@ -5243,6 +7043,7 @@
                       </a:bodyPr>
                       <a:lstStyle/>
                       <a:p>
+                        <a:pPr/>
                         <a14:m>
                           <m:oMathPara xmlns:m="http://schemas.openxmlformats.org/officeDocument/2006/math">
                             <m:oMathParaPr>
@@ -5326,7 +7127,7 @@
                     </p:txBody>
                   </p:sp>
                 </mc:Choice>
-                <mc:Fallback>
+                <mc:Fallback xmlns="">
                   <p:sp>
                     <p:nvSpPr>
                       <p:cNvPr id="35" name="文本框 34">
@@ -5372,8 +7173,8 @@
                 </mc:Fallback>
               </mc:AlternateContent>
             </p:grpSp>
-            <mc:AlternateContent xmlns:mc="http://schemas.openxmlformats.org/markup-compatibility/2006">
-              <mc:Choice xmlns:a14="http://schemas.microsoft.com/office/drawing/2010/main" Requires="a14">
+            <mc:AlternateContent xmlns:mc="http://schemas.openxmlformats.org/markup-compatibility/2006" xmlns:a14="http://schemas.microsoft.com/office/drawing/2010/main">
+              <mc:Choice Requires="a14">
                 <p:sp>
                   <p:nvSpPr>
                     <p:cNvPr id="29" name="文本框 28">
@@ -5402,6 +7203,7 @@
                     </a:bodyPr>
                     <a:lstStyle/>
                     <a:p>
+                      <a:pPr/>
                       <a14:m>
                         <m:oMathPara xmlns:m="http://schemas.openxmlformats.org/officeDocument/2006/math">
                           <m:oMathParaPr>
@@ -5446,7 +7248,7 @@
                   </p:txBody>
                 </p:sp>
               </mc:Choice>
-              <mc:Fallback>
+              <mc:Fallback xmlns="">
                 <p:sp>
                   <p:nvSpPr>
                     <p:cNvPr id="29" name="文本框 28">

--- a/PPT/math.pptx
+++ b/PPT/math.pptx
@@ -7,6 +7,7 @@
   <p:sldIdLst>
     <p:sldId id="257" r:id="rId2"/>
     <p:sldId id="256" r:id="rId3"/>
+    <p:sldId id="258" r:id="rId4"/>
   </p:sldIdLst>
   <p:sldSz cx="12192000" cy="6858000"/>
   <p:notesSz cx="6858000" cy="9144000"/>
@@ -242,7 +243,7 @@
           <a:p>
             <a:fld id="{D997B5FA-0921-464F-AAE1-844C04324D75}" type="datetimeFigureOut">
               <a:rPr lang="zh-CN" altLang="en-US" smtClean="0"/>
-              <a:t>2025-04-15</a:t>
+              <a:t>2025-05-31</a:t>
             </a:fld>
             <a:endParaRPr lang="zh-CN" altLang="en-US"/>
           </a:p>
@@ -405,7 +406,7 @@
           <a:p>
             <a:fld id="{D997B5FA-0921-464F-AAE1-844C04324D75}" type="datetimeFigureOut">
               <a:rPr lang="zh-CN" altLang="en-US" smtClean="0"/>
-              <a:t>2025-04-15</a:t>
+              <a:t>2025-05-31</a:t>
             </a:fld>
             <a:endParaRPr lang="zh-CN" altLang="en-US"/>
           </a:p>
@@ -578,7 +579,7 @@
           <a:p>
             <a:fld id="{D997B5FA-0921-464F-AAE1-844C04324D75}" type="datetimeFigureOut">
               <a:rPr lang="zh-CN" altLang="en-US" smtClean="0"/>
-              <a:t>2025-04-15</a:t>
+              <a:t>2025-05-31</a:t>
             </a:fld>
             <a:endParaRPr lang="zh-CN" altLang="en-US"/>
           </a:p>
@@ -741,7 +742,7 @@
           <a:p>
             <a:fld id="{D997B5FA-0921-464F-AAE1-844C04324D75}" type="datetimeFigureOut">
               <a:rPr lang="zh-CN" altLang="en-US" smtClean="0"/>
-              <a:t>2025-04-15</a:t>
+              <a:t>2025-05-31</a:t>
             </a:fld>
             <a:endParaRPr lang="zh-CN" altLang="en-US"/>
           </a:p>
@@ -981,7 +982,7 @@
           <a:p>
             <a:fld id="{D997B5FA-0921-464F-AAE1-844C04324D75}" type="datetimeFigureOut">
               <a:rPr lang="zh-CN" altLang="en-US" smtClean="0"/>
-              <a:t>2025-04-15</a:t>
+              <a:t>2025-05-31</a:t>
             </a:fld>
             <a:endParaRPr lang="zh-CN" altLang="en-US"/>
           </a:p>
@@ -1205,7 +1206,7 @@
           <a:p>
             <a:fld id="{D997B5FA-0921-464F-AAE1-844C04324D75}" type="datetimeFigureOut">
               <a:rPr lang="zh-CN" altLang="en-US" smtClean="0"/>
-              <a:t>2025-04-15</a:t>
+              <a:t>2025-05-31</a:t>
             </a:fld>
             <a:endParaRPr lang="zh-CN" altLang="en-US"/>
           </a:p>
@@ -1564,7 +1565,7 @@
           <a:p>
             <a:fld id="{D997B5FA-0921-464F-AAE1-844C04324D75}" type="datetimeFigureOut">
               <a:rPr lang="zh-CN" altLang="en-US" smtClean="0"/>
-              <a:t>2025-04-15</a:t>
+              <a:t>2025-05-31</a:t>
             </a:fld>
             <a:endParaRPr lang="zh-CN" altLang="en-US"/>
           </a:p>
@@ -1676,7 +1677,7 @@
           <a:p>
             <a:fld id="{D997B5FA-0921-464F-AAE1-844C04324D75}" type="datetimeFigureOut">
               <a:rPr lang="zh-CN" altLang="en-US" smtClean="0"/>
-              <a:t>2025-04-15</a:t>
+              <a:t>2025-05-31</a:t>
             </a:fld>
             <a:endParaRPr lang="zh-CN" altLang="en-US"/>
           </a:p>
@@ -1766,7 +1767,7 @@
           <a:p>
             <a:fld id="{D997B5FA-0921-464F-AAE1-844C04324D75}" type="datetimeFigureOut">
               <a:rPr lang="zh-CN" altLang="en-US" smtClean="0"/>
-              <a:t>2025-04-15</a:t>
+              <a:t>2025-05-31</a:t>
             </a:fld>
             <a:endParaRPr lang="zh-CN" altLang="en-US"/>
           </a:p>
@@ -2036,7 +2037,7 @@
           <a:p>
             <a:fld id="{D997B5FA-0921-464F-AAE1-844C04324D75}" type="datetimeFigureOut">
               <a:rPr lang="zh-CN" altLang="en-US" smtClean="0"/>
-              <a:t>2025-04-15</a:t>
+              <a:t>2025-05-31</a:t>
             </a:fld>
             <a:endParaRPr lang="zh-CN" altLang="en-US"/>
           </a:p>
@@ -2283,7 +2284,7 @@
           <a:p>
             <a:fld id="{D997B5FA-0921-464F-AAE1-844C04324D75}" type="datetimeFigureOut">
               <a:rPr lang="zh-CN" altLang="en-US" smtClean="0"/>
-              <a:t>2025-04-15</a:t>
+              <a:t>2025-05-31</a:t>
             </a:fld>
             <a:endParaRPr lang="zh-CN" altLang="en-US"/>
           </a:p>
@@ -2489,7 +2490,7 @@
           <a:p>
             <a:fld id="{D997B5FA-0921-464F-AAE1-844C04324D75}" type="datetimeFigureOut">
               <a:rPr lang="zh-CN" altLang="en-US" smtClean="0"/>
-              <a:t>2025-04-15</a:t>
+              <a:t>2025-05-31</a:t>
             </a:fld>
             <a:endParaRPr lang="zh-CN" altLang="en-US"/>
           </a:p>
@@ -4257,8 +4258,8 @@
             </mc:Fallback>
           </mc:AlternateContent>
         </p:grpSp>
-        <mc:AlternateContent xmlns:mc="http://schemas.openxmlformats.org/markup-compatibility/2006">
-          <mc:Choice xmlns:a14="http://schemas.microsoft.com/office/drawing/2010/main" Requires="a14">
+        <mc:AlternateContent xmlns:mc="http://schemas.openxmlformats.org/markup-compatibility/2006" xmlns:a14="http://schemas.microsoft.com/office/drawing/2010/main">
+          <mc:Choice Requires="a14">
             <p:sp>
               <p:nvSpPr>
                 <p:cNvPr id="3" name="文本框 2">
@@ -4308,7 +4309,7 @@
               </p:txBody>
             </p:sp>
           </mc:Choice>
-          <mc:Fallback>
+          <mc:Fallback xmlns="">
             <p:sp>
               <p:nvSpPr>
                 <p:cNvPr id="3" name="文本框 2">
@@ -4353,8 +4354,8 @@
             </p:sp>
           </mc:Fallback>
         </mc:AlternateContent>
-        <mc:AlternateContent xmlns:mc="http://schemas.openxmlformats.org/markup-compatibility/2006">
-          <mc:Choice xmlns:a14="http://schemas.microsoft.com/office/drawing/2010/main" Requires="a14">
+        <mc:AlternateContent xmlns:mc="http://schemas.openxmlformats.org/markup-compatibility/2006" xmlns:a14="http://schemas.microsoft.com/office/drawing/2010/main">
+          <mc:Choice Requires="a14">
             <p:sp>
               <p:nvSpPr>
                 <p:cNvPr id="4" name="文本框 3">
@@ -4404,7 +4405,7 @@
               </p:txBody>
             </p:sp>
           </mc:Choice>
-          <mc:Fallback>
+          <mc:Fallback xmlns="">
             <p:sp>
               <p:nvSpPr>
                 <p:cNvPr id="4" name="文本框 3">
@@ -4449,8 +4450,8 @@
             </p:sp>
           </mc:Fallback>
         </mc:AlternateContent>
-        <mc:AlternateContent xmlns:mc="http://schemas.openxmlformats.org/markup-compatibility/2006">
-          <mc:Choice xmlns:a14="http://schemas.microsoft.com/office/drawing/2010/main" Requires="a14">
+        <mc:AlternateContent xmlns:mc="http://schemas.openxmlformats.org/markup-compatibility/2006" xmlns:a14="http://schemas.microsoft.com/office/drawing/2010/main">
+          <mc:Choice Requires="a14">
             <p:sp>
               <p:nvSpPr>
                 <p:cNvPr id="6" name="文本框 5">
@@ -4500,7 +4501,7 @@
               </p:txBody>
             </p:sp>
           </mc:Choice>
-          <mc:Fallback>
+          <mc:Fallback xmlns="">
             <p:sp>
               <p:nvSpPr>
                 <p:cNvPr id="6" name="文本框 5">
@@ -4545,8 +4546,8 @@
             </p:sp>
           </mc:Fallback>
         </mc:AlternateContent>
-        <mc:AlternateContent xmlns:mc="http://schemas.openxmlformats.org/markup-compatibility/2006">
-          <mc:Choice xmlns:a14="http://schemas.microsoft.com/office/drawing/2010/main" Requires="a14">
+        <mc:AlternateContent xmlns:mc="http://schemas.openxmlformats.org/markup-compatibility/2006" xmlns:a14="http://schemas.microsoft.com/office/drawing/2010/main">
+          <mc:Choice Requires="a14">
             <p:sp>
               <p:nvSpPr>
                 <p:cNvPr id="7" name="文本框 6">
@@ -4596,7 +4597,7 @@
               </p:txBody>
             </p:sp>
           </mc:Choice>
-          <mc:Fallback>
+          <mc:Fallback xmlns="">
             <p:sp>
               <p:nvSpPr>
                 <p:cNvPr id="7" name="文本框 6">
@@ -7353,6 +7354,787 @@
 </p:sld>
 </file>
 
+<file path=ppt/slides/slide3.xml><?xml version="1.0" encoding="utf-8"?>
+<p:sld xmlns:a="http://schemas.openxmlformats.org/drawingml/2006/main" xmlns:r="http://schemas.openxmlformats.org/officeDocument/2006/relationships" xmlns:p="http://schemas.openxmlformats.org/presentationml/2006/main">
+  <p:cSld>
+    <p:spTree>
+      <p:nvGrpSpPr>
+        <p:cNvPr id="1" name=""/>
+        <p:cNvGrpSpPr/>
+        <p:nvPr/>
+      </p:nvGrpSpPr>
+      <p:grpSpPr>
+        <a:xfrm>
+          <a:off x="0" y="0"/>
+          <a:ext cx="0" cy="0"/>
+          <a:chOff x="0" y="0"/>
+          <a:chExt cx="0" cy="0"/>
+        </a:xfrm>
+      </p:grpSpPr>
+      <p:grpSp>
+        <p:nvGrpSpPr>
+          <p:cNvPr id="21" name="组合 20">
+            <a:extLst>
+              <a:ext uri="{FF2B5EF4-FFF2-40B4-BE49-F238E27FC236}">
+                <a16:creationId xmlns:a16="http://schemas.microsoft.com/office/drawing/2014/main" id="{48C05B57-7C08-B373-15F2-8FAB90191B75}"/>
+              </a:ext>
+            </a:extLst>
+          </p:cNvPr>
+          <p:cNvGrpSpPr/>
+          <p:nvPr/>
+        </p:nvGrpSpPr>
+        <p:grpSpPr>
+          <a:xfrm>
+            <a:off x="3201113" y="2361771"/>
+            <a:ext cx="3247294" cy="2598004"/>
+            <a:chOff x="3201113" y="2361771"/>
+            <a:chExt cx="3247294" cy="2598004"/>
+          </a:xfrm>
+        </p:grpSpPr>
+        <p:cxnSp>
+          <p:nvCxnSpPr>
+            <p:cNvPr id="5" name="直接箭头连接符 4">
+              <a:extLst>
+                <a:ext uri="{FF2B5EF4-FFF2-40B4-BE49-F238E27FC236}">
+                  <a16:creationId xmlns:a16="http://schemas.microsoft.com/office/drawing/2014/main" id="{A7B430B8-3931-8039-A177-3271F32E3A97}"/>
+                </a:ext>
+              </a:extLst>
+            </p:cNvPr>
+            <p:cNvCxnSpPr/>
+            <p:nvPr/>
+          </p:nvCxnSpPr>
+          <p:spPr>
+            <a:xfrm flipV="1">
+              <a:off x="4824761" y="3323063"/>
+              <a:ext cx="0" cy="1531435"/>
+            </a:xfrm>
+            <a:prstGeom prst="straightConnector1">
+              <a:avLst/>
+            </a:prstGeom>
+            <a:ln w="25400">
+              <a:solidFill>
+                <a:schemeClr val="tx1"/>
+              </a:solidFill>
+              <a:headEnd type="none" w="lg" len="lg"/>
+              <a:tailEnd type="stealth" w="lg" len="lg"/>
+            </a:ln>
+          </p:spPr>
+          <p:style>
+            <a:lnRef idx="1">
+              <a:schemeClr val="accent1"/>
+            </a:lnRef>
+            <a:fillRef idx="0">
+              <a:schemeClr val="accent1"/>
+            </a:fillRef>
+            <a:effectRef idx="0">
+              <a:schemeClr val="accent1"/>
+            </a:effectRef>
+            <a:fontRef idx="minor">
+              <a:schemeClr val="tx1"/>
+            </a:fontRef>
+          </p:style>
+        </p:cxnSp>
+        <p:cxnSp>
+          <p:nvCxnSpPr>
+            <p:cNvPr id="7" name="直接箭头连接符 6">
+              <a:extLst>
+                <a:ext uri="{FF2B5EF4-FFF2-40B4-BE49-F238E27FC236}">
+                  <a16:creationId xmlns:a16="http://schemas.microsoft.com/office/drawing/2014/main" id="{A898753B-F62B-4CD2-F95F-75F354722301}"/>
+                </a:ext>
+              </a:extLst>
+            </p:cNvPr>
+            <p:cNvCxnSpPr/>
+            <p:nvPr/>
+          </p:nvCxnSpPr>
+          <p:spPr>
+            <a:xfrm flipV="1">
+              <a:off x="4824761" y="2361771"/>
+              <a:ext cx="1623646" cy="961292"/>
+            </a:xfrm>
+            <a:prstGeom prst="straightConnector1">
+              <a:avLst/>
+            </a:prstGeom>
+            <a:ln w="25400">
+              <a:solidFill>
+                <a:schemeClr val="tx1"/>
+              </a:solidFill>
+              <a:headEnd type="none" w="lg" len="lg"/>
+              <a:tailEnd type="stealth" w="lg" len="lg"/>
+            </a:ln>
+          </p:spPr>
+          <p:style>
+            <a:lnRef idx="1">
+              <a:schemeClr val="accent1"/>
+            </a:lnRef>
+            <a:fillRef idx="0">
+              <a:schemeClr val="accent1"/>
+            </a:fillRef>
+            <a:effectRef idx="0">
+              <a:schemeClr val="accent1"/>
+            </a:effectRef>
+            <a:fontRef idx="minor">
+              <a:schemeClr val="tx1"/>
+            </a:fontRef>
+          </p:style>
+        </p:cxnSp>
+        <p:cxnSp>
+          <p:nvCxnSpPr>
+            <p:cNvPr id="9" name="直接箭头连接符 8">
+              <a:extLst>
+                <a:ext uri="{FF2B5EF4-FFF2-40B4-BE49-F238E27FC236}">
+                  <a16:creationId xmlns:a16="http://schemas.microsoft.com/office/drawing/2014/main" id="{E23F4C20-C16E-2802-1E02-DB5059F94DF5}"/>
+                </a:ext>
+              </a:extLst>
+            </p:cNvPr>
+            <p:cNvCxnSpPr>
+              <a:cxnSpLocks/>
+            </p:cNvCxnSpPr>
+            <p:nvPr/>
+          </p:nvCxnSpPr>
+          <p:spPr>
+            <a:xfrm flipV="1">
+              <a:off x="4824760" y="2361771"/>
+              <a:ext cx="1623647" cy="2492727"/>
+            </a:xfrm>
+            <a:prstGeom prst="straightConnector1">
+              <a:avLst/>
+            </a:prstGeom>
+            <a:ln w="25400">
+              <a:solidFill>
+                <a:schemeClr val="tx1"/>
+              </a:solidFill>
+              <a:headEnd type="none" w="lg" len="lg"/>
+              <a:tailEnd type="stealth" w="lg" len="lg"/>
+            </a:ln>
+          </p:spPr>
+          <p:style>
+            <a:lnRef idx="1">
+              <a:schemeClr val="accent1"/>
+            </a:lnRef>
+            <a:fillRef idx="0">
+              <a:schemeClr val="accent1"/>
+            </a:fillRef>
+            <a:effectRef idx="0">
+              <a:schemeClr val="accent1"/>
+            </a:effectRef>
+            <a:fontRef idx="minor">
+              <a:schemeClr val="tx1"/>
+            </a:fontRef>
+          </p:style>
+        </p:cxnSp>
+        <p:cxnSp>
+          <p:nvCxnSpPr>
+            <p:cNvPr id="11" name="直接箭头连接符 10">
+              <a:extLst>
+                <a:ext uri="{FF2B5EF4-FFF2-40B4-BE49-F238E27FC236}">
+                  <a16:creationId xmlns:a16="http://schemas.microsoft.com/office/drawing/2014/main" id="{5EBE2C98-2012-BC1E-9B66-FFE99001B751}"/>
+                </a:ext>
+              </a:extLst>
+            </p:cNvPr>
+            <p:cNvCxnSpPr/>
+            <p:nvPr/>
+          </p:nvCxnSpPr>
+          <p:spPr>
+            <a:xfrm flipV="1">
+              <a:off x="3201113" y="3323063"/>
+              <a:ext cx="1623646" cy="961292"/>
+            </a:xfrm>
+            <a:prstGeom prst="straightConnector1">
+              <a:avLst/>
+            </a:prstGeom>
+            <a:ln w="25400">
+              <a:solidFill>
+                <a:schemeClr val="tx1"/>
+              </a:solidFill>
+              <a:prstDash val="dash"/>
+              <a:headEnd type="stealth" w="lg" len="lg"/>
+              <a:tailEnd type="none"/>
+            </a:ln>
+          </p:spPr>
+          <p:style>
+            <a:lnRef idx="1">
+              <a:schemeClr val="accent1"/>
+            </a:lnRef>
+            <a:fillRef idx="0">
+              <a:schemeClr val="accent1"/>
+            </a:fillRef>
+            <a:effectRef idx="0">
+              <a:schemeClr val="accent1"/>
+            </a:effectRef>
+            <a:fontRef idx="minor">
+              <a:schemeClr val="tx1"/>
+            </a:fontRef>
+          </p:style>
+        </p:cxnSp>
+        <p:cxnSp>
+          <p:nvCxnSpPr>
+            <p:cNvPr id="13" name="直接箭头连接符 12">
+              <a:extLst>
+                <a:ext uri="{FF2B5EF4-FFF2-40B4-BE49-F238E27FC236}">
+                  <a16:creationId xmlns:a16="http://schemas.microsoft.com/office/drawing/2014/main" id="{9BC465E7-F74E-DCB8-E0D0-292F30D5F59D}"/>
+                </a:ext>
+              </a:extLst>
+            </p:cNvPr>
+            <p:cNvCxnSpPr>
+              <a:cxnSpLocks/>
+            </p:cNvCxnSpPr>
+            <p:nvPr/>
+          </p:nvCxnSpPr>
+          <p:spPr>
+            <a:xfrm flipH="1" flipV="1">
+              <a:off x="3201113" y="4284355"/>
+              <a:ext cx="1623646" cy="570143"/>
+            </a:xfrm>
+            <a:prstGeom prst="straightConnector1">
+              <a:avLst/>
+            </a:prstGeom>
+            <a:ln w="25400">
+              <a:solidFill>
+                <a:schemeClr val="tx1"/>
+              </a:solidFill>
+              <a:headEnd type="none" w="lg" len="lg"/>
+              <a:tailEnd type="stealth" w="lg" len="lg"/>
+            </a:ln>
+          </p:spPr>
+          <p:style>
+            <a:lnRef idx="1">
+              <a:schemeClr val="accent1"/>
+            </a:lnRef>
+            <a:fillRef idx="0">
+              <a:schemeClr val="accent1"/>
+            </a:fillRef>
+            <a:effectRef idx="0">
+              <a:schemeClr val="accent1"/>
+            </a:effectRef>
+            <a:fontRef idx="minor">
+              <a:schemeClr val="tx1"/>
+            </a:fontRef>
+          </p:style>
+        </p:cxnSp>
+        <mc:AlternateContent xmlns:mc="http://schemas.openxmlformats.org/markup-compatibility/2006">
+          <mc:Choice xmlns:a14="http://schemas.microsoft.com/office/drawing/2010/main" Requires="a14">
+            <p:sp>
+              <p:nvSpPr>
+                <p:cNvPr id="16" name="文本框 15">
+                  <a:extLst>
+                    <a:ext uri="{FF2B5EF4-FFF2-40B4-BE49-F238E27FC236}">
+                      <a16:creationId xmlns:a16="http://schemas.microsoft.com/office/drawing/2014/main" id="{DC1C3ACF-99D9-47AE-AF31-AA6830266ACC}"/>
+                    </a:ext>
+                  </a:extLst>
+                </p:cNvPr>
+                <p:cNvSpPr txBox="1"/>
+                <p:nvPr/>
+              </p:nvSpPr>
+              <p:spPr>
+                <a:xfrm>
+                  <a:off x="4503277" y="3914061"/>
+                  <a:ext cx="170971" cy="370294"/>
+                </a:xfrm>
+                <a:prstGeom prst="rect">
+                  <a:avLst/>
+                </a:prstGeom>
+                <a:noFill/>
+              </p:spPr>
+              <p:txBody>
+                <a:bodyPr wrap="square" rtlCol="0">
+                  <a:spAutoFit/>
+                </a:bodyPr>
+                <a:lstStyle/>
+                <a:p>
+                  <a:pPr/>
+                  <a14:m>
+                    <m:oMathPara xmlns:m="http://schemas.openxmlformats.org/officeDocument/2006/math">
+                      <m:oMathParaPr>
+                        <m:jc m:val="centerGroup"/>
+                      </m:oMathParaPr>
+                      <m:oMath xmlns:m="http://schemas.openxmlformats.org/officeDocument/2006/math">
+                        <m:r>
+                          <a:rPr lang="en-US" altLang="zh-CN" b="1" i="1" smtClean="0">
+                            <a:latin typeface="Cambria Math" panose="02040503050406030204" pitchFamily="18" charset="0"/>
+                          </a:rPr>
+                          <m:t>𝒂</m:t>
+                        </m:r>
+                      </m:oMath>
+                    </m:oMathPara>
+                  </a14:m>
+                  <a:endParaRPr lang="en-US" altLang="zh-CN" b="1" dirty="0"/>
+                </a:p>
+              </p:txBody>
+            </p:sp>
+          </mc:Choice>
+          <mc:Fallback>
+            <p:sp>
+              <p:nvSpPr>
+                <p:cNvPr id="16" name="文本框 15">
+                  <a:extLst>
+                    <a:ext uri="{FF2B5EF4-FFF2-40B4-BE49-F238E27FC236}">
+                      <a16:creationId xmlns:a16="http://schemas.microsoft.com/office/drawing/2014/main" id="{DC1C3ACF-99D9-47AE-AF31-AA6830266ACC}"/>
+                    </a:ext>
+                  </a:extLst>
+                </p:cNvPr>
+                <p:cNvSpPr txBox="1">
+                  <a:spLocks noRot="1" noChangeAspect="1" noMove="1" noResize="1" noEditPoints="1" noAdjustHandles="1" noChangeArrowheads="1" noChangeShapeType="1" noTextEdit="1"/>
+                </p:cNvSpPr>
+                <p:nvPr/>
+              </p:nvSpPr>
+              <p:spPr>
+                <a:xfrm>
+                  <a:off x="4503277" y="3914061"/>
+                  <a:ext cx="170971" cy="370294"/>
+                </a:xfrm>
+                <a:prstGeom prst="rect">
+                  <a:avLst/>
+                </a:prstGeom>
+                <a:blipFill>
+                  <a:blip r:embed="rId2"/>
+                  <a:stretch>
+                    <a:fillRect r="-71429"/>
+                  </a:stretch>
+                </a:blipFill>
+              </p:spPr>
+              <p:txBody>
+                <a:bodyPr/>
+                <a:lstStyle/>
+                <a:p>
+                  <a:r>
+                    <a:rPr lang="zh-CN" altLang="en-US">
+                      <a:noFill/>
+                    </a:rPr>
+                    <a:t> </a:t>
+                  </a:r>
+                </a:p>
+              </p:txBody>
+            </p:sp>
+          </mc:Fallback>
+        </mc:AlternateContent>
+        <mc:AlternateContent xmlns:mc="http://schemas.openxmlformats.org/markup-compatibility/2006">
+          <mc:Choice xmlns:a14="http://schemas.microsoft.com/office/drawing/2010/main" Requires="a14">
+            <p:sp>
+              <p:nvSpPr>
+                <p:cNvPr id="17" name="文本框 16">
+                  <a:extLst>
+                    <a:ext uri="{FF2B5EF4-FFF2-40B4-BE49-F238E27FC236}">
+                      <a16:creationId xmlns:a16="http://schemas.microsoft.com/office/drawing/2014/main" id="{66F6F019-96C5-FB4E-35E8-BB470B2D5E81}"/>
+                    </a:ext>
+                  </a:extLst>
+                </p:cNvPr>
+                <p:cNvSpPr txBox="1"/>
+                <p:nvPr/>
+              </p:nvSpPr>
+              <p:spPr>
+                <a:xfrm>
+                  <a:off x="5213441" y="2543006"/>
+                  <a:ext cx="423142" cy="370935"/>
+                </a:xfrm>
+                <a:prstGeom prst="rect">
+                  <a:avLst/>
+                </a:prstGeom>
+                <a:noFill/>
+              </p:spPr>
+              <p:txBody>
+                <a:bodyPr wrap="square" rtlCol="0">
+                  <a:spAutoFit/>
+                </a:bodyPr>
+                <a:lstStyle/>
+                <a:p>
+                  <a:pPr/>
+                  <a14:m>
+                    <m:oMathPara xmlns:m="http://schemas.openxmlformats.org/officeDocument/2006/math">
+                      <m:oMathParaPr>
+                        <m:jc m:val="centerGroup"/>
+                      </m:oMathParaPr>
+                      <m:oMath xmlns:m="http://schemas.openxmlformats.org/officeDocument/2006/math">
+                        <m:r>
+                          <a:rPr lang="en-US" altLang="zh-CN" b="1" i="1" smtClean="0">
+                            <a:latin typeface="Cambria Math" panose="02040503050406030204" pitchFamily="18" charset="0"/>
+                          </a:rPr>
+                          <m:t>𝒃</m:t>
+                        </m:r>
+                      </m:oMath>
+                    </m:oMathPara>
+                  </a14:m>
+                  <a:endParaRPr lang="en-US" altLang="zh-CN" b="1" dirty="0"/>
+                </a:p>
+              </p:txBody>
+            </p:sp>
+          </mc:Choice>
+          <mc:Fallback>
+            <p:sp>
+              <p:nvSpPr>
+                <p:cNvPr id="17" name="文本框 16">
+                  <a:extLst>
+                    <a:ext uri="{FF2B5EF4-FFF2-40B4-BE49-F238E27FC236}">
+                      <a16:creationId xmlns:a16="http://schemas.microsoft.com/office/drawing/2014/main" id="{66F6F019-96C5-FB4E-35E8-BB470B2D5E81}"/>
+                    </a:ext>
+                  </a:extLst>
+                </p:cNvPr>
+                <p:cNvSpPr txBox="1">
+                  <a:spLocks noRot="1" noChangeAspect="1" noMove="1" noResize="1" noEditPoints="1" noAdjustHandles="1" noChangeArrowheads="1" noChangeShapeType="1" noTextEdit="1"/>
+                </p:cNvSpPr>
+                <p:nvPr/>
+              </p:nvSpPr>
+              <p:spPr>
+                <a:xfrm>
+                  <a:off x="5213441" y="2543006"/>
+                  <a:ext cx="423142" cy="370935"/>
+                </a:xfrm>
+                <a:prstGeom prst="rect">
+                  <a:avLst/>
+                </a:prstGeom>
+                <a:blipFill>
+                  <a:blip r:embed="rId3"/>
+                  <a:stretch>
+                    <a:fillRect/>
+                  </a:stretch>
+                </a:blipFill>
+              </p:spPr>
+              <p:txBody>
+                <a:bodyPr/>
+                <a:lstStyle/>
+                <a:p>
+                  <a:r>
+                    <a:rPr lang="zh-CN" altLang="en-US">
+                      <a:noFill/>
+                    </a:rPr>
+                    <a:t> </a:t>
+                  </a:r>
+                </a:p>
+              </p:txBody>
+            </p:sp>
+          </mc:Fallback>
+        </mc:AlternateContent>
+        <mc:AlternateContent xmlns:mc="http://schemas.openxmlformats.org/markup-compatibility/2006">
+          <mc:Choice xmlns:a14="http://schemas.microsoft.com/office/drawing/2010/main" Requires="a14">
+            <p:sp>
+              <p:nvSpPr>
+                <p:cNvPr id="18" name="文本框 17">
+                  <a:extLst>
+                    <a:ext uri="{FF2B5EF4-FFF2-40B4-BE49-F238E27FC236}">
+                      <a16:creationId xmlns:a16="http://schemas.microsoft.com/office/drawing/2014/main" id="{7F15F41C-B42E-B64C-1732-657DDEFDCAA2}"/>
+                    </a:ext>
+                  </a:extLst>
+                </p:cNvPr>
+                <p:cNvSpPr txBox="1"/>
+                <p:nvPr/>
+              </p:nvSpPr>
+              <p:spPr>
+                <a:xfrm>
+                  <a:off x="5616645" y="3608134"/>
+                  <a:ext cx="831762" cy="369332"/>
+                </a:xfrm>
+                <a:prstGeom prst="rect">
+                  <a:avLst/>
+                </a:prstGeom>
+                <a:noFill/>
+              </p:spPr>
+              <p:txBody>
+                <a:bodyPr wrap="square" rtlCol="0">
+                  <a:spAutoFit/>
+                </a:bodyPr>
+                <a:lstStyle/>
+                <a:p>
+                  <a:pPr/>
+                  <a14:m>
+                    <m:oMathPara xmlns:m="http://schemas.openxmlformats.org/officeDocument/2006/math">
+                      <m:oMathParaPr>
+                        <m:jc m:val="centerGroup"/>
+                      </m:oMathParaPr>
+                      <m:oMath xmlns:m="http://schemas.openxmlformats.org/officeDocument/2006/math">
+                        <m:r>
+                          <a:rPr lang="en-US" altLang="zh-CN" b="1" i="1" smtClean="0">
+                            <a:latin typeface="Cambria Math" panose="02040503050406030204" pitchFamily="18" charset="0"/>
+                          </a:rPr>
+                          <m:t>𝒂</m:t>
+                        </m:r>
+                        <m:r>
+                          <a:rPr lang="en-US" altLang="zh-CN" b="1" i="1" smtClean="0">
+                            <a:latin typeface="Cambria Math" panose="02040503050406030204" pitchFamily="18" charset="0"/>
+                          </a:rPr>
+                          <m:t>+</m:t>
+                        </m:r>
+                        <m:r>
+                          <a:rPr lang="en-US" altLang="zh-CN" b="1" i="1" smtClean="0">
+                            <a:latin typeface="Cambria Math" panose="02040503050406030204" pitchFamily="18" charset="0"/>
+                          </a:rPr>
+                          <m:t>𝒃</m:t>
+                        </m:r>
+                      </m:oMath>
+                    </m:oMathPara>
+                  </a14:m>
+                  <a:endParaRPr lang="en-US" altLang="zh-CN" b="1" dirty="0"/>
+                </a:p>
+              </p:txBody>
+            </p:sp>
+          </mc:Choice>
+          <mc:Fallback>
+            <p:sp>
+              <p:nvSpPr>
+                <p:cNvPr id="18" name="文本框 17">
+                  <a:extLst>
+                    <a:ext uri="{FF2B5EF4-FFF2-40B4-BE49-F238E27FC236}">
+                      <a16:creationId xmlns:a16="http://schemas.microsoft.com/office/drawing/2014/main" id="{7F15F41C-B42E-B64C-1732-657DDEFDCAA2}"/>
+                    </a:ext>
+                  </a:extLst>
+                </p:cNvPr>
+                <p:cNvSpPr txBox="1">
+                  <a:spLocks noRot="1" noChangeAspect="1" noMove="1" noResize="1" noEditPoints="1" noAdjustHandles="1" noChangeArrowheads="1" noChangeShapeType="1" noTextEdit="1"/>
+                </p:cNvSpPr>
+                <p:nvPr/>
+              </p:nvSpPr>
+              <p:spPr>
+                <a:xfrm>
+                  <a:off x="5616645" y="3608134"/>
+                  <a:ext cx="831762" cy="369332"/>
+                </a:xfrm>
+                <a:prstGeom prst="rect">
+                  <a:avLst/>
+                </a:prstGeom>
+                <a:blipFill>
+                  <a:blip r:embed="rId4"/>
+                  <a:stretch>
+                    <a:fillRect/>
+                  </a:stretch>
+                </a:blipFill>
+              </p:spPr>
+              <p:txBody>
+                <a:bodyPr/>
+                <a:lstStyle/>
+                <a:p>
+                  <a:r>
+                    <a:rPr lang="zh-CN" altLang="en-US">
+                      <a:noFill/>
+                    </a:rPr>
+                    <a:t> </a:t>
+                  </a:r>
+                </a:p>
+              </p:txBody>
+            </p:sp>
+          </mc:Fallback>
+        </mc:AlternateContent>
+        <mc:AlternateContent xmlns:mc="http://schemas.openxmlformats.org/markup-compatibility/2006">
+          <mc:Choice xmlns:a14="http://schemas.microsoft.com/office/drawing/2010/main" Requires="a14">
+            <p:sp>
+              <p:nvSpPr>
+                <p:cNvPr id="19" name="文本框 18">
+                  <a:extLst>
+                    <a:ext uri="{FF2B5EF4-FFF2-40B4-BE49-F238E27FC236}">
+                      <a16:creationId xmlns:a16="http://schemas.microsoft.com/office/drawing/2014/main" id="{4474C9F2-9DD9-D16B-F661-9E53F289BCD0}"/>
+                    </a:ext>
+                  </a:extLst>
+                </p:cNvPr>
+                <p:cNvSpPr txBox="1"/>
+                <p:nvPr/>
+              </p:nvSpPr>
+              <p:spPr>
+                <a:xfrm>
+                  <a:off x="3664631" y="3422666"/>
+                  <a:ext cx="423142" cy="370935"/>
+                </a:xfrm>
+                <a:prstGeom prst="rect">
+                  <a:avLst/>
+                </a:prstGeom>
+                <a:noFill/>
+              </p:spPr>
+              <p:txBody>
+                <a:bodyPr wrap="square" rtlCol="0">
+                  <a:spAutoFit/>
+                </a:bodyPr>
+                <a:lstStyle/>
+                <a:p>
+                  <a:pPr/>
+                  <a14:m>
+                    <m:oMathPara xmlns:m="http://schemas.openxmlformats.org/officeDocument/2006/math">
+                      <m:oMathParaPr>
+                        <m:jc m:val="centerGroup"/>
+                      </m:oMathParaPr>
+                      <m:oMath xmlns:m="http://schemas.openxmlformats.org/officeDocument/2006/math">
+                        <m:r>
+                          <a:rPr lang="en-US" altLang="zh-CN" b="1" i="1" smtClean="0">
+                            <a:latin typeface="Cambria Math" panose="02040503050406030204" pitchFamily="18" charset="0"/>
+                          </a:rPr>
+                          <m:t>−</m:t>
+                        </m:r>
+                        <m:r>
+                          <a:rPr lang="en-US" altLang="zh-CN" b="1" i="1" smtClean="0">
+                            <a:latin typeface="Cambria Math" panose="02040503050406030204" pitchFamily="18" charset="0"/>
+                          </a:rPr>
+                          <m:t>𝒃</m:t>
+                        </m:r>
+                      </m:oMath>
+                    </m:oMathPara>
+                  </a14:m>
+                  <a:endParaRPr lang="en-US" altLang="zh-CN" b="1" dirty="0"/>
+                </a:p>
+              </p:txBody>
+            </p:sp>
+          </mc:Choice>
+          <mc:Fallback>
+            <p:sp>
+              <p:nvSpPr>
+                <p:cNvPr id="19" name="文本框 18">
+                  <a:extLst>
+                    <a:ext uri="{FF2B5EF4-FFF2-40B4-BE49-F238E27FC236}">
+                      <a16:creationId xmlns:a16="http://schemas.microsoft.com/office/drawing/2014/main" id="{4474C9F2-9DD9-D16B-F661-9E53F289BCD0}"/>
+                    </a:ext>
+                  </a:extLst>
+                </p:cNvPr>
+                <p:cNvSpPr txBox="1">
+                  <a:spLocks noRot="1" noChangeAspect="1" noMove="1" noResize="1" noEditPoints="1" noAdjustHandles="1" noChangeArrowheads="1" noChangeShapeType="1" noTextEdit="1"/>
+                </p:cNvSpPr>
+                <p:nvPr/>
+              </p:nvSpPr>
+              <p:spPr>
+                <a:xfrm>
+                  <a:off x="3664631" y="3422666"/>
+                  <a:ext cx="423142" cy="370935"/>
+                </a:xfrm>
+                <a:prstGeom prst="rect">
+                  <a:avLst/>
+                </a:prstGeom>
+                <a:blipFill>
+                  <a:blip r:embed="rId5"/>
+                  <a:stretch>
+                    <a:fillRect r="-15714"/>
+                  </a:stretch>
+                </a:blipFill>
+              </p:spPr>
+              <p:txBody>
+                <a:bodyPr/>
+                <a:lstStyle/>
+                <a:p>
+                  <a:r>
+                    <a:rPr lang="zh-CN" altLang="en-US">
+                      <a:noFill/>
+                    </a:rPr>
+                    <a:t> </a:t>
+                  </a:r>
+                </a:p>
+              </p:txBody>
+            </p:sp>
+          </mc:Fallback>
+        </mc:AlternateContent>
+        <mc:AlternateContent xmlns:mc="http://schemas.openxmlformats.org/markup-compatibility/2006">
+          <mc:Choice xmlns:a14="http://schemas.microsoft.com/office/drawing/2010/main" Requires="a14">
+            <p:sp>
+              <p:nvSpPr>
+                <p:cNvPr id="20" name="文本框 19">
+                  <a:extLst>
+                    <a:ext uri="{FF2B5EF4-FFF2-40B4-BE49-F238E27FC236}">
+                      <a16:creationId xmlns:a16="http://schemas.microsoft.com/office/drawing/2014/main" id="{8C0C2E04-A0DB-AA2A-1C42-3C90D529011D}"/>
+                    </a:ext>
+                  </a:extLst>
+                </p:cNvPr>
+                <p:cNvSpPr txBox="1"/>
+                <p:nvPr/>
+              </p:nvSpPr>
+              <p:spPr>
+                <a:xfrm>
+                  <a:off x="3380263" y="4590443"/>
+                  <a:ext cx="831762" cy="369332"/>
+                </a:xfrm>
+                <a:prstGeom prst="rect">
+                  <a:avLst/>
+                </a:prstGeom>
+                <a:noFill/>
+              </p:spPr>
+              <p:txBody>
+                <a:bodyPr wrap="square" rtlCol="0">
+                  <a:spAutoFit/>
+                </a:bodyPr>
+                <a:lstStyle/>
+                <a:p>
+                  <a:pPr/>
+                  <a14:m>
+                    <m:oMathPara xmlns:m="http://schemas.openxmlformats.org/officeDocument/2006/math">
+                      <m:oMathParaPr>
+                        <m:jc m:val="centerGroup"/>
+                      </m:oMathParaPr>
+                      <m:oMath xmlns:m="http://schemas.openxmlformats.org/officeDocument/2006/math">
+                        <m:r>
+                          <a:rPr lang="en-US" altLang="zh-CN" b="1" i="1" smtClean="0">
+                            <a:latin typeface="Cambria Math" panose="02040503050406030204" pitchFamily="18" charset="0"/>
+                          </a:rPr>
+                          <m:t>𝒂</m:t>
+                        </m:r>
+                        <m:r>
+                          <a:rPr lang="en-US" altLang="zh-CN" b="1" i="1" smtClean="0">
+                            <a:latin typeface="Cambria Math" panose="02040503050406030204" pitchFamily="18" charset="0"/>
+                          </a:rPr>
+                          <m:t>−</m:t>
+                        </m:r>
+                        <m:r>
+                          <a:rPr lang="en-US" altLang="zh-CN" b="1" i="1" smtClean="0">
+                            <a:latin typeface="Cambria Math" panose="02040503050406030204" pitchFamily="18" charset="0"/>
+                          </a:rPr>
+                          <m:t>𝒃</m:t>
+                        </m:r>
+                      </m:oMath>
+                    </m:oMathPara>
+                  </a14:m>
+                  <a:endParaRPr lang="en-US" altLang="zh-CN" b="1" dirty="0"/>
+                </a:p>
+              </p:txBody>
+            </p:sp>
+          </mc:Choice>
+          <mc:Fallback>
+            <p:sp>
+              <p:nvSpPr>
+                <p:cNvPr id="20" name="文本框 19">
+                  <a:extLst>
+                    <a:ext uri="{FF2B5EF4-FFF2-40B4-BE49-F238E27FC236}">
+                      <a16:creationId xmlns:a16="http://schemas.microsoft.com/office/drawing/2014/main" id="{8C0C2E04-A0DB-AA2A-1C42-3C90D529011D}"/>
+                    </a:ext>
+                  </a:extLst>
+                </p:cNvPr>
+                <p:cNvSpPr txBox="1">
+                  <a:spLocks noRot="1" noChangeAspect="1" noMove="1" noResize="1" noEditPoints="1" noAdjustHandles="1" noChangeArrowheads="1" noChangeShapeType="1" noTextEdit="1"/>
+                </p:cNvSpPr>
+                <p:nvPr/>
+              </p:nvSpPr>
+              <p:spPr>
+                <a:xfrm>
+                  <a:off x="3380263" y="4590443"/>
+                  <a:ext cx="831762" cy="369332"/>
+                </a:xfrm>
+                <a:prstGeom prst="rect">
+                  <a:avLst/>
+                </a:prstGeom>
+                <a:blipFill>
+                  <a:blip r:embed="rId6"/>
+                  <a:stretch>
+                    <a:fillRect/>
+                  </a:stretch>
+                </a:blipFill>
+              </p:spPr>
+              <p:txBody>
+                <a:bodyPr/>
+                <a:lstStyle/>
+                <a:p>
+                  <a:r>
+                    <a:rPr lang="zh-CN" altLang="en-US">
+                      <a:noFill/>
+                    </a:rPr>
+                    <a:t> </a:t>
+                  </a:r>
+                </a:p>
+              </p:txBody>
+            </p:sp>
+          </mc:Fallback>
+        </mc:AlternateContent>
+      </p:grpSp>
+    </p:spTree>
+    <p:extLst>
+      <p:ext uri="{BB962C8B-B14F-4D97-AF65-F5344CB8AC3E}">
+        <p14:creationId xmlns:p14="http://schemas.microsoft.com/office/powerpoint/2010/main" val="3929383455"/>
+      </p:ext>
+    </p:extLst>
+  </p:cSld>
+  <p:clrMapOvr>
+    <a:masterClrMapping/>
+  </p:clrMapOvr>
+</p:sld>
+</file>
+
 <file path=ppt/theme/theme1.xml><?xml version="1.0" encoding="utf-8"?>
 <a:theme xmlns:a="http://schemas.openxmlformats.org/drawingml/2006/main" name="WPS">
   <a:themeElements>

--- a/PPT/math.pptx
+++ b/PPT/math.pptx
@@ -8,6 +8,7 @@
     <p:sldId id="257" r:id="rId2"/>
     <p:sldId id="256" r:id="rId3"/>
     <p:sldId id="258" r:id="rId4"/>
+    <p:sldId id="259" r:id="rId5"/>
   </p:sldIdLst>
   <p:sldSz cx="12192000" cy="6858000"/>
   <p:notesSz cx="6858000" cy="9144000"/>
@@ -243,7 +244,7 @@
           <a:p>
             <a:fld id="{D997B5FA-0921-464F-AAE1-844C04324D75}" type="datetimeFigureOut">
               <a:rPr lang="zh-CN" altLang="en-US" smtClean="0"/>
-              <a:t>2025-05-31</a:t>
+              <a:t>2025-08-11</a:t>
             </a:fld>
             <a:endParaRPr lang="zh-CN" altLang="en-US"/>
           </a:p>
@@ -406,7 +407,7 @@
           <a:p>
             <a:fld id="{D997B5FA-0921-464F-AAE1-844C04324D75}" type="datetimeFigureOut">
               <a:rPr lang="zh-CN" altLang="en-US" smtClean="0"/>
-              <a:t>2025-05-31</a:t>
+              <a:t>2025-08-11</a:t>
             </a:fld>
             <a:endParaRPr lang="zh-CN" altLang="en-US"/>
           </a:p>
@@ -579,7 +580,7 @@
           <a:p>
             <a:fld id="{D997B5FA-0921-464F-AAE1-844C04324D75}" type="datetimeFigureOut">
               <a:rPr lang="zh-CN" altLang="en-US" smtClean="0"/>
-              <a:t>2025-05-31</a:t>
+              <a:t>2025-08-11</a:t>
             </a:fld>
             <a:endParaRPr lang="zh-CN" altLang="en-US"/>
           </a:p>
@@ -742,7 +743,7 @@
           <a:p>
             <a:fld id="{D997B5FA-0921-464F-AAE1-844C04324D75}" type="datetimeFigureOut">
               <a:rPr lang="zh-CN" altLang="en-US" smtClean="0"/>
-              <a:t>2025-05-31</a:t>
+              <a:t>2025-08-11</a:t>
             </a:fld>
             <a:endParaRPr lang="zh-CN" altLang="en-US"/>
           </a:p>
@@ -982,7 +983,7 @@
           <a:p>
             <a:fld id="{D997B5FA-0921-464F-AAE1-844C04324D75}" type="datetimeFigureOut">
               <a:rPr lang="zh-CN" altLang="en-US" smtClean="0"/>
-              <a:t>2025-05-31</a:t>
+              <a:t>2025-08-11</a:t>
             </a:fld>
             <a:endParaRPr lang="zh-CN" altLang="en-US"/>
           </a:p>
@@ -1206,7 +1207,7 @@
           <a:p>
             <a:fld id="{D997B5FA-0921-464F-AAE1-844C04324D75}" type="datetimeFigureOut">
               <a:rPr lang="zh-CN" altLang="en-US" smtClean="0"/>
-              <a:t>2025-05-31</a:t>
+              <a:t>2025-08-11</a:t>
             </a:fld>
             <a:endParaRPr lang="zh-CN" altLang="en-US"/>
           </a:p>
@@ -1565,7 +1566,7 @@
           <a:p>
             <a:fld id="{D997B5FA-0921-464F-AAE1-844C04324D75}" type="datetimeFigureOut">
               <a:rPr lang="zh-CN" altLang="en-US" smtClean="0"/>
-              <a:t>2025-05-31</a:t>
+              <a:t>2025-08-11</a:t>
             </a:fld>
             <a:endParaRPr lang="zh-CN" altLang="en-US"/>
           </a:p>
@@ -1677,7 +1678,7 @@
           <a:p>
             <a:fld id="{D997B5FA-0921-464F-AAE1-844C04324D75}" type="datetimeFigureOut">
               <a:rPr lang="zh-CN" altLang="en-US" smtClean="0"/>
-              <a:t>2025-05-31</a:t>
+              <a:t>2025-08-11</a:t>
             </a:fld>
             <a:endParaRPr lang="zh-CN" altLang="en-US"/>
           </a:p>
@@ -1767,7 +1768,7 @@
           <a:p>
             <a:fld id="{D997B5FA-0921-464F-AAE1-844C04324D75}" type="datetimeFigureOut">
               <a:rPr lang="zh-CN" altLang="en-US" smtClean="0"/>
-              <a:t>2025-05-31</a:t>
+              <a:t>2025-08-11</a:t>
             </a:fld>
             <a:endParaRPr lang="zh-CN" altLang="en-US"/>
           </a:p>
@@ -2037,7 +2038,7 @@
           <a:p>
             <a:fld id="{D997B5FA-0921-464F-AAE1-844C04324D75}" type="datetimeFigureOut">
               <a:rPr lang="zh-CN" altLang="en-US" smtClean="0"/>
-              <a:t>2025-05-31</a:t>
+              <a:t>2025-08-11</a:t>
             </a:fld>
             <a:endParaRPr lang="zh-CN" altLang="en-US"/>
           </a:p>
@@ -2284,7 +2285,7 @@
           <a:p>
             <a:fld id="{D997B5FA-0921-464F-AAE1-844C04324D75}" type="datetimeFigureOut">
               <a:rPr lang="zh-CN" altLang="en-US" smtClean="0"/>
-              <a:t>2025-05-31</a:t>
+              <a:t>2025-08-11</a:t>
             </a:fld>
             <a:endParaRPr lang="zh-CN" altLang="en-US"/>
           </a:p>
@@ -2490,7 +2491,7 @@
           <a:p>
             <a:fld id="{D997B5FA-0921-464F-AAE1-844C04324D75}" type="datetimeFigureOut">
               <a:rPr lang="zh-CN" altLang="en-US" smtClean="0"/>
-              <a:t>2025-05-31</a:t>
+              <a:t>2025-08-11</a:t>
             </a:fld>
             <a:endParaRPr lang="zh-CN" altLang="en-US"/>
           </a:p>
@@ -7611,8 +7612,8 @@
             </a:fontRef>
           </p:style>
         </p:cxnSp>
-        <mc:AlternateContent xmlns:mc="http://schemas.openxmlformats.org/markup-compatibility/2006">
-          <mc:Choice xmlns:a14="http://schemas.microsoft.com/office/drawing/2010/main" Requires="a14">
+        <mc:AlternateContent xmlns:mc="http://schemas.openxmlformats.org/markup-compatibility/2006" xmlns:a14="http://schemas.microsoft.com/office/drawing/2010/main">
+          <mc:Choice Requires="a14">
             <p:sp>
               <p:nvSpPr>
                 <p:cNvPr id="16" name="文本框 15">
@@ -7662,7 +7663,7 @@
               </p:txBody>
             </p:sp>
           </mc:Choice>
-          <mc:Fallback>
+          <mc:Fallback xmlns="">
             <p:sp>
               <p:nvSpPr>
                 <p:cNvPr id="16" name="文本框 15">
@@ -7707,8 +7708,8 @@
             </p:sp>
           </mc:Fallback>
         </mc:AlternateContent>
-        <mc:AlternateContent xmlns:mc="http://schemas.openxmlformats.org/markup-compatibility/2006">
-          <mc:Choice xmlns:a14="http://schemas.microsoft.com/office/drawing/2010/main" Requires="a14">
+        <mc:AlternateContent xmlns:mc="http://schemas.openxmlformats.org/markup-compatibility/2006" xmlns:a14="http://schemas.microsoft.com/office/drawing/2010/main">
+          <mc:Choice Requires="a14">
             <p:sp>
               <p:nvSpPr>
                 <p:cNvPr id="17" name="文本框 16">
@@ -7758,7 +7759,7 @@
               </p:txBody>
             </p:sp>
           </mc:Choice>
-          <mc:Fallback>
+          <mc:Fallback xmlns="">
             <p:sp>
               <p:nvSpPr>
                 <p:cNvPr id="17" name="文本框 16">
@@ -7803,8 +7804,8 @@
             </p:sp>
           </mc:Fallback>
         </mc:AlternateContent>
-        <mc:AlternateContent xmlns:mc="http://schemas.openxmlformats.org/markup-compatibility/2006">
-          <mc:Choice xmlns:a14="http://schemas.microsoft.com/office/drawing/2010/main" Requires="a14">
+        <mc:AlternateContent xmlns:mc="http://schemas.openxmlformats.org/markup-compatibility/2006" xmlns:a14="http://schemas.microsoft.com/office/drawing/2010/main">
+          <mc:Choice Requires="a14">
             <p:sp>
               <p:nvSpPr>
                 <p:cNvPr id="18" name="文本框 17">
@@ -7866,7 +7867,7 @@
               </p:txBody>
             </p:sp>
           </mc:Choice>
-          <mc:Fallback>
+          <mc:Fallback xmlns="">
             <p:sp>
               <p:nvSpPr>
                 <p:cNvPr id="18" name="文本框 17">
@@ -7911,8 +7912,8 @@
             </p:sp>
           </mc:Fallback>
         </mc:AlternateContent>
-        <mc:AlternateContent xmlns:mc="http://schemas.openxmlformats.org/markup-compatibility/2006">
-          <mc:Choice xmlns:a14="http://schemas.microsoft.com/office/drawing/2010/main" Requires="a14">
+        <mc:AlternateContent xmlns:mc="http://schemas.openxmlformats.org/markup-compatibility/2006" xmlns:a14="http://schemas.microsoft.com/office/drawing/2010/main">
+          <mc:Choice Requires="a14">
             <p:sp>
               <p:nvSpPr>
                 <p:cNvPr id="19" name="文本框 18">
@@ -7968,7 +7969,7 @@
               </p:txBody>
             </p:sp>
           </mc:Choice>
-          <mc:Fallback>
+          <mc:Fallback xmlns="">
             <p:sp>
               <p:nvSpPr>
                 <p:cNvPr id="19" name="文本框 18">
@@ -8013,8 +8014,8 @@
             </p:sp>
           </mc:Fallback>
         </mc:AlternateContent>
-        <mc:AlternateContent xmlns:mc="http://schemas.openxmlformats.org/markup-compatibility/2006">
-          <mc:Choice xmlns:a14="http://schemas.microsoft.com/office/drawing/2010/main" Requires="a14">
+        <mc:AlternateContent xmlns:mc="http://schemas.openxmlformats.org/markup-compatibility/2006" xmlns:a14="http://schemas.microsoft.com/office/drawing/2010/main">
+          <mc:Choice Requires="a14">
             <p:sp>
               <p:nvSpPr>
                 <p:cNvPr id="20" name="文本框 19">
@@ -8076,7 +8077,7 @@
               </p:txBody>
             </p:sp>
           </mc:Choice>
-          <mc:Fallback>
+          <mc:Fallback xmlns="">
             <p:sp>
               <p:nvSpPr>
                 <p:cNvPr id="20" name="文本框 19">
@@ -8126,6 +8127,2078 @@
     <p:extLst>
       <p:ext uri="{BB962C8B-B14F-4D97-AF65-F5344CB8AC3E}">
         <p14:creationId xmlns:p14="http://schemas.microsoft.com/office/powerpoint/2010/main" val="3929383455"/>
+      </p:ext>
+    </p:extLst>
+  </p:cSld>
+  <p:clrMapOvr>
+    <a:masterClrMapping/>
+  </p:clrMapOvr>
+</p:sld>
+</file>
+
+<file path=ppt/slides/slide4.xml><?xml version="1.0" encoding="utf-8"?>
+<p:sld xmlns:a="http://schemas.openxmlformats.org/drawingml/2006/main" xmlns:r="http://schemas.openxmlformats.org/officeDocument/2006/relationships" xmlns:p="http://schemas.openxmlformats.org/presentationml/2006/main">
+  <p:cSld>
+    <p:spTree>
+      <p:nvGrpSpPr>
+        <p:cNvPr id="1" name=""/>
+        <p:cNvGrpSpPr/>
+        <p:nvPr/>
+      </p:nvGrpSpPr>
+      <p:grpSpPr>
+        <a:xfrm>
+          <a:off x="0" y="0"/>
+          <a:ext cx="0" cy="0"/>
+          <a:chOff x="0" y="0"/>
+          <a:chExt cx="0" cy="0"/>
+        </a:xfrm>
+      </p:grpSpPr>
+      <mc:AlternateContent xmlns:mc="http://schemas.openxmlformats.org/markup-compatibility/2006">
+        <mc:Choice xmlns:a14="http://schemas.microsoft.com/office/drawing/2010/main" Requires="a14">
+          <p:graphicFrame>
+            <p:nvGraphicFramePr>
+              <p:cNvPr id="4" name="表格 3">
+                <a:extLst>
+                  <a:ext uri="{FF2B5EF4-FFF2-40B4-BE49-F238E27FC236}">
+                    <a16:creationId xmlns:a16="http://schemas.microsoft.com/office/drawing/2014/main" id="{A31F56A0-D0A4-C774-673F-F8E545ABF4B3}"/>
+                  </a:ext>
+                </a:extLst>
+              </p:cNvPr>
+              <p:cNvGraphicFramePr>
+                <a:graphicFrameLocks noGrp="1"/>
+              </p:cNvGraphicFramePr>
+              <p:nvPr>
+                <p:extLst>
+                  <p:ext uri="{D42A27DB-BD31-4B8C-83A1-F6EECF244321}">
+                    <p14:modId xmlns:p14="http://schemas.microsoft.com/office/powerpoint/2010/main" val="4007303381"/>
+                  </p:ext>
+                </p:extLst>
+              </p:nvPr>
+            </p:nvGraphicFramePr>
+            <p:xfrm>
+              <a:off x="2032000" y="1471506"/>
+              <a:ext cx="8128002" cy="736600"/>
+            </p:xfrm>
+            <a:graphic>
+              <a:graphicData uri="http://schemas.openxmlformats.org/drawingml/2006/table">
+                <a:tbl>
+                  <a:tblPr firstRow="1" bandRow="1">
+                    <a:tableStyleId>{5C22544A-7EE6-4342-B048-85BDC9FD1C3A}</a:tableStyleId>
+                  </a:tblPr>
+                  <a:tblGrid>
+                    <a:gridCol w="1354667">
+                      <a:extLst>
+                        <a:ext uri="{9D8B030D-6E8A-4147-A177-3AD203B41FA5}">
+                          <a16:colId xmlns:a16="http://schemas.microsoft.com/office/drawing/2014/main" val="1722989286"/>
+                        </a:ext>
+                      </a:extLst>
+                    </a:gridCol>
+                    <a:gridCol w="1354667">
+                      <a:extLst>
+                        <a:ext uri="{9D8B030D-6E8A-4147-A177-3AD203B41FA5}">
+                          <a16:colId xmlns:a16="http://schemas.microsoft.com/office/drawing/2014/main" val="3444716178"/>
+                        </a:ext>
+                      </a:extLst>
+                    </a:gridCol>
+                    <a:gridCol w="1354667">
+                      <a:extLst>
+                        <a:ext uri="{9D8B030D-6E8A-4147-A177-3AD203B41FA5}">
+                          <a16:colId xmlns:a16="http://schemas.microsoft.com/office/drawing/2014/main" val="2701297741"/>
+                        </a:ext>
+                      </a:extLst>
+                    </a:gridCol>
+                    <a:gridCol w="1354667">
+                      <a:extLst>
+                        <a:ext uri="{9D8B030D-6E8A-4147-A177-3AD203B41FA5}">
+                          <a16:colId xmlns:a16="http://schemas.microsoft.com/office/drawing/2014/main" val="480790829"/>
+                        </a:ext>
+                      </a:extLst>
+                    </a:gridCol>
+                    <a:gridCol w="1354667">
+                      <a:extLst>
+                        <a:ext uri="{9D8B030D-6E8A-4147-A177-3AD203B41FA5}">
+                          <a16:colId xmlns:a16="http://schemas.microsoft.com/office/drawing/2014/main" val="3318243028"/>
+                        </a:ext>
+                      </a:extLst>
+                    </a:gridCol>
+                    <a:gridCol w="1354667">
+                      <a:extLst>
+                        <a:ext uri="{9D8B030D-6E8A-4147-A177-3AD203B41FA5}">
+                          <a16:colId xmlns:a16="http://schemas.microsoft.com/office/drawing/2014/main" val="2209835067"/>
+                        </a:ext>
+                      </a:extLst>
+                    </a:gridCol>
+                  </a:tblGrid>
+                  <a:tr h="0">
+                    <a:tc>
+                      <a:txBody>
+                        <a:bodyPr/>
+                        <a:lstStyle/>
+                        <a:p>
+                          <a:pPr algn="ctr"/>
+                          <a:r>
+                            <a:rPr lang="en-US" altLang="zh-CN" b="0" dirty="0">
+                              <a:solidFill>
+                                <a:schemeClr val="tx1"/>
+                              </a:solidFill>
+                              <a:latin typeface="Times New Roman" panose="02020603050405020304" pitchFamily="18" charset="0"/>
+                              <a:cs typeface="Times New Roman" panose="02020603050405020304" pitchFamily="18" charset="0"/>
+                            </a:rPr>
+                            <a:t>X</a:t>
+                          </a:r>
+                          <a:endParaRPr lang="zh-CN" altLang="en-US" b="0" dirty="0">
+                            <a:solidFill>
+                              <a:schemeClr val="tx1"/>
+                            </a:solidFill>
+                            <a:latin typeface="Times New Roman" panose="02020603050405020304" pitchFamily="18" charset="0"/>
+                            <a:cs typeface="Times New Roman" panose="02020603050405020304" pitchFamily="18" charset="0"/>
+                          </a:endParaRPr>
+                        </a:p>
+                      </a:txBody>
+                      <a:tcPr>
+                        <a:lnL w="12700" cap="flat" cmpd="sng" algn="ctr">
+                          <a:noFill/>
+                          <a:prstDash val="solid"/>
+                          <a:round/>
+                          <a:headEnd type="none" w="med" len="med"/>
+                          <a:tailEnd type="none" w="med" len="med"/>
+                        </a:lnL>
+                        <a:lnR w="12700" cap="flat" cmpd="sng" algn="ctr">
+                          <a:solidFill>
+                            <a:schemeClr val="tx1"/>
+                          </a:solidFill>
+                          <a:prstDash val="solid"/>
+                          <a:round/>
+                          <a:headEnd type="none" w="med" len="med"/>
+                          <a:tailEnd type="none" w="med" len="med"/>
+                        </a:lnR>
+                        <a:lnT w="19050" cap="flat" cmpd="sng" algn="ctr">
+                          <a:solidFill>
+                            <a:schemeClr val="tx1"/>
+                          </a:solidFill>
+                          <a:prstDash val="solid"/>
+                          <a:round/>
+                          <a:headEnd type="none" w="med" len="med"/>
+                          <a:tailEnd type="none" w="med" len="med"/>
+                        </a:lnT>
+                        <a:lnB w="12700" cap="flat" cmpd="sng" algn="ctr">
+                          <a:solidFill>
+                            <a:schemeClr val="tx1"/>
+                          </a:solidFill>
+                          <a:prstDash val="solid"/>
+                          <a:round/>
+                          <a:headEnd type="none" w="med" len="med"/>
+                          <a:tailEnd type="none" w="med" len="med"/>
+                        </a:lnB>
+                        <a:lnTlToBr w="12700" cmpd="sng">
+                          <a:noFill/>
+                          <a:prstDash val="solid"/>
+                        </a:lnTlToBr>
+                        <a:lnBlToTr w="12700" cmpd="sng">
+                          <a:noFill/>
+                          <a:prstDash val="solid"/>
+                        </a:lnBlToTr>
+                        <a:solidFill>
+                          <a:schemeClr val="bg1"/>
+                        </a:solidFill>
+                      </a:tcPr>
+                    </a:tc>
+                    <a:tc>
+                      <a:txBody>
+                        <a:bodyPr/>
+                        <a:lstStyle/>
+                        <a:p>
+                          <a:pPr algn="ctr"/>
+                          <a14:m>
+                            <m:oMathPara xmlns:m="http://schemas.openxmlformats.org/officeDocument/2006/math">
+                              <m:oMathParaPr>
+                                <m:jc m:val="centerGroup"/>
+                              </m:oMathParaPr>
+                              <m:oMath xmlns:m="http://schemas.openxmlformats.org/officeDocument/2006/math">
+                                <m:sSub>
+                                  <m:sSubPr>
+                                    <m:ctrlPr>
+                                      <a:rPr lang="en-US" altLang="zh-CN" b="0" i="1" smtClean="0">
+                                        <a:solidFill>
+                                          <a:schemeClr val="tx1"/>
+                                        </a:solidFill>
+                                        <a:latin typeface="Cambria Math" panose="02040503050406030204" pitchFamily="18" charset="0"/>
+                                        <a:cs typeface="Times New Roman" panose="02020603050405020304" pitchFamily="18" charset="0"/>
+                                      </a:rPr>
+                                    </m:ctrlPr>
+                                  </m:sSubPr>
+                                  <m:e>
+                                    <m:r>
+                                      <a:rPr lang="en-US" altLang="zh-CN" b="0" i="1" smtClean="0">
+                                        <a:solidFill>
+                                          <a:schemeClr val="tx1"/>
+                                        </a:solidFill>
+                                        <a:latin typeface="Cambria Math" panose="02040503050406030204" pitchFamily="18" charset="0"/>
+                                        <a:cs typeface="Times New Roman" panose="02020603050405020304" pitchFamily="18" charset="0"/>
+                                      </a:rPr>
+                                      <m:t>𝑥</m:t>
+                                    </m:r>
+                                  </m:e>
+                                  <m:sub>
+                                    <m:r>
+                                      <a:rPr lang="en-US" altLang="zh-CN" b="0" i="1" smtClean="0">
+                                        <a:solidFill>
+                                          <a:schemeClr val="tx1"/>
+                                        </a:solidFill>
+                                        <a:latin typeface="Cambria Math" panose="02040503050406030204" pitchFamily="18" charset="0"/>
+                                        <a:cs typeface="Times New Roman" panose="02020603050405020304" pitchFamily="18" charset="0"/>
+                                      </a:rPr>
+                                      <m:t>1</m:t>
+                                    </m:r>
+                                  </m:sub>
+                                </m:sSub>
+                              </m:oMath>
+                            </m:oMathPara>
+                          </a14:m>
+                          <a:endParaRPr lang="en-US" altLang="zh-CN" b="0" dirty="0">
+                            <a:solidFill>
+                              <a:schemeClr val="tx1"/>
+                            </a:solidFill>
+                            <a:latin typeface="Times New Roman" panose="02020603050405020304" pitchFamily="18" charset="0"/>
+                            <a:cs typeface="Times New Roman" panose="02020603050405020304" pitchFamily="18" charset="0"/>
+                          </a:endParaRPr>
+                        </a:p>
+                      </a:txBody>
+                      <a:tcPr>
+                        <a:lnL w="12700" cap="flat" cmpd="sng" algn="ctr">
+                          <a:solidFill>
+                            <a:schemeClr val="tx1"/>
+                          </a:solidFill>
+                          <a:prstDash val="solid"/>
+                          <a:round/>
+                          <a:headEnd type="none" w="med" len="med"/>
+                          <a:tailEnd type="none" w="med" len="med"/>
+                        </a:lnL>
+                        <a:lnR w="12700" cap="flat" cmpd="sng" algn="ctr">
+                          <a:noFill/>
+                          <a:prstDash val="solid"/>
+                          <a:round/>
+                          <a:headEnd type="none" w="med" len="med"/>
+                          <a:tailEnd type="none" w="med" len="med"/>
+                        </a:lnR>
+                        <a:lnT w="19050" cap="flat" cmpd="sng" algn="ctr">
+                          <a:solidFill>
+                            <a:schemeClr val="tx1"/>
+                          </a:solidFill>
+                          <a:prstDash val="solid"/>
+                          <a:round/>
+                          <a:headEnd type="none" w="med" len="med"/>
+                          <a:tailEnd type="none" w="med" len="med"/>
+                        </a:lnT>
+                        <a:lnB w="12700" cap="flat" cmpd="sng" algn="ctr">
+                          <a:solidFill>
+                            <a:schemeClr val="tx1"/>
+                          </a:solidFill>
+                          <a:prstDash val="solid"/>
+                          <a:round/>
+                          <a:headEnd type="none" w="med" len="med"/>
+                          <a:tailEnd type="none" w="med" len="med"/>
+                        </a:lnB>
+                        <a:lnTlToBr w="12700" cmpd="sng">
+                          <a:noFill/>
+                          <a:prstDash val="solid"/>
+                        </a:lnTlToBr>
+                        <a:lnBlToTr w="12700" cmpd="sng">
+                          <a:noFill/>
+                          <a:prstDash val="solid"/>
+                        </a:lnBlToTr>
+                        <a:solidFill>
+                          <a:schemeClr val="bg1"/>
+                        </a:solidFill>
+                      </a:tcPr>
+                    </a:tc>
+                    <a:tc>
+                      <a:txBody>
+                        <a:bodyPr/>
+                        <a:lstStyle/>
+                        <a:p>
+                          <a:pPr algn="ctr"/>
+                          <a14:m>
+                            <m:oMathPara xmlns:m="http://schemas.openxmlformats.org/officeDocument/2006/math">
+                              <m:oMathParaPr>
+                                <m:jc m:val="centerGroup"/>
+                              </m:oMathParaPr>
+                              <m:oMath xmlns:m="http://schemas.openxmlformats.org/officeDocument/2006/math">
+                                <m:sSub>
+                                  <m:sSubPr>
+                                    <m:ctrlPr>
+                                      <a:rPr lang="en-US" altLang="zh-CN" b="0" i="1" smtClean="0">
+                                        <a:solidFill>
+                                          <a:schemeClr val="tx1"/>
+                                        </a:solidFill>
+                                        <a:latin typeface="Cambria Math" panose="02040503050406030204" pitchFamily="18" charset="0"/>
+                                        <a:cs typeface="Times New Roman" panose="02020603050405020304" pitchFamily="18" charset="0"/>
+                                      </a:rPr>
+                                    </m:ctrlPr>
+                                  </m:sSubPr>
+                                  <m:e>
+                                    <m:r>
+                                      <a:rPr lang="en-US" altLang="zh-CN" b="0" i="1" smtClean="0">
+                                        <a:solidFill>
+                                          <a:schemeClr val="tx1"/>
+                                        </a:solidFill>
+                                        <a:latin typeface="Cambria Math" panose="02040503050406030204" pitchFamily="18" charset="0"/>
+                                        <a:cs typeface="Times New Roman" panose="02020603050405020304" pitchFamily="18" charset="0"/>
+                                      </a:rPr>
+                                      <m:t>𝑥</m:t>
+                                    </m:r>
+                                  </m:e>
+                                  <m:sub>
+                                    <m:r>
+                                      <a:rPr lang="en-US" altLang="zh-CN" b="0" i="1" smtClean="0">
+                                        <a:solidFill>
+                                          <a:schemeClr val="tx1"/>
+                                        </a:solidFill>
+                                        <a:latin typeface="Cambria Math" panose="02040503050406030204" pitchFamily="18" charset="0"/>
+                                        <a:cs typeface="Times New Roman" panose="02020603050405020304" pitchFamily="18" charset="0"/>
+                                      </a:rPr>
+                                      <m:t>2</m:t>
+                                    </m:r>
+                                  </m:sub>
+                                </m:sSub>
+                              </m:oMath>
+                            </m:oMathPara>
+                          </a14:m>
+                          <a:endParaRPr lang="zh-CN" altLang="en-US" b="0" dirty="0">
+                            <a:solidFill>
+                              <a:schemeClr val="tx1"/>
+                            </a:solidFill>
+                            <a:latin typeface="Times New Roman" panose="02020603050405020304" pitchFamily="18" charset="0"/>
+                            <a:cs typeface="Times New Roman" panose="02020603050405020304" pitchFamily="18" charset="0"/>
+                          </a:endParaRPr>
+                        </a:p>
+                      </a:txBody>
+                      <a:tcPr>
+                        <a:lnL w="12700" cap="flat" cmpd="sng" algn="ctr">
+                          <a:noFill/>
+                          <a:prstDash val="solid"/>
+                          <a:round/>
+                          <a:headEnd type="none" w="med" len="med"/>
+                          <a:tailEnd type="none" w="med" len="med"/>
+                        </a:lnL>
+                        <a:lnR w="12700" cap="flat" cmpd="sng" algn="ctr">
+                          <a:noFill/>
+                          <a:prstDash val="solid"/>
+                          <a:round/>
+                          <a:headEnd type="none" w="med" len="med"/>
+                          <a:tailEnd type="none" w="med" len="med"/>
+                        </a:lnR>
+                        <a:lnT w="19050" cap="flat" cmpd="sng" algn="ctr">
+                          <a:solidFill>
+                            <a:schemeClr val="tx1"/>
+                          </a:solidFill>
+                          <a:prstDash val="solid"/>
+                          <a:round/>
+                          <a:headEnd type="none" w="med" len="med"/>
+                          <a:tailEnd type="none" w="med" len="med"/>
+                        </a:lnT>
+                        <a:lnB w="12700" cap="flat" cmpd="sng" algn="ctr">
+                          <a:solidFill>
+                            <a:schemeClr val="tx1"/>
+                          </a:solidFill>
+                          <a:prstDash val="solid"/>
+                          <a:round/>
+                          <a:headEnd type="none" w="med" len="med"/>
+                          <a:tailEnd type="none" w="med" len="med"/>
+                        </a:lnB>
+                        <a:lnTlToBr w="12700" cmpd="sng">
+                          <a:noFill/>
+                          <a:prstDash val="solid"/>
+                        </a:lnTlToBr>
+                        <a:lnBlToTr w="12700" cmpd="sng">
+                          <a:noFill/>
+                          <a:prstDash val="solid"/>
+                        </a:lnBlToTr>
+                        <a:solidFill>
+                          <a:schemeClr val="bg1"/>
+                        </a:solidFill>
+                      </a:tcPr>
+                    </a:tc>
+                    <a:tc>
+                      <a:txBody>
+                        <a:bodyPr/>
+                        <a:lstStyle/>
+                        <a:p>
+                          <a:pPr algn="ctr"/>
+                          <a:r>
+                            <a:rPr lang="en-US" altLang="zh-CN" b="0" dirty="0">
+                              <a:solidFill>
+                                <a:schemeClr val="tx1"/>
+                              </a:solidFill>
+                              <a:latin typeface="Times New Roman" panose="02020603050405020304" pitchFamily="18" charset="0"/>
+                              <a:cs typeface="Times New Roman" panose="02020603050405020304" pitchFamily="18" charset="0"/>
+                            </a:rPr>
+                            <a:t>…</a:t>
+                          </a:r>
+                          <a:endParaRPr lang="zh-CN" altLang="en-US" b="0" dirty="0">
+                            <a:solidFill>
+                              <a:schemeClr val="tx1"/>
+                            </a:solidFill>
+                            <a:latin typeface="Times New Roman" panose="02020603050405020304" pitchFamily="18" charset="0"/>
+                            <a:cs typeface="Times New Roman" panose="02020603050405020304" pitchFamily="18" charset="0"/>
+                          </a:endParaRPr>
+                        </a:p>
+                      </a:txBody>
+                      <a:tcPr>
+                        <a:lnL w="12700" cap="flat" cmpd="sng" algn="ctr">
+                          <a:noFill/>
+                          <a:prstDash val="solid"/>
+                          <a:round/>
+                          <a:headEnd type="none" w="med" len="med"/>
+                          <a:tailEnd type="none" w="med" len="med"/>
+                        </a:lnL>
+                        <a:lnR w="12700" cap="flat" cmpd="sng" algn="ctr">
+                          <a:noFill/>
+                          <a:prstDash val="solid"/>
+                          <a:round/>
+                          <a:headEnd type="none" w="med" len="med"/>
+                          <a:tailEnd type="none" w="med" len="med"/>
+                        </a:lnR>
+                        <a:lnT w="19050" cap="flat" cmpd="sng" algn="ctr">
+                          <a:solidFill>
+                            <a:schemeClr val="tx1"/>
+                          </a:solidFill>
+                          <a:prstDash val="solid"/>
+                          <a:round/>
+                          <a:headEnd type="none" w="med" len="med"/>
+                          <a:tailEnd type="none" w="med" len="med"/>
+                        </a:lnT>
+                        <a:lnB w="12700" cap="flat" cmpd="sng" algn="ctr">
+                          <a:solidFill>
+                            <a:schemeClr val="tx1"/>
+                          </a:solidFill>
+                          <a:prstDash val="solid"/>
+                          <a:round/>
+                          <a:headEnd type="none" w="med" len="med"/>
+                          <a:tailEnd type="none" w="med" len="med"/>
+                        </a:lnB>
+                        <a:lnTlToBr w="12700" cmpd="sng">
+                          <a:noFill/>
+                          <a:prstDash val="solid"/>
+                        </a:lnTlToBr>
+                        <a:lnBlToTr w="12700" cmpd="sng">
+                          <a:noFill/>
+                          <a:prstDash val="solid"/>
+                        </a:lnBlToTr>
+                        <a:solidFill>
+                          <a:schemeClr val="bg1"/>
+                        </a:solidFill>
+                      </a:tcPr>
+                    </a:tc>
+                    <a:tc>
+                      <a:txBody>
+                        <a:bodyPr/>
+                        <a:lstStyle/>
+                        <a:p>
+                          <a:pPr algn="ctr"/>
+                          <a14:m>
+                            <m:oMathPara xmlns:m="http://schemas.openxmlformats.org/officeDocument/2006/math">
+                              <m:oMathParaPr>
+                                <m:jc m:val="centerGroup"/>
+                              </m:oMathParaPr>
+                              <m:oMath xmlns:m="http://schemas.openxmlformats.org/officeDocument/2006/math">
+                                <m:sSub>
+                                  <m:sSubPr>
+                                    <m:ctrlPr>
+                                      <a:rPr lang="en-US" altLang="zh-CN" b="0" i="1" smtClean="0">
+                                        <a:solidFill>
+                                          <a:schemeClr val="tx1"/>
+                                        </a:solidFill>
+                                        <a:latin typeface="Cambria Math" panose="02040503050406030204" pitchFamily="18" charset="0"/>
+                                        <a:cs typeface="Times New Roman" panose="02020603050405020304" pitchFamily="18" charset="0"/>
+                                      </a:rPr>
+                                    </m:ctrlPr>
+                                  </m:sSubPr>
+                                  <m:e>
+                                    <m:r>
+                                      <a:rPr lang="en-US" altLang="zh-CN" b="0" i="1" smtClean="0">
+                                        <a:solidFill>
+                                          <a:schemeClr val="tx1"/>
+                                        </a:solidFill>
+                                        <a:latin typeface="Cambria Math" panose="02040503050406030204" pitchFamily="18" charset="0"/>
+                                        <a:cs typeface="Times New Roman" panose="02020603050405020304" pitchFamily="18" charset="0"/>
+                                      </a:rPr>
+                                      <m:t>𝑥</m:t>
+                                    </m:r>
+                                  </m:e>
+                                  <m:sub>
+                                    <m:r>
+                                      <a:rPr lang="en-US" altLang="zh-CN" b="0" i="1" smtClean="0">
+                                        <a:solidFill>
+                                          <a:schemeClr val="tx1"/>
+                                        </a:solidFill>
+                                        <a:latin typeface="Cambria Math" panose="02040503050406030204" pitchFamily="18" charset="0"/>
+                                        <a:cs typeface="Times New Roman" panose="02020603050405020304" pitchFamily="18" charset="0"/>
+                                      </a:rPr>
+                                      <m:t>𝑘</m:t>
+                                    </m:r>
+                                  </m:sub>
+                                </m:sSub>
+                              </m:oMath>
+                            </m:oMathPara>
+                          </a14:m>
+                          <a:endParaRPr lang="zh-CN" altLang="en-US" b="0" dirty="0">
+                            <a:solidFill>
+                              <a:schemeClr val="tx1"/>
+                            </a:solidFill>
+                            <a:latin typeface="Times New Roman" panose="02020603050405020304" pitchFamily="18" charset="0"/>
+                            <a:cs typeface="Times New Roman" panose="02020603050405020304" pitchFamily="18" charset="0"/>
+                          </a:endParaRPr>
+                        </a:p>
+                      </a:txBody>
+                      <a:tcPr>
+                        <a:lnL w="12700" cap="flat" cmpd="sng" algn="ctr">
+                          <a:noFill/>
+                          <a:prstDash val="solid"/>
+                          <a:round/>
+                          <a:headEnd type="none" w="med" len="med"/>
+                          <a:tailEnd type="none" w="med" len="med"/>
+                        </a:lnL>
+                        <a:lnR w="12700" cap="flat" cmpd="sng" algn="ctr">
+                          <a:noFill/>
+                          <a:prstDash val="solid"/>
+                          <a:round/>
+                          <a:headEnd type="none" w="med" len="med"/>
+                          <a:tailEnd type="none" w="med" len="med"/>
+                        </a:lnR>
+                        <a:lnT w="19050" cap="flat" cmpd="sng" algn="ctr">
+                          <a:solidFill>
+                            <a:schemeClr val="tx1"/>
+                          </a:solidFill>
+                          <a:prstDash val="solid"/>
+                          <a:round/>
+                          <a:headEnd type="none" w="med" len="med"/>
+                          <a:tailEnd type="none" w="med" len="med"/>
+                        </a:lnT>
+                        <a:lnB w="12700" cap="flat" cmpd="sng" algn="ctr">
+                          <a:solidFill>
+                            <a:schemeClr val="tx1"/>
+                          </a:solidFill>
+                          <a:prstDash val="solid"/>
+                          <a:round/>
+                          <a:headEnd type="none" w="med" len="med"/>
+                          <a:tailEnd type="none" w="med" len="med"/>
+                        </a:lnB>
+                        <a:lnTlToBr w="12700" cmpd="sng">
+                          <a:noFill/>
+                          <a:prstDash val="solid"/>
+                        </a:lnTlToBr>
+                        <a:lnBlToTr w="12700" cmpd="sng">
+                          <a:noFill/>
+                          <a:prstDash val="solid"/>
+                        </a:lnBlToTr>
+                        <a:solidFill>
+                          <a:schemeClr val="bg1"/>
+                        </a:solidFill>
+                      </a:tcPr>
+                    </a:tc>
+                    <a:tc>
+                      <a:txBody>
+                        <a:bodyPr/>
+                        <a:lstStyle/>
+                        <a:p>
+                          <a:pPr algn="ctr"/>
+                          <a:r>
+                            <a:rPr lang="en-US" altLang="zh-CN" b="0" dirty="0">
+                              <a:solidFill>
+                                <a:schemeClr val="tx1"/>
+                              </a:solidFill>
+                              <a:latin typeface="Times New Roman" panose="02020603050405020304" pitchFamily="18" charset="0"/>
+                              <a:cs typeface="Times New Roman" panose="02020603050405020304" pitchFamily="18" charset="0"/>
+                            </a:rPr>
+                            <a:t>…</a:t>
+                          </a:r>
+                          <a:endParaRPr lang="zh-CN" altLang="en-US" b="0" dirty="0">
+                            <a:solidFill>
+                              <a:schemeClr val="tx1"/>
+                            </a:solidFill>
+                            <a:latin typeface="Times New Roman" panose="02020603050405020304" pitchFamily="18" charset="0"/>
+                            <a:cs typeface="Times New Roman" panose="02020603050405020304" pitchFamily="18" charset="0"/>
+                          </a:endParaRPr>
+                        </a:p>
+                      </a:txBody>
+                      <a:tcPr>
+                        <a:lnL w="12700" cap="flat" cmpd="sng" algn="ctr">
+                          <a:noFill/>
+                          <a:prstDash val="solid"/>
+                          <a:round/>
+                          <a:headEnd type="none" w="med" len="med"/>
+                          <a:tailEnd type="none" w="med" len="med"/>
+                        </a:lnL>
+                        <a:lnR w="12700" cap="flat" cmpd="sng" algn="ctr">
+                          <a:noFill/>
+                          <a:prstDash val="solid"/>
+                          <a:round/>
+                          <a:headEnd type="none" w="med" len="med"/>
+                          <a:tailEnd type="none" w="med" len="med"/>
+                        </a:lnR>
+                        <a:lnT w="19050" cap="flat" cmpd="sng" algn="ctr">
+                          <a:solidFill>
+                            <a:schemeClr val="tx1"/>
+                          </a:solidFill>
+                          <a:prstDash val="solid"/>
+                          <a:round/>
+                          <a:headEnd type="none" w="med" len="med"/>
+                          <a:tailEnd type="none" w="med" len="med"/>
+                        </a:lnT>
+                        <a:lnB w="12700" cap="flat" cmpd="sng" algn="ctr">
+                          <a:solidFill>
+                            <a:schemeClr val="tx1"/>
+                          </a:solidFill>
+                          <a:prstDash val="solid"/>
+                          <a:round/>
+                          <a:headEnd type="none" w="med" len="med"/>
+                          <a:tailEnd type="none" w="med" len="med"/>
+                        </a:lnB>
+                        <a:lnTlToBr w="12700" cmpd="sng">
+                          <a:noFill/>
+                          <a:prstDash val="solid"/>
+                        </a:lnTlToBr>
+                        <a:lnBlToTr w="12700" cmpd="sng">
+                          <a:noFill/>
+                          <a:prstDash val="solid"/>
+                        </a:lnBlToTr>
+                        <a:solidFill>
+                          <a:schemeClr val="bg1"/>
+                        </a:solidFill>
+                      </a:tcPr>
+                    </a:tc>
+                    <a:extLst>
+                      <a:ext uri="{0D108BD9-81ED-4DB2-BD59-A6C34878D82A}">
+                        <a16:rowId xmlns:a16="http://schemas.microsoft.com/office/drawing/2014/main" val="3511250450"/>
+                      </a:ext>
+                    </a:extLst>
+                  </a:tr>
+                  <a:tr h="370840">
+                    <a:tc>
+                      <a:txBody>
+                        <a:bodyPr/>
+                        <a:lstStyle/>
+                        <a:p>
+                          <a:pPr algn="ctr"/>
+                          <a:r>
+                            <a:rPr lang="en-US" altLang="zh-CN" b="0" dirty="0">
+                              <a:solidFill>
+                                <a:schemeClr val="tx1"/>
+                              </a:solidFill>
+                              <a:latin typeface="Times New Roman" panose="02020603050405020304" pitchFamily="18" charset="0"/>
+                              <a:cs typeface="Times New Roman" panose="02020603050405020304" pitchFamily="18" charset="0"/>
+                            </a:rPr>
+                            <a:t>P</a:t>
+                          </a:r>
+                          <a:endParaRPr lang="zh-CN" altLang="en-US" b="0" dirty="0">
+                            <a:solidFill>
+                              <a:schemeClr val="tx1"/>
+                            </a:solidFill>
+                            <a:latin typeface="Times New Roman" panose="02020603050405020304" pitchFamily="18" charset="0"/>
+                            <a:cs typeface="Times New Roman" panose="02020603050405020304" pitchFamily="18" charset="0"/>
+                          </a:endParaRPr>
+                        </a:p>
+                      </a:txBody>
+                      <a:tcPr>
+                        <a:lnL w="12700" cap="flat" cmpd="sng" algn="ctr">
+                          <a:noFill/>
+                          <a:prstDash val="solid"/>
+                          <a:round/>
+                          <a:headEnd type="none" w="med" len="med"/>
+                          <a:tailEnd type="none" w="med" len="med"/>
+                        </a:lnL>
+                        <a:lnR w="12700" cap="flat" cmpd="sng" algn="ctr">
+                          <a:solidFill>
+                            <a:schemeClr val="tx1"/>
+                          </a:solidFill>
+                          <a:prstDash val="solid"/>
+                          <a:round/>
+                          <a:headEnd type="none" w="med" len="med"/>
+                          <a:tailEnd type="none" w="med" len="med"/>
+                        </a:lnR>
+                        <a:lnT w="12700" cap="flat" cmpd="sng" algn="ctr">
+                          <a:solidFill>
+                            <a:schemeClr val="tx1"/>
+                          </a:solidFill>
+                          <a:prstDash val="solid"/>
+                          <a:round/>
+                          <a:headEnd type="none" w="med" len="med"/>
+                          <a:tailEnd type="none" w="med" len="med"/>
+                        </a:lnT>
+                        <a:lnB w="12700" cap="flat" cmpd="sng" algn="ctr">
+                          <a:solidFill>
+                            <a:schemeClr val="tx1"/>
+                          </a:solidFill>
+                          <a:prstDash val="solid"/>
+                          <a:round/>
+                          <a:headEnd type="none" w="med" len="med"/>
+                          <a:tailEnd type="none" w="med" len="med"/>
+                        </a:lnB>
+                        <a:lnTlToBr w="12700" cmpd="sng">
+                          <a:noFill/>
+                          <a:prstDash val="solid"/>
+                        </a:lnTlToBr>
+                        <a:lnBlToTr w="12700" cmpd="sng">
+                          <a:noFill/>
+                          <a:prstDash val="solid"/>
+                        </a:lnBlToTr>
+                        <a:solidFill>
+                          <a:schemeClr val="bg1"/>
+                        </a:solidFill>
+                      </a:tcPr>
+                    </a:tc>
+                    <a:tc>
+                      <a:txBody>
+                        <a:bodyPr/>
+                        <a:lstStyle/>
+                        <a:p>
+                          <a:pPr algn="ctr"/>
+                          <a14:m>
+                            <m:oMathPara xmlns:m="http://schemas.openxmlformats.org/officeDocument/2006/math">
+                              <m:oMathParaPr>
+                                <m:jc m:val="centerGroup"/>
+                              </m:oMathParaPr>
+                              <m:oMath xmlns:m="http://schemas.openxmlformats.org/officeDocument/2006/math">
+                                <m:sSub>
+                                  <m:sSubPr>
+                                    <m:ctrlPr>
+                                      <a:rPr lang="en-US" altLang="zh-CN" b="0" i="1" smtClean="0">
+                                        <a:solidFill>
+                                          <a:schemeClr val="tx1"/>
+                                        </a:solidFill>
+                                        <a:latin typeface="Cambria Math" panose="02040503050406030204" pitchFamily="18" charset="0"/>
+                                        <a:cs typeface="Times New Roman" panose="02020603050405020304" pitchFamily="18" charset="0"/>
+                                      </a:rPr>
+                                    </m:ctrlPr>
+                                  </m:sSubPr>
+                                  <m:e>
+                                    <m:r>
+                                      <a:rPr lang="en-US" altLang="zh-CN" b="0" i="1" smtClean="0">
+                                        <a:solidFill>
+                                          <a:schemeClr val="tx1"/>
+                                        </a:solidFill>
+                                        <a:latin typeface="Cambria Math" panose="02040503050406030204" pitchFamily="18" charset="0"/>
+                                        <a:cs typeface="Times New Roman" panose="02020603050405020304" pitchFamily="18" charset="0"/>
+                                      </a:rPr>
+                                      <m:t>𝑝</m:t>
+                                    </m:r>
+                                  </m:e>
+                                  <m:sub>
+                                    <m:r>
+                                      <a:rPr lang="en-US" altLang="zh-CN" b="0" i="1" smtClean="0">
+                                        <a:solidFill>
+                                          <a:schemeClr val="tx1"/>
+                                        </a:solidFill>
+                                        <a:latin typeface="Cambria Math" panose="02040503050406030204" pitchFamily="18" charset="0"/>
+                                        <a:cs typeface="Times New Roman" panose="02020603050405020304" pitchFamily="18" charset="0"/>
+                                      </a:rPr>
+                                      <m:t>1</m:t>
+                                    </m:r>
+                                  </m:sub>
+                                </m:sSub>
+                              </m:oMath>
+                            </m:oMathPara>
+                          </a14:m>
+                          <a:endParaRPr lang="en-US" altLang="zh-CN" b="0" dirty="0">
+                            <a:solidFill>
+                              <a:schemeClr val="tx1"/>
+                            </a:solidFill>
+                            <a:latin typeface="Times New Roman" panose="02020603050405020304" pitchFamily="18" charset="0"/>
+                            <a:cs typeface="Times New Roman" panose="02020603050405020304" pitchFamily="18" charset="0"/>
+                          </a:endParaRPr>
+                        </a:p>
+                      </a:txBody>
+                      <a:tcPr>
+                        <a:lnL w="12700" cap="flat" cmpd="sng" algn="ctr">
+                          <a:solidFill>
+                            <a:schemeClr val="tx1"/>
+                          </a:solidFill>
+                          <a:prstDash val="solid"/>
+                          <a:round/>
+                          <a:headEnd type="none" w="med" len="med"/>
+                          <a:tailEnd type="none" w="med" len="med"/>
+                        </a:lnL>
+                        <a:lnR w="12700" cap="flat" cmpd="sng" algn="ctr">
+                          <a:noFill/>
+                          <a:prstDash val="solid"/>
+                          <a:round/>
+                          <a:headEnd type="none" w="med" len="med"/>
+                          <a:tailEnd type="none" w="med" len="med"/>
+                        </a:lnR>
+                        <a:lnT w="12700" cap="flat" cmpd="sng" algn="ctr">
+                          <a:solidFill>
+                            <a:schemeClr val="tx1"/>
+                          </a:solidFill>
+                          <a:prstDash val="solid"/>
+                          <a:round/>
+                          <a:headEnd type="none" w="med" len="med"/>
+                          <a:tailEnd type="none" w="med" len="med"/>
+                        </a:lnT>
+                        <a:lnB w="12700" cap="flat" cmpd="sng" algn="ctr">
+                          <a:solidFill>
+                            <a:schemeClr val="tx1"/>
+                          </a:solidFill>
+                          <a:prstDash val="solid"/>
+                          <a:round/>
+                          <a:headEnd type="none" w="med" len="med"/>
+                          <a:tailEnd type="none" w="med" len="med"/>
+                        </a:lnB>
+                        <a:lnTlToBr w="12700" cmpd="sng">
+                          <a:noFill/>
+                          <a:prstDash val="solid"/>
+                        </a:lnTlToBr>
+                        <a:lnBlToTr w="12700" cmpd="sng">
+                          <a:noFill/>
+                          <a:prstDash val="solid"/>
+                        </a:lnBlToTr>
+                        <a:solidFill>
+                          <a:schemeClr val="bg1"/>
+                        </a:solidFill>
+                      </a:tcPr>
+                    </a:tc>
+                    <a:tc>
+                      <a:txBody>
+                        <a:bodyPr/>
+                        <a:lstStyle/>
+                        <a:p>
+                          <a:pPr algn="ctr"/>
+                          <a14:m>
+                            <m:oMathPara xmlns:m="http://schemas.openxmlformats.org/officeDocument/2006/math">
+                              <m:oMathParaPr>
+                                <m:jc m:val="centerGroup"/>
+                              </m:oMathParaPr>
+                              <m:oMath xmlns:m="http://schemas.openxmlformats.org/officeDocument/2006/math">
+                                <m:sSub>
+                                  <m:sSubPr>
+                                    <m:ctrlPr>
+                                      <a:rPr lang="en-US" altLang="zh-CN" b="0" i="1" smtClean="0">
+                                        <a:solidFill>
+                                          <a:schemeClr val="tx1"/>
+                                        </a:solidFill>
+                                        <a:latin typeface="Cambria Math" panose="02040503050406030204" pitchFamily="18" charset="0"/>
+                                        <a:cs typeface="Times New Roman" panose="02020603050405020304" pitchFamily="18" charset="0"/>
+                                      </a:rPr>
+                                    </m:ctrlPr>
+                                  </m:sSubPr>
+                                  <m:e>
+                                    <m:r>
+                                      <a:rPr lang="en-US" altLang="zh-CN" b="0" i="1" smtClean="0">
+                                        <a:solidFill>
+                                          <a:schemeClr val="tx1"/>
+                                        </a:solidFill>
+                                        <a:latin typeface="Cambria Math" panose="02040503050406030204" pitchFamily="18" charset="0"/>
+                                        <a:cs typeface="Times New Roman" panose="02020603050405020304" pitchFamily="18" charset="0"/>
+                                      </a:rPr>
+                                      <m:t>𝑝</m:t>
+                                    </m:r>
+                                  </m:e>
+                                  <m:sub>
+                                    <m:r>
+                                      <a:rPr lang="en-US" altLang="zh-CN" b="0" i="1" smtClean="0">
+                                        <a:solidFill>
+                                          <a:schemeClr val="tx1"/>
+                                        </a:solidFill>
+                                        <a:latin typeface="Cambria Math" panose="02040503050406030204" pitchFamily="18" charset="0"/>
+                                        <a:cs typeface="Times New Roman" panose="02020603050405020304" pitchFamily="18" charset="0"/>
+                                      </a:rPr>
+                                      <m:t>2</m:t>
+                                    </m:r>
+                                  </m:sub>
+                                </m:sSub>
+                              </m:oMath>
+                            </m:oMathPara>
+                          </a14:m>
+                          <a:endParaRPr lang="zh-CN" altLang="en-US" b="0" dirty="0">
+                            <a:solidFill>
+                              <a:schemeClr val="tx1"/>
+                            </a:solidFill>
+                            <a:latin typeface="Times New Roman" panose="02020603050405020304" pitchFamily="18" charset="0"/>
+                            <a:cs typeface="Times New Roman" panose="02020603050405020304" pitchFamily="18" charset="0"/>
+                          </a:endParaRPr>
+                        </a:p>
+                      </a:txBody>
+                      <a:tcPr>
+                        <a:lnL w="12700" cap="flat" cmpd="sng" algn="ctr">
+                          <a:noFill/>
+                          <a:prstDash val="solid"/>
+                          <a:round/>
+                          <a:headEnd type="none" w="med" len="med"/>
+                          <a:tailEnd type="none" w="med" len="med"/>
+                        </a:lnL>
+                        <a:lnR w="12700" cap="flat" cmpd="sng" algn="ctr">
+                          <a:noFill/>
+                          <a:prstDash val="solid"/>
+                          <a:round/>
+                          <a:headEnd type="none" w="med" len="med"/>
+                          <a:tailEnd type="none" w="med" len="med"/>
+                        </a:lnR>
+                        <a:lnT w="12700" cap="flat" cmpd="sng" algn="ctr">
+                          <a:solidFill>
+                            <a:schemeClr val="tx1"/>
+                          </a:solidFill>
+                          <a:prstDash val="solid"/>
+                          <a:round/>
+                          <a:headEnd type="none" w="med" len="med"/>
+                          <a:tailEnd type="none" w="med" len="med"/>
+                        </a:lnT>
+                        <a:lnB w="12700" cap="flat" cmpd="sng" algn="ctr">
+                          <a:solidFill>
+                            <a:schemeClr val="tx1"/>
+                          </a:solidFill>
+                          <a:prstDash val="solid"/>
+                          <a:round/>
+                          <a:headEnd type="none" w="med" len="med"/>
+                          <a:tailEnd type="none" w="med" len="med"/>
+                        </a:lnB>
+                        <a:lnTlToBr w="12700" cmpd="sng">
+                          <a:noFill/>
+                          <a:prstDash val="solid"/>
+                        </a:lnTlToBr>
+                        <a:lnBlToTr w="12700" cmpd="sng">
+                          <a:noFill/>
+                          <a:prstDash val="solid"/>
+                        </a:lnBlToTr>
+                        <a:solidFill>
+                          <a:schemeClr val="bg1"/>
+                        </a:solidFill>
+                      </a:tcPr>
+                    </a:tc>
+                    <a:tc>
+                      <a:txBody>
+                        <a:bodyPr/>
+                        <a:lstStyle/>
+                        <a:p>
+                          <a:pPr algn="ctr"/>
+                          <a:r>
+                            <a:rPr lang="en-US" altLang="zh-CN" b="0" dirty="0">
+                              <a:solidFill>
+                                <a:schemeClr val="tx1"/>
+                              </a:solidFill>
+                              <a:latin typeface="Times New Roman" panose="02020603050405020304" pitchFamily="18" charset="0"/>
+                              <a:cs typeface="Times New Roman" panose="02020603050405020304" pitchFamily="18" charset="0"/>
+                            </a:rPr>
+                            <a:t>…</a:t>
+                          </a:r>
+                          <a:endParaRPr lang="zh-CN" altLang="en-US" b="0" dirty="0">
+                            <a:solidFill>
+                              <a:schemeClr val="tx1"/>
+                            </a:solidFill>
+                            <a:latin typeface="Times New Roman" panose="02020603050405020304" pitchFamily="18" charset="0"/>
+                            <a:cs typeface="Times New Roman" panose="02020603050405020304" pitchFamily="18" charset="0"/>
+                          </a:endParaRPr>
+                        </a:p>
+                      </a:txBody>
+                      <a:tcPr>
+                        <a:lnL w="12700" cap="flat" cmpd="sng" algn="ctr">
+                          <a:noFill/>
+                          <a:prstDash val="solid"/>
+                          <a:round/>
+                          <a:headEnd type="none" w="med" len="med"/>
+                          <a:tailEnd type="none" w="med" len="med"/>
+                        </a:lnL>
+                        <a:lnR w="12700" cap="flat" cmpd="sng" algn="ctr">
+                          <a:noFill/>
+                          <a:prstDash val="solid"/>
+                          <a:round/>
+                          <a:headEnd type="none" w="med" len="med"/>
+                          <a:tailEnd type="none" w="med" len="med"/>
+                        </a:lnR>
+                        <a:lnT w="12700" cap="flat" cmpd="sng" algn="ctr">
+                          <a:solidFill>
+                            <a:schemeClr val="tx1"/>
+                          </a:solidFill>
+                          <a:prstDash val="solid"/>
+                          <a:round/>
+                          <a:headEnd type="none" w="med" len="med"/>
+                          <a:tailEnd type="none" w="med" len="med"/>
+                        </a:lnT>
+                        <a:lnB w="12700" cap="flat" cmpd="sng" algn="ctr">
+                          <a:solidFill>
+                            <a:schemeClr val="tx1"/>
+                          </a:solidFill>
+                          <a:prstDash val="solid"/>
+                          <a:round/>
+                          <a:headEnd type="none" w="med" len="med"/>
+                          <a:tailEnd type="none" w="med" len="med"/>
+                        </a:lnB>
+                        <a:lnTlToBr w="12700" cmpd="sng">
+                          <a:noFill/>
+                          <a:prstDash val="solid"/>
+                        </a:lnTlToBr>
+                        <a:lnBlToTr w="12700" cmpd="sng">
+                          <a:noFill/>
+                          <a:prstDash val="solid"/>
+                        </a:lnBlToTr>
+                        <a:solidFill>
+                          <a:schemeClr val="bg1"/>
+                        </a:solidFill>
+                      </a:tcPr>
+                    </a:tc>
+                    <a:tc>
+                      <a:txBody>
+                        <a:bodyPr/>
+                        <a:lstStyle/>
+                        <a:p>
+                          <a:pPr algn="ctr"/>
+                          <a14:m>
+                            <m:oMathPara xmlns:m="http://schemas.openxmlformats.org/officeDocument/2006/math">
+                              <m:oMathParaPr>
+                                <m:jc m:val="centerGroup"/>
+                              </m:oMathParaPr>
+                              <m:oMath xmlns:m="http://schemas.openxmlformats.org/officeDocument/2006/math">
+                                <m:sSub>
+                                  <m:sSubPr>
+                                    <m:ctrlPr>
+                                      <a:rPr lang="en-US" altLang="zh-CN" b="0" i="1" smtClean="0">
+                                        <a:solidFill>
+                                          <a:schemeClr val="tx1"/>
+                                        </a:solidFill>
+                                        <a:latin typeface="Cambria Math" panose="02040503050406030204" pitchFamily="18" charset="0"/>
+                                        <a:cs typeface="Times New Roman" panose="02020603050405020304" pitchFamily="18" charset="0"/>
+                                      </a:rPr>
+                                    </m:ctrlPr>
+                                  </m:sSubPr>
+                                  <m:e>
+                                    <m:r>
+                                      <a:rPr lang="en-US" altLang="zh-CN" b="0" i="1" smtClean="0">
+                                        <a:solidFill>
+                                          <a:schemeClr val="tx1"/>
+                                        </a:solidFill>
+                                        <a:latin typeface="Cambria Math" panose="02040503050406030204" pitchFamily="18" charset="0"/>
+                                        <a:cs typeface="Times New Roman" panose="02020603050405020304" pitchFamily="18" charset="0"/>
+                                      </a:rPr>
+                                      <m:t>𝑝</m:t>
+                                    </m:r>
+                                  </m:e>
+                                  <m:sub>
+                                    <m:r>
+                                      <a:rPr lang="en-US" altLang="zh-CN" b="0" i="1" smtClean="0">
+                                        <a:solidFill>
+                                          <a:schemeClr val="tx1"/>
+                                        </a:solidFill>
+                                        <a:latin typeface="Cambria Math" panose="02040503050406030204" pitchFamily="18" charset="0"/>
+                                        <a:cs typeface="Times New Roman" panose="02020603050405020304" pitchFamily="18" charset="0"/>
+                                      </a:rPr>
+                                      <m:t>𝑘</m:t>
+                                    </m:r>
+                                  </m:sub>
+                                </m:sSub>
+                              </m:oMath>
+                            </m:oMathPara>
+                          </a14:m>
+                          <a:endParaRPr lang="zh-CN" altLang="en-US" b="0" dirty="0">
+                            <a:solidFill>
+                              <a:schemeClr val="tx1"/>
+                            </a:solidFill>
+                            <a:latin typeface="Times New Roman" panose="02020603050405020304" pitchFamily="18" charset="0"/>
+                            <a:cs typeface="Times New Roman" panose="02020603050405020304" pitchFamily="18" charset="0"/>
+                          </a:endParaRPr>
+                        </a:p>
+                      </a:txBody>
+                      <a:tcPr>
+                        <a:lnL w="12700" cap="flat" cmpd="sng" algn="ctr">
+                          <a:noFill/>
+                          <a:prstDash val="solid"/>
+                          <a:round/>
+                          <a:headEnd type="none" w="med" len="med"/>
+                          <a:tailEnd type="none" w="med" len="med"/>
+                        </a:lnL>
+                        <a:lnR w="12700" cap="flat" cmpd="sng" algn="ctr">
+                          <a:noFill/>
+                          <a:prstDash val="solid"/>
+                          <a:round/>
+                          <a:headEnd type="none" w="med" len="med"/>
+                          <a:tailEnd type="none" w="med" len="med"/>
+                        </a:lnR>
+                        <a:lnT w="12700" cap="flat" cmpd="sng" algn="ctr">
+                          <a:solidFill>
+                            <a:schemeClr val="tx1"/>
+                          </a:solidFill>
+                          <a:prstDash val="solid"/>
+                          <a:round/>
+                          <a:headEnd type="none" w="med" len="med"/>
+                          <a:tailEnd type="none" w="med" len="med"/>
+                        </a:lnT>
+                        <a:lnB w="12700" cap="flat" cmpd="sng" algn="ctr">
+                          <a:solidFill>
+                            <a:schemeClr val="tx1"/>
+                          </a:solidFill>
+                          <a:prstDash val="solid"/>
+                          <a:round/>
+                          <a:headEnd type="none" w="med" len="med"/>
+                          <a:tailEnd type="none" w="med" len="med"/>
+                        </a:lnB>
+                        <a:lnTlToBr w="12700" cmpd="sng">
+                          <a:noFill/>
+                          <a:prstDash val="solid"/>
+                        </a:lnTlToBr>
+                        <a:lnBlToTr w="12700" cmpd="sng">
+                          <a:noFill/>
+                          <a:prstDash val="solid"/>
+                        </a:lnBlToTr>
+                        <a:solidFill>
+                          <a:schemeClr val="bg1"/>
+                        </a:solidFill>
+                      </a:tcPr>
+                    </a:tc>
+                    <a:tc>
+                      <a:txBody>
+                        <a:bodyPr/>
+                        <a:lstStyle/>
+                        <a:p>
+                          <a:pPr algn="ctr"/>
+                          <a:r>
+                            <a:rPr lang="en-US" altLang="zh-CN" b="0" dirty="0">
+                              <a:solidFill>
+                                <a:schemeClr val="tx1"/>
+                              </a:solidFill>
+                              <a:latin typeface="Times New Roman" panose="02020603050405020304" pitchFamily="18" charset="0"/>
+                              <a:cs typeface="Times New Roman" panose="02020603050405020304" pitchFamily="18" charset="0"/>
+                            </a:rPr>
+                            <a:t>…</a:t>
+                          </a:r>
+                          <a:endParaRPr lang="zh-CN" altLang="en-US" b="0" dirty="0">
+                            <a:solidFill>
+                              <a:schemeClr val="tx1"/>
+                            </a:solidFill>
+                            <a:latin typeface="Times New Roman" panose="02020603050405020304" pitchFamily="18" charset="0"/>
+                            <a:cs typeface="Times New Roman" panose="02020603050405020304" pitchFamily="18" charset="0"/>
+                          </a:endParaRPr>
+                        </a:p>
+                      </a:txBody>
+                      <a:tcPr>
+                        <a:lnL w="12700" cap="flat" cmpd="sng" algn="ctr">
+                          <a:noFill/>
+                          <a:prstDash val="solid"/>
+                          <a:round/>
+                          <a:headEnd type="none" w="med" len="med"/>
+                          <a:tailEnd type="none" w="med" len="med"/>
+                        </a:lnL>
+                        <a:lnR w="12700" cap="flat" cmpd="sng" algn="ctr">
+                          <a:noFill/>
+                          <a:prstDash val="solid"/>
+                          <a:round/>
+                          <a:headEnd type="none" w="med" len="med"/>
+                          <a:tailEnd type="none" w="med" len="med"/>
+                        </a:lnR>
+                        <a:lnT w="12700" cap="flat" cmpd="sng" algn="ctr">
+                          <a:solidFill>
+                            <a:schemeClr val="tx1"/>
+                          </a:solidFill>
+                          <a:prstDash val="solid"/>
+                          <a:round/>
+                          <a:headEnd type="none" w="med" len="med"/>
+                          <a:tailEnd type="none" w="med" len="med"/>
+                        </a:lnT>
+                        <a:lnB w="12700" cap="flat" cmpd="sng" algn="ctr">
+                          <a:solidFill>
+                            <a:schemeClr val="tx1"/>
+                          </a:solidFill>
+                          <a:prstDash val="solid"/>
+                          <a:round/>
+                          <a:headEnd type="none" w="med" len="med"/>
+                          <a:tailEnd type="none" w="med" len="med"/>
+                        </a:lnB>
+                        <a:lnTlToBr w="12700" cmpd="sng">
+                          <a:noFill/>
+                          <a:prstDash val="solid"/>
+                        </a:lnTlToBr>
+                        <a:lnBlToTr w="12700" cmpd="sng">
+                          <a:noFill/>
+                          <a:prstDash val="solid"/>
+                        </a:lnBlToTr>
+                        <a:solidFill>
+                          <a:schemeClr val="bg1"/>
+                        </a:solidFill>
+                      </a:tcPr>
+                    </a:tc>
+                    <a:extLst>
+                      <a:ext uri="{0D108BD9-81ED-4DB2-BD59-A6C34878D82A}">
+                        <a16:rowId xmlns:a16="http://schemas.microsoft.com/office/drawing/2014/main" val="3045326167"/>
+                      </a:ext>
+                    </a:extLst>
+                  </a:tr>
+                </a:tbl>
+              </a:graphicData>
+            </a:graphic>
+          </p:graphicFrame>
+        </mc:Choice>
+        <mc:Fallback>
+          <p:graphicFrame>
+            <p:nvGraphicFramePr>
+              <p:cNvPr id="4" name="表格 3">
+                <a:extLst>
+                  <a:ext uri="{FF2B5EF4-FFF2-40B4-BE49-F238E27FC236}">
+                    <a16:creationId xmlns:a16="http://schemas.microsoft.com/office/drawing/2014/main" id="{A31F56A0-D0A4-C774-673F-F8E545ABF4B3}"/>
+                  </a:ext>
+                </a:extLst>
+              </p:cNvPr>
+              <p:cNvGraphicFramePr>
+                <a:graphicFrameLocks noGrp="1"/>
+              </p:cNvGraphicFramePr>
+              <p:nvPr>
+                <p:extLst>
+                  <p:ext uri="{D42A27DB-BD31-4B8C-83A1-F6EECF244321}">
+                    <p14:modId xmlns:p14="http://schemas.microsoft.com/office/powerpoint/2010/main" val="4007303381"/>
+                  </p:ext>
+                </p:extLst>
+              </p:nvPr>
+            </p:nvGraphicFramePr>
+            <p:xfrm>
+              <a:off x="2032000" y="1471506"/>
+              <a:ext cx="8128002" cy="736600"/>
+            </p:xfrm>
+            <a:graphic>
+              <a:graphicData uri="http://schemas.openxmlformats.org/drawingml/2006/table">
+                <a:tbl>
+                  <a:tblPr firstRow="1" bandRow="1">
+                    <a:tableStyleId>{5C22544A-7EE6-4342-B048-85BDC9FD1C3A}</a:tableStyleId>
+                  </a:tblPr>
+                  <a:tblGrid>
+                    <a:gridCol w="1354667">
+                      <a:extLst>
+                        <a:ext uri="{9D8B030D-6E8A-4147-A177-3AD203B41FA5}">
+                          <a16:colId xmlns:a16="http://schemas.microsoft.com/office/drawing/2014/main" val="1722989286"/>
+                        </a:ext>
+                      </a:extLst>
+                    </a:gridCol>
+                    <a:gridCol w="1354667">
+                      <a:extLst>
+                        <a:ext uri="{9D8B030D-6E8A-4147-A177-3AD203B41FA5}">
+                          <a16:colId xmlns:a16="http://schemas.microsoft.com/office/drawing/2014/main" val="3444716178"/>
+                        </a:ext>
+                      </a:extLst>
+                    </a:gridCol>
+                    <a:gridCol w="1354667">
+                      <a:extLst>
+                        <a:ext uri="{9D8B030D-6E8A-4147-A177-3AD203B41FA5}">
+                          <a16:colId xmlns:a16="http://schemas.microsoft.com/office/drawing/2014/main" val="2701297741"/>
+                        </a:ext>
+                      </a:extLst>
+                    </a:gridCol>
+                    <a:gridCol w="1354667">
+                      <a:extLst>
+                        <a:ext uri="{9D8B030D-6E8A-4147-A177-3AD203B41FA5}">
+                          <a16:colId xmlns:a16="http://schemas.microsoft.com/office/drawing/2014/main" val="480790829"/>
+                        </a:ext>
+                      </a:extLst>
+                    </a:gridCol>
+                    <a:gridCol w="1354667">
+                      <a:extLst>
+                        <a:ext uri="{9D8B030D-6E8A-4147-A177-3AD203B41FA5}">
+                          <a16:colId xmlns:a16="http://schemas.microsoft.com/office/drawing/2014/main" val="3318243028"/>
+                        </a:ext>
+                      </a:extLst>
+                    </a:gridCol>
+                    <a:gridCol w="1354667">
+                      <a:extLst>
+                        <a:ext uri="{9D8B030D-6E8A-4147-A177-3AD203B41FA5}">
+                          <a16:colId xmlns:a16="http://schemas.microsoft.com/office/drawing/2014/main" val="2209835067"/>
+                        </a:ext>
+                      </a:extLst>
+                    </a:gridCol>
+                  </a:tblGrid>
+                  <a:tr h="365760">
+                    <a:tc>
+                      <a:txBody>
+                        <a:bodyPr/>
+                        <a:lstStyle/>
+                        <a:p>
+                          <a:pPr algn="ctr"/>
+                          <a:r>
+                            <a:rPr lang="en-US" altLang="zh-CN" b="0" dirty="0">
+                              <a:solidFill>
+                                <a:schemeClr val="tx1"/>
+                              </a:solidFill>
+                              <a:latin typeface="Times New Roman" panose="02020603050405020304" pitchFamily="18" charset="0"/>
+                              <a:cs typeface="Times New Roman" panose="02020603050405020304" pitchFamily="18" charset="0"/>
+                            </a:rPr>
+                            <a:t>X</a:t>
+                          </a:r>
+                          <a:endParaRPr lang="zh-CN" altLang="en-US" b="0" dirty="0">
+                            <a:solidFill>
+                              <a:schemeClr val="tx1"/>
+                            </a:solidFill>
+                            <a:latin typeface="Times New Roman" panose="02020603050405020304" pitchFamily="18" charset="0"/>
+                            <a:cs typeface="Times New Roman" panose="02020603050405020304" pitchFamily="18" charset="0"/>
+                          </a:endParaRPr>
+                        </a:p>
+                      </a:txBody>
+                      <a:tcPr>
+                        <a:lnL w="12700" cap="flat" cmpd="sng" algn="ctr">
+                          <a:noFill/>
+                          <a:prstDash val="solid"/>
+                          <a:round/>
+                          <a:headEnd type="none" w="med" len="med"/>
+                          <a:tailEnd type="none" w="med" len="med"/>
+                        </a:lnL>
+                        <a:lnR w="12700" cap="flat" cmpd="sng" algn="ctr">
+                          <a:solidFill>
+                            <a:schemeClr val="tx1"/>
+                          </a:solidFill>
+                          <a:prstDash val="solid"/>
+                          <a:round/>
+                          <a:headEnd type="none" w="med" len="med"/>
+                          <a:tailEnd type="none" w="med" len="med"/>
+                        </a:lnR>
+                        <a:lnT w="19050" cap="flat" cmpd="sng" algn="ctr">
+                          <a:solidFill>
+                            <a:schemeClr val="tx1"/>
+                          </a:solidFill>
+                          <a:prstDash val="solid"/>
+                          <a:round/>
+                          <a:headEnd type="none" w="med" len="med"/>
+                          <a:tailEnd type="none" w="med" len="med"/>
+                        </a:lnT>
+                        <a:lnB w="12700" cap="flat" cmpd="sng" algn="ctr">
+                          <a:solidFill>
+                            <a:schemeClr val="tx1"/>
+                          </a:solidFill>
+                          <a:prstDash val="solid"/>
+                          <a:round/>
+                          <a:headEnd type="none" w="med" len="med"/>
+                          <a:tailEnd type="none" w="med" len="med"/>
+                        </a:lnB>
+                        <a:lnTlToBr w="12700" cmpd="sng">
+                          <a:noFill/>
+                          <a:prstDash val="solid"/>
+                        </a:lnTlToBr>
+                        <a:lnBlToTr w="12700" cmpd="sng">
+                          <a:noFill/>
+                          <a:prstDash val="solid"/>
+                        </a:lnBlToTr>
+                        <a:solidFill>
+                          <a:schemeClr val="bg1"/>
+                        </a:solidFill>
+                      </a:tcPr>
+                    </a:tc>
+                    <a:tc>
+                      <a:txBody>
+                        <a:bodyPr/>
+                        <a:lstStyle/>
+                        <a:p>
+                          <a:endParaRPr lang="zh-CN"/>
+                        </a:p>
+                      </a:txBody>
+                      <a:tcPr>
+                        <a:lnL w="12700" cap="flat" cmpd="sng" algn="ctr">
+                          <a:solidFill>
+                            <a:schemeClr val="tx1"/>
+                          </a:solidFill>
+                          <a:prstDash val="solid"/>
+                          <a:round/>
+                          <a:headEnd type="none" w="med" len="med"/>
+                          <a:tailEnd type="none" w="med" len="med"/>
+                        </a:lnL>
+                        <a:lnR w="12700" cap="flat" cmpd="sng" algn="ctr">
+                          <a:noFill/>
+                          <a:prstDash val="solid"/>
+                          <a:round/>
+                          <a:headEnd type="none" w="med" len="med"/>
+                          <a:tailEnd type="none" w="med" len="med"/>
+                        </a:lnR>
+                        <a:lnT w="19050" cap="flat" cmpd="sng" algn="ctr">
+                          <a:solidFill>
+                            <a:schemeClr val="tx1"/>
+                          </a:solidFill>
+                          <a:prstDash val="solid"/>
+                          <a:round/>
+                          <a:headEnd type="none" w="med" len="med"/>
+                          <a:tailEnd type="none" w="med" len="med"/>
+                        </a:lnT>
+                        <a:lnB w="12700" cap="flat" cmpd="sng" algn="ctr">
+                          <a:solidFill>
+                            <a:schemeClr val="tx1"/>
+                          </a:solidFill>
+                          <a:prstDash val="solid"/>
+                          <a:round/>
+                          <a:headEnd type="none" w="med" len="med"/>
+                          <a:tailEnd type="none" w="med" len="med"/>
+                        </a:lnB>
+                        <a:lnTlToBr w="12700" cmpd="sng">
+                          <a:noFill/>
+                          <a:prstDash val="solid"/>
+                        </a:lnTlToBr>
+                        <a:lnBlToTr w="12700" cmpd="sng">
+                          <a:noFill/>
+                          <a:prstDash val="solid"/>
+                        </a:lnBlToTr>
+                        <a:blipFill>
+                          <a:blip r:embed="rId2"/>
+                          <a:stretch>
+                            <a:fillRect l="-99552" t="-8197" r="-399552" b="-122951"/>
+                          </a:stretch>
+                        </a:blipFill>
+                      </a:tcPr>
+                    </a:tc>
+                    <a:tc>
+                      <a:txBody>
+                        <a:bodyPr/>
+                        <a:lstStyle/>
+                        <a:p>
+                          <a:endParaRPr lang="zh-CN"/>
+                        </a:p>
+                      </a:txBody>
+                      <a:tcPr>
+                        <a:lnL w="12700" cap="flat" cmpd="sng" algn="ctr">
+                          <a:noFill/>
+                          <a:prstDash val="solid"/>
+                          <a:round/>
+                          <a:headEnd type="none" w="med" len="med"/>
+                          <a:tailEnd type="none" w="med" len="med"/>
+                        </a:lnL>
+                        <a:lnR w="12700" cap="flat" cmpd="sng" algn="ctr">
+                          <a:noFill/>
+                          <a:prstDash val="solid"/>
+                          <a:round/>
+                          <a:headEnd type="none" w="med" len="med"/>
+                          <a:tailEnd type="none" w="med" len="med"/>
+                        </a:lnR>
+                        <a:lnT w="19050" cap="flat" cmpd="sng" algn="ctr">
+                          <a:solidFill>
+                            <a:schemeClr val="tx1"/>
+                          </a:solidFill>
+                          <a:prstDash val="solid"/>
+                          <a:round/>
+                          <a:headEnd type="none" w="med" len="med"/>
+                          <a:tailEnd type="none" w="med" len="med"/>
+                        </a:lnT>
+                        <a:lnB w="12700" cap="flat" cmpd="sng" algn="ctr">
+                          <a:solidFill>
+                            <a:schemeClr val="tx1"/>
+                          </a:solidFill>
+                          <a:prstDash val="solid"/>
+                          <a:round/>
+                          <a:headEnd type="none" w="med" len="med"/>
+                          <a:tailEnd type="none" w="med" len="med"/>
+                        </a:lnB>
+                        <a:lnTlToBr w="12700" cmpd="sng">
+                          <a:noFill/>
+                          <a:prstDash val="solid"/>
+                        </a:lnTlToBr>
+                        <a:lnBlToTr w="12700" cmpd="sng">
+                          <a:noFill/>
+                          <a:prstDash val="solid"/>
+                        </a:lnBlToTr>
+                        <a:blipFill>
+                          <a:blip r:embed="rId2"/>
+                          <a:stretch>
+                            <a:fillRect l="-200450" t="-8197" r="-301351" b="-122951"/>
+                          </a:stretch>
+                        </a:blipFill>
+                      </a:tcPr>
+                    </a:tc>
+                    <a:tc>
+                      <a:txBody>
+                        <a:bodyPr/>
+                        <a:lstStyle/>
+                        <a:p>
+                          <a:pPr algn="ctr"/>
+                          <a:r>
+                            <a:rPr lang="en-US" altLang="zh-CN" b="0" dirty="0">
+                              <a:solidFill>
+                                <a:schemeClr val="tx1"/>
+                              </a:solidFill>
+                              <a:latin typeface="Times New Roman" panose="02020603050405020304" pitchFamily="18" charset="0"/>
+                              <a:cs typeface="Times New Roman" panose="02020603050405020304" pitchFamily="18" charset="0"/>
+                            </a:rPr>
+                            <a:t>…</a:t>
+                          </a:r>
+                          <a:endParaRPr lang="zh-CN" altLang="en-US" b="0" dirty="0">
+                            <a:solidFill>
+                              <a:schemeClr val="tx1"/>
+                            </a:solidFill>
+                            <a:latin typeface="Times New Roman" panose="02020603050405020304" pitchFamily="18" charset="0"/>
+                            <a:cs typeface="Times New Roman" panose="02020603050405020304" pitchFamily="18" charset="0"/>
+                          </a:endParaRPr>
+                        </a:p>
+                      </a:txBody>
+                      <a:tcPr>
+                        <a:lnL w="12700" cap="flat" cmpd="sng" algn="ctr">
+                          <a:noFill/>
+                          <a:prstDash val="solid"/>
+                          <a:round/>
+                          <a:headEnd type="none" w="med" len="med"/>
+                          <a:tailEnd type="none" w="med" len="med"/>
+                        </a:lnL>
+                        <a:lnR w="12700" cap="flat" cmpd="sng" algn="ctr">
+                          <a:noFill/>
+                          <a:prstDash val="solid"/>
+                          <a:round/>
+                          <a:headEnd type="none" w="med" len="med"/>
+                          <a:tailEnd type="none" w="med" len="med"/>
+                        </a:lnR>
+                        <a:lnT w="19050" cap="flat" cmpd="sng" algn="ctr">
+                          <a:solidFill>
+                            <a:schemeClr val="tx1"/>
+                          </a:solidFill>
+                          <a:prstDash val="solid"/>
+                          <a:round/>
+                          <a:headEnd type="none" w="med" len="med"/>
+                          <a:tailEnd type="none" w="med" len="med"/>
+                        </a:lnT>
+                        <a:lnB w="12700" cap="flat" cmpd="sng" algn="ctr">
+                          <a:solidFill>
+                            <a:schemeClr val="tx1"/>
+                          </a:solidFill>
+                          <a:prstDash val="solid"/>
+                          <a:round/>
+                          <a:headEnd type="none" w="med" len="med"/>
+                          <a:tailEnd type="none" w="med" len="med"/>
+                        </a:lnB>
+                        <a:lnTlToBr w="12700" cmpd="sng">
+                          <a:noFill/>
+                          <a:prstDash val="solid"/>
+                        </a:lnTlToBr>
+                        <a:lnBlToTr w="12700" cmpd="sng">
+                          <a:noFill/>
+                          <a:prstDash val="solid"/>
+                        </a:lnBlToTr>
+                        <a:solidFill>
+                          <a:schemeClr val="bg1"/>
+                        </a:solidFill>
+                      </a:tcPr>
+                    </a:tc>
+                    <a:tc>
+                      <a:txBody>
+                        <a:bodyPr/>
+                        <a:lstStyle/>
+                        <a:p>
+                          <a:endParaRPr lang="zh-CN"/>
+                        </a:p>
+                      </a:txBody>
+                      <a:tcPr>
+                        <a:lnL w="12700" cap="flat" cmpd="sng" algn="ctr">
+                          <a:noFill/>
+                          <a:prstDash val="solid"/>
+                          <a:round/>
+                          <a:headEnd type="none" w="med" len="med"/>
+                          <a:tailEnd type="none" w="med" len="med"/>
+                        </a:lnL>
+                        <a:lnR w="12700" cap="flat" cmpd="sng" algn="ctr">
+                          <a:noFill/>
+                          <a:prstDash val="solid"/>
+                          <a:round/>
+                          <a:headEnd type="none" w="med" len="med"/>
+                          <a:tailEnd type="none" w="med" len="med"/>
+                        </a:lnR>
+                        <a:lnT w="19050" cap="flat" cmpd="sng" algn="ctr">
+                          <a:solidFill>
+                            <a:schemeClr val="tx1"/>
+                          </a:solidFill>
+                          <a:prstDash val="solid"/>
+                          <a:round/>
+                          <a:headEnd type="none" w="med" len="med"/>
+                          <a:tailEnd type="none" w="med" len="med"/>
+                        </a:lnT>
+                        <a:lnB w="12700" cap="flat" cmpd="sng" algn="ctr">
+                          <a:solidFill>
+                            <a:schemeClr val="tx1"/>
+                          </a:solidFill>
+                          <a:prstDash val="solid"/>
+                          <a:round/>
+                          <a:headEnd type="none" w="med" len="med"/>
+                          <a:tailEnd type="none" w="med" len="med"/>
+                        </a:lnB>
+                        <a:lnTlToBr w="12700" cmpd="sng">
+                          <a:noFill/>
+                          <a:prstDash val="solid"/>
+                        </a:lnTlToBr>
+                        <a:lnBlToTr w="12700" cmpd="sng">
+                          <a:noFill/>
+                          <a:prstDash val="solid"/>
+                        </a:lnBlToTr>
+                        <a:blipFill>
+                          <a:blip r:embed="rId2"/>
+                          <a:stretch>
+                            <a:fillRect l="-398655" t="-8197" r="-100448" b="-122951"/>
+                          </a:stretch>
+                        </a:blipFill>
+                      </a:tcPr>
+                    </a:tc>
+                    <a:tc>
+                      <a:txBody>
+                        <a:bodyPr/>
+                        <a:lstStyle/>
+                        <a:p>
+                          <a:pPr algn="ctr"/>
+                          <a:r>
+                            <a:rPr lang="en-US" altLang="zh-CN" b="0" dirty="0">
+                              <a:solidFill>
+                                <a:schemeClr val="tx1"/>
+                              </a:solidFill>
+                              <a:latin typeface="Times New Roman" panose="02020603050405020304" pitchFamily="18" charset="0"/>
+                              <a:cs typeface="Times New Roman" panose="02020603050405020304" pitchFamily="18" charset="0"/>
+                            </a:rPr>
+                            <a:t>…</a:t>
+                          </a:r>
+                          <a:endParaRPr lang="zh-CN" altLang="en-US" b="0" dirty="0">
+                            <a:solidFill>
+                              <a:schemeClr val="tx1"/>
+                            </a:solidFill>
+                            <a:latin typeface="Times New Roman" panose="02020603050405020304" pitchFamily="18" charset="0"/>
+                            <a:cs typeface="Times New Roman" panose="02020603050405020304" pitchFamily="18" charset="0"/>
+                          </a:endParaRPr>
+                        </a:p>
+                      </a:txBody>
+                      <a:tcPr>
+                        <a:lnL w="12700" cap="flat" cmpd="sng" algn="ctr">
+                          <a:noFill/>
+                          <a:prstDash val="solid"/>
+                          <a:round/>
+                          <a:headEnd type="none" w="med" len="med"/>
+                          <a:tailEnd type="none" w="med" len="med"/>
+                        </a:lnL>
+                        <a:lnR w="12700" cap="flat" cmpd="sng" algn="ctr">
+                          <a:noFill/>
+                          <a:prstDash val="solid"/>
+                          <a:round/>
+                          <a:headEnd type="none" w="med" len="med"/>
+                          <a:tailEnd type="none" w="med" len="med"/>
+                        </a:lnR>
+                        <a:lnT w="19050" cap="flat" cmpd="sng" algn="ctr">
+                          <a:solidFill>
+                            <a:schemeClr val="tx1"/>
+                          </a:solidFill>
+                          <a:prstDash val="solid"/>
+                          <a:round/>
+                          <a:headEnd type="none" w="med" len="med"/>
+                          <a:tailEnd type="none" w="med" len="med"/>
+                        </a:lnT>
+                        <a:lnB w="12700" cap="flat" cmpd="sng" algn="ctr">
+                          <a:solidFill>
+                            <a:schemeClr val="tx1"/>
+                          </a:solidFill>
+                          <a:prstDash val="solid"/>
+                          <a:round/>
+                          <a:headEnd type="none" w="med" len="med"/>
+                          <a:tailEnd type="none" w="med" len="med"/>
+                        </a:lnB>
+                        <a:lnTlToBr w="12700" cmpd="sng">
+                          <a:noFill/>
+                          <a:prstDash val="solid"/>
+                        </a:lnTlToBr>
+                        <a:lnBlToTr w="12700" cmpd="sng">
+                          <a:noFill/>
+                          <a:prstDash val="solid"/>
+                        </a:lnBlToTr>
+                        <a:solidFill>
+                          <a:schemeClr val="bg1"/>
+                        </a:solidFill>
+                      </a:tcPr>
+                    </a:tc>
+                    <a:extLst>
+                      <a:ext uri="{0D108BD9-81ED-4DB2-BD59-A6C34878D82A}">
+                        <a16:rowId xmlns:a16="http://schemas.microsoft.com/office/drawing/2014/main" val="3511250450"/>
+                      </a:ext>
+                    </a:extLst>
+                  </a:tr>
+                  <a:tr h="370840">
+                    <a:tc>
+                      <a:txBody>
+                        <a:bodyPr/>
+                        <a:lstStyle/>
+                        <a:p>
+                          <a:pPr algn="ctr"/>
+                          <a:r>
+                            <a:rPr lang="en-US" altLang="zh-CN" b="0" dirty="0">
+                              <a:solidFill>
+                                <a:schemeClr val="tx1"/>
+                              </a:solidFill>
+                              <a:latin typeface="Times New Roman" panose="02020603050405020304" pitchFamily="18" charset="0"/>
+                              <a:cs typeface="Times New Roman" panose="02020603050405020304" pitchFamily="18" charset="0"/>
+                            </a:rPr>
+                            <a:t>P</a:t>
+                          </a:r>
+                          <a:endParaRPr lang="zh-CN" altLang="en-US" b="0" dirty="0">
+                            <a:solidFill>
+                              <a:schemeClr val="tx1"/>
+                            </a:solidFill>
+                            <a:latin typeface="Times New Roman" panose="02020603050405020304" pitchFamily="18" charset="0"/>
+                            <a:cs typeface="Times New Roman" panose="02020603050405020304" pitchFamily="18" charset="0"/>
+                          </a:endParaRPr>
+                        </a:p>
+                      </a:txBody>
+                      <a:tcPr>
+                        <a:lnL w="12700" cap="flat" cmpd="sng" algn="ctr">
+                          <a:noFill/>
+                          <a:prstDash val="solid"/>
+                          <a:round/>
+                          <a:headEnd type="none" w="med" len="med"/>
+                          <a:tailEnd type="none" w="med" len="med"/>
+                        </a:lnL>
+                        <a:lnR w="12700" cap="flat" cmpd="sng" algn="ctr">
+                          <a:solidFill>
+                            <a:schemeClr val="tx1"/>
+                          </a:solidFill>
+                          <a:prstDash val="solid"/>
+                          <a:round/>
+                          <a:headEnd type="none" w="med" len="med"/>
+                          <a:tailEnd type="none" w="med" len="med"/>
+                        </a:lnR>
+                        <a:lnT w="12700" cap="flat" cmpd="sng" algn="ctr">
+                          <a:solidFill>
+                            <a:schemeClr val="tx1"/>
+                          </a:solidFill>
+                          <a:prstDash val="solid"/>
+                          <a:round/>
+                          <a:headEnd type="none" w="med" len="med"/>
+                          <a:tailEnd type="none" w="med" len="med"/>
+                        </a:lnT>
+                        <a:lnB w="12700" cap="flat" cmpd="sng" algn="ctr">
+                          <a:solidFill>
+                            <a:schemeClr val="tx1"/>
+                          </a:solidFill>
+                          <a:prstDash val="solid"/>
+                          <a:round/>
+                          <a:headEnd type="none" w="med" len="med"/>
+                          <a:tailEnd type="none" w="med" len="med"/>
+                        </a:lnB>
+                        <a:lnTlToBr w="12700" cmpd="sng">
+                          <a:noFill/>
+                          <a:prstDash val="solid"/>
+                        </a:lnTlToBr>
+                        <a:lnBlToTr w="12700" cmpd="sng">
+                          <a:noFill/>
+                          <a:prstDash val="solid"/>
+                        </a:lnBlToTr>
+                        <a:solidFill>
+                          <a:schemeClr val="bg1"/>
+                        </a:solidFill>
+                      </a:tcPr>
+                    </a:tc>
+                    <a:tc>
+                      <a:txBody>
+                        <a:bodyPr/>
+                        <a:lstStyle/>
+                        <a:p>
+                          <a:endParaRPr lang="zh-CN"/>
+                        </a:p>
+                      </a:txBody>
+                      <a:tcPr>
+                        <a:lnL w="12700" cap="flat" cmpd="sng" algn="ctr">
+                          <a:solidFill>
+                            <a:schemeClr val="tx1"/>
+                          </a:solidFill>
+                          <a:prstDash val="solid"/>
+                          <a:round/>
+                          <a:headEnd type="none" w="med" len="med"/>
+                          <a:tailEnd type="none" w="med" len="med"/>
+                        </a:lnL>
+                        <a:lnR w="12700" cap="flat" cmpd="sng" algn="ctr">
+                          <a:noFill/>
+                          <a:prstDash val="solid"/>
+                          <a:round/>
+                          <a:headEnd type="none" w="med" len="med"/>
+                          <a:tailEnd type="none" w="med" len="med"/>
+                        </a:lnR>
+                        <a:lnT w="12700" cap="flat" cmpd="sng" algn="ctr">
+                          <a:solidFill>
+                            <a:schemeClr val="tx1"/>
+                          </a:solidFill>
+                          <a:prstDash val="solid"/>
+                          <a:round/>
+                          <a:headEnd type="none" w="med" len="med"/>
+                          <a:tailEnd type="none" w="med" len="med"/>
+                        </a:lnT>
+                        <a:lnB w="12700" cap="flat" cmpd="sng" algn="ctr">
+                          <a:solidFill>
+                            <a:schemeClr val="tx1"/>
+                          </a:solidFill>
+                          <a:prstDash val="solid"/>
+                          <a:round/>
+                          <a:headEnd type="none" w="med" len="med"/>
+                          <a:tailEnd type="none" w="med" len="med"/>
+                        </a:lnB>
+                        <a:lnTlToBr w="12700" cmpd="sng">
+                          <a:noFill/>
+                          <a:prstDash val="solid"/>
+                        </a:lnTlToBr>
+                        <a:lnBlToTr w="12700" cmpd="sng">
+                          <a:noFill/>
+                          <a:prstDash val="solid"/>
+                        </a:lnBlToTr>
+                        <a:blipFill>
+                          <a:blip r:embed="rId2"/>
+                          <a:stretch>
+                            <a:fillRect l="-99552" t="-108197" r="-399552" b="-22951"/>
+                          </a:stretch>
+                        </a:blipFill>
+                      </a:tcPr>
+                    </a:tc>
+                    <a:tc>
+                      <a:txBody>
+                        <a:bodyPr/>
+                        <a:lstStyle/>
+                        <a:p>
+                          <a:endParaRPr lang="zh-CN"/>
+                        </a:p>
+                      </a:txBody>
+                      <a:tcPr>
+                        <a:lnL w="12700" cap="flat" cmpd="sng" algn="ctr">
+                          <a:noFill/>
+                          <a:prstDash val="solid"/>
+                          <a:round/>
+                          <a:headEnd type="none" w="med" len="med"/>
+                          <a:tailEnd type="none" w="med" len="med"/>
+                        </a:lnL>
+                        <a:lnR w="12700" cap="flat" cmpd="sng" algn="ctr">
+                          <a:noFill/>
+                          <a:prstDash val="solid"/>
+                          <a:round/>
+                          <a:headEnd type="none" w="med" len="med"/>
+                          <a:tailEnd type="none" w="med" len="med"/>
+                        </a:lnR>
+                        <a:lnT w="12700" cap="flat" cmpd="sng" algn="ctr">
+                          <a:solidFill>
+                            <a:schemeClr val="tx1"/>
+                          </a:solidFill>
+                          <a:prstDash val="solid"/>
+                          <a:round/>
+                          <a:headEnd type="none" w="med" len="med"/>
+                          <a:tailEnd type="none" w="med" len="med"/>
+                        </a:lnT>
+                        <a:lnB w="12700" cap="flat" cmpd="sng" algn="ctr">
+                          <a:solidFill>
+                            <a:schemeClr val="tx1"/>
+                          </a:solidFill>
+                          <a:prstDash val="solid"/>
+                          <a:round/>
+                          <a:headEnd type="none" w="med" len="med"/>
+                          <a:tailEnd type="none" w="med" len="med"/>
+                        </a:lnB>
+                        <a:lnTlToBr w="12700" cmpd="sng">
+                          <a:noFill/>
+                          <a:prstDash val="solid"/>
+                        </a:lnTlToBr>
+                        <a:lnBlToTr w="12700" cmpd="sng">
+                          <a:noFill/>
+                          <a:prstDash val="solid"/>
+                        </a:lnBlToTr>
+                        <a:blipFill>
+                          <a:blip r:embed="rId2"/>
+                          <a:stretch>
+                            <a:fillRect l="-200450" t="-108197" r="-301351" b="-22951"/>
+                          </a:stretch>
+                        </a:blipFill>
+                      </a:tcPr>
+                    </a:tc>
+                    <a:tc>
+                      <a:txBody>
+                        <a:bodyPr/>
+                        <a:lstStyle/>
+                        <a:p>
+                          <a:pPr algn="ctr"/>
+                          <a:r>
+                            <a:rPr lang="en-US" altLang="zh-CN" b="0" dirty="0">
+                              <a:solidFill>
+                                <a:schemeClr val="tx1"/>
+                              </a:solidFill>
+                              <a:latin typeface="Times New Roman" panose="02020603050405020304" pitchFamily="18" charset="0"/>
+                              <a:cs typeface="Times New Roman" panose="02020603050405020304" pitchFamily="18" charset="0"/>
+                            </a:rPr>
+                            <a:t>…</a:t>
+                          </a:r>
+                          <a:endParaRPr lang="zh-CN" altLang="en-US" b="0" dirty="0">
+                            <a:solidFill>
+                              <a:schemeClr val="tx1"/>
+                            </a:solidFill>
+                            <a:latin typeface="Times New Roman" panose="02020603050405020304" pitchFamily="18" charset="0"/>
+                            <a:cs typeface="Times New Roman" panose="02020603050405020304" pitchFamily="18" charset="0"/>
+                          </a:endParaRPr>
+                        </a:p>
+                      </a:txBody>
+                      <a:tcPr>
+                        <a:lnL w="12700" cap="flat" cmpd="sng" algn="ctr">
+                          <a:noFill/>
+                          <a:prstDash val="solid"/>
+                          <a:round/>
+                          <a:headEnd type="none" w="med" len="med"/>
+                          <a:tailEnd type="none" w="med" len="med"/>
+                        </a:lnL>
+                        <a:lnR w="12700" cap="flat" cmpd="sng" algn="ctr">
+                          <a:noFill/>
+                          <a:prstDash val="solid"/>
+                          <a:round/>
+                          <a:headEnd type="none" w="med" len="med"/>
+                          <a:tailEnd type="none" w="med" len="med"/>
+                        </a:lnR>
+                        <a:lnT w="12700" cap="flat" cmpd="sng" algn="ctr">
+                          <a:solidFill>
+                            <a:schemeClr val="tx1"/>
+                          </a:solidFill>
+                          <a:prstDash val="solid"/>
+                          <a:round/>
+                          <a:headEnd type="none" w="med" len="med"/>
+                          <a:tailEnd type="none" w="med" len="med"/>
+                        </a:lnT>
+                        <a:lnB w="12700" cap="flat" cmpd="sng" algn="ctr">
+                          <a:solidFill>
+                            <a:schemeClr val="tx1"/>
+                          </a:solidFill>
+                          <a:prstDash val="solid"/>
+                          <a:round/>
+                          <a:headEnd type="none" w="med" len="med"/>
+                          <a:tailEnd type="none" w="med" len="med"/>
+                        </a:lnB>
+                        <a:lnTlToBr w="12700" cmpd="sng">
+                          <a:noFill/>
+                          <a:prstDash val="solid"/>
+                        </a:lnTlToBr>
+                        <a:lnBlToTr w="12700" cmpd="sng">
+                          <a:noFill/>
+                          <a:prstDash val="solid"/>
+                        </a:lnBlToTr>
+                        <a:solidFill>
+                          <a:schemeClr val="bg1"/>
+                        </a:solidFill>
+                      </a:tcPr>
+                    </a:tc>
+                    <a:tc>
+                      <a:txBody>
+                        <a:bodyPr/>
+                        <a:lstStyle/>
+                        <a:p>
+                          <a:endParaRPr lang="zh-CN"/>
+                        </a:p>
+                      </a:txBody>
+                      <a:tcPr>
+                        <a:lnL w="12700" cap="flat" cmpd="sng" algn="ctr">
+                          <a:noFill/>
+                          <a:prstDash val="solid"/>
+                          <a:round/>
+                          <a:headEnd type="none" w="med" len="med"/>
+                          <a:tailEnd type="none" w="med" len="med"/>
+                        </a:lnL>
+                        <a:lnR w="12700" cap="flat" cmpd="sng" algn="ctr">
+                          <a:noFill/>
+                          <a:prstDash val="solid"/>
+                          <a:round/>
+                          <a:headEnd type="none" w="med" len="med"/>
+                          <a:tailEnd type="none" w="med" len="med"/>
+                        </a:lnR>
+                        <a:lnT w="12700" cap="flat" cmpd="sng" algn="ctr">
+                          <a:solidFill>
+                            <a:schemeClr val="tx1"/>
+                          </a:solidFill>
+                          <a:prstDash val="solid"/>
+                          <a:round/>
+                          <a:headEnd type="none" w="med" len="med"/>
+                          <a:tailEnd type="none" w="med" len="med"/>
+                        </a:lnT>
+                        <a:lnB w="12700" cap="flat" cmpd="sng" algn="ctr">
+                          <a:solidFill>
+                            <a:schemeClr val="tx1"/>
+                          </a:solidFill>
+                          <a:prstDash val="solid"/>
+                          <a:round/>
+                          <a:headEnd type="none" w="med" len="med"/>
+                          <a:tailEnd type="none" w="med" len="med"/>
+                        </a:lnB>
+                        <a:lnTlToBr w="12700" cmpd="sng">
+                          <a:noFill/>
+                          <a:prstDash val="solid"/>
+                        </a:lnTlToBr>
+                        <a:lnBlToTr w="12700" cmpd="sng">
+                          <a:noFill/>
+                          <a:prstDash val="solid"/>
+                        </a:lnBlToTr>
+                        <a:blipFill>
+                          <a:blip r:embed="rId2"/>
+                          <a:stretch>
+                            <a:fillRect l="-398655" t="-108197" r="-100448" b="-22951"/>
+                          </a:stretch>
+                        </a:blipFill>
+                      </a:tcPr>
+                    </a:tc>
+                    <a:tc>
+                      <a:txBody>
+                        <a:bodyPr/>
+                        <a:lstStyle/>
+                        <a:p>
+                          <a:pPr algn="ctr"/>
+                          <a:r>
+                            <a:rPr lang="en-US" altLang="zh-CN" b="0" dirty="0">
+                              <a:solidFill>
+                                <a:schemeClr val="tx1"/>
+                              </a:solidFill>
+                              <a:latin typeface="Times New Roman" panose="02020603050405020304" pitchFamily="18" charset="0"/>
+                              <a:cs typeface="Times New Roman" panose="02020603050405020304" pitchFamily="18" charset="0"/>
+                            </a:rPr>
+                            <a:t>…</a:t>
+                          </a:r>
+                          <a:endParaRPr lang="zh-CN" altLang="en-US" b="0" dirty="0">
+                            <a:solidFill>
+                              <a:schemeClr val="tx1"/>
+                            </a:solidFill>
+                            <a:latin typeface="Times New Roman" panose="02020603050405020304" pitchFamily="18" charset="0"/>
+                            <a:cs typeface="Times New Roman" panose="02020603050405020304" pitchFamily="18" charset="0"/>
+                          </a:endParaRPr>
+                        </a:p>
+                      </a:txBody>
+                      <a:tcPr>
+                        <a:lnL w="12700" cap="flat" cmpd="sng" algn="ctr">
+                          <a:noFill/>
+                          <a:prstDash val="solid"/>
+                          <a:round/>
+                          <a:headEnd type="none" w="med" len="med"/>
+                          <a:tailEnd type="none" w="med" len="med"/>
+                        </a:lnL>
+                        <a:lnR w="12700" cap="flat" cmpd="sng" algn="ctr">
+                          <a:noFill/>
+                          <a:prstDash val="solid"/>
+                          <a:round/>
+                          <a:headEnd type="none" w="med" len="med"/>
+                          <a:tailEnd type="none" w="med" len="med"/>
+                        </a:lnR>
+                        <a:lnT w="12700" cap="flat" cmpd="sng" algn="ctr">
+                          <a:solidFill>
+                            <a:schemeClr val="tx1"/>
+                          </a:solidFill>
+                          <a:prstDash val="solid"/>
+                          <a:round/>
+                          <a:headEnd type="none" w="med" len="med"/>
+                          <a:tailEnd type="none" w="med" len="med"/>
+                        </a:lnT>
+                        <a:lnB w="12700" cap="flat" cmpd="sng" algn="ctr">
+                          <a:solidFill>
+                            <a:schemeClr val="tx1"/>
+                          </a:solidFill>
+                          <a:prstDash val="solid"/>
+                          <a:round/>
+                          <a:headEnd type="none" w="med" len="med"/>
+                          <a:tailEnd type="none" w="med" len="med"/>
+                        </a:lnB>
+                        <a:lnTlToBr w="12700" cmpd="sng">
+                          <a:noFill/>
+                          <a:prstDash val="solid"/>
+                        </a:lnTlToBr>
+                        <a:lnBlToTr w="12700" cmpd="sng">
+                          <a:noFill/>
+                          <a:prstDash val="solid"/>
+                        </a:lnBlToTr>
+                        <a:solidFill>
+                          <a:schemeClr val="bg1"/>
+                        </a:solidFill>
+                      </a:tcPr>
+                    </a:tc>
+                    <a:extLst>
+                      <a:ext uri="{0D108BD9-81ED-4DB2-BD59-A6C34878D82A}">
+                        <a16:rowId xmlns:a16="http://schemas.microsoft.com/office/drawing/2014/main" val="3045326167"/>
+                      </a:ext>
+                    </a:extLst>
+                  </a:tr>
+                </a:tbl>
+              </a:graphicData>
+            </a:graphic>
+          </p:graphicFrame>
+        </mc:Fallback>
+      </mc:AlternateContent>
+    </p:spTree>
+    <p:extLst>
+      <p:ext uri="{BB962C8B-B14F-4D97-AF65-F5344CB8AC3E}">
+        <p14:creationId xmlns:p14="http://schemas.microsoft.com/office/powerpoint/2010/main" val="795161677"/>
       </p:ext>
     </p:extLst>
   </p:cSld>
